--- a/tex/figures/SimpleHarmonicMotion/Figures.pptx
+++ b/tex/figures/SimpleHarmonicMotion/Figures.pptx
@@ -6,6 +6,7 @@
   </p:sldMasterIdLst>
   <p:sldIdLst>
     <p:sldId id="271" r:id="rId2"/>
+    <p:sldId id="272" r:id="rId3"/>
   </p:sldIdLst>
   <p:sldSz cx="12192000" cy="6858000"/>
   <p:notesSz cx="6858000" cy="9144000"/>
@@ -5159,6 +5160,3624 @@
 </p:sld>
 </file>
 
+<file path=ppt/slides/slide2.xml><?xml version="1.0" encoding="utf-8"?>
+<p:sld xmlns:a="http://schemas.openxmlformats.org/drawingml/2006/main" xmlns:r="http://schemas.openxmlformats.org/officeDocument/2006/relationships" xmlns:p="http://schemas.openxmlformats.org/presentationml/2006/main">
+  <p:cSld>
+    <p:spTree>
+      <p:nvGrpSpPr>
+        <p:cNvPr id="1" name=""/>
+        <p:cNvGrpSpPr/>
+        <p:nvPr/>
+      </p:nvGrpSpPr>
+      <p:grpSpPr>
+        <a:xfrm>
+          <a:off x="0" y="0"/>
+          <a:ext cx="0" cy="0"/>
+          <a:chOff x="0" y="0"/>
+          <a:chExt cx="0" cy="0"/>
+        </a:xfrm>
+      </p:grpSpPr>
+      <p:grpSp>
+        <p:nvGrpSpPr>
+          <p:cNvPr id="48" name="Group 47"/>
+          <p:cNvGrpSpPr/>
+          <p:nvPr/>
+        </p:nvGrpSpPr>
+        <p:grpSpPr>
+          <a:xfrm>
+            <a:off x="591858" y="422364"/>
+            <a:ext cx="5159506" cy="4516539"/>
+            <a:chOff x="591858" y="422364"/>
+            <a:chExt cx="5159506" cy="4516539"/>
+          </a:xfrm>
+        </p:grpSpPr>
+        <p:grpSp>
+          <p:nvGrpSpPr>
+            <p:cNvPr id="45" name="Group 44"/>
+            <p:cNvGrpSpPr/>
+            <p:nvPr/>
+          </p:nvGrpSpPr>
+          <p:grpSpPr>
+            <a:xfrm>
+              <a:off x="591858" y="422364"/>
+              <a:ext cx="5159506" cy="4516539"/>
+              <a:chOff x="1404658" y="249644"/>
+              <a:chExt cx="5159506" cy="4516539"/>
+            </a:xfrm>
+          </p:grpSpPr>
+          <p:grpSp>
+            <p:nvGrpSpPr>
+              <p:cNvPr id="10" name="Group 9"/>
+              <p:cNvGrpSpPr/>
+              <p:nvPr/>
+            </p:nvGrpSpPr>
+            <p:grpSpPr>
+              <a:xfrm>
+                <a:off x="1404658" y="1986332"/>
+                <a:ext cx="1707460" cy="841883"/>
+                <a:chOff x="2317785" y="1008668"/>
+                <a:chExt cx="1707460" cy="841883"/>
+              </a:xfrm>
+            </p:grpSpPr>
+            <p:sp>
+              <p:nvSpPr>
+                <p:cNvPr id="21" name="Freeform 20"/>
+                <p:cNvSpPr/>
+                <p:nvPr/>
+              </p:nvSpPr>
+              <p:spPr>
+                <a:xfrm>
+                  <a:off x="2441542" y="1252980"/>
+                  <a:ext cx="1583703" cy="537328"/>
+                </a:xfrm>
+                <a:custGeom>
+                  <a:avLst/>
+                  <a:gdLst>
+                    <a:gd name="connsiteX0" fmla="*/ 0 w 10086681"/>
+                    <a:gd name="connsiteY0" fmla="*/ 931129 h 1873809"/>
+                    <a:gd name="connsiteX1" fmla="*/ 923827 w 10086681"/>
+                    <a:gd name="connsiteY1" fmla="*/ 26156 h 1873809"/>
+                    <a:gd name="connsiteX2" fmla="*/ 1838227 w 10086681"/>
+                    <a:gd name="connsiteY2" fmla="*/ 1836102 h 1873809"/>
+                    <a:gd name="connsiteX3" fmla="*/ 2771481 w 10086681"/>
+                    <a:gd name="connsiteY3" fmla="*/ 26156 h 1873809"/>
+                    <a:gd name="connsiteX4" fmla="*/ 3667027 w 10086681"/>
+                    <a:gd name="connsiteY4" fmla="*/ 1873809 h 1873809"/>
+                    <a:gd name="connsiteX5" fmla="*/ 4600281 w 10086681"/>
+                    <a:gd name="connsiteY5" fmla="*/ 26156 h 1873809"/>
+                    <a:gd name="connsiteX6" fmla="*/ 5486400 w 10086681"/>
+                    <a:gd name="connsiteY6" fmla="*/ 1854956 h 1873809"/>
+                    <a:gd name="connsiteX7" fmla="*/ 6400800 w 10086681"/>
+                    <a:gd name="connsiteY7" fmla="*/ 26156 h 1873809"/>
+                    <a:gd name="connsiteX8" fmla="*/ 7324627 w 10086681"/>
+                    <a:gd name="connsiteY8" fmla="*/ 1854956 h 1873809"/>
+                    <a:gd name="connsiteX9" fmla="*/ 8229600 w 10086681"/>
+                    <a:gd name="connsiteY9" fmla="*/ 26156 h 1873809"/>
+                    <a:gd name="connsiteX10" fmla="*/ 9134574 w 10086681"/>
+                    <a:gd name="connsiteY10" fmla="*/ 1854956 h 1873809"/>
+                    <a:gd name="connsiteX11" fmla="*/ 10086681 w 10086681"/>
+                    <a:gd name="connsiteY11" fmla="*/ 931129 h 1873809"/>
+                    <a:gd name="connsiteX12" fmla="*/ 10086681 w 10086681"/>
+                    <a:gd name="connsiteY12" fmla="*/ 931129 h 1873809"/>
+                  </a:gdLst>
+                  <a:ahLst/>
+                  <a:cxnLst>
+                    <a:cxn ang="0">
+                      <a:pos x="connsiteX0" y="connsiteY0"/>
+                    </a:cxn>
+                    <a:cxn ang="0">
+                      <a:pos x="connsiteX1" y="connsiteY1"/>
+                    </a:cxn>
+                    <a:cxn ang="0">
+                      <a:pos x="connsiteX2" y="connsiteY2"/>
+                    </a:cxn>
+                    <a:cxn ang="0">
+                      <a:pos x="connsiteX3" y="connsiteY3"/>
+                    </a:cxn>
+                    <a:cxn ang="0">
+                      <a:pos x="connsiteX4" y="connsiteY4"/>
+                    </a:cxn>
+                    <a:cxn ang="0">
+                      <a:pos x="connsiteX5" y="connsiteY5"/>
+                    </a:cxn>
+                    <a:cxn ang="0">
+                      <a:pos x="connsiteX6" y="connsiteY6"/>
+                    </a:cxn>
+                    <a:cxn ang="0">
+                      <a:pos x="connsiteX7" y="connsiteY7"/>
+                    </a:cxn>
+                    <a:cxn ang="0">
+                      <a:pos x="connsiteX8" y="connsiteY8"/>
+                    </a:cxn>
+                    <a:cxn ang="0">
+                      <a:pos x="connsiteX9" y="connsiteY9"/>
+                    </a:cxn>
+                    <a:cxn ang="0">
+                      <a:pos x="connsiteX10" y="connsiteY10"/>
+                    </a:cxn>
+                    <a:cxn ang="0">
+                      <a:pos x="connsiteX11" y="connsiteY11"/>
+                    </a:cxn>
+                    <a:cxn ang="0">
+                      <a:pos x="connsiteX12" y="connsiteY12"/>
+                    </a:cxn>
+                  </a:cxnLst>
+                  <a:rect l="l" t="t" r="r" b="b"/>
+                  <a:pathLst>
+                    <a:path w="10086681" h="1873809">
+                      <a:moveTo>
+                        <a:pt x="0" y="931129"/>
+                      </a:moveTo>
+                      <a:cubicBezTo>
+                        <a:pt x="308728" y="403228"/>
+                        <a:pt x="617456" y="-124673"/>
+                        <a:pt x="923827" y="26156"/>
+                      </a:cubicBezTo>
+                      <a:cubicBezTo>
+                        <a:pt x="1230198" y="176985"/>
+                        <a:pt x="1530285" y="1836102"/>
+                        <a:pt x="1838227" y="1836102"/>
+                      </a:cubicBezTo>
+                      <a:cubicBezTo>
+                        <a:pt x="2146169" y="1836102"/>
+                        <a:pt x="2466681" y="19871"/>
+                        <a:pt x="2771481" y="26156"/>
+                      </a:cubicBezTo>
+                      <a:cubicBezTo>
+                        <a:pt x="3076281" y="32440"/>
+                        <a:pt x="3362227" y="1873809"/>
+                        <a:pt x="3667027" y="1873809"/>
+                      </a:cubicBezTo>
+                      <a:cubicBezTo>
+                        <a:pt x="3971827" y="1873809"/>
+                        <a:pt x="4297052" y="29298"/>
+                        <a:pt x="4600281" y="26156"/>
+                      </a:cubicBezTo>
+                      <a:cubicBezTo>
+                        <a:pt x="4903510" y="23014"/>
+                        <a:pt x="5186314" y="1854956"/>
+                        <a:pt x="5486400" y="1854956"/>
+                      </a:cubicBezTo>
+                      <a:cubicBezTo>
+                        <a:pt x="5786486" y="1854956"/>
+                        <a:pt x="6094429" y="26156"/>
+                        <a:pt x="6400800" y="26156"/>
+                      </a:cubicBezTo>
+                      <a:cubicBezTo>
+                        <a:pt x="6707171" y="26156"/>
+                        <a:pt x="7019827" y="1854956"/>
+                        <a:pt x="7324627" y="1854956"/>
+                      </a:cubicBezTo>
+                      <a:cubicBezTo>
+                        <a:pt x="7629427" y="1854956"/>
+                        <a:pt x="7927942" y="26156"/>
+                        <a:pt x="8229600" y="26156"/>
+                      </a:cubicBezTo>
+                      <a:cubicBezTo>
+                        <a:pt x="8531258" y="26156"/>
+                        <a:pt x="8825061" y="1704127"/>
+                        <a:pt x="9134574" y="1854956"/>
+                      </a:cubicBezTo>
+                      <a:cubicBezTo>
+                        <a:pt x="9444087" y="2005785"/>
+                        <a:pt x="10086681" y="931129"/>
+                        <a:pt x="10086681" y="931129"/>
+                      </a:cubicBezTo>
+                      <a:lnTo>
+                        <a:pt x="10086681" y="931129"/>
+                      </a:lnTo>
+                    </a:path>
+                  </a:pathLst>
+                </a:custGeom>
+                <a:noFill/>
+                <a:ln w="38100">
+                  <a:solidFill>
+                    <a:schemeClr val="tx1"/>
+                  </a:solidFill>
+                </a:ln>
+              </p:spPr>
+              <p:style>
+                <a:lnRef idx="2">
+                  <a:schemeClr val="accent1">
+                    <a:shade val="50000"/>
+                  </a:schemeClr>
+                </a:lnRef>
+                <a:fillRef idx="1">
+                  <a:schemeClr val="accent1"/>
+                </a:fillRef>
+                <a:effectRef idx="0">
+                  <a:schemeClr val="accent1"/>
+                </a:effectRef>
+                <a:fontRef idx="minor">
+                  <a:schemeClr val="lt1"/>
+                </a:fontRef>
+              </p:style>
+              <p:txBody>
+                <a:bodyPr rtlCol="0" anchor="ctr"/>
+                <a:lstStyle>
+                  <a:defPPr>
+                    <a:defRPr lang="en-US"/>
+                  </a:defPPr>
+                  <a:lvl1pPr marL="0" algn="l" defTabSz="914400" rtl="0" eaLnBrk="1" latinLnBrk="0" hangingPunct="1">
+                    <a:defRPr sz="1800" kern="1200">
+                      <a:solidFill>
+                        <a:schemeClr val="lt1"/>
+                      </a:solidFill>
+                      <a:latin typeface="+mn-lt"/>
+                      <a:ea typeface="+mn-ea"/>
+                      <a:cs typeface="+mn-cs"/>
+                    </a:defRPr>
+                  </a:lvl1pPr>
+                  <a:lvl2pPr marL="457200" algn="l" defTabSz="914400" rtl="0" eaLnBrk="1" latinLnBrk="0" hangingPunct="1">
+                    <a:defRPr sz="1800" kern="1200">
+                      <a:solidFill>
+                        <a:schemeClr val="lt1"/>
+                      </a:solidFill>
+                      <a:latin typeface="+mn-lt"/>
+                      <a:ea typeface="+mn-ea"/>
+                      <a:cs typeface="+mn-cs"/>
+                    </a:defRPr>
+                  </a:lvl2pPr>
+                  <a:lvl3pPr marL="914400" algn="l" defTabSz="914400" rtl="0" eaLnBrk="1" latinLnBrk="0" hangingPunct="1">
+                    <a:defRPr sz="1800" kern="1200">
+                      <a:solidFill>
+                        <a:schemeClr val="lt1"/>
+                      </a:solidFill>
+                      <a:latin typeface="+mn-lt"/>
+                      <a:ea typeface="+mn-ea"/>
+                      <a:cs typeface="+mn-cs"/>
+                    </a:defRPr>
+                  </a:lvl3pPr>
+                  <a:lvl4pPr marL="1371600" algn="l" defTabSz="914400" rtl="0" eaLnBrk="1" latinLnBrk="0" hangingPunct="1">
+                    <a:defRPr sz="1800" kern="1200">
+                      <a:solidFill>
+                        <a:schemeClr val="lt1"/>
+                      </a:solidFill>
+                      <a:latin typeface="+mn-lt"/>
+                      <a:ea typeface="+mn-ea"/>
+                      <a:cs typeface="+mn-cs"/>
+                    </a:defRPr>
+                  </a:lvl4pPr>
+                  <a:lvl5pPr marL="1828800" algn="l" defTabSz="914400" rtl="0" eaLnBrk="1" latinLnBrk="0" hangingPunct="1">
+                    <a:defRPr sz="1800" kern="1200">
+                      <a:solidFill>
+                        <a:schemeClr val="lt1"/>
+                      </a:solidFill>
+                      <a:latin typeface="+mn-lt"/>
+                      <a:ea typeface="+mn-ea"/>
+                      <a:cs typeface="+mn-cs"/>
+                    </a:defRPr>
+                  </a:lvl5pPr>
+                  <a:lvl6pPr marL="2286000" algn="l" defTabSz="914400" rtl="0" eaLnBrk="1" latinLnBrk="0" hangingPunct="1">
+                    <a:defRPr sz="1800" kern="1200">
+                      <a:solidFill>
+                        <a:schemeClr val="lt1"/>
+                      </a:solidFill>
+                      <a:latin typeface="+mn-lt"/>
+                      <a:ea typeface="+mn-ea"/>
+                      <a:cs typeface="+mn-cs"/>
+                    </a:defRPr>
+                  </a:lvl6pPr>
+                  <a:lvl7pPr marL="2743200" algn="l" defTabSz="914400" rtl="0" eaLnBrk="1" latinLnBrk="0" hangingPunct="1">
+                    <a:defRPr sz="1800" kern="1200">
+                      <a:solidFill>
+                        <a:schemeClr val="lt1"/>
+                      </a:solidFill>
+                      <a:latin typeface="+mn-lt"/>
+                      <a:ea typeface="+mn-ea"/>
+                      <a:cs typeface="+mn-cs"/>
+                    </a:defRPr>
+                  </a:lvl7pPr>
+                  <a:lvl8pPr marL="3200400" algn="l" defTabSz="914400" rtl="0" eaLnBrk="1" latinLnBrk="0" hangingPunct="1">
+                    <a:defRPr sz="1800" kern="1200">
+                      <a:solidFill>
+                        <a:schemeClr val="lt1"/>
+                      </a:solidFill>
+                      <a:latin typeface="+mn-lt"/>
+                      <a:ea typeface="+mn-ea"/>
+                      <a:cs typeface="+mn-cs"/>
+                    </a:defRPr>
+                  </a:lvl8pPr>
+                  <a:lvl9pPr marL="3657600" algn="l" defTabSz="914400" rtl="0" eaLnBrk="1" latinLnBrk="0" hangingPunct="1">
+                    <a:defRPr sz="1800" kern="1200">
+                      <a:solidFill>
+                        <a:schemeClr val="lt1"/>
+                      </a:solidFill>
+                      <a:latin typeface="+mn-lt"/>
+                      <a:ea typeface="+mn-ea"/>
+                      <a:cs typeface="+mn-cs"/>
+                    </a:defRPr>
+                  </a:lvl9pPr>
+                </a:lstStyle>
+                <a:p>
+                  <a:pPr algn="ctr"/>
+                  <a:endParaRPr lang="en-US"/>
+                </a:p>
+              </p:txBody>
+            </p:sp>
+            <p:sp>
+              <p:nvSpPr>
+                <p:cNvPr id="22" name="Rectangle 21"/>
+                <p:cNvSpPr/>
+                <p:nvPr/>
+              </p:nvSpPr>
+              <p:spPr>
+                <a:xfrm>
+                  <a:off x="2317785" y="1008668"/>
+                  <a:ext cx="123757" cy="841883"/>
+                </a:xfrm>
+                <a:prstGeom prst="rect">
+                  <a:avLst/>
+                </a:prstGeom>
+                <a:solidFill>
+                  <a:schemeClr val="tx1"/>
+                </a:solidFill>
+                <a:ln w="38100">
+                  <a:solidFill>
+                    <a:schemeClr val="tx1"/>
+                  </a:solidFill>
+                </a:ln>
+              </p:spPr>
+              <p:style>
+                <a:lnRef idx="2">
+                  <a:schemeClr val="accent1">
+                    <a:shade val="50000"/>
+                  </a:schemeClr>
+                </a:lnRef>
+                <a:fillRef idx="1">
+                  <a:schemeClr val="accent1"/>
+                </a:fillRef>
+                <a:effectRef idx="0">
+                  <a:schemeClr val="accent1"/>
+                </a:effectRef>
+                <a:fontRef idx="minor">
+                  <a:schemeClr val="lt1"/>
+                </a:fontRef>
+              </p:style>
+              <p:txBody>
+                <a:bodyPr rtlCol="0" anchor="ctr"/>
+                <a:lstStyle>
+                  <a:defPPr>
+                    <a:defRPr lang="en-US"/>
+                  </a:defPPr>
+                  <a:lvl1pPr marL="0" algn="l" defTabSz="914400" rtl="0" eaLnBrk="1" latinLnBrk="0" hangingPunct="1">
+                    <a:defRPr sz="1800" kern="1200">
+                      <a:solidFill>
+                        <a:schemeClr val="lt1"/>
+                      </a:solidFill>
+                      <a:latin typeface="+mn-lt"/>
+                      <a:ea typeface="+mn-ea"/>
+                      <a:cs typeface="+mn-cs"/>
+                    </a:defRPr>
+                  </a:lvl1pPr>
+                  <a:lvl2pPr marL="457200" algn="l" defTabSz="914400" rtl="0" eaLnBrk="1" latinLnBrk="0" hangingPunct="1">
+                    <a:defRPr sz="1800" kern="1200">
+                      <a:solidFill>
+                        <a:schemeClr val="lt1"/>
+                      </a:solidFill>
+                      <a:latin typeface="+mn-lt"/>
+                      <a:ea typeface="+mn-ea"/>
+                      <a:cs typeface="+mn-cs"/>
+                    </a:defRPr>
+                  </a:lvl2pPr>
+                  <a:lvl3pPr marL="914400" algn="l" defTabSz="914400" rtl="0" eaLnBrk="1" latinLnBrk="0" hangingPunct="1">
+                    <a:defRPr sz="1800" kern="1200">
+                      <a:solidFill>
+                        <a:schemeClr val="lt1"/>
+                      </a:solidFill>
+                      <a:latin typeface="+mn-lt"/>
+                      <a:ea typeface="+mn-ea"/>
+                      <a:cs typeface="+mn-cs"/>
+                    </a:defRPr>
+                  </a:lvl3pPr>
+                  <a:lvl4pPr marL="1371600" algn="l" defTabSz="914400" rtl="0" eaLnBrk="1" latinLnBrk="0" hangingPunct="1">
+                    <a:defRPr sz="1800" kern="1200">
+                      <a:solidFill>
+                        <a:schemeClr val="lt1"/>
+                      </a:solidFill>
+                      <a:latin typeface="+mn-lt"/>
+                      <a:ea typeface="+mn-ea"/>
+                      <a:cs typeface="+mn-cs"/>
+                    </a:defRPr>
+                  </a:lvl4pPr>
+                  <a:lvl5pPr marL="1828800" algn="l" defTabSz="914400" rtl="0" eaLnBrk="1" latinLnBrk="0" hangingPunct="1">
+                    <a:defRPr sz="1800" kern="1200">
+                      <a:solidFill>
+                        <a:schemeClr val="lt1"/>
+                      </a:solidFill>
+                      <a:latin typeface="+mn-lt"/>
+                      <a:ea typeface="+mn-ea"/>
+                      <a:cs typeface="+mn-cs"/>
+                    </a:defRPr>
+                  </a:lvl5pPr>
+                  <a:lvl6pPr marL="2286000" algn="l" defTabSz="914400" rtl="0" eaLnBrk="1" latinLnBrk="0" hangingPunct="1">
+                    <a:defRPr sz="1800" kern="1200">
+                      <a:solidFill>
+                        <a:schemeClr val="lt1"/>
+                      </a:solidFill>
+                      <a:latin typeface="+mn-lt"/>
+                      <a:ea typeface="+mn-ea"/>
+                      <a:cs typeface="+mn-cs"/>
+                    </a:defRPr>
+                  </a:lvl6pPr>
+                  <a:lvl7pPr marL="2743200" algn="l" defTabSz="914400" rtl="0" eaLnBrk="1" latinLnBrk="0" hangingPunct="1">
+                    <a:defRPr sz="1800" kern="1200">
+                      <a:solidFill>
+                        <a:schemeClr val="lt1"/>
+                      </a:solidFill>
+                      <a:latin typeface="+mn-lt"/>
+                      <a:ea typeface="+mn-ea"/>
+                      <a:cs typeface="+mn-cs"/>
+                    </a:defRPr>
+                  </a:lvl7pPr>
+                  <a:lvl8pPr marL="3200400" algn="l" defTabSz="914400" rtl="0" eaLnBrk="1" latinLnBrk="0" hangingPunct="1">
+                    <a:defRPr sz="1800" kern="1200">
+                      <a:solidFill>
+                        <a:schemeClr val="lt1"/>
+                      </a:solidFill>
+                      <a:latin typeface="+mn-lt"/>
+                      <a:ea typeface="+mn-ea"/>
+                      <a:cs typeface="+mn-cs"/>
+                    </a:defRPr>
+                  </a:lvl8pPr>
+                  <a:lvl9pPr marL="3657600" algn="l" defTabSz="914400" rtl="0" eaLnBrk="1" latinLnBrk="0" hangingPunct="1">
+                    <a:defRPr sz="1800" kern="1200">
+                      <a:solidFill>
+                        <a:schemeClr val="lt1"/>
+                      </a:solidFill>
+                      <a:latin typeface="+mn-lt"/>
+                      <a:ea typeface="+mn-ea"/>
+                      <a:cs typeface="+mn-cs"/>
+                    </a:defRPr>
+                  </a:lvl9pPr>
+                </a:lstStyle>
+                <a:p>
+                  <a:pPr algn="ctr"/>
+                  <a:endParaRPr lang="en-US"/>
+                </a:p>
+              </p:txBody>
+            </p:sp>
+          </p:grpSp>
+          <p:cxnSp>
+            <p:nvCxnSpPr>
+              <p:cNvPr id="11" name="Straight Arrow Connector 10"/>
+              <p:cNvCxnSpPr/>
+              <p:nvPr/>
+            </p:nvCxnSpPr>
+            <p:spPr>
+              <a:xfrm>
+                <a:off x="1405198" y="3336334"/>
+                <a:ext cx="3969442" cy="8921"/>
+              </a:xfrm>
+              <a:prstGeom prst="straightConnector1">
+                <a:avLst/>
+              </a:prstGeom>
+              <a:ln w="38100">
+                <a:solidFill>
+                  <a:schemeClr val="tx1"/>
+                </a:solidFill>
+                <a:tailEnd type="triangle"/>
+              </a:ln>
+            </p:spPr>
+            <p:style>
+              <a:lnRef idx="1">
+                <a:schemeClr val="accent1"/>
+              </a:lnRef>
+              <a:fillRef idx="0">
+                <a:schemeClr val="accent1"/>
+              </a:fillRef>
+              <a:effectRef idx="0">
+                <a:schemeClr val="accent1"/>
+              </a:effectRef>
+              <a:fontRef idx="minor">
+                <a:schemeClr val="tx1"/>
+              </a:fontRef>
+            </p:style>
+          </p:cxnSp>
+          <p:cxnSp>
+            <p:nvCxnSpPr>
+              <p:cNvPr id="12" name="Straight Connector 11"/>
+              <p:cNvCxnSpPr/>
+              <p:nvPr/>
+            </p:nvCxnSpPr>
+            <p:spPr>
+              <a:xfrm>
+                <a:off x="3118007" y="2927126"/>
+                <a:ext cx="0" cy="419348"/>
+              </a:xfrm>
+              <a:prstGeom prst="line">
+                <a:avLst/>
+              </a:prstGeom>
+              <a:ln w="38100">
+                <a:solidFill>
+                  <a:schemeClr val="tx1"/>
+                </a:solidFill>
+                <a:prstDash val="sysDot"/>
+              </a:ln>
+            </p:spPr>
+            <p:style>
+              <a:lnRef idx="1">
+                <a:schemeClr val="accent1"/>
+              </a:lnRef>
+              <a:fillRef idx="0">
+                <a:schemeClr val="accent1"/>
+              </a:fillRef>
+              <a:effectRef idx="0">
+                <a:schemeClr val="accent1"/>
+              </a:effectRef>
+              <a:fontRef idx="minor">
+                <a:schemeClr val="tx1"/>
+              </a:fontRef>
+            </p:style>
+          </p:cxnSp>
+          <mc:AlternateContent xmlns:mc="http://schemas.openxmlformats.org/markup-compatibility/2006">
+            <mc:Choice xmlns:a14="http://schemas.microsoft.com/office/drawing/2010/main" Requires="a14">
+              <p:sp>
+                <p:nvSpPr>
+                  <p:cNvPr id="13" name="TextBox 89"/>
+                  <p:cNvSpPr txBox="1"/>
+                  <p:nvPr/>
+                </p:nvSpPr>
+                <p:spPr>
+                  <a:xfrm>
+                    <a:off x="2951337" y="3427876"/>
+                    <a:ext cx="384907" cy="307777"/>
+                  </a:xfrm>
+                  <a:prstGeom prst="rect">
+                    <a:avLst/>
+                  </a:prstGeom>
+                  <a:noFill/>
+                </p:spPr>
+                <p:txBody>
+                  <a:bodyPr wrap="square" lIns="0" tIns="0" rIns="0" bIns="0" rtlCol="0">
+                    <a:spAutoFit/>
+                  </a:bodyPr>
+                  <a:lstStyle>
+                    <a:defPPr>
+                      <a:defRPr lang="en-US"/>
+                    </a:defPPr>
+                    <a:lvl1pPr marL="0" algn="l" defTabSz="914400" rtl="0" eaLnBrk="1" latinLnBrk="0" hangingPunct="1">
+                      <a:defRPr sz="1800" kern="1200">
+                        <a:solidFill>
+                          <a:schemeClr val="tx1"/>
+                        </a:solidFill>
+                        <a:latin typeface="+mn-lt"/>
+                        <a:ea typeface="+mn-ea"/>
+                        <a:cs typeface="+mn-cs"/>
+                      </a:defRPr>
+                    </a:lvl1pPr>
+                    <a:lvl2pPr marL="457200" algn="l" defTabSz="914400" rtl="0" eaLnBrk="1" latinLnBrk="0" hangingPunct="1">
+                      <a:defRPr sz="1800" kern="1200">
+                        <a:solidFill>
+                          <a:schemeClr val="tx1"/>
+                        </a:solidFill>
+                        <a:latin typeface="+mn-lt"/>
+                        <a:ea typeface="+mn-ea"/>
+                        <a:cs typeface="+mn-cs"/>
+                      </a:defRPr>
+                    </a:lvl2pPr>
+                    <a:lvl3pPr marL="914400" algn="l" defTabSz="914400" rtl="0" eaLnBrk="1" latinLnBrk="0" hangingPunct="1">
+                      <a:defRPr sz="1800" kern="1200">
+                        <a:solidFill>
+                          <a:schemeClr val="tx1"/>
+                        </a:solidFill>
+                        <a:latin typeface="+mn-lt"/>
+                        <a:ea typeface="+mn-ea"/>
+                        <a:cs typeface="+mn-cs"/>
+                      </a:defRPr>
+                    </a:lvl3pPr>
+                    <a:lvl4pPr marL="1371600" algn="l" defTabSz="914400" rtl="0" eaLnBrk="1" latinLnBrk="0" hangingPunct="1">
+                      <a:defRPr sz="1800" kern="1200">
+                        <a:solidFill>
+                          <a:schemeClr val="tx1"/>
+                        </a:solidFill>
+                        <a:latin typeface="+mn-lt"/>
+                        <a:ea typeface="+mn-ea"/>
+                        <a:cs typeface="+mn-cs"/>
+                      </a:defRPr>
+                    </a:lvl4pPr>
+                    <a:lvl5pPr marL="1828800" algn="l" defTabSz="914400" rtl="0" eaLnBrk="1" latinLnBrk="0" hangingPunct="1">
+                      <a:defRPr sz="1800" kern="1200">
+                        <a:solidFill>
+                          <a:schemeClr val="tx1"/>
+                        </a:solidFill>
+                        <a:latin typeface="+mn-lt"/>
+                        <a:ea typeface="+mn-ea"/>
+                        <a:cs typeface="+mn-cs"/>
+                      </a:defRPr>
+                    </a:lvl5pPr>
+                    <a:lvl6pPr marL="2286000" algn="l" defTabSz="914400" rtl="0" eaLnBrk="1" latinLnBrk="0" hangingPunct="1">
+                      <a:defRPr sz="1800" kern="1200">
+                        <a:solidFill>
+                          <a:schemeClr val="tx1"/>
+                        </a:solidFill>
+                        <a:latin typeface="+mn-lt"/>
+                        <a:ea typeface="+mn-ea"/>
+                        <a:cs typeface="+mn-cs"/>
+                      </a:defRPr>
+                    </a:lvl6pPr>
+                    <a:lvl7pPr marL="2743200" algn="l" defTabSz="914400" rtl="0" eaLnBrk="1" latinLnBrk="0" hangingPunct="1">
+                      <a:defRPr sz="1800" kern="1200">
+                        <a:solidFill>
+                          <a:schemeClr val="tx1"/>
+                        </a:solidFill>
+                        <a:latin typeface="+mn-lt"/>
+                        <a:ea typeface="+mn-ea"/>
+                        <a:cs typeface="+mn-cs"/>
+                      </a:defRPr>
+                    </a:lvl7pPr>
+                    <a:lvl8pPr marL="3200400" algn="l" defTabSz="914400" rtl="0" eaLnBrk="1" latinLnBrk="0" hangingPunct="1">
+                      <a:defRPr sz="1800" kern="1200">
+                        <a:solidFill>
+                          <a:schemeClr val="tx1"/>
+                        </a:solidFill>
+                        <a:latin typeface="+mn-lt"/>
+                        <a:ea typeface="+mn-ea"/>
+                        <a:cs typeface="+mn-cs"/>
+                      </a:defRPr>
+                    </a:lvl8pPr>
+                    <a:lvl9pPr marL="3657600" algn="l" defTabSz="914400" rtl="0" eaLnBrk="1" latinLnBrk="0" hangingPunct="1">
+                      <a:defRPr sz="1800" kern="1200">
+                        <a:solidFill>
+                          <a:schemeClr val="tx1"/>
+                        </a:solidFill>
+                        <a:latin typeface="+mn-lt"/>
+                        <a:ea typeface="+mn-ea"/>
+                        <a:cs typeface="+mn-cs"/>
+                      </a:defRPr>
+                    </a:lvl9pPr>
+                  </a:lstStyle>
+                  <a:p>
+                    <a:pPr/>
+                    <a14:m>
+                      <m:oMathPara xmlns:m="http://schemas.openxmlformats.org/officeDocument/2006/math">
+                        <m:oMathParaPr>
+                          <m:jc m:val="centerGroup"/>
+                        </m:oMathParaPr>
+                        <m:oMath xmlns:m="http://schemas.openxmlformats.org/officeDocument/2006/math">
+                          <m:r>
+                            <a:rPr lang="en-US" sz="2000" b="0" i="1" smtClean="0">
+                              <a:latin typeface="Cambria Math" panose="02040503050406030204" pitchFamily="18" charset="0"/>
+                              <a:cs typeface="Arial" panose="020B0604020202020204" pitchFamily="34" charset="0"/>
+                            </a:rPr>
+                            <m:t>0</m:t>
+                          </m:r>
+                        </m:oMath>
+                      </m:oMathPara>
+                    </a14:m>
+                    <a:endParaRPr lang="en-US" sz="2000" dirty="0">
+                      <a:latin typeface="Arial" panose="020B0604020202020204" pitchFamily="34" charset="0"/>
+                      <a:cs typeface="Arial" panose="020B0604020202020204" pitchFamily="34" charset="0"/>
+                    </a:endParaRPr>
+                  </a:p>
+                </p:txBody>
+              </p:sp>
+            </mc:Choice>
+            <mc:Fallback>
+              <p:sp>
+                <p:nvSpPr>
+                  <p:cNvPr id="13" name="TextBox 89"/>
+                  <p:cNvSpPr txBox="1">
+                    <a:spLocks noRot="1" noChangeAspect="1" noMove="1" noResize="1" noEditPoints="1" noAdjustHandles="1" noChangeArrowheads="1" noChangeShapeType="1" noTextEdit="1"/>
+                  </p:cNvSpPr>
+                  <p:nvPr/>
+                </p:nvSpPr>
+                <p:spPr>
+                  <a:xfrm>
+                    <a:off x="2951337" y="3427876"/>
+                    <a:ext cx="384907" cy="307777"/>
+                  </a:xfrm>
+                  <a:prstGeom prst="rect">
+                    <a:avLst/>
+                  </a:prstGeom>
+                  <a:blipFill>
+                    <a:blip r:embed="rId2"/>
+                    <a:stretch>
+                      <a:fillRect b="-10000"/>
+                    </a:stretch>
+                  </a:blipFill>
+                </p:spPr>
+                <p:txBody>
+                  <a:bodyPr/>
+                  <a:lstStyle/>
+                  <a:p>
+                    <a:r>
+                      <a:rPr lang="en-US">
+                        <a:noFill/>
+                      </a:rPr>
+                      <a:t> </a:t>
+                    </a:r>
+                  </a:p>
+                </p:txBody>
+              </p:sp>
+            </mc:Fallback>
+          </mc:AlternateContent>
+          <p:sp>
+            <p:nvSpPr>
+              <p:cNvPr id="14" name="Freeform 13"/>
+              <p:cNvSpPr/>
+              <p:nvPr/>
+            </p:nvSpPr>
+            <p:spPr>
+              <a:xfrm>
+                <a:off x="1560894" y="4068500"/>
+                <a:ext cx="761679" cy="537328"/>
+              </a:xfrm>
+              <a:custGeom>
+                <a:avLst/>
+                <a:gdLst>
+                  <a:gd name="connsiteX0" fmla="*/ 0 w 10086681"/>
+                  <a:gd name="connsiteY0" fmla="*/ 931129 h 1873809"/>
+                  <a:gd name="connsiteX1" fmla="*/ 923827 w 10086681"/>
+                  <a:gd name="connsiteY1" fmla="*/ 26156 h 1873809"/>
+                  <a:gd name="connsiteX2" fmla="*/ 1838227 w 10086681"/>
+                  <a:gd name="connsiteY2" fmla="*/ 1836102 h 1873809"/>
+                  <a:gd name="connsiteX3" fmla="*/ 2771481 w 10086681"/>
+                  <a:gd name="connsiteY3" fmla="*/ 26156 h 1873809"/>
+                  <a:gd name="connsiteX4" fmla="*/ 3667027 w 10086681"/>
+                  <a:gd name="connsiteY4" fmla="*/ 1873809 h 1873809"/>
+                  <a:gd name="connsiteX5" fmla="*/ 4600281 w 10086681"/>
+                  <a:gd name="connsiteY5" fmla="*/ 26156 h 1873809"/>
+                  <a:gd name="connsiteX6" fmla="*/ 5486400 w 10086681"/>
+                  <a:gd name="connsiteY6" fmla="*/ 1854956 h 1873809"/>
+                  <a:gd name="connsiteX7" fmla="*/ 6400800 w 10086681"/>
+                  <a:gd name="connsiteY7" fmla="*/ 26156 h 1873809"/>
+                  <a:gd name="connsiteX8" fmla="*/ 7324627 w 10086681"/>
+                  <a:gd name="connsiteY8" fmla="*/ 1854956 h 1873809"/>
+                  <a:gd name="connsiteX9" fmla="*/ 8229600 w 10086681"/>
+                  <a:gd name="connsiteY9" fmla="*/ 26156 h 1873809"/>
+                  <a:gd name="connsiteX10" fmla="*/ 9134574 w 10086681"/>
+                  <a:gd name="connsiteY10" fmla="*/ 1854956 h 1873809"/>
+                  <a:gd name="connsiteX11" fmla="*/ 10086681 w 10086681"/>
+                  <a:gd name="connsiteY11" fmla="*/ 931129 h 1873809"/>
+                  <a:gd name="connsiteX12" fmla="*/ 10086681 w 10086681"/>
+                  <a:gd name="connsiteY12" fmla="*/ 931129 h 1873809"/>
+                </a:gdLst>
+                <a:ahLst/>
+                <a:cxnLst>
+                  <a:cxn ang="0">
+                    <a:pos x="connsiteX0" y="connsiteY0"/>
+                  </a:cxn>
+                  <a:cxn ang="0">
+                    <a:pos x="connsiteX1" y="connsiteY1"/>
+                  </a:cxn>
+                  <a:cxn ang="0">
+                    <a:pos x="connsiteX2" y="connsiteY2"/>
+                  </a:cxn>
+                  <a:cxn ang="0">
+                    <a:pos x="connsiteX3" y="connsiteY3"/>
+                  </a:cxn>
+                  <a:cxn ang="0">
+                    <a:pos x="connsiteX4" y="connsiteY4"/>
+                  </a:cxn>
+                  <a:cxn ang="0">
+                    <a:pos x="connsiteX5" y="connsiteY5"/>
+                  </a:cxn>
+                  <a:cxn ang="0">
+                    <a:pos x="connsiteX6" y="connsiteY6"/>
+                  </a:cxn>
+                  <a:cxn ang="0">
+                    <a:pos x="connsiteX7" y="connsiteY7"/>
+                  </a:cxn>
+                  <a:cxn ang="0">
+                    <a:pos x="connsiteX8" y="connsiteY8"/>
+                  </a:cxn>
+                  <a:cxn ang="0">
+                    <a:pos x="connsiteX9" y="connsiteY9"/>
+                  </a:cxn>
+                  <a:cxn ang="0">
+                    <a:pos x="connsiteX10" y="connsiteY10"/>
+                  </a:cxn>
+                  <a:cxn ang="0">
+                    <a:pos x="connsiteX11" y="connsiteY11"/>
+                  </a:cxn>
+                  <a:cxn ang="0">
+                    <a:pos x="connsiteX12" y="connsiteY12"/>
+                  </a:cxn>
+                </a:cxnLst>
+                <a:rect l="l" t="t" r="r" b="b"/>
+                <a:pathLst>
+                  <a:path w="10086681" h="1873809">
+                    <a:moveTo>
+                      <a:pt x="0" y="931129"/>
+                    </a:moveTo>
+                    <a:cubicBezTo>
+                      <a:pt x="308728" y="403228"/>
+                      <a:pt x="617456" y="-124673"/>
+                      <a:pt x="923827" y="26156"/>
+                    </a:cubicBezTo>
+                    <a:cubicBezTo>
+                      <a:pt x="1230198" y="176985"/>
+                      <a:pt x="1530285" y="1836102"/>
+                      <a:pt x="1838227" y="1836102"/>
+                    </a:cubicBezTo>
+                    <a:cubicBezTo>
+                      <a:pt x="2146169" y="1836102"/>
+                      <a:pt x="2466681" y="19871"/>
+                      <a:pt x="2771481" y="26156"/>
+                    </a:cubicBezTo>
+                    <a:cubicBezTo>
+                      <a:pt x="3076281" y="32440"/>
+                      <a:pt x="3362227" y="1873809"/>
+                      <a:pt x="3667027" y="1873809"/>
+                    </a:cubicBezTo>
+                    <a:cubicBezTo>
+                      <a:pt x="3971827" y="1873809"/>
+                      <a:pt x="4297052" y="29298"/>
+                      <a:pt x="4600281" y="26156"/>
+                    </a:cubicBezTo>
+                    <a:cubicBezTo>
+                      <a:pt x="4903510" y="23014"/>
+                      <a:pt x="5186314" y="1854956"/>
+                      <a:pt x="5486400" y="1854956"/>
+                    </a:cubicBezTo>
+                    <a:cubicBezTo>
+                      <a:pt x="5786486" y="1854956"/>
+                      <a:pt x="6094429" y="26156"/>
+                      <a:pt x="6400800" y="26156"/>
+                    </a:cubicBezTo>
+                    <a:cubicBezTo>
+                      <a:pt x="6707171" y="26156"/>
+                      <a:pt x="7019827" y="1854956"/>
+                      <a:pt x="7324627" y="1854956"/>
+                    </a:cubicBezTo>
+                    <a:cubicBezTo>
+                      <a:pt x="7629427" y="1854956"/>
+                      <a:pt x="7927942" y="26156"/>
+                      <a:pt x="8229600" y="26156"/>
+                    </a:cubicBezTo>
+                    <a:cubicBezTo>
+                      <a:pt x="8531258" y="26156"/>
+                      <a:pt x="8825061" y="1704127"/>
+                      <a:pt x="9134574" y="1854956"/>
+                    </a:cubicBezTo>
+                    <a:cubicBezTo>
+                      <a:pt x="9444087" y="2005785"/>
+                      <a:pt x="10086681" y="931129"/>
+                      <a:pt x="10086681" y="931129"/>
+                    </a:cubicBezTo>
+                    <a:lnTo>
+                      <a:pt x="10086681" y="931129"/>
+                    </a:lnTo>
+                  </a:path>
+                </a:pathLst>
+              </a:custGeom>
+              <a:noFill/>
+              <a:ln w="38100">
+                <a:solidFill>
+                  <a:schemeClr val="tx1"/>
+                </a:solidFill>
+              </a:ln>
+            </p:spPr>
+            <p:style>
+              <a:lnRef idx="2">
+                <a:schemeClr val="accent1">
+                  <a:shade val="50000"/>
+                </a:schemeClr>
+              </a:lnRef>
+              <a:fillRef idx="1">
+                <a:schemeClr val="accent1"/>
+              </a:fillRef>
+              <a:effectRef idx="0">
+                <a:schemeClr val="accent1"/>
+              </a:effectRef>
+              <a:fontRef idx="minor">
+                <a:schemeClr val="lt1"/>
+              </a:fontRef>
+            </p:style>
+            <p:txBody>
+              <a:bodyPr rtlCol="0" anchor="ctr"/>
+              <a:lstStyle>
+                <a:defPPr>
+                  <a:defRPr lang="en-US"/>
+                </a:defPPr>
+                <a:lvl1pPr marL="0" algn="l" defTabSz="914400" rtl="0" eaLnBrk="1" latinLnBrk="0" hangingPunct="1">
+                  <a:defRPr sz="1800" kern="1200">
+                    <a:solidFill>
+                      <a:schemeClr val="lt1"/>
+                    </a:solidFill>
+                    <a:latin typeface="+mn-lt"/>
+                    <a:ea typeface="+mn-ea"/>
+                    <a:cs typeface="+mn-cs"/>
+                  </a:defRPr>
+                </a:lvl1pPr>
+                <a:lvl2pPr marL="457200" algn="l" defTabSz="914400" rtl="0" eaLnBrk="1" latinLnBrk="0" hangingPunct="1">
+                  <a:defRPr sz="1800" kern="1200">
+                    <a:solidFill>
+                      <a:schemeClr val="lt1"/>
+                    </a:solidFill>
+                    <a:latin typeface="+mn-lt"/>
+                    <a:ea typeface="+mn-ea"/>
+                    <a:cs typeface="+mn-cs"/>
+                  </a:defRPr>
+                </a:lvl2pPr>
+                <a:lvl3pPr marL="914400" algn="l" defTabSz="914400" rtl="0" eaLnBrk="1" latinLnBrk="0" hangingPunct="1">
+                  <a:defRPr sz="1800" kern="1200">
+                    <a:solidFill>
+                      <a:schemeClr val="lt1"/>
+                    </a:solidFill>
+                    <a:latin typeface="+mn-lt"/>
+                    <a:ea typeface="+mn-ea"/>
+                    <a:cs typeface="+mn-cs"/>
+                  </a:defRPr>
+                </a:lvl3pPr>
+                <a:lvl4pPr marL="1371600" algn="l" defTabSz="914400" rtl="0" eaLnBrk="1" latinLnBrk="0" hangingPunct="1">
+                  <a:defRPr sz="1800" kern="1200">
+                    <a:solidFill>
+                      <a:schemeClr val="lt1"/>
+                    </a:solidFill>
+                    <a:latin typeface="+mn-lt"/>
+                    <a:ea typeface="+mn-ea"/>
+                    <a:cs typeface="+mn-cs"/>
+                  </a:defRPr>
+                </a:lvl4pPr>
+                <a:lvl5pPr marL="1828800" algn="l" defTabSz="914400" rtl="0" eaLnBrk="1" latinLnBrk="0" hangingPunct="1">
+                  <a:defRPr sz="1800" kern="1200">
+                    <a:solidFill>
+                      <a:schemeClr val="lt1"/>
+                    </a:solidFill>
+                    <a:latin typeface="+mn-lt"/>
+                    <a:ea typeface="+mn-ea"/>
+                    <a:cs typeface="+mn-cs"/>
+                  </a:defRPr>
+                </a:lvl5pPr>
+                <a:lvl6pPr marL="2286000" algn="l" defTabSz="914400" rtl="0" eaLnBrk="1" latinLnBrk="0" hangingPunct="1">
+                  <a:defRPr sz="1800" kern="1200">
+                    <a:solidFill>
+                      <a:schemeClr val="lt1"/>
+                    </a:solidFill>
+                    <a:latin typeface="+mn-lt"/>
+                    <a:ea typeface="+mn-ea"/>
+                    <a:cs typeface="+mn-cs"/>
+                  </a:defRPr>
+                </a:lvl6pPr>
+                <a:lvl7pPr marL="2743200" algn="l" defTabSz="914400" rtl="0" eaLnBrk="1" latinLnBrk="0" hangingPunct="1">
+                  <a:defRPr sz="1800" kern="1200">
+                    <a:solidFill>
+                      <a:schemeClr val="lt1"/>
+                    </a:solidFill>
+                    <a:latin typeface="+mn-lt"/>
+                    <a:ea typeface="+mn-ea"/>
+                    <a:cs typeface="+mn-cs"/>
+                  </a:defRPr>
+                </a:lvl7pPr>
+                <a:lvl8pPr marL="3200400" algn="l" defTabSz="914400" rtl="0" eaLnBrk="1" latinLnBrk="0" hangingPunct="1">
+                  <a:defRPr sz="1800" kern="1200">
+                    <a:solidFill>
+                      <a:schemeClr val="lt1"/>
+                    </a:solidFill>
+                    <a:latin typeface="+mn-lt"/>
+                    <a:ea typeface="+mn-ea"/>
+                    <a:cs typeface="+mn-cs"/>
+                  </a:defRPr>
+                </a:lvl8pPr>
+                <a:lvl9pPr marL="3657600" algn="l" defTabSz="914400" rtl="0" eaLnBrk="1" latinLnBrk="0" hangingPunct="1">
+                  <a:defRPr sz="1800" kern="1200">
+                    <a:solidFill>
+                      <a:schemeClr val="lt1"/>
+                    </a:solidFill>
+                    <a:latin typeface="+mn-lt"/>
+                    <a:ea typeface="+mn-ea"/>
+                    <a:cs typeface="+mn-cs"/>
+                  </a:defRPr>
+                </a:lvl9pPr>
+              </a:lstStyle>
+              <a:p>
+                <a:pPr algn="ctr"/>
+                <a:endParaRPr lang="en-US"/>
+              </a:p>
+            </p:txBody>
+          </p:sp>
+          <p:sp>
+            <p:nvSpPr>
+              <p:cNvPr id="15" name="Rectangle 14"/>
+              <p:cNvSpPr/>
+              <p:nvPr/>
+            </p:nvSpPr>
+            <p:spPr>
+              <a:xfrm>
+                <a:off x="3112118" y="2279348"/>
+                <a:ext cx="405353" cy="488624"/>
+              </a:xfrm>
+              <a:prstGeom prst="rect">
+                <a:avLst/>
+              </a:prstGeom>
+              <a:solidFill>
+                <a:schemeClr val="bg2">
+                  <a:lumMod val="90000"/>
+                </a:schemeClr>
+              </a:solidFill>
+              <a:ln w="38100">
+                <a:solidFill>
+                  <a:schemeClr val="tx1"/>
+                </a:solidFill>
+              </a:ln>
+            </p:spPr>
+            <p:style>
+              <a:lnRef idx="2">
+                <a:schemeClr val="accent1">
+                  <a:shade val="50000"/>
+                </a:schemeClr>
+              </a:lnRef>
+              <a:fillRef idx="1">
+                <a:schemeClr val="accent1"/>
+              </a:fillRef>
+              <a:effectRef idx="0">
+                <a:schemeClr val="accent1"/>
+              </a:effectRef>
+              <a:fontRef idx="minor">
+                <a:schemeClr val="lt1"/>
+              </a:fontRef>
+            </p:style>
+            <p:txBody>
+              <a:bodyPr rtlCol="0" anchor="ctr"/>
+              <a:lstStyle>
+                <a:defPPr>
+                  <a:defRPr lang="en-US"/>
+                </a:defPPr>
+                <a:lvl1pPr marL="0" algn="l" defTabSz="914400" rtl="0" eaLnBrk="1" latinLnBrk="0" hangingPunct="1">
+                  <a:defRPr sz="1800" kern="1200">
+                    <a:solidFill>
+                      <a:schemeClr val="lt1"/>
+                    </a:solidFill>
+                    <a:latin typeface="+mn-lt"/>
+                    <a:ea typeface="+mn-ea"/>
+                    <a:cs typeface="+mn-cs"/>
+                  </a:defRPr>
+                </a:lvl1pPr>
+                <a:lvl2pPr marL="457200" algn="l" defTabSz="914400" rtl="0" eaLnBrk="1" latinLnBrk="0" hangingPunct="1">
+                  <a:defRPr sz="1800" kern="1200">
+                    <a:solidFill>
+                      <a:schemeClr val="lt1"/>
+                    </a:solidFill>
+                    <a:latin typeface="+mn-lt"/>
+                    <a:ea typeface="+mn-ea"/>
+                    <a:cs typeface="+mn-cs"/>
+                  </a:defRPr>
+                </a:lvl2pPr>
+                <a:lvl3pPr marL="914400" algn="l" defTabSz="914400" rtl="0" eaLnBrk="1" latinLnBrk="0" hangingPunct="1">
+                  <a:defRPr sz="1800" kern="1200">
+                    <a:solidFill>
+                      <a:schemeClr val="lt1"/>
+                    </a:solidFill>
+                    <a:latin typeface="+mn-lt"/>
+                    <a:ea typeface="+mn-ea"/>
+                    <a:cs typeface="+mn-cs"/>
+                  </a:defRPr>
+                </a:lvl3pPr>
+                <a:lvl4pPr marL="1371600" algn="l" defTabSz="914400" rtl="0" eaLnBrk="1" latinLnBrk="0" hangingPunct="1">
+                  <a:defRPr sz="1800" kern="1200">
+                    <a:solidFill>
+                      <a:schemeClr val="lt1"/>
+                    </a:solidFill>
+                    <a:latin typeface="+mn-lt"/>
+                    <a:ea typeface="+mn-ea"/>
+                    <a:cs typeface="+mn-cs"/>
+                  </a:defRPr>
+                </a:lvl4pPr>
+                <a:lvl5pPr marL="1828800" algn="l" defTabSz="914400" rtl="0" eaLnBrk="1" latinLnBrk="0" hangingPunct="1">
+                  <a:defRPr sz="1800" kern="1200">
+                    <a:solidFill>
+                      <a:schemeClr val="lt1"/>
+                    </a:solidFill>
+                    <a:latin typeface="+mn-lt"/>
+                    <a:ea typeface="+mn-ea"/>
+                    <a:cs typeface="+mn-cs"/>
+                  </a:defRPr>
+                </a:lvl5pPr>
+                <a:lvl6pPr marL="2286000" algn="l" defTabSz="914400" rtl="0" eaLnBrk="1" latinLnBrk="0" hangingPunct="1">
+                  <a:defRPr sz="1800" kern="1200">
+                    <a:solidFill>
+                      <a:schemeClr val="lt1"/>
+                    </a:solidFill>
+                    <a:latin typeface="+mn-lt"/>
+                    <a:ea typeface="+mn-ea"/>
+                    <a:cs typeface="+mn-cs"/>
+                  </a:defRPr>
+                </a:lvl6pPr>
+                <a:lvl7pPr marL="2743200" algn="l" defTabSz="914400" rtl="0" eaLnBrk="1" latinLnBrk="0" hangingPunct="1">
+                  <a:defRPr sz="1800" kern="1200">
+                    <a:solidFill>
+                      <a:schemeClr val="lt1"/>
+                    </a:solidFill>
+                    <a:latin typeface="+mn-lt"/>
+                    <a:ea typeface="+mn-ea"/>
+                    <a:cs typeface="+mn-cs"/>
+                  </a:defRPr>
+                </a:lvl7pPr>
+                <a:lvl8pPr marL="3200400" algn="l" defTabSz="914400" rtl="0" eaLnBrk="1" latinLnBrk="0" hangingPunct="1">
+                  <a:defRPr sz="1800" kern="1200">
+                    <a:solidFill>
+                      <a:schemeClr val="lt1"/>
+                    </a:solidFill>
+                    <a:latin typeface="+mn-lt"/>
+                    <a:ea typeface="+mn-ea"/>
+                    <a:cs typeface="+mn-cs"/>
+                  </a:defRPr>
+                </a:lvl8pPr>
+                <a:lvl9pPr marL="3657600" algn="l" defTabSz="914400" rtl="0" eaLnBrk="1" latinLnBrk="0" hangingPunct="1">
+                  <a:defRPr sz="1800" kern="1200">
+                    <a:solidFill>
+                      <a:schemeClr val="lt1"/>
+                    </a:solidFill>
+                    <a:latin typeface="+mn-lt"/>
+                    <a:ea typeface="+mn-ea"/>
+                    <a:cs typeface="+mn-cs"/>
+                  </a:defRPr>
+                </a:lvl9pPr>
+              </a:lstStyle>
+              <a:p>
+                <a:pPr algn="ctr"/>
+                <a:endParaRPr lang="en-US"/>
+              </a:p>
+            </p:txBody>
+          </p:sp>
+          <p:sp>
+            <p:nvSpPr>
+              <p:cNvPr id="16" name="Rectangle 15"/>
+              <p:cNvSpPr/>
+              <p:nvPr/>
+            </p:nvSpPr>
+            <p:spPr>
+              <a:xfrm>
+                <a:off x="2321410" y="4115492"/>
+                <a:ext cx="405353" cy="488624"/>
+              </a:xfrm>
+              <a:prstGeom prst="rect">
+                <a:avLst/>
+              </a:prstGeom>
+              <a:solidFill>
+                <a:schemeClr val="bg2">
+                  <a:lumMod val="90000"/>
+                </a:schemeClr>
+              </a:solidFill>
+              <a:ln w="38100">
+                <a:solidFill>
+                  <a:schemeClr val="tx1"/>
+                </a:solidFill>
+              </a:ln>
+            </p:spPr>
+            <p:style>
+              <a:lnRef idx="2">
+                <a:schemeClr val="accent1">
+                  <a:shade val="50000"/>
+                </a:schemeClr>
+              </a:lnRef>
+              <a:fillRef idx="1">
+                <a:schemeClr val="accent1"/>
+              </a:fillRef>
+              <a:effectRef idx="0">
+                <a:schemeClr val="accent1"/>
+              </a:effectRef>
+              <a:fontRef idx="minor">
+                <a:schemeClr val="lt1"/>
+              </a:fontRef>
+            </p:style>
+            <p:txBody>
+              <a:bodyPr rtlCol="0" anchor="ctr"/>
+              <a:lstStyle>
+                <a:defPPr>
+                  <a:defRPr lang="en-US"/>
+                </a:defPPr>
+                <a:lvl1pPr marL="0" algn="l" defTabSz="914400" rtl="0" eaLnBrk="1" latinLnBrk="0" hangingPunct="1">
+                  <a:defRPr sz="1800" kern="1200">
+                    <a:solidFill>
+                      <a:schemeClr val="lt1"/>
+                    </a:solidFill>
+                    <a:latin typeface="+mn-lt"/>
+                    <a:ea typeface="+mn-ea"/>
+                    <a:cs typeface="+mn-cs"/>
+                  </a:defRPr>
+                </a:lvl1pPr>
+                <a:lvl2pPr marL="457200" algn="l" defTabSz="914400" rtl="0" eaLnBrk="1" latinLnBrk="0" hangingPunct="1">
+                  <a:defRPr sz="1800" kern="1200">
+                    <a:solidFill>
+                      <a:schemeClr val="lt1"/>
+                    </a:solidFill>
+                    <a:latin typeface="+mn-lt"/>
+                    <a:ea typeface="+mn-ea"/>
+                    <a:cs typeface="+mn-cs"/>
+                  </a:defRPr>
+                </a:lvl2pPr>
+                <a:lvl3pPr marL="914400" algn="l" defTabSz="914400" rtl="0" eaLnBrk="1" latinLnBrk="0" hangingPunct="1">
+                  <a:defRPr sz="1800" kern="1200">
+                    <a:solidFill>
+                      <a:schemeClr val="lt1"/>
+                    </a:solidFill>
+                    <a:latin typeface="+mn-lt"/>
+                    <a:ea typeface="+mn-ea"/>
+                    <a:cs typeface="+mn-cs"/>
+                  </a:defRPr>
+                </a:lvl3pPr>
+                <a:lvl4pPr marL="1371600" algn="l" defTabSz="914400" rtl="0" eaLnBrk="1" latinLnBrk="0" hangingPunct="1">
+                  <a:defRPr sz="1800" kern="1200">
+                    <a:solidFill>
+                      <a:schemeClr val="lt1"/>
+                    </a:solidFill>
+                    <a:latin typeface="+mn-lt"/>
+                    <a:ea typeface="+mn-ea"/>
+                    <a:cs typeface="+mn-cs"/>
+                  </a:defRPr>
+                </a:lvl4pPr>
+                <a:lvl5pPr marL="1828800" algn="l" defTabSz="914400" rtl="0" eaLnBrk="1" latinLnBrk="0" hangingPunct="1">
+                  <a:defRPr sz="1800" kern="1200">
+                    <a:solidFill>
+                      <a:schemeClr val="lt1"/>
+                    </a:solidFill>
+                    <a:latin typeface="+mn-lt"/>
+                    <a:ea typeface="+mn-ea"/>
+                    <a:cs typeface="+mn-cs"/>
+                  </a:defRPr>
+                </a:lvl5pPr>
+                <a:lvl6pPr marL="2286000" algn="l" defTabSz="914400" rtl="0" eaLnBrk="1" latinLnBrk="0" hangingPunct="1">
+                  <a:defRPr sz="1800" kern="1200">
+                    <a:solidFill>
+                      <a:schemeClr val="lt1"/>
+                    </a:solidFill>
+                    <a:latin typeface="+mn-lt"/>
+                    <a:ea typeface="+mn-ea"/>
+                    <a:cs typeface="+mn-cs"/>
+                  </a:defRPr>
+                </a:lvl6pPr>
+                <a:lvl7pPr marL="2743200" algn="l" defTabSz="914400" rtl="0" eaLnBrk="1" latinLnBrk="0" hangingPunct="1">
+                  <a:defRPr sz="1800" kern="1200">
+                    <a:solidFill>
+                      <a:schemeClr val="lt1"/>
+                    </a:solidFill>
+                    <a:latin typeface="+mn-lt"/>
+                    <a:ea typeface="+mn-ea"/>
+                    <a:cs typeface="+mn-cs"/>
+                  </a:defRPr>
+                </a:lvl7pPr>
+                <a:lvl8pPr marL="3200400" algn="l" defTabSz="914400" rtl="0" eaLnBrk="1" latinLnBrk="0" hangingPunct="1">
+                  <a:defRPr sz="1800" kern="1200">
+                    <a:solidFill>
+                      <a:schemeClr val="lt1"/>
+                    </a:solidFill>
+                    <a:latin typeface="+mn-lt"/>
+                    <a:ea typeface="+mn-ea"/>
+                    <a:cs typeface="+mn-cs"/>
+                  </a:defRPr>
+                </a:lvl8pPr>
+                <a:lvl9pPr marL="3657600" algn="l" defTabSz="914400" rtl="0" eaLnBrk="1" latinLnBrk="0" hangingPunct="1">
+                  <a:defRPr sz="1800" kern="1200">
+                    <a:solidFill>
+                      <a:schemeClr val="lt1"/>
+                    </a:solidFill>
+                    <a:latin typeface="+mn-lt"/>
+                    <a:ea typeface="+mn-ea"/>
+                    <a:cs typeface="+mn-cs"/>
+                  </a:defRPr>
+                </a:lvl9pPr>
+              </a:lstStyle>
+              <a:p>
+                <a:pPr algn="ctr"/>
+                <a:endParaRPr lang="en-US"/>
+              </a:p>
+            </p:txBody>
+          </p:sp>
+          <p:cxnSp>
+            <p:nvCxnSpPr>
+              <p:cNvPr id="18" name="Straight Connector 17"/>
+              <p:cNvCxnSpPr/>
+              <p:nvPr/>
+            </p:nvCxnSpPr>
+            <p:spPr>
+              <a:xfrm>
+                <a:off x="2324446" y="3320719"/>
+                <a:ext cx="0" cy="843194"/>
+              </a:xfrm>
+              <a:prstGeom prst="line">
+                <a:avLst/>
+              </a:prstGeom>
+              <a:ln w="38100">
+                <a:solidFill>
+                  <a:schemeClr val="tx1"/>
+                </a:solidFill>
+                <a:prstDash val="sysDot"/>
+              </a:ln>
+            </p:spPr>
+            <p:style>
+              <a:lnRef idx="1">
+                <a:schemeClr val="accent1"/>
+              </a:lnRef>
+              <a:fillRef idx="0">
+                <a:schemeClr val="accent1"/>
+              </a:fillRef>
+              <a:effectRef idx="0">
+                <a:schemeClr val="accent1"/>
+              </a:effectRef>
+              <a:fontRef idx="minor">
+                <a:schemeClr val="tx1"/>
+              </a:fontRef>
+            </p:style>
+          </p:cxnSp>
+          <p:sp>
+            <p:nvSpPr>
+              <p:cNvPr id="19" name="Rectangle 18"/>
+              <p:cNvSpPr/>
+              <p:nvPr/>
+            </p:nvSpPr>
+            <p:spPr>
+              <a:xfrm>
+                <a:off x="1405198" y="3818542"/>
+                <a:ext cx="123757" cy="841883"/>
+              </a:xfrm>
+              <a:prstGeom prst="rect">
+                <a:avLst/>
+              </a:prstGeom>
+              <a:solidFill>
+                <a:schemeClr val="tx1"/>
+              </a:solidFill>
+              <a:ln w="38100">
+                <a:solidFill>
+                  <a:schemeClr val="tx1"/>
+                </a:solidFill>
+              </a:ln>
+            </p:spPr>
+            <p:style>
+              <a:lnRef idx="2">
+                <a:schemeClr val="accent1">
+                  <a:shade val="50000"/>
+                </a:schemeClr>
+              </a:lnRef>
+              <a:fillRef idx="1">
+                <a:schemeClr val="accent1"/>
+              </a:fillRef>
+              <a:effectRef idx="0">
+                <a:schemeClr val="accent1"/>
+              </a:effectRef>
+              <a:fontRef idx="minor">
+                <a:schemeClr val="lt1"/>
+              </a:fontRef>
+            </p:style>
+            <p:txBody>
+              <a:bodyPr rtlCol="0" anchor="ctr"/>
+              <a:lstStyle>
+                <a:defPPr>
+                  <a:defRPr lang="en-US"/>
+                </a:defPPr>
+                <a:lvl1pPr marL="0" algn="l" defTabSz="914400" rtl="0" eaLnBrk="1" latinLnBrk="0" hangingPunct="1">
+                  <a:defRPr sz="1800" kern="1200">
+                    <a:solidFill>
+                      <a:schemeClr val="lt1"/>
+                    </a:solidFill>
+                    <a:latin typeface="+mn-lt"/>
+                    <a:ea typeface="+mn-ea"/>
+                    <a:cs typeface="+mn-cs"/>
+                  </a:defRPr>
+                </a:lvl1pPr>
+                <a:lvl2pPr marL="457200" algn="l" defTabSz="914400" rtl="0" eaLnBrk="1" latinLnBrk="0" hangingPunct="1">
+                  <a:defRPr sz="1800" kern="1200">
+                    <a:solidFill>
+                      <a:schemeClr val="lt1"/>
+                    </a:solidFill>
+                    <a:latin typeface="+mn-lt"/>
+                    <a:ea typeface="+mn-ea"/>
+                    <a:cs typeface="+mn-cs"/>
+                  </a:defRPr>
+                </a:lvl2pPr>
+                <a:lvl3pPr marL="914400" algn="l" defTabSz="914400" rtl="0" eaLnBrk="1" latinLnBrk="0" hangingPunct="1">
+                  <a:defRPr sz="1800" kern="1200">
+                    <a:solidFill>
+                      <a:schemeClr val="lt1"/>
+                    </a:solidFill>
+                    <a:latin typeface="+mn-lt"/>
+                    <a:ea typeface="+mn-ea"/>
+                    <a:cs typeface="+mn-cs"/>
+                  </a:defRPr>
+                </a:lvl3pPr>
+                <a:lvl4pPr marL="1371600" algn="l" defTabSz="914400" rtl="0" eaLnBrk="1" latinLnBrk="0" hangingPunct="1">
+                  <a:defRPr sz="1800" kern="1200">
+                    <a:solidFill>
+                      <a:schemeClr val="lt1"/>
+                    </a:solidFill>
+                    <a:latin typeface="+mn-lt"/>
+                    <a:ea typeface="+mn-ea"/>
+                    <a:cs typeface="+mn-cs"/>
+                  </a:defRPr>
+                </a:lvl4pPr>
+                <a:lvl5pPr marL="1828800" algn="l" defTabSz="914400" rtl="0" eaLnBrk="1" latinLnBrk="0" hangingPunct="1">
+                  <a:defRPr sz="1800" kern="1200">
+                    <a:solidFill>
+                      <a:schemeClr val="lt1"/>
+                    </a:solidFill>
+                    <a:latin typeface="+mn-lt"/>
+                    <a:ea typeface="+mn-ea"/>
+                    <a:cs typeface="+mn-cs"/>
+                  </a:defRPr>
+                </a:lvl5pPr>
+                <a:lvl6pPr marL="2286000" algn="l" defTabSz="914400" rtl="0" eaLnBrk="1" latinLnBrk="0" hangingPunct="1">
+                  <a:defRPr sz="1800" kern="1200">
+                    <a:solidFill>
+                      <a:schemeClr val="lt1"/>
+                    </a:solidFill>
+                    <a:latin typeface="+mn-lt"/>
+                    <a:ea typeface="+mn-ea"/>
+                    <a:cs typeface="+mn-cs"/>
+                  </a:defRPr>
+                </a:lvl6pPr>
+                <a:lvl7pPr marL="2743200" algn="l" defTabSz="914400" rtl="0" eaLnBrk="1" latinLnBrk="0" hangingPunct="1">
+                  <a:defRPr sz="1800" kern="1200">
+                    <a:solidFill>
+                      <a:schemeClr val="lt1"/>
+                    </a:solidFill>
+                    <a:latin typeface="+mn-lt"/>
+                    <a:ea typeface="+mn-ea"/>
+                    <a:cs typeface="+mn-cs"/>
+                  </a:defRPr>
+                </a:lvl7pPr>
+                <a:lvl8pPr marL="3200400" algn="l" defTabSz="914400" rtl="0" eaLnBrk="1" latinLnBrk="0" hangingPunct="1">
+                  <a:defRPr sz="1800" kern="1200">
+                    <a:solidFill>
+                      <a:schemeClr val="lt1"/>
+                    </a:solidFill>
+                    <a:latin typeface="+mn-lt"/>
+                    <a:ea typeface="+mn-ea"/>
+                    <a:cs typeface="+mn-cs"/>
+                  </a:defRPr>
+                </a:lvl8pPr>
+                <a:lvl9pPr marL="3657600" algn="l" defTabSz="914400" rtl="0" eaLnBrk="1" latinLnBrk="0" hangingPunct="1">
+                  <a:defRPr sz="1800" kern="1200">
+                    <a:solidFill>
+                      <a:schemeClr val="lt1"/>
+                    </a:solidFill>
+                    <a:latin typeface="+mn-lt"/>
+                    <a:ea typeface="+mn-ea"/>
+                    <a:cs typeface="+mn-cs"/>
+                  </a:defRPr>
+                </a:lvl9pPr>
+              </a:lstStyle>
+              <a:p>
+                <a:pPr algn="ctr"/>
+                <a:endParaRPr lang="en-US"/>
+              </a:p>
+            </p:txBody>
+          </p:sp>
+          <mc:AlternateContent xmlns:mc="http://schemas.openxmlformats.org/markup-compatibility/2006">
+            <mc:Choice xmlns:a14="http://schemas.microsoft.com/office/drawing/2010/main" Requires="a14">
+              <p:sp>
+                <p:nvSpPr>
+                  <p:cNvPr id="20" name="TextBox 105"/>
+                  <p:cNvSpPr txBox="1"/>
+                  <p:nvPr/>
+                </p:nvSpPr>
+                <p:spPr>
+                  <a:xfrm>
+                    <a:off x="5027603" y="3320719"/>
+                    <a:ext cx="214546" cy="307777"/>
+                  </a:xfrm>
+                  <a:prstGeom prst="rect">
+                    <a:avLst/>
+                  </a:prstGeom>
+                  <a:noFill/>
+                </p:spPr>
+                <p:txBody>
+                  <a:bodyPr wrap="none" lIns="0" tIns="0" rIns="0" bIns="0" rtlCol="0">
+                    <a:spAutoFit/>
+                  </a:bodyPr>
+                  <a:lstStyle>
+                    <a:defPPr>
+                      <a:defRPr lang="en-US"/>
+                    </a:defPPr>
+                    <a:lvl1pPr marL="0" algn="l" defTabSz="914400" rtl="0" eaLnBrk="1" latinLnBrk="0" hangingPunct="1">
+                      <a:defRPr sz="1800" kern="1200">
+                        <a:solidFill>
+                          <a:schemeClr val="tx1"/>
+                        </a:solidFill>
+                        <a:latin typeface="+mn-lt"/>
+                        <a:ea typeface="+mn-ea"/>
+                        <a:cs typeface="+mn-cs"/>
+                      </a:defRPr>
+                    </a:lvl1pPr>
+                    <a:lvl2pPr marL="457200" algn="l" defTabSz="914400" rtl="0" eaLnBrk="1" latinLnBrk="0" hangingPunct="1">
+                      <a:defRPr sz="1800" kern="1200">
+                        <a:solidFill>
+                          <a:schemeClr val="tx1"/>
+                        </a:solidFill>
+                        <a:latin typeface="+mn-lt"/>
+                        <a:ea typeface="+mn-ea"/>
+                        <a:cs typeface="+mn-cs"/>
+                      </a:defRPr>
+                    </a:lvl2pPr>
+                    <a:lvl3pPr marL="914400" algn="l" defTabSz="914400" rtl="0" eaLnBrk="1" latinLnBrk="0" hangingPunct="1">
+                      <a:defRPr sz="1800" kern="1200">
+                        <a:solidFill>
+                          <a:schemeClr val="tx1"/>
+                        </a:solidFill>
+                        <a:latin typeface="+mn-lt"/>
+                        <a:ea typeface="+mn-ea"/>
+                        <a:cs typeface="+mn-cs"/>
+                      </a:defRPr>
+                    </a:lvl3pPr>
+                    <a:lvl4pPr marL="1371600" algn="l" defTabSz="914400" rtl="0" eaLnBrk="1" latinLnBrk="0" hangingPunct="1">
+                      <a:defRPr sz="1800" kern="1200">
+                        <a:solidFill>
+                          <a:schemeClr val="tx1"/>
+                        </a:solidFill>
+                        <a:latin typeface="+mn-lt"/>
+                        <a:ea typeface="+mn-ea"/>
+                        <a:cs typeface="+mn-cs"/>
+                      </a:defRPr>
+                    </a:lvl4pPr>
+                    <a:lvl5pPr marL="1828800" algn="l" defTabSz="914400" rtl="0" eaLnBrk="1" latinLnBrk="0" hangingPunct="1">
+                      <a:defRPr sz="1800" kern="1200">
+                        <a:solidFill>
+                          <a:schemeClr val="tx1"/>
+                        </a:solidFill>
+                        <a:latin typeface="+mn-lt"/>
+                        <a:ea typeface="+mn-ea"/>
+                        <a:cs typeface="+mn-cs"/>
+                      </a:defRPr>
+                    </a:lvl5pPr>
+                    <a:lvl6pPr marL="2286000" algn="l" defTabSz="914400" rtl="0" eaLnBrk="1" latinLnBrk="0" hangingPunct="1">
+                      <a:defRPr sz="1800" kern="1200">
+                        <a:solidFill>
+                          <a:schemeClr val="tx1"/>
+                        </a:solidFill>
+                        <a:latin typeface="+mn-lt"/>
+                        <a:ea typeface="+mn-ea"/>
+                        <a:cs typeface="+mn-cs"/>
+                      </a:defRPr>
+                    </a:lvl6pPr>
+                    <a:lvl7pPr marL="2743200" algn="l" defTabSz="914400" rtl="0" eaLnBrk="1" latinLnBrk="0" hangingPunct="1">
+                      <a:defRPr sz="1800" kern="1200">
+                        <a:solidFill>
+                          <a:schemeClr val="tx1"/>
+                        </a:solidFill>
+                        <a:latin typeface="+mn-lt"/>
+                        <a:ea typeface="+mn-ea"/>
+                        <a:cs typeface="+mn-cs"/>
+                      </a:defRPr>
+                    </a:lvl7pPr>
+                    <a:lvl8pPr marL="3200400" algn="l" defTabSz="914400" rtl="0" eaLnBrk="1" latinLnBrk="0" hangingPunct="1">
+                      <a:defRPr sz="1800" kern="1200">
+                        <a:solidFill>
+                          <a:schemeClr val="tx1"/>
+                        </a:solidFill>
+                        <a:latin typeface="+mn-lt"/>
+                        <a:ea typeface="+mn-ea"/>
+                        <a:cs typeface="+mn-cs"/>
+                      </a:defRPr>
+                    </a:lvl8pPr>
+                    <a:lvl9pPr marL="3657600" algn="l" defTabSz="914400" rtl="0" eaLnBrk="1" latinLnBrk="0" hangingPunct="1">
+                      <a:defRPr sz="1800" kern="1200">
+                        <a:solidFill>
+                          <a:schemeClr val="tx1"/>
+                        </a:solidFill>
+                        <a:latin typeface="+mn-lt"/>
+                        <a:ea typeface="+mn-ea"/>
+                        <a:cs typeface="+mn-cs"/>
+                      </a:defRPr>
+                    </a:lvl9pPr>
+                  </a:lstStyle>
+                  <a:p>
+                    <a:pPr/>
+                    <a14:m>
+                      <m:oMathPara xmlns:m="http://schemas.openxmlformats.org/officeDocument/2006/math">
+                        <m:oMathParaPr>
+                          <m:jc m:val="centerGroup"/>
+                        </m:oMathParaPr>
+                        <m:oMath xmlns:m="http://schemas.openxmlformats.org/officeDocument/2006/math">
+                          <m:r>
+                            <a:rPr lang="en-US" sz="2000" b="0" i="1" smtClean="0">
+                              <a:latin typeface="Cambria Math" panose="02040503050406030204" pitchFamily="18" charset="0"/>
+                              <a:cs typeface="Arial" panose="020B0604020202020204" pitchFamily="34" charset="0"/>
+                            </a:rPr>
+                            <m:t>𝑥</m:t>
+                          </m:r>
+                        </m:oMath>
+                      </m:oMathPara>
+                    </a14:m>
+                    <a:endParaRPr lang="en-US" sz="2000" dirty="0" smtClean="0">
+                      <a:latin typeface="Arial" panose="020B0604020202020204" pitchFamily="34" charset="0"/>
+                      <a:cs typeface="Arial" panose="020B0604020202020204" pitchFamily="34" charset="0"/>
+                    </a:endParaRPr>
+                  </a:p>
+                </p:txBody>
+              </p:sp>
+            </mc:Choice>
+            <mc:Fallback>
+              <p:sp>
+                <p:nvSpPr>
+                  <p:cNvPr id="20" name="TextBox 105"/>
+                  <p:cNvSpPr txBox="1">
+                    <a:spLocks noRot="1" noChangeAspect="1" noMove="1" noResize="1" noEditPoints="1" noAdjustHandles="1" noChangeArrowheads="1" noChangeShapeType="1" noTextEdit="1"/>
+                  </p:cNvSpPr>
+                  <p:nvPr/>
+                </p:nvSpPr>
+                <p:spPr>
+                  <a:xfrm>
+                    <a:off x="5027603" y="3320719"/>
+                    <a:ext cx="214546" cy="307777"/>
+                  </a:xfrm>
+                  <a:prstGeom prst="rect">
+                    <a:avLst/>
+                  </a:prstGeom>
+                  <a:blipFill>
+                    <a:blip r:embed="rId3"/>
+                    <a:stretch>
+                      <a:fillRect l="-11111" r="-8333" b="-1961"/>
+                    </a:stretch>
+                  </a:blipFill>
+                </p:spPr>
+                <p:txBody>
+                  <a:bodyPr/>
+                  <a:lstStyle/>
+                  <a:p>
+                    <a:r>
+                      <a:rPr lang="en-US">
+                        <a:noFill/>
+                      </a:rPr>
+                      <a:t> </a:t>
+                    </a:r>
+                  </a:p>
+                </p:txBody>
+              </p:sp>
+            </mc:Fallback>
+          </mc:AlternateContent>
+          <p:sp>
+            <p:nvSpPr>
+              <p:cNvPr id="8" name="Rectangle 7"/>
+              <p:cNvSpPr/>
+              <p:nvPr/>
+            </p:nvSpPr>
+            <p:spPr>
+              <a:xfrm flipH="1">
+                <a:off x="1405198" y="2780421"/>
+                <a:ext cx="3349682" cy="130202"/>
+              </a:xfrm>
+              <a:prstGeom prst="rect">
+                <a:avLst/>
+              </a:prstGeom>
+              <a:solidFill>
+                <a:schemeClr val="tx1"/>
+              </a:solidFill>
+              <a:ln w="38100">
+                <a:solidFill>
+                  <a:schemeClr val="tx1"/>
+                </a:solidFill>
+              </a:ln>
+            </p:spPr>
+            <p:style>
+              <a:lnRef idx="2">
+                <a:schemeClr val="accent1">
+                  <a:shade val="50000"/>
+                </a:schemeClr>
+              </a:lnRef>
+              <a:fillRef idx="1">
+                <a:schemeClr val="accent1"/>
+              </a:fillRef>
+              <a:effectRef idx="0">
+                <a:schemeClr val="accent1"/>
+              </a:effectRef>
+              <a:fontRef idx="minor">
+                <a:schemeClr val="lt1"/>
+              </a:fontRef>
+            </p:style>
+            <p:txBody>
+              <a:bodyPr rtlCol="0" anchor="ctr"/>
+              <a:lstStyle>
+                <a:defPPr>
+                  <a:defRPr lang="en-US"/>
+                </a:defPPr>
+                <a:lvl1pPr marL="0" algn="l" defTabSz="914400" rtl="0" eaLnBrk="1" latinLnBrk="0" hangingPunct="1">
+                  <a:defRPr sz="1800" kern="1200">
+                    <a:solidFill>
+                      <a:schemeClr val="lt1"/>
+                    </a:solidFill>
+                    <a:latin typeface="+mn-lt"/>
+                    <a:ea typeface="+mn-ea"/>
+                    <a:cs typeface="+mn-cs"/>
+                  </a:defRPr>
+                </a:lvl1pPr>
+                <a:lvl2pPr marL="457200" algn="l" defTabSz="914400" rtl="0" eaLnBrk="1" latinLnBrk="0" hangingPunct="1">
+                  <a:defRPr sz="1800" kern="1200">
+                    <a:solidFill>
+                      <a:schemeClr val="lt1"/>
+                    </a:solidFill>
+                    <a:latin typeface="+mn-lt"/>
+                    <a:ea typeface="+mn-ea"/>
+                    <a:cs typeface="+mn-cs"/>
+                  </a:defRPr>
+                </a:lvl2pPr>
+                <a:lvl3pPr marL="914400" algn="l" defTabSz="914400" rtl="0" eaLnBrk="1" latinLnBrk="0" hangingPunct="1">
+                  <a:defRPr sz="1800" kern="1200">
+                    <a:solidFill>
+                      <a:schemeClr val="lt1"/>
+                    </a:solidFill>
+                    <a:latin typeface="+mn-lt"/>
+                    <a:ea typeface="+mn-ea"/>
+                    <a:cs typeface="+mn-cs"/>
+                  </a:defRPr>
+                </a:lvl3pPr>
+                <a:lvl4pPr marL="1371600" algn="l" defTabSz="914400" rtl="0" eaLnBrk="1" latinLnBrk="0" hangingPunct="1">
+                  <a:defRPr sz="1800" kern="1200">
+                    <a:solidFill>
+                      <a:schemeClr val="lt1"/>
+                    </a:solidFill>
+                    <a:latin typeface="+mn-lt"/>
+                    <a:ea typeface="+mn-ea"/>
+                    <a:cs typeface="+mn-cs"/>
+                  </a:defRPr>
+                </a:lvl4pPr>
+                <a:lvl5pPr marL="1828800" algn="l" defTabSz="914400" rtl="0" eaLnBrk="1" latinLnBrk="0" hangingPunct="1">
+                  <a:defRPr sz="1800" kern="1200">
+                    <a:solidFill>
+                      <a:schemeClr val="lt1"/>
+                    </a:solidFill>
+                    <a:latin typeface="+mn-lt"/>
+                    <a:ea typeface="+mn-ea"/>
+                    <a:cs typeface="+mn-cs"/>
+                  </a:defRPr>
+                </a:lvl5pPr>
+                <a:lvl6pPr marL="2286000" algn="l" defTabSz="914400" rtl="0" eaLnBrk="1" latinLnBrk="0" hangingPunct="1">
+                  <a:defRPr sz="1800" kern="1200">
+                    <a:solidFill>
+                      <a:schemeClr val="lt1"/>
+                    </a:solidFill>
+                    <a:latin typeface="+mn-lt"/>
+                    <a:ea typeface="+mn-ea"/>
+                    <a:cs typeface="+mn-cs"/>
+                  </a:defRPr>
+                </a:lvl6pPr>
+                <a:lvl7pPr marL="2743200" algn="l" defTabSz="914400" rtl="0" eaLnBrk="1" latinLnBrk="0" hangingPunct="1">
+                  <a:defRPr sz="1800" kern="1200">
+                    <a:solidFill>
+                      <a:schemeClr val="lt1"/>
+                    </a:solidFill>
+                    <a:latin typeface="+mn-lt"/>
+                    <a:ea typeface="+mn-ea"/>
+                    <a:cs typeface="+mn-cs"/>
+                  </a:defRPr>
+                </a:lvl7pPr>
+                <a:lvl8pPr marL="3200400" algn="l" defTabSz="914400" rtl="0" eaLnBrk="1" latinLnBrk="0" hangingPunct="1">
+                  <a:defRPr sz="1800" kern="1200">
+                    <a:solidFill>
+                      <a:schemeClr val="lt1"/>
+                    </a:solidFill>
+                    <a:latin typeface="+mn-lt"/>
+                    <a:ea typeface="+mn-ea"/>
+                    <a:cs typeface="+mn-cs"/>
+                  </a:defRPr>
+                </a:lvl8pPr>
+                <a:lvl9pPr marL="3657600" algn="l" defTabSz="914400" rtl="0" eaLnBrk="1" latinLnBrk="0" hangingPunct="1">
+                  <a:defRPr sz="1800" kern="1200">
+                    <a:solidFill>
+                      <a:schemeClr val="lt1"/>
+                    </a:solidFill>
+                    <a:latin typeface="+mn-lt"/>
+                    <a:ea typeface="+mn-ea"/>
+                    <a:cs typeface="+mn-cs"/>
+                  </a:defRPr>
+                </a:lvl9pPr>
+              </a:lstStyle>
+              <a:p>
+                <a:pPr algn="ctr"/>
+                <a:endParaRPr lang="en-US"/>
+              </a:p>
+            </p:txBody>
+          </p:sp>
+          <p:sp>
+            <p:nvSpPr>
+              <p:cNvPr id="9" name="Rectangle 8"/>
+              <p:cNvSpPr/>
+              <p:nvPr/>
+            </p:nvSpPr>
+            <p:spPr>
+              <a:xfrm flipH="1">
+                <a:off x="1405198" y="4635981"/>
+                <a:ext cx="3349682" cy="130202"/>
+              </a:xfrm>
+              <a:prstGeom prst="rect">
+                <a:avLst/>
+              </a:prstGeom>
+              <a:solidFill>
+                <a:schemeClr val="tx1"/>
+              </a:solidFill>
+              <a:ln w="38100">
+                <a:solidFill>
+                  <a:schemeClr val="tx1"/>
+                </a:solidFill>
+              </a:ln>
+            </p:spPr>
+            <p:style>
+              <a:lnRef idx="2">
+                <a:schemeClr val="accent1">
+                  <a:shade val="50000"/>
+                </a:schemeClr>
+              </a:lnRef>
+              <a:fillRef idx="1">
+                <a:schemeClr val="accent1"/>
+              </a:fillRef>
+              <a:effectRef idx="0">
+                <a:schemeClr val="accent1"/>
+              </a:effectRef>
+              <a:fontRef idx="minor">
+                <a:schemeClr val="lt1"/>
+              </a:fontRef>
+            </p:style>
+            <p:txBody>
+              <a:bodyPr rtlCol="0" anchor="ctr"/>
+              <a:lstStyle>
+                <a:defPPr>
+                  <a:defRPr lang="en-US"/>
+                </a:defPPr>
+                <a:lvl1pPr marL="0" algn="l" defTabSz="914400" rtl="0" eaLnBrk="1" latinLnBrk="0" hangingPunct="1">
+                  <a:defRPr sz="1800" kern="1200">
+                    <a:solidFill>
+                      <a:schemeClr val="lt1"/>
+                    </a:solidFill>
+                    <a:latin typeface="+mn-lt"/>
+                    <a:ea typeface="+mn-ea"/>
+                    <a:cs typeface="+mn-cs"/>
+                  </a:defRPr>
+                </a:lvl1pPr>
+                <a:lvl2pPr marL="457200" algn="l" defTabSz="914400" rtl="0" eaLnBrk="1" latinLnBrk="0" hangingPunct="1">
+                  <a:defRPr sz="1800" kern="1200">
+                    <a:solidFill>
+                      <a:schemeClr val="lt1"/>
+                    </a:solidFill>
+                    <a:latin typeface="+mn-lt"/>
+                    <a:ea typeface="+mn-ea"/>
+                    <a:cs typeface="+mn-cs"/>
+                  </a:defRPr>
+                </a:lvl2pPr>
+                <a:lvl3pPr marL="914400" algn="l" defTabSz="914400" rtl="0" eaLnBrk="1" latinLnBrk="0" hangingPunct="1">
+                  <a:defRPr sz="1800" kern="1200">
+                    <a:solidFill>
+                      <a:schemeClr val="lt1"/>
+                    </a:solidFill>
+                    <a:latin typeface="+mn-lt"/>
+                    <a:ea typeface="+mn-ea"/>
+                    <a:cs typeface="+mn-cs"/>
+                  </a:defRPr>
+                </a:lvl3pPr>
+                <a:lvl4pPr marL="1371600" algn="l" defTabSz="914400" rtl="0" eaLnBrk="1" latinLnBrk="0" hangingPunct="1">
+                  <a:defRPr sz="1800" kern="1200">
+                    <a:solidFill>
+                      <a:schemeClr val="lt1"/>
+                    </a:solidFill>
+                    <a:latin typeface="+mn-lt"/>
+                    <a:ea typeface="+mn-ea"/>
+                    <a:cs typeface="+mn-cs"/>
+                  </a:defRPr>
+                </a:lvl4pPr>
+                <a:lvl5pPr marL="1828800" algn="l" defTabSz="914400" rtl="0" eaLnBrk="1" latinLnBrk="0" hangingPunct="1">
+                  <a:defRPr sz="1800" kern="1200">
+                    <a:solidFill>
+                      <a:schemeClr val="lt1"/>
+                    </a:solidFill>
+                    <a:latin typeface="+mn-lt"/>
+                    <a:ea typeface="+mn-ea"/>
+                    <a:cs typeface="+mn-cs"/>
+                  </a:defRPr>
+                </a:lvl5pPr>
+                <a:lvl6pPr marL="2286000" algn="l" defTabSz="914400" rtl="0" eaLnBrk="1" latinLnBrk="0" hangingPunct="1">
+                  <a:defRPr sz="1800" kern="1200">
+                    <a:solidFill>
+                      <a:schemeClr val="lt1"/>
+                    </a:solidFill>
+                    <a:latin typeface="+mn-lt"/>
+                    <a:ea typeface="+mn-ea"/>
+                    <a:cs typeface="+mn-cs"/>
+                  </a:defRPr>
+                </a:lvl6pPr>
+                <a:lvl7pPr marL="2743200" algn="l" defTabSz="914400" rtl="0" eaLnBrk="1" latinLnBrk="0" hangingPunct="1">
+                  <a:defRPr sz="1800" kern="1200">
+                    <a:solidFill>
+                      <a:schemeClr val="lt1"/>
+                    </a:solidFill>
+                    <a:latin typeface="+mn-lt"/>
+                    <a:ea typeface="+mn-ea"/>
+                    <a:cs typeface="+mn-cs"/>
+                  </a:defRPr>
+                </a:lvl7pPr>
+                <a:lvl8pPr marL="3200400" algn="l" defTabSz="914400" rtl="0" eaLnBrk="1" latinLnBrk="0" hangingPunct="1">
+                  <a:defRPr sz="1800" kern="1200">
+                    <a:solidFill>
+                      <a:schemeClr val="lt1"/>
+                    </a:solidFill>
+                    <a:latin typeface="+mn-lt"/>
+                    <a:ea typeface="+mn-ea"/>
+                    <a:cs typeface="+mn-cs"/>
+                  </a:defRPr>
+                </a:lvl8pPr>
+                <a:lvl9pPr marL="3657600" algn="l" defTabSz="914400" rtl="0" eaLnBrk="1" latinLnBrk="0" hangingPunct="1">
+                  <a:defRPr sz="1800" kern="1200">
+                    <a:solidFill>
+                      <a:schemeClr val="lt1"/>
+                    </a:solidFill>
+                    <a:latin typeface="+mn-lt"/>
+                    <a:ea typeface="+mn-ea"/>
+                    <a:cs typeface="+mn-cs"/>
+                  </a:defRPr>
+                </a:lvl9pPr>
+              </a:lstStyle>
+              <a:p>
+                <a:pPr algn="ctr"/>
+                <a:endParaRPr lang="en-US"/>
+              </a:p>
+            </p:txBody>
+          </p:sp>
+          <p:sp>
+            <p:nvSpPr>
+              <p:cNvPr id="23" name="Freeform 22"/>
+              <p:cNvSpPr/>
+              <p:nvPr/>
+            </p:nvSpPr>
+            <p:spPr>
+              <a:xfrm>
+                <a:off x="1560894" y="861129"/>
+                <a:ext cx="2388411" cy="537328"/>
+              </a:xfrm>
+              <a:custGeom>
+                <a:avLst/>
+                <a:gdLst>
+                  <a:gd name="connsiteX0" fmla="*/ 0 w 10086681"/>
+                  <a:gd name="connsiteY0" fmla="*/ 931129 h 1873809"/>
+                  <a:gd name="connsiteX1" fmla="*/ 923827 w 10086681"/>
+                  <a:gd name="connsiteY1" fmla="*/ 26156 h 1873809"/>
+                  <a:gd name="connsiteX2" fmla="*/ 1838227 w 10086681"/>
+                  <a:gd name="connsiteY2" fmla="*/ 1836102 h 1873809"/>
+                  <a:gd name="connsiteX3" fmla="*/ 2771481 w 10086681"/>
+                  <a:gd name="connsiteY3" fmla="*/ 26156 h 1873809"/>
+                  <a:gd name="connsiteX4" fmla="*/ 3667027 w 10086681"/>
+                  <a:gd name="connsiteY4" fmla="*/ 1873809 h 1873809"/>
+                  <a:gd name="connsiteX5" fmla="*/ 4600281 w 10086681"/>
+                  <a:gd name="connsiteY5" fmla="*/ 26156 h 1873809"/>
+                  <a:gd name="connsiteX6" fmla="*/ 5486400 w 10086681"/>
+                  <a:gd name="connsiteY6" fmla="*/ 1854956 h 1873809"/>
+                  <a:gd name="connsiteX7" fmla="*/ 6400800 w 10086681"/>
+                  <a:gd name="connsiteY7" fmla="*/ 26156 h 1873809"/>
+                  <a:gd name="connsiteX8" fmla="*/ 7324627 w 10086681"/>
+                  <a:gd name="connsiteY8" fmla="*/ 1854956 h 1873809"/>
+                  <a:gd name="connsiteX9" fmla="*/ 8229600 w 10086681"/>
+                  <a:gd name="connsiteY9" fmla="*/ 26156 h 1873809"/>
+                  <a:gd name="connsiteX10" fmla="*/ 9134574 w 10086681"/>
+                  <a:gd name="connsiteY10" fmla="*/ 1854956 h 1873809"/>
+                  <a:gd name="connsiteX11" fmla="*/ 10086681 w 10086681"/>
+                  <a:gd name="connsiteY11" fmla="*/ 931129 h 1873809"/>
+                  <a:gd name="connsiteX12" fmla="*/ 10086681 w 10086681"/>
+                  <a:gd name="connsiteY12" fmla="*/ 931129 h 1873809"/>
+                </a:gdLst>
+                <a:ahLst/>
+                <a:cxnLst>
+                  <a:cxn ang="0">
+                    <a:pos x="connsiteX0" y="connsiteY0"/>
+                  </a:cxn>
+                  <a:cxn ang="0">
+                    <a:pos x="connsiteX1" y="connsiteY1"/>
+                  </a:cxn>
+                  <a:cxn ang="0">
+                    <a:pos x="connsiteX2" y="connsiteY2"/>
+                  </a:cxn>
+                  <a:cxn ang="0">
+                    <a:pos x="connsiteX3" y="connsiteY3"/>
+                  </a:cxn>
+                  <a:cxn ang="0">
+                    <a:pos x="connsiteX4" y="connsiteY4"/>
+                  </a:cxn>
+                  <a:cxn ang="0">
+                    <a:pos x="connsiteX5" y="connsiteY5"/>
+                  </a:cxn>
+                  <a:cxn ang="0">
+                    <a:pos x="connsiteX6" y="connsiteY6"/>
+                  </a:cxn>
+                  <a:cxn ang="0">
+                    <a:pos x="connsiteX7" y="connsiteY7"/>
+                  </a:cxn>
+                  <a:cxn ang="0">
+                    <a:pos x="connsiteX8" y="connsiteY8"/>
+                  </a:cxn>
+                  <a:cxn ang="0">
+                    <a:pos x="connsiteX9" y="connsiteY9"/>
+                  </a:cxn>
+                  <a:cxn ang="0">
+                    <a:pos x="connsiteX10" y="connsiteY10"/>
+                  </a:cxn>
+                  <a:cxn ang="0">
+                    <a:pos x="connsiteX11" y="connsiteY11"/>
+                  </a:cxn>
+                  <a:cxn ang="0">
+                    <a:pos x="connsiteX12" y="connsiteY12"/>
+                  </a:cxn>
+                </a:cxnLst>
+                <a:rect l="l" t="t" r="r" b="b"/>
+                <a:pathLst>
+                  <a:path w="10086681" h="1873809">
+                    <a:moveTo>
+                      <a:pt x="0" y="931129"/>
+                    </a:moveTo>
+                    <a:cubicBezTo>
+                      <a:pt x="308728" y="403228"/>
+                      <a:pt x="617456" y="-124673"/>
+                      <a:pt x="923827" y="26156"/>
+                    </a:cubicBezTo>
+                    <a:cubicBezTo>
+                      <a:pt x="1230198" y="176985"/>
+                      <a:pt x="1530285" y="1836102"/>
+                      <a:pt x="1838227" y="1836102"/>
+                    </a:cubicBezTo>
+                    <a:cubicBezTo>
+                      <a:pt x="2146169" y="1836102"/>
+                      <a:pt x="2466681" y="19871"/>
+                      <a:pt x="2771481" y="26156"/>
+                    </a:cubicBezTo>
+                    <a:cubicBezTo>
+                      <a:pt x="3076281" y="32440"/>
+                      <a:pt x="3362227" y="1873809"/>
+                      <a:pt x="3667027" y="1873809"/>
+                    </a:cubicBezTo>
+                    <a:cubicBezTo>
+                      <a:pt x="3971827" y="1873809"/>
+                      <a:pt x="4297052" y="29298"/>
+                      <a:pt x="4600281" y="26156"/>
+                    </a:cubicBezTo>
+                    <a:cubicBezTo>
+                      <a:pt x="4903510" y="23014"/>
+                      <a:pt x="5186314" y="1854956"/>
+                      <a:pt x="5486400" y="1854956"/>
+                    </a:cubicBezTo>
+                    <a:cubicBezTo>
+                      <a:pt x="5786486" y="1854956"/>
+                      <a:pt x="6094429" y="26156"/>
+                      <a:pt x="6400800" y="26156"/>
+                    </a:cubicBezTo>
+                    <a:cubicBezTo>
+                      <a:pt x="6707171" y="26156"/>
+                      <a:pt x="7019827" y="1854956"/>
+                      <a:pt x="7324627" y="1854956"/>
+                    </a:cubicBezTo>
+                    <a:cubicBezTo>
+                      <a:pt x="7629427" y="1854956"/>
+                      <a:pt x="7927942" y="26156"/>
+                      <a:pt x="8229600" y="26156"/>
+                    </a:cubicBezTo>
+                    <a:cubicBezTo>
+                      <a:pt x="8531258" y="26156"/>
+                      <a:pt x="8825061" y="1704127"/>
+                      <a:pt x="9134574" y="1854956"/>
+                    </a:cubicBezTo>
+                    <a:cubicBezTo>
+                      <a:pt x="9444087" y="2005785"/>
+                      <a:pt x="10086681" y="931129"/>
+                      <a:pt x="10086681" y="931129"/>
+                    </a:cubicBezTo>
+                    <a:lnTo>
+                      <a:pt x="10086681" y="931129"/>
+                    </a:lnTo>
+                  </a:path>
+                </a:pathLst>
+              </a:custGeom>
+              <a:noFill/>
+              <a:ln w="38100">
+                <a:solidFill>
+                  <a:schemeClr val="tx1"/>
+                </a:solidFill>
+              </a:ln>
+            </p:spPr>
+            <p:style>
+              <a:lnRef idx="2">
+                <a:schemeClr val="accent1">
+                  <a:shade val="50000"/>
+                </a:schemeClr>
+              </a:lnRef>
+              <a:fillRef idx="1">
+                <a:schemeClr val="accent1"/>
+              </a:fillRef>
+              <a:effectRef idx="0">
+                <a:schemeClr val="accent1"/>
+              </a:effectRef>
+              <a:fontRef idx="minor">
+                <a:schemeClr val="lt1"/>
+              </a:fontRef>
+            </p:style>
+            <p:txBody>
+              <a:bodyPr rtlCol="0" anchor="ctr"/>
+              <a:lstStyle>
+                <a:defPPr>
+                  <a:defRPr lang="en-US"/>
+                </a:defPPr>
+                <a:lvl1pPr marL="0" algn="l" defTabSz="914400" rtl="0" eaLnBrk="1" latinLnBrk="0" hangingPunct="1">
+                  <a:defRPr sz="1800" kern="1200">
+                    <a:solidFill>
+                      <a:schemeClr val="lt1"/>
+                    </a:solidFill>
+                    <a:latin typeface="+mn-lt"/>
+                    <a:ea typeface="+mn-ea"/>
+                    <a:cs typeface="+mn-cs"/>
+                  </a:defRPr>
+                </a:lvl1pPr>
+                <a:lvl2pPr marL="457200" algn="l" defTabSz="914400" rtl="0" eaLnBrk="1" latinLnBrk="0" hangingPunct="1">
+                  <a:defRPr sz="1800" kern="1200">
+                    <a:solidFill>
+                      <a:schemeClr val="lt1"/>
+                    </a:solidFill>
+                    <a:latin typeface="+mn-lt"/>
+                    <a:ea typeface="+mn-ea"/>
+                    <a:cs typeface="+mn-cs"/>
+                  </a:defRPr>
+                </a:lvl2pPr>
+                <a:lvl3pPr marL="914400" algn="l" defTabSz="914400" rtl="0" eaLnBrk="1" latinLnBrk="0" hangingPunct="1">
+                  <a:defRPr sz="1800" kern="1200">
+                    <a:solidFill>
+                      <a:schemeClr val="lt1"/>
+                    </a:solidFill>
+                    <a:latin typeface="+mn-lt"/>
+                    <a:ea typeface="+mn-ea"/>
+                    <a:cs typeface="+mn-cs"/>
+                  </a:defRPr>
+                </a:lvl3pPr>
+                <a:lvl4pPr marL="1371600" algn="l" defTabSz="914400" rtl="0" eaLnBrk="1" latinLnBrk="0" hangingPunct="1">
+                  <a:defRPr sz="1800" kern="1200">
+                    <a:solidFill>
+                      <a:schemeClr val="lt1"/>
+                    </a:solidFill>
+                    <a:latin typeface="+mn-lt"/>
+                    <a:ea typeface="+mn-ea"/>
+                    <a:cs typeface="+mn-cs"/>
+                  </a:defRPr>
+                </a:lvl4pPr>
+                <a:lvl5pPr marL="1828800" algn="l" defTabSz="914400" rtl="0" eaLnBrk="1" latinLnBrk="0" hangingPunct="1">
+                  <a:defRPr sz="1800" kern="1200">
+                    <a:solidFill>
+                      <a:schemeClr val="lt1"/>
+                    </a:solidFill>
+                    <a:latin typeface="+mn-lt"/>
+                    <a:ea typeface="+mn-ea"/>
+                    <a:cs typeface="+mn-cs"/>
+                  </a:defRPr>
+                </a:lvl5pPr>
+                <a:lvl6pPr marL="2286000" algn="l" defTabSz="914400" rtl="0" eaLnBrk="1" latinLnBrk="0" hangingPunct="1">
+                  <a:defRPr sz="1800" kern="1200">
+                    <a:solidFill>
+                      <a:schemeClr val="lt1"/>
+                    </a:solidFill>
+                    <a:latin typeface="+mn-lt"/>
+                    <a:ea typeface="+mn-ea"/>
+                    <a:cs typeface="+mn-cs"/>
+                  </a:defRPr>
+                </a:lvl6pPr>
+                <a:lvl7pPr marL="2743200" algn="l" defTabSz="914400" rtl="0" eaLnBrk="1" latinLnBrk="0" hangingPunct="1">
+                  <a:defRPr sz="1800" kern="1200">
+                    <a:solidFill>
+                      <a:schemeClr val="lt1"/>
+                    </a:solidFill>
+                    <a:latin typeface="+mn-lt"/>
+                    <a:ea typeface="+mn-ea"/>
+                    <a:cs typeface="+mn-cs"/>
+                  </a:defRPr>
+                </a:lvl7pPr>
+                <a:lvl8pPr marL="3200400" algn="l" defTabSz="914400" rtl="0" eaLnBrk="1" latinLnBrk="0" hangingPunct="1">
+                  <a:defRPr sz="1800" kern="1200">
+                    <a:solidFill>
+                      <a:schemeClr val="lt1"/>
+                    </a:solidFill>
+                    <a:latin typeface="+mn-lt"/>
+                    <a:ea typeface="+mn-ea"/>
+                    <a:cs typeface="+mn-cs"/>
+                  </a:defRPr>
+                </a:lvl8pPr>
+                <a:lvl9pPr marL="3657600" algn="l" defTabSz="914400" rtl="0" eaLnBrk="1" latinLnBrk="0" hangingPunct="1">
+                  <a:defRPr sz="1800" kern="1200">
+                    <a:solidFill>
+                      <a:schemeClr val="lt1"/>
+                    </a:solidFill>
+                    <a:latin typeface="+mn-lt"/>
+                    <a:ea typeface="+mn-ea"/>
+                    <a:cs typeface="+mn-cs"/>
+                  </a:defRPr>
+                </a:lvl9pPr>
+              </a:lstStyle>
+              <a:p>
+                <a:pPr algn="ctr"/>
+                <a:endParaRPr lang="en-US"/>
+              </a:p>
+            </p:txBody>
+          </p:sp>
+          <p:sp>
+            <p:nvSpPr>
+              <p:cNvPr id="24" name="Rectangle 23"/>
+              <p:cNvSpPr/>
+              <p:nvPr/>
+            </p:nvSpPr>
+            <p:spPr>
+              <a:xfrm>
+                <a:off x="3958352" y="897956"/>
+                <a:ext cx="405353" cy="488624"/>
+              </a:xfrm>
+              <a:prstGeom prst="rect">
+                <a:avLst/>
+              </a:prstGeom>
+              <a:solidFill>
+                <a:schemeClr val="bg2">
+                  <a:lumMod val="90000"/>
+                </a:schemeClr>
+              </a:solidFill>
+              <a:ln w="38100">
+                <a:solidFill>
+                  <a:schemeClr val="tx1"/>
+                </a:solidFill>
+              </a:ln>
+            </p:spPr>
+            <p:style>
+              <a:lnRef idx="2">
+                <a:schemeClr val="accent1">
+                  <a:shade val="50000"/>
+                </a:schemeClr>
+              </a:lnRef>
+              <a:fillRef idx="1">
+                <a:schemeClr val="accent1"/>
+              </a:fillRef>
+              <a:effectRef idx="0">
+                <a:schemeClr val="accent1"/>
+              </a:effectRef>
+              <a:fontRef idx="minor">
+                <a:schemeClr val="lt1"/>
+              </a:fontRef>
+            </p:style>
+            <p:txBody>
+              <a:bodyPr rtlCol="0" anchor="ctr"/>
+              <a:lstStyle>
+                <a:defPPr>
+                  <a:defRPr lang="en-US"/>
+                </a:defPPr>
+                <a:lvl1pPr marL="0" algn="l" defTabSz="914400" rtl="0" eaLnBrk="1" latinLnBrk="0" hangingPunct="1">
+                  <a:defRPr sz="1800" kern="1200">
+                    <a:solidFill>
+                      <a:schemeClr val="lt1"/>
+                    </a:solidFill>
+                    <a:latin typeface="+mn-lt"/>
+                    <a:ea typeface="+mn-ea"/>
+                    <a:cs typeface="+mn-cs"/>
+                  </a:defRPr>
+                </a:lvl1pPr>
+                <a:lvl2pPr marL="457200" algn="l" defTabSz="914400" rtl="0" eaLnBrk="1" latinLnBrk="0" hangingPunct="1">
+                  <a:defRPr sz="1800" kern="1200">
+                    <a:solidFill>
+                      <a:schemeClr val="lt1"/>
+                    </a:solidFill>
+                    <a:latin typeface="+mn-lt"/>
+                    <a:ea typeface="+mn-ea"/>
+                    <a:cs typeface="+mn-cs"/>
+                  </a:defRPr>
+                </a:lvl2pPr>
+                <a:lvl3pPr marL="914400" algn="l" defTabSz="914400" rtl="0" eaLnBrk="1" latinLnBrk="0" hangingPunct="1">
+                  <a:defRPr sz="1800" kern="1200">
+                    <a:solidFill>
+                      <a:schemeClr val="lt1"/>
+                    </a:solidFill>
+                    <a:latin typeface="+mn-lt"/>
+                    <a:ea typeface="+mn-ea"/>
+                    <a:cs typeface="+mn-cs"/>
+                  </a:defRPr>
+                </a:lvl3pPr>
+                <a:lvl4pPr marL="1371600" algn="l" defTabSz="914400" rtl="0" eaLnBrk="1" latinLnBrk="0" hangingPunct="1">
+                  <a:defRPr sz="1800" kern="1200">
+                    <a:solidFill>
+                      <a:schemeClr val="lt1"/>
+                    </a:solidFill>
+                    <a:latin typeface="+mn-lt"/>
+                    <a:ea typeface="+mn-ea"/>
+                    <a:cs typeface="+mn-cs"/>
+                  </a:defRPr>
+                </a:lvl4pPr>
+                <a:lvl5pPr marL="1828800" algn="l" defTabSz="914400" rtl="0" eaLnBrk="1" latinLnBrk="0" hangingPunct="1">
+                  <a:defRPr sz="1800" kern="1200">
+                    <a:solidFill>
+                      <a:schemeClr val="lt1"/>
+                    </a:solidFill>
+                    <a:latin typeface="+mn-lt"/>
+                    <a:ea typeface="+mn-ea"/>
+                    <a:cs typeface="+mn-cs"/>
+                  </a:defRPr>
+                </a:lvl5pPr>
+                <a:lvl6pPr marL="2286000" algn="l" defTabSz="914400" rtl="0" eaLnBrk="1" latinLnBrk="0" hangingPunct="1">
+                  <a:defRPr sz="1800" kern="1200">
+                    <a:solidFill>
+                      <a:schemeClr val="lt1"/>
+                    </a:solidFill>
+                    <a:latin typeface="+mn-lt"/>
+                    <a:ea typeface="+mn-ea"/>
+                    <a:cs typeface="+mn-cs"/>
+                  </a:defRPr>
+                </a:lvl6pPr>
+                <a:lvl7pPr marL="2743200" algn="l" defTabSz="914400" rtl="0" eaLnBrk="1" latinLnBrk="0" hangingPunct="1">
+                  <a:defRPr sz="1800" kern="1200">
+                    <a:solidFill>
+                      <a:schemeClr val="lt1"/>
+                    </a:solidFill>
+                    <a:latin typeface="+mn-lt"/>
+                    <a:ea typeface="+mn-ea"/>
+                    <a:cs typeface="+mn-cs"/>
+                  </a:defRPr>
+                </a:lvl7pPr>
+                <a:lvl8pPr marL="3200400" algn="l" defTabSz="914400" rtl="0" eaLnBrk="1" latinLnBrk="0" hangingPunct="1">
+                  <a:defRPr sz="1800" kern="1200">
+                    <a:solidFill>
+                      <a:schemeClr val="lt1"/>
+                    </a:solidFill>
+                    <a:latin typeface="+mn-lt"/>
+                    <a:ea typeface="+mn-ea"/>
+                    <a:cs typeface="+mn-cs"/>
+                  </a:defRPr>
+                </a:lvl8pPr>
+                <a:lvl9pPr marL="3657600" algn="l" defTabSz="914400" rtl="0" eaLnBrk="1" latinLnBrk="0" hangingPunct="1">
+                  <a:defRPr sz="1800" kern="1200">
+                    <a:solidFill>
+                      <a:schemeClr val="lt1"/>
+                    </a:solidFill>
+                    <a:latin typeface="+mn-lt"/>
+                    <a:ea typeface="+mn-ea"/>
+                    <a:cs typeface="+mn-cs"/>
+                  </a:defRPr>
+                </a:lvl9pPr>
+              </a:lstStyle>
+              <a:p>
+                <a:pPr algn="ctr"/>
+                <a:endParaRPr lang="en-US"/>
+              </a:p>
+            </p:txBody>
+          </p:sp>
+          <p:sp>
+            <p:nvSpPr>
+              <p:cNvPr id="25" name="Rectangle 24"/>
+              <p:cNvSpPr/>
+              <p:nvPr/>
+            </p:nvSpPr>
+            <p:spPr>
+              <a:xfrm>
+                <a:off x="1405198" y="611171"/>
+                <a:ext cx="123757" cy="841883"/>
+              </a:xfrm>
+              <a:prstGeom prst="rect">
+                <a:avLst/>
+              </a:prstGeom>
+              <a:solidFill>
+                <a:schemeClr val="tx1"/>
+              </a:solidFill>
+              <a:ln w="38100">
+                <a:solidFill>
+                  <a:schemeClr val="tx1"/>
+                </a:solidFill>
+              </a:ln>
+            </p:spPr>
+            <p:style>
+              <a:lnRef idx="2">
+                <a:schemeClr val="accent1">
+                  <a:shade val="50000"/>
+                </a:schemeClr>
+              </a:lnRef>
+              <a:fillRef idx="1">
+                <a:schemeClr val="accent1"/>
+              </a:fillRef>
+              <a:effectRef idx="0">
+                <a:schemeClr val="accent1"/>
+              </a:effectRef>
+              <a:fontRef idx="minor">
+                <a:schemeClr val="lt1"/>
+              </a:fontRef>
+            </p:style>
+            <p:txBody>
+              <a:bodyPr rtlCol="0" anchor="ctr"/>
+              <a:lstStyle>
+                <a:defPPr>
+                  <a:defRPr lang="en-US"/>
+                </a:defPPr>
+                <a:lvl1pPr marL="0" algn="l" defTabSz="914400" rtl="0" eaLnBrk="1" latinLnBrk="0" hangingPunct="1">
+                  <a:defRPr sz="1800" kern="1200">
+                    <a:solidFill>
+                      <a:schemeClr val="lt1"/>
+                    </a:solidFill>
+                    <a:latin typeface="+mn-lt"/>
+                    <a:ea typeface="+mn-ea"/>
+                    <a:cs typeface="+mn-cs"/>
+                  </a:defRPr>
+                </a:lvl1pPr>
+                <a:lvl2pPr marL="457200" algn="l" defTabSz="914400" rtl="0" eaLnBrk="1" latinLnBrk="0" hangingPunct="1">
+                  <a:defRPr sz="1800" kern="1200">
+                    <a:solidFill>
+                      <a:schemeClr val="lt1"/>
+                    </a:solidFill>
+                    <a:latin typeface="+mn-lt"/>
+                    <a:ea typeface="+mn-ea"/>
+                    <a:cs typeface="+mn-cs"/>
+                  </a:defRPr>
+                </a:lvl2pPr>
+                <a:lvl3pPr marL="914400" algn="l" defTabSz="914400" rtl="0" eaLnBrk="1" latinLnBrk="0" hangingPunct="1">
+                  <a:defRPr sz="1800" kern="1200">
+                    <a:solidFill>
+                      <a:schemeClr val="lt1"/>
+                    </a:solidFill>
+                    <a:latin typeface="+mn-lt"/>
+                    <a:ea typeface="+mn-ea"/>
+                    <a:cs typeface="+mn-cs"/>
+                  </a:defRPr>
+                </a:lvl3pPr>
+                <a:lvl4pPr marL="1371600" algn="l" defTabSz="914400" rtl="0" eaLnBrk="1" latinLnBrk="0" hangingPunct="1">
+                  <a:defRPr sz="1800" kern="1200">
+                    <a:solidFill>
+                      <a:schemeClr val="lt1"/>
+                    </a:solidFill>
+                    <a:latin typeface="+mn-lt"/>
+                    <a:ea typeface="+mn-ea"/>
+                    <a:cs typeface="+mn-cs"/>
+                  </a:defRPr>
+                </a:lvl4pPr>
+                <a:lvl5pPr marL="1828800" algn="l" defTabSz="914400" rtl="0" eaLnBrk="1" latinLnBrk="0" hangingPunct="1">
+                  <a:defRPr sz="1800" kern="1200">
+                    <a:solidFill>
+                      <a:schemeClr val="lt1"/>
+                    </a:solidFill>
+                    <a:latin typeface="+mn-lt"/>
+                    <a:ea typeface="+mn-ea"/>
+                    <a:cs typeface="+mn-cs"/>
+                  </a:defRPr>
+                </a:lvl5pPr>
+                <a:lvl6pPr marL="2286000" algn="l" defTabSz="914400" rtl="0" eaLnBrk="1" latinLnBrk="0" hangingPunct="1">
+                  <a:defRPr sz="1800" kern="1200">
+                    <a:solidFill>
+                      <a:schemeClr val="lt1"/>
+                    </a:solidFill>
+                    <a:latin typeface="+mn-lt"/>
+                    <a:ea typeface="+mn-ea"/>
+                    <a:cs typeface="+mn-cs"/>
+                  </a:defRPr>
+                </a:lvl6pPr>
+                <a:lvl7pPr marL="2743200" algn="l" defTabSz="914400" rtl="0" eaLnBrk="1" latinLnBrk="0" hangingPunct="1">
+                  <a:defRPr sz="1800" kern="1200">
+                    <a:solidFill>
+                      <a:schemeClr val="lt1"/>
+                    </a:solidFill>
+                    <a:latin typeface="+mn-lt"/>
+                    <a:ea typeface="+mn-ea"/>
+                    <a:cs typeface="+mn-cs"/>
+                  </a:defRPr>
+                </a:lvl7pPr>
+                <a:lvl8pPr marL="3200400" algn="l" defTabSz="914400" rtl="0" eaLnBrk="1" latinLnBrk="0" hangingPunct="1">
+                  <a:defRPr sz="1800" kern="1200">
+                    <a:solidFill>
+                      <a:schemeClr val="lt1"/>
+                    </a:solidFill>
+                    <a:latin typeface="+mn-lt"/>
+                    <a:ea typeface="+mn-ea"/>
+                    <a:cs typeface="+mn-cs"/>
+                  </a:defRPr>
+                </a:lvl8pPr>
+                <a:lvl9pPr marL="3657600" algn="l" defTabSz="914400" rtl="0" eaLnBrk="1" latinLnBrk="0" hangingPunct="1">
+                  <a:defRPr sz="1800" kern="1200">
+                    <a:solidFill>
+                      <a:schemeClr val="lt1"/>
+                    </a:solidFill>
+                    <a:latin typeface="+mn-lt"/>
+                    <a:ea typeface="+mn-ea"/>
+                    <a:cs typeface="+mn-cs"/>
+                  </a:defRPr>
+                </a:lvl9pPr>
+              </a:lstStyle>
+              <a:p>
+                <a:pPr algn="ctr"/>
+                <a:endParaRPr lang="en-US"/>
+              </a:p>
+            </p:txBody>
+          </p:sp>
+          <p:sp>
+            <p:nvSpPr>
+              <p:cNvPr id="26" name="Rectangle 25"/>
+              <p:cNvSpPr/>
+              <p:nvPr/>
+            </p:nvSpPr>
+            <p:spPr>
+              <a:xfrm flipH="1">
+                <a:off x="1405198" y="1428610"/>
+                <a:ext cx="3349682" cy="130202"/>
+              </a:xfrm>
+              <a:prstGeom prst="rect">
+                <a:avLst/>
+              </a:prstGeom>
+              <a:solidFill>
+                <a:schemeClr val="tx1"/>
+              </a:solidFill>
+              <a:ln w="38100">
+                <a:solidFill>
+                  <a:schemeClr val="tx1"/>
+                </a:solidFill>
+              </a:ln>
+            </p:spPr>
+            <p:style>
+              <a:lnRef idx="2">
+                <a:schemeClr val="accent1">
+                  <a:shade val="50000"/>
+                </a:schemeClr>
+              </a:lnRef>
+              <a:fillRef idx="1">
+                <a:schemeClr val="accent1"/>
+              </a:fillRef>
+              <a:effectRef idx="0">
+                <a:schemeClr val="accent1"/>
+              </a:effectRef>
+              <a:fontRef idx="minor">
+                <a:schemeClr val="lt1"/>
+              </a:fontRef>
+            </p:style>
+            <p:txBody>
+              <a:bodyPr rtlCol="0" anchor="ctr"/>
+              <a:lstStyle>
+                <a:defPPr>
+                  <a:defRPr lang="en-US"/>
+                </a:defPPr>
+                <a:lvl1pPr marL="0" algn="l" defTabSz="914400" rtl="0" eaLnBrk="1" latinLnBrk="0" hangingPunct="1">
+                  <a:defRPr sz="1800" kern="1200">
+                    <a:solidFill>
+                      <a:schemeClr val="lt1"/>
+                    </a:solidFill>
+                    <a:latin typeface="+mn-lt"/>
+                    <a:ea typeface="+mn-ea"/>
+                    <a:cs typeface="+mn-cs"/>
+                  </a:defRPr>
+                </a:lvl1pPr>
+                <a:lvl2pPr marL="457200" algn="l" defTabSz="914400" rtl="0" eaLnBrk="1" latinLnBrk="0" hangingPunct="1">
+                  <a:defRPr sz="1800" kern="1200">
+                    <a:solidFill>
+                      <a:schemeClr val="lt1"/>
+                    </a:solidFill>
+                    <a:latin typeface="+mn-lt"/>
+                    <a:ea typeface="+mn-ea"/>
+                    <a:cs typeface="+mn-cs"/>
+                  </a:defRPr>
+                </a:lvl2pPr>
+                <a:lvl3pPr marL="914400" algn="l" defTabSz="914400" rtl="0" eaLnBrk="1" latinLnBrk="0" hangingPunct="1">
+                  <a:defRPr sz="1800" kern="1200">
+                    <a:solidFill>
+                      <a:schemeClr val="lt1"/>
+                    </a:solidFill>
+                    <a:latin typeface="+mn-lt"/>
+                    <a:ea typeface="+mn-ea"/>
+                    <a:cs typeface="+mn-cs"/>
+                  </a:defRPr>
+                </a:lvl3pPr>
+                <a:lvl4pPr marL="1371600" algn="l" defTabSz="914400" rtl="0" eaLnBrk="1" latinLnBrk="0" hangingPunct="1">
+                  <a:defRPr sz="1800" kern="1200">
+                    <a:solidFill>
+                      <a:schemeClr val="lt1"/>
+                    </a:solidFill>
+                    <a:latin typeface="+mn-lt"/>
+                    <a:ea typeface="+mn-ea"/>
+                    <a:cs typeface="+mn-cs"/>
+                  </a:defRPr>
+                </a:lvl4pPr>
+                <a:lvl5pPr marL="1828800" algn="l" defTabSz="914400" rtl="0" eaLnBrk="1" latinLnBrk="0" hangingPunct="1">
+                  <a:defRPr sz="1800" kern="1200">
+                    <a:solidFill>
+                      <a:schemeClr val="lt1"/>
+                    </a:solidFill>
+                    <a:latin typeface="+mn-lt"/>
+                    <a:ea typeface="+mn-ea"/>
+                    <a:cs typeface="+mn-cs"/>
+                  </a:defRPr>
+                </a:lvl5pPr>
+                <a:lvl6pPr marL="2286000" algn="l" defTabSz="914400" rtl="0" eaLnBrk="1" latinLnBrk="0" hangingPunct="1">
+                  <a:defRPr sz="1800" kern="1200">
+                    <a:solidFill>
+                      <a:schemeClr val="lt1"/>
+                    </a:solidFill>
+                    <a:latin typeface="+mn-lt"/>
+                    <a:ea typeface="+mn-ea"/>
+                    <a:cs typeface="+mn-cs"/>
+                  </a:defRPr>
+                </a:lvl6pPr>
+                <a:lvl7pPr marL="2743200" algn="l" defTabSz="914400" rtl="0" eaLnBrk="1" latinLnBrk="0" hangingPunct="1">
+                  <a:defRPr sz="1800" kern="1200">
+                    <a:solidFill>
+                      <a:schemeClr val="lt1"/>
+                    </a:solidFill>
+                    <a:latin typeface="+mn-lt"/>
+                    <a:ea typeface="+mn-ea"/>
+                    <a:cs typeface="+mn-cs"/>
+                  </a:defRPr>
+                </a:lvl7pPr>
+                <a:lvl8pPr marL="3200400" algn="l" defTabSz="914400" rtl="0" eaLnBrk="1" latinLnBrk="0" hangingPunct="1">
+                  <a:defRPr sz="1800" kern="1200">
+                    <a:solidFill>
+                      <a:schemeClr val="lt1"/>
+                    </a:solidFill>
+                    <a:latin typeface="+mn-lt"/>
+                    <a:ea typeface="+mn-ea"/>
+                    <a:cs typeface="+mn-cs"/>
+                  </a:defRPr>
+                </a:lvl8pPr>
+                <a:lvl9pPr marL="3657600" algn="l" defTabSz="914400" rtl="0" eaLnBrk="1" latinLnBrk="0" hangingPunct="1">
+                  <a:defRPr sz="1800" kern="1200">
+                    <a:solidFill>
+                      <a:schemeClr val="lt1"/>
+                    </a:solidFill>
+                    <a:latin typeface="+mn-lt"/>
+                    <a:ea typeface="+mn-ea"/>
+                    <a:cs typeface="+mn-cs"/>
+                  </a:defRPr>
+                </a:lvl9pPr>
+              </a:lstStyle>
+              <a:p>
+                <a:pPr algn="ctr"/>
+                <a:endParaRPr lang="en-US"/>
+              </a:p>
+            </p:txBody>
+          </p:sp>
+          <p:cxnSp>
+            <p:nvCxnSpPr>
+              <p:cNvPr id="28" name="Straight Connector 27"/>
+              <p:cNvCxnSpPr/>
+              <p:nvPr/>
+            </p:nvCxnSpPr>
+            <p:spPr>
+              <a:xfrm flipH="1">
+                <a:off x="3959465" y="1545882"/>
+                <a:ext cx="9047" cy="1800165"/>
+              </a:xfrm>
+              <a:prstGeom prst="line">
+                <a:avLst/>
+              </a:prstGeom>
+              <a:ln w="38100">
+                <a:solidFill>
+                  <a:schemeClr val="tx1"/>
+                </a:solidFill>
+                <a:prstDash val="sysDot"/>
+              </a:ln>
+            </p:spPr>
+            <p:style>
+              <a:lnRef idx="1">
+                <a:schemeClr val="accent1"/>
+              </a:lnRef>
+              <a:fillRef idx="0">
+                <a:schemeClr val="accent1"/>
+              </a:fillRef>
+              <a:effectRef idx="0">
+                <a:schemeClr val="accent1"/>
+              </a:effectRef>
+              <a:fontRef idx="minor">
+                <a:schemeClr val="tx1"/>
+              </a:fontRef>
+            </p:style>
+          </p:cxnSp>
+          <p:cxnSp>
+            <p:nvCxnSpPr>
+              <p:cNvPr id="31" name="Straight Connector 30"/>
+              <p:cNvCxnSpPr/>
+              <p:nvPr/>
+            </p:nvCxnSpPr>
+            <p:spPr>
+              <a:xfrm flipH="1" flipV="1">
+                <a:off x="3118007" y="3320719"/>
+                <a:ext cx="828" cy="122364"/>
+              </a:xfrm>
+              <a:prstGeom prst="line">
+                <a:avLst/>
+              </a:prstGeom>
+              <a:ln w="38100">
+                <a:solidFill>
+                  <a:schemeClr val="tx1"/>
+                </a:solidFill>
+              </a:ln>
+            </p:spPr>
+            <p:style>
+              <a:lnRef idx="1">
+                <a:schemeClr val="accent1"/>
+              </a:lnRef>
+              <a:fillRef idx="0">
+                <a:schemeClr val="accent1"/>
+              </a:fillRef>
+              <a:effectRef idx="0">
+                <a:schemeClr val="accent1"/>
+              </a:effectRef>
+              <a:fontRef idx="minor">
+                <a:schemeClr val="tx1"/>
+              </a:fontRef>
+            </p:style>
+          </p:cxnSp>
+          <p:cxnSp>
+            <p:nvCxnSpPr>
+              <p:cNvPr id="34" name="Straight Arrow Connector 33"/>
+              <p:cNvCxnSpPr/>
+              <p:nvPr/>
+            </p:nvCxnSpPr>
+            <p:spPr>
+              <a:xfrm flipH="1">
+                <a:off x="3389919" y="722931"/>
+                <a:ext cx="559386" cy="0"/>
+              </a:xfrm>
+              <a:prstGeom prst="straightConnector1">
+                <a:avLst/>
+              </a:prstGeom>
+              <a:ln w="38100">
+                <a:solidFill>
+                  <a:schemeClr val="tx1"/>
+                </a:solidFill>
+                <a:tailEnd type="triangle"/>
+              </a:ln>
+            </p:spPr>
+            <p:style>
+              <a:lnRef idx="1">
+                <a:schemeClr val="accent1"/>
+              </a:lnRef>
+              <a:fillRef idx="0">
+                <a:schemeClr val="accent1"/>
+              </a:fillRef>
+              <a:effectRef idx="0">
+                <a:schemeClr val="accent1"/>
+              </a:effectRef>
+              <a:fontRef idx="minor">
+                <a:schemeClr val="tx1"/>
+              </a:fontRef>
+            </p:style>
+          </p:cxnSp>
+          <mc:AlternateContent xmlns:mc="http://schemas.openxmlformats.org/markup-compatibility/2006">
+            <mc:Choice xmlns:a14="http://schemas.microsoft.com/office/drawing/2010/main" Requires="a14">
+              <p:sp>
+                <p:nvSpPr>
+                  <p:cNvPr id="35" name="TextBox 34"/>
+                  <p:cNvSpPr txBox="1"/>
+                  <p:nvPr/>
+                </p:nvSpPr>
+                <p:spPr>
+                  <a:xfrm>
+                    <a:off x="3669612" y="249644"/>
+                    <a:ext cx="237629" cy="345159"/>
+                  </a:xfrm>
+                  <a:prstGeom prst="rect">
+                    <a:avLst/>
+                  </a:prstGeom>
+                  <a:noFill/>
+                </p:spPr>
+                <p:txBody>
+                  <a:bodyPr wrap="none" lIns="0" tIns="0" rIns="0" bIns="0" rtlCol="0">
+                    <a:spAutoFit/>
+                  </a:bodyPr>
+                  <a:lstStyle/>
+                  <a:p>
+                    <a14:m>
+                      <m:oMathPara xmlns:m="http://schemas.openxmlformats.org/officeDocument/2006/math">
+                        <m:oMathParaPr>
+                          <m:jc m:val="centerGroup"/>
+                        </m:oMathParaPr>
+                        <m:oMath xmlns:m="http://schemas.openxmlformats.org/officeDocument/2006/math">
+                          <m:acc>
+                            <m:accPr>
+                              <m:chr m:val="⃗"/>
+                              <m:ctrlPr>
+                                <a:rPr lang="en-US" sz="2000" b="0" i="1" smtClean="0">
+                                  <a:latin typeface="Cambria Math" panose="02040503050406030204" pitchFamily="18" charset="0"/>
+                                  <a:cs typeface="Arial" panose="020B0604020202020204" pitchFamily="34" charset="0"/>
+                                </a:rPr>
+                              </m:ctrlPr>
+                            </m:accPr>
+                            <m:e>
+                              <m:r>
+                                <a:rPr lang="en-US" sz="2000" b="0" i="1" smtClean="0">
+                                  <a:latin typeface="Cambria Math" panose="02040503050406030204" pitchFamily="18" charset="0"/>
+                                  <a:cs typeface="Arial" panose="020B0604020202020204" pitchFamily="34" charset="0"/>
+                                </a:rPr>
+                                <m:t>𝐹</m:t>
+                              </m:r>
+                            </m:e>
+                          </m:acc>
+                        </m:oMath>
+                      </m:oMathPara>
+                    </a14:m>
+                    <a:endParaRPr lang="en-US" sz="2000" dirty="0" smtClean="0">
+                      <a:latin typeface="Arial" panose="020B0604020202020204" pitchFamily="34" charset="0"/>
+                      <a:cs typeface="Arial" panose="020B0604020202020204" pitchFamily="34" charset="0"/>
+                    </a:endParaRPr>
+                  </a:p>
+                </p:txBody>
+              </p:sp>
+            </mc:Choice>
+            <mc:Fallback>
+              <p:sp>
+                <p:nvSpPr>
+                  <p:cNvPr id="35" name="TextBox 34"/>
+                  <p:cNvSpPr txBox="1">
+                    <a:spLocks noRot="1" noChangeAspect="1" noMove="1" noResize="1" noEditPoints="1" noAdjustHandles="1" noChangeArrowheads="1" noChangeShapeType="1" noTextEdit="1"/>
+                  </p:cNvSpPr>
+                  <p:nvPr/>
+                </p:nvSpPr>
+                <p:spPr>
+                  <a:xfrm>
+                    <a:off x="3669612" y="249644"/>
+                    <a:ext cx="237629" cy="345159"/>
+                  </a:xfrm>
+                  <a:prstGeom prst="rect">
+                    <a:avLst/>
+                  </a:prstGeom>
+                  <a:blipFill>
+                    <a:blip r:embed="rId4"/>
+                    <a:stretch>
+                      <a:fillRect l="-23077" t="-33333" r="-89744" b="-8772"/>
+                    </a:stretch>
+                  </a:blipFill>
+                </p:spPr>
+                <p:txBody>
+                  <a:bodyPr/>
+                  <a:lstStyle/>
+                  <a:p>
+                    <a:r>
+                      <a:rPr lang="en-US">
+                        <a:noFill/>
+                      </a:rPr>
+                      <a:t> </a:t>
+                    </a:r>
+                  </a:p>
+                </p:txBody>
+              </p:sp>
+            </mc:Fallback>
+          </mc:AlternateContent>
+          <p:cxnSp>
+            <p:nvCxnSpPr>
+              <p:cNvPr id="36" name="Straight Arrow Connector 35"/>
+              <p:cNvCxnSpPr/>
+              <p:nvPr/>
+            </p:nvCxnSpPr>
+            <p:spPr>
+              <a:xfrm flipV="1">
+                <a:off x="2309228" y="3961713"/>
+                <a:ext cx="555126" cy="7055"/>
+              </a:xfrm>
+              <a:prstGeom prst="straightConnector1">
+                <a:avLst/>
+              </a:prstGeom>
+              <a:ln w="38100">
+                <a:solidFill>
+                  <a:schemeClr val="tx1"/>
+                </a:solidFill>
+                <a:tailEnd type="triangle"/>
+              </a:ln>
+            </p:spPr>
+            <p:style>
+              <a:lnRef idx="1">
+                <a:schemeClr val="accent1"/>
+              </a:lnRef>
+              <a:fillRef idx="0">
+                <a:schemeClr val="accent1"/>
+              </a:fillRef>
+              <a:effectRef idx="0">
+                <a:schemeClr val="accent1"/>
+              </a:effectRef>
+              <a:fontRef idx="minor">
+                <a:schemeClr val="tx1"/>
+              </a:fontRef>
+            </p:style>
+          </p:cxnSp>
+          <mc:AlternateContent xmlns:mc="http://schemas.openxmlformats.org/markup-compatibility/2006">
+            <mc:Choice xmlns:a14="http://schemas.microsoft.com/office/drawing/2010/main" Requires="a14">
+              <p:sp>
+                <p:nvSpPr>
+                  <p:cNvPr id="37" name="TextBox 36"/>
+                  <p:cNvSpPr txBox="1"/>
+                  <p:nvPr/>
+                </p:nvSpPr>
+                <p:spPr>
+                  <a:xfrm>
+                    <a:off x="2400262" y="3569736"/>
+                    <a:ext cx="237629" cy="345159"/>
+                  </a:xfrm>
+                  <a:prstGeom prst="rect">
+                    <a:avLst/>
+                  </a:prstGeom>
+                  <a:noFill/>
+                </p:spPr>
+                <p:txBody>
+                  <a:bodyPr wrap="none" lIns="0" tIns="0" rIns="0" bIns="0" rtlCol="0">
+                    <a:spAutoFit/>
+                  </a:bodyPr>
+                  <a:lstStyle/>
+                  <a:p>
+                    <a14:m>
+                      <m:oMathPara xmlns:m="http://schemas.openxmlformats.org/officeDocument/2006/math">
+                        <m:oMathParaPr>
+                          <m:jc m:val="centerGroup"/>
+                        </m:oMathParaPr>
+                        <m:oMath xmlns:m="http://schemas.openxmlformats.org/officeDocument/2006/math">
+                          <m:acc>
+                            <m:accPr>
+                              <m:chr m:val="⃗"/>
+                              <m:ctrlPr>
+                                <a:rPr lang="en-US" sz="2000" b="0" i="1" smtClean="0">
+                                  <a:latin typeface="Cambria Math" panose="02040503050406030204" pitchFamily="18" charset="0"/>
+                                  <a:cs typeface="Arial" panose="020B0604020202020204" pitchFamily="34" charset="0"/>
+                                </a:rPr>
+                              </m:ctrlPr>
+                            </m:accPr>
+                            <m:e>
+                              <m:r>
+                                <a:rPr lang="en-US" sz="2000" b="0" i="1" smtClean="0">
+                                  <a:latin typeface="Cambria Math" panose="02040503050406030204" pitchFamily="18" charset="0"/>
+                                  <a:cs typeface="Arial" panose="020B0604020202020204" pitchFamily="34" charset="0"/>
+                                </a:rPr>
+                                <m:t>𝐹</m:t>
+                              </m:r>
+                            </m:e>
+                          </m:acc>
+                        </m:oMath>
+                      </m:oMathPara>
+                    </a14:m>
+                    <a:endParaRPr lang="en-US" sz="2000" dirty="0" smtClean="0">
+                      <a:latin typeface="Arial" panose="020B0604020202020204" pitchFamily="34" charset="0"/>
+                      <a:cs typeface="Arial" panose="020B0604020202020204" pitchFamily="34" charset="0"/>
+                    </a:endParaRPr>
+                  </a:p>
+                </p:txBody>
+              </p:sp>
+            </mc:Choice>
+            <mc:Fallback>
+              <p:sp>
+                <p:nvSpPr>
+                  <p:cNvPr id="37" name="TextBox 36"/>
+                  <p:cNvSpPr txBox="1">
+                    <a:spLocks noRot="1" noChangeAspect="1" noMove="1" noResize="1" noEditPoints="1" noAdjustHandles="1" noChangeArrowheads="1" noChangeShapeType="1" noTextEdit="1"/>
+                  </p:cNvSpPr>
+                  <p:nvPr/>
+                </p:nvSpPr>
+                <p:spPr>
+                  <a:xfrm>
+                    <a:off x="2400262" y="3569736"/>
+                    <a:ext cx="237629" cy="345159"/>
+                  </a:xfrm>
+                  <a:prstGeom prst="rect">
+                    <a:avLst/>
+                  </a:prstGeom>
+                  <a:blipFill>
+                    <a:blip r:embed="rId5"/>
+                    <a:stretch>
+                      <a:fillRect l="-20513" t="-35088" r="-92308" b="-7018"/>
+                    </a:stretch>
+                  </a:blipFill>
+                </p:spPr>
+                <p:txBody>
+                  <a:bodyPr/>
+                  <a:lstStyle/>
+                  <a:p>
+                    <a:r>
+                      <a:rPr lang="en-US">
+                        <a:noFill/>
+                      </a:rPr>
+                      <a:t> </a:t>
+                    </a:r>
+                  </a:p>
+                </p:txBody>
+              </p:sp>
+            </mc:Fallback>
+          </mc:AlternateContent>
+          <mc:AlternateContent xmlns:mc="http://schemas.openxmlformats.org/markup-compatibility/2006">
+            <mc:Choice xmlns:a14="http://schemas.microsoft.com/office/drawing/2010/main" Requires="a14">
+              <p:sp>
+                <p:nvSpPr>
+                  <p:cNvPr id="40" name="TextBox 39"/>
+                  <p:cNvSpPr txBox="1"/>
+                  <p:nvPr/>
+                </p:nvSpPr>
+                <p:spPr>
+                  <a:xfrm>
+                    <a:off x="5021714" y="2365373"/>
+                    <a:ext cx="544893" cy="307777"/>
+                  </a:xfrm>
+                  <a:prstGeom prst="rect">
+                    <a:avLst/>
+                  </a:prstGeom>
+                  <a:noFill/>
+                </p:spPr>
+                <p:txBody>
+                  <a:bodyPr wrap="none" lIns="0" tIns="0" rIns="0" bIns="0" rtlCol="0">
+                    <a:spAutoFit/>
+                  </a:bodyPr>
+                  <a:lstStyle/>
+                  <a:p>
+                    <a14:m>
+                      <m:oMathPara xmlns:m="http://schemas.openxmlformats.org/officeDocument/2006/math">
+                        <m:oMathParaPr>
+                          <m:jc m:val="centerGroup"/>
+                        </m:oMathParaPr>
+                        <m:oMath xmlns:m="http://schemas.openxmlformats.org/officeDocument/2006/math">
+                          <m:r>
+                            <a:rPr lang="en-US" sz="2000" b="0" i="1" smtClean="0">
+                              <a:latin typeface="Cambria Math" panose="02040503050406030204" pitchFamily="18" charset="0"/>
+                              <a:cs typeface="Arial" panose="020B0604020202020204" pitchFamily="34" charset="0"/>
+                            </a:rPr>
+                            <m:t>𝑟𝑒𝑠𝑡</m:t>
+                          </m:r>
+                        </m:oMath>
+                      </m:oMathPara>
+                    </a14:m>
+                    <a:endParaRPr lang="en-US" sz="2000" dirty="0" smtClean="0">
+                      <a:latin typeface="Arial" panose="020B0604020202020204" pitchFamily="34" charset="0"/>
+                      <a:cs typeface="Arial" panose="020B0604020202020204" pitchFamily="34" charset="0"/>
+                    </a:endParaRPr>
+                  </a:p>
+                </p:txBody>
+              </p:sp>
+            </mc:Choice>
+            <mc:Fallback>
+              <p:sp>
+                <p:nvSpPr>
+                  <p:cNvPr id="40" name="TextBox 39"/>
+                  <p:cNvSpPr txBox="1">
+                    <a:spLocks noRot="1" noChangeAspect="1" noMove="1" noResize="1" noEditPoints="1" noAdjustHandles="1" noChangeArrowheads="1" noChangeShapeType="1" noTextEdit="1"/>
+                  </p:cNvSpPr>
+                  <p:nvPr/>
+                </p:nvSpPr>
+                <p:spPr>
+                  <a:xfrm>
+                    <a:off x="5021714" y="2365373"/>
+                    <a:ext cx="544893" cy="307777"/>
+                  </a:xfrm>
+                  <a:prstGeom prst="rect">
+                    <a:avLst/>
+                  </a:prstGeom>
+                  <a:blipFill>
+                    <a:blip r:embed="rId6"/>
+                    <a:stretch>
+                      <a:fillRect l="-7778" r="-6667" b="-5882"/>
+                    </a:stretch>
+                  </a:blipFill>
+                </p:spPr>
+                <p:txBody>
+                  <a:bodyPr/>
+                  <a:lstStyle/>
+                  <a:p>
+                    <a:r>
+                      <a:rPr lang="en-US">
+                        <a:noFill/>
+                      </a:rPr>
+                      <a:t> </a:t>
+                    </a:r>
+                  </a:p>
+                </p:txBody>
+              </p:sp>
+            </mc:Fallback>
+          </mc:AlternateContent>
+          <mc:AlternateContent xmlns:mc="http://schemas.openxmlformats.org/markup-compatibility/2006">
+            <mc:Choice xmlns:a14="http://schemas.microsoft.com/office/drawing/2010/main" Requires="a14">
+              <p:sp>
+                <p:nvSpPr>
+                  <p:cNvPr id="41" name="TextBox 40"/>
+                  <p:cNvSpPr txBox="1"/>
+                  <p:nvPr/>
+                </p:nvSpPr>
+                <p:spPr>
+                  <a:xfrm>
+                    <a:off x="5025730" y="988379"/>
+                    <a:ext cx="1196994" cy="307777"/>
+                  </a:xfrm>
+                  <a:prstGeom prst="rect">
+                    <a:avLst/>
+                  </a:prstGeom>
+                  <a:noFill/>
+                </p:spPr>
+                <p:txBody>
+                  <a:bodyPr wrap="none" lIns="0" tIns="0" rIns="0" bIns="0" rtlCol="0">
+                    <a:spAutoFit/>
+                  </a:bodyPr>
+                  <a:lstStyle/>
+                  <a:p>
+                    <a14:m>
+                      <m:oMathPara xmlns:m="http://schemas.openxmlformats.org/officeDocument/2006/math">
+                        <m:oMathParaPr>
+                          <m:jc m:val="centerGroup"/>
+                        </m:oMathParaPr>
+                        <m:oMath xmlns:m="http://schemas.openxmlformats.org/officeDocument/2006/math">
+                          <m:r>
+                            <a:rPr lang="en-US" sz="2000" b="0" i="1" smtClean="0">
+                              <a:latin typeface="Cambria Math" panose="02040503050406030204" pitchFamily="18" charset="0"/>
+                              <a:cs typeface="Arial" panose="020B0604020202020204" pitchFamily="34" charset="0"/>
+                            </a:rPr>
+                            <m:t>𝑒𝑥𝑡𝑒𝑛𝑠𝑖𝑜𝑛</m:t>
+                          </m:r>
+                        </m:oMath>
+                      </m:oMathPara>
+                    </a14:m>
+                    <a:endParaRPr lang="en-US" sz="2000" dirty="0" smtClean="0">
+                      <a:latin typeface="Arial" panose="020B0604020202020204" pitchFamily="34" charset="0"/>
+                      <a:cs typeface="Arial" panose="020B0604020202020204" pitchFamily="34" charset="0"/>
+                    </a:endParaRPr>
+                  </a:p>
+                </p:txBody>
+              </p:sp>
+            </mc:Choice>
+            <mc:Fallback>
+              <p:sp>
+                <p:nvSpPr>
+                  <p:cNvPr id="41" name="TextBox 40"/>
+                  <p:cNvSpPr txBox="1">
+                    <a:spLocks noRot="1" noChangeAspect="1" noMove="1" noResize="1" noEditPoints="1" noAdjustHandles="1" noChangeArrowheads="1" noChangeShapeType="1" noTextEdit="1"/>
+                  </p:cNvSpPr>
+                  <p:nvPr/>
+                </p:nvSpPr>
+                <p:spPr>
+                  <a:xfrm>
+                    <a:off x="5025730" y="988379"/>
+                    <a:ext cx="1196994" cy="307777"/>
+                  </a:xfrm>
+                  <a:prstGeom prst="rect">
+                    <a:avLst/>
+                  </a:prstGeom>
+                  <a:blipFill>
+                    <a:blip r:embed="rId7"/>
+                    <a:stretch>
+                      <a:fillRect l="-3571" r="-4082" b="-9804"/>
+                    </a:stretch>
+                  </a:blipFill>
+                </p:spPr>
+                <p:txBody>
+                  <a:bodyPr/>
+                  <a:lstStyle/>
+                  <a:p>
+                    <a:r>
+                      <a:rPr lang="en-US">
+                        <a:noFill/>
+                      </a:rPr>
+                      <a:t> </a:t>
+                    </a:r>
+                  </a:p>
+                </p:txBody>
+              </p:sp>
+            </mc:Fallback>
+          </mc:AlternateContent>
+          <mc:AlternateContent xmlns:mc="http://schemas.openxmlformats.org/markup-compatibility/2006">
+            <mc:Choice xmlns:a14="http://schemas.microsoft.com/office/drawing/2010/main" Requires="a14">
+              <p:sp>
+                <p:nvSpPr>
+                  <p:cNvPr id="42" name="TextBox 41"/>
+                  <p:cNvSpPr txBox="1"/>
+                  <p:nvPr/>
+                </p:nvSpPr>
+                <p:spPr>
+                  <a:xfrm>
+                    <a:off x="5025730" y="4210068"/>
+                    <a:ext cx="1538434" cy="307777"/>
+                  </a:xfrm>
+                  <a:prstGeom prst="rect">
+                    <a:avLst/>
+                  </a:prstGeom>
+                  <a:noFill/>
+                </p:spPr>
+                <p:txBody>
+                  <a:bodyPr wrap="none" lIns="0" tIns="0" rIns="0" bIns="0" rtlCol="0">
+                    <a:spAutoFit/>
+                  </a:bodyPr>
+                  <a:lstStyle/>
+                  <a:p>
+                    <a14:m>
+                      <m:oMathPara xmlns:m="http://schemas.openxmlformats.org/officeDocument/2006/math">
+                        <m:oMathParaPr>
+                          <m:jc m:val="centerGroup"/>
+                        </m:oMathParaPr>
+                        <m:oMath xmlns:m="http://schemas.openxmlformats.org/officeDocument/2006/math">
+                          <m:r>
+                            <a:rPr lang="en-US" sz="2000" b="0" i="1" smtClean="0">
+                              <a:latin typeface="Cambria Math" panose="02040503050406030204" pitchFamily="18" charset="0"/>
+                              <a:cs typeface="Arial" panose="020B0604020202020204" pitchFamily="34" charset="0"/>
+                            </a:rPr>
+                            <m:t>𝑐𝑜𝑚𝑝𝑟𝑒𝑠𝑠𝑖𝑜𝑛</m:t>
+                          </m:r>
+                        </m:oMath>
+                      </m:oMathPara>
+                    </a14:m>
+                    <a:endParaRPr lang="en-US" sz="2000" dirty="0" smtClean="0">
+                      <a:latin typeface="Arial" panose="020B0604020202020204" pitchFamily="34" charset="0"/>
+                      <a:cs typeface="Arial" panose="020B0604020202020204" pitchFamily="34" charset="0"/>
+                    </a:endParaRPr>
+                  </a:p>
+                </p:txBody>
+              </p:sp>
+            </mc:Choice>
+            <mc:Fallback>
+              <p:sp>
+                <p:nvSpPr>
+                  <p:cNvPr id="42" name="TextBox 41"/>
+                  <p:cNvSpPr txBox="1">
+                    <a:spLocks noRot="1" noChangeAspect="1" noMove="1" noResize="1" noEditPoints="1" noAdjustHandles="1" noChangeArrowheads="1" noChangeShapeType="1" noTextEdit="1"/>
+                  </p:cNvSpPr>
+                  <p:nvPr/>
+                </p:nvSpPr>
+                <p:spPr>
+                  <a:xfrm>
+                    <a:off x="5025730" y="4210068"/>
+                    <a:ext cx="1538434" cy="307777"/>
+                  </a:xfrm>
+                  <a:prstGeom prst="rect">
+                    <a:avLst/>
+                  </a:prstGeom>
+                  <a:blipFill>
+                    <a:blip r:embed="rId8"/>
+                    <a:stretch>
+                      <a:fillRect l="-4762" r="-4365" b="-38000"/>
+                    </a:stretch>
+                  </a:blipFill>
+                </p:spPr>
+                <p:txBody>
+                  <a:bodyPr/>
+                  <a:lstStyle/>
+                  <a:p>
+                    <a:r>
+                      <a:rPr lang="en-US">
+                        <a:noFill/>
+                      </a:rPr>
+                      <a:t> </a:t>
+                    </a:r>
+                  </a:p>
+                </p:txBody>
+              </p:sp>
+            </mc:Fallback>
+          </mc:AlternateContent>
+          <mc:AlternateContent xmlns:mc="http://schemas.openxmlformats.org/markup-compatibility/2006">
+            <mc:Choice xmlns:a14="http://schemas.microsoft.com/office/drawing/2010/main" Requires="a14">
+              <p:sp>
+                <p:nvSpPr>
+                  <p:cNvPr id="43" name="TextBox 42"/>
+                  <p:cNvSpPr txBox="1"/>
+                  <p:nvPr/>
+                </p:nvSpPr>
+                <p:spPr>
+                  <a:xfrm>
+                    <a:off x="2037244" y="3012624"/>
+                    <a:ext cx="427296" cy="307777"/>
+                  </a:xfrm>
+                  <a:prstGeom prst="rect">
+                    <a:avLst/>
+                  </a:prstGeom>
+                  <a:noFill/>
+                </p:spPr>
+                <p:txBody>
+                  <a:bodyPr wrap="none" lIns="0" tIns="0" rIns="0" bIns="0" rtlCol="0">
+                    <a:spAutoFit/>
+                  </a:bodyPr>
+                  <a:lstStyle/>
+                  <a:p>
+                    <a14:m>
+                      <m:oMathPara xmlns:m="http://schemas.openxmlformats.org/officeDocument/2006/math">
+                        <m:oMathParaPr>
+                          <m:jc m:val="centerGroup"/>
+                        </m:oMathParaPr>
+                        <m:oMath xmlns:m="http://schemas.openxmlformats.org/officeDocument/2006/math">
+                          <m:r>
+                            <a:rPr lang="en-US" sz="2000" b="0" i="1" smtClean="0">
+                              <a:latin typeface="Cambria Math" panose="02040503050406030204" pitchFamily="18" charset="0"/>
+                              <a:cs typeface="Arial" panose="020B0604020202020204" pitchFamily="34" charset="0"/>
+                            </a:rPr>
+                            <m:t>−</m:t>
+                          </m:r>
+                          <m:r>
+                            <a:rPr lang="en-US" sz="2000" b="0" i="1" smtClean="0">
+                              <a:latin typeface="Cambria Math" panose="02040503050406030204" pitchFamily="18" charset="0"/>
+                              <a:cs typeface="Arial" panose="020B0604020202020204" pitchFamily="34" charset="0"/>
+                            </a:rPr>
+                            <m:t>𝐴</m:t>
+                          </m:r>
+                        </m:oMath>
+                      </m:oMathPara>
+                    </a14:m>
+                    <a:endParaRPr lang="en-US" sz="2000" dirty="0" smtClean="0">
+                      <a:latin typeface="Arial" panose="020B0604020202020204" pitchFamily="34" charset="0"/>
+                      <a:cs typeface="Arial" panose="020B0604020202020204" pitchFamily="34" charset="0"/>
+                    </a:endParaRPr>
+                  </a:p>
+                </p:txBody>
+              </p:sp>
+            </mc:Choice>
+            <mc:Fallback>
+              <p:sp>
+                <p:nvSpPr>
+                  <p:cNvPr id="43" name="TextBox 42"/>
+                  <p:cNvSpPr txBox="1">
+                    <a:spLocks noRot="1" noChangeAspect="1" noMove="1" noResize="1" noEditPoints="1" noAdjustHandles="1" noChangeArrowheads="1" noChangeShapeType="1" noTextEdit="1"/>
+                  </p:cNvSpPr>
+                  <p:nvPr/>
+                </p:nvSpPr>
+                <p:spPr>
+                  <a:xfrm>
+                    <a:off x="2037244" y="3012624"/>
+                    <a:ext cx="427296" cy="307777"/>
+                  </a:xfrm>
+                  <a:prstGeom prst="rect">
+                    <a:avLst/>
+                  </a:prstGeom>
+                  <a:blipFill>
+                    <a:blip r:embed="rId9"/>
+                    <a:stretch>
+                      <a:fillRect l="-2857" r="-11429" b="-10000"/>
+                    </a:stretch>
+                  </a:blipFill>
+                </p:spPr>
+                <p:txBody>
+                  <a:bodyPr/>
+                  <a:lstStyle/>
+                  <a:p>
+                    <a:r>
+                      <a:rPr lang="en-US">
+                        <a:noFill/>
+                      </a:rPr>
+                      <a:t> </a:t>
+                    </a:r>
+                  </a:p>
+                </p:txBody>
+              </p:sp>
+            </mc:Fallback>
+          </mc:AlternateContent>
+          <mc:AlternateContent xmlns:mc="http://schemas.openxmlformats.org/markup-compatibility/2006">
+            <mc:Choice xmlns:a14="http://schemas.microsoft.com/office/drawing/2010/main" Requires="a14">
+              <p:sp>
+                <p:nvSpPr>
+                  <p:cNvPr id="44" name="TextBox 43"/>
+                  <p:cNvSpPr txBox="1"/>
+                  <p:nvPr/>
+                </p:nvSpPr>
+                <p:spPr>
+                  <a:xfrm>
+                    <a:off x="3845666" y="3375408"/>
+                    <a:ext cx="234936" cy="307777"/>
+                  </a:xfrm>
+                  <a:prstGeom prst="rect">
+                    <a:avLst/>
+                  </a:prstGeom>
+                  <a:noFill/>
+                </p:spPr>
+                <p:txBody>
+                  <a:bodyPr wrap="none" lIns="0" tIns="0" rIns="0" bIns="0" rtlCol="0">
+                    <a:spAutoFit/>
+                  </a:bodyPr>
+                  <a:lstStyle/>
+                  <a:p>
+                    <a14:m>
+                      <m:oMathPara xmlns:m="http://schemas.openxmlformats.org/officeDocument/2006/math">
+                        <m:oMathParaPr>
+                          <m:jc m:val="centerGroup"/>
+                        </m:oMathParaPr>
+                        <m:oMath xmlns:m="http://schemas.openxmlformats.org/officeDocument/2006/math">
+                          <m:r>
+                            <a:rPr lang="en-US" sz="2000" b="0" i="1" smtClean="0">
+                              <a:latin typeface="Cambria Math" panose="02040503050406030204" pitchFamily="18" charset="0"/>
+                              <a:cs typeface="Arial" panose="020B0604020202020204" pitchFamily="34" charset="0"/>
+                            </a:rPr>
+                            <m:t>𝐴</m:t>
+                          </m:r>
+                        </m:oMath>
+                      </m:oMathPara>
+                    </a14:m>
+                    <a:endParaRPr lang="en-US" sz="2000" dirty="0" smtClean="0">
+                      <a:latin typeface="Arial" panose="020B0604020202020204" pitchFamily="34" charset="0"/>
+                      <a:cs typeface="Arial" panose="020B0604020202020204" pitchFamily="34" charset="0"/>
+                    </a:endParaRPr>
+                  </a:p>
+                </p:txBody>
+              </p:sp>
+            </mc:Choice>
+            <mc:Fallback>
+              <p:sp>
+                <p:nvSpPr>
+                  <p:cNvPr id="44" name="TextBox 43"/>
+                  <p:cNvSpPr txBox="1">
+                    <a:spLocks noRot="1" noChangeAspect="1" noMove="1" noResize="1" noEditPoints="1" noAdjustHandles="1" noChangeArrowheads="1" noChangeShapeType="1" noTextEdit="1"/>
+                  </p:cNvSpPr>
+                  <p:nvPr/>
+                </p:nvSpPr>
+                <p:spPr>
+                  <a:xfrm>
+                    <a:off x="3845666" y="3375408"/>
+                    <a:ext cx="234936" cy="307777"/>
+                  </a:xfrm>
+                  <a:prstGeom prst="rect">
+                    <a:avLst/>
+                  </a:prstGeom>
+                  <a:blipFill>
+                    <a:blip r:embed="rId10"/>
+                    <a:stretch>
+                      <a:fillRect l="-23684" r="-23684" b="-9804"/>
+                    </a:stretch>
+                  </a:blipFill>
+                </p:spPr>
+                <p:txBody>
+                  <a:bodyPr/>
+                  <a:lstStyle/>
+                  <a:p>
+                    <a:r>
+                      <a:rPr lang="en-US">
+                        <a:noFill/>
+                      </a:rPr>
+                      <a:t> </a:t>
+                    </a:r>
+                  </a:p>
+                </p:txBody>
+              </p:sp>
+            </mc:Fallback>
+          </mc:AlternateContent>
+        </p:grpSp>
+        <mc:AlternateContent xmlns:mc="http://schemas.openxmlformats.org/markup-compatibility/2006">
+          <mc:Choice xmlns:a14="http://schemas.microsoft.com/office/drawing/2010/main" Requires="a14">
+            <p:sp>
+              <p:nvSpPr>
+                <p:cNvPr id="46" name="TextBox 45"/>
+                <p:cNvSpPr txBox="1"/>
+                <p:nvPr/>
+              </p:nvSpPr>
+              <p:spPr>
+                <a:xfrm>
+                  <a:off x="2357146" y="2538092"/>
+                  <a:ext cx="289695" cy="307777"/>
+                </a:xfrm>
+                <a:prstGeom prst="rect">
+                  <a:avLst/>
+                </a:prstGeom>
+                <a:noFill/>
+              </p:spPr>
+              <p:txBody>
+                <a:bodyPr wrap="none" lIns="0" tIns="0" rIns="0" bIns="0" rtlCol="0">
+                  <a:spAutoFit/>
+                </a:bodyPr>
+                <a:lstStyle/>
+                <a:p>
+                  <a14:m>
+                    <m:oMathPara xmlns:m="http://schemas.openxmlformats.org/officeDocument/2006/math">
+                      <m:oMathParaPr>
+                        <m:jc m:val="centerGroup"/>
+                      </m:oMathParaPr>
+                      <m:oMath xmlns:m="http://schemas.openxmlformats.org/officeDocument/2006/math">
+                        <m:r>
+                          <a:rPr lang="en-US" sz="2000" b="0" i="1" smtClean="0">
+                            <a:latin typeface="Cambria Math" panose="02040503050406030204" pitchFamily="18" charset="0"/>
+                            <a:cs typeface="Arial" panose="020B0604020202020204" pitchFamily="34" charset="0"/>
+                          </a:rPr>
+                          <m:t>𝑚</m:t>
+                        </m:r>
+                      </m:oMath>
+                    </m:oMathPara>
+                  </a14:m>
+                  <a:endParaRPr lang="en-US" sz="2000" dirty="0" smtClean="0">
+                    <a:latin typeface="Arial" panose="020B0604020202020204" pitchFamily="34" charset="0"/>
+                    <a:cs typeface="Arial" panose="020B0604020202020204" pitchFamily="34" charset="0"/>
+                  </a:endParaRPr>
+                </a:p>
+              </p:txBody>
+            </p:sp>
+          </mc:Choice>
+          <mc:Fallback>
+            <p:sp>
+              <p:nvSpPr>
+                <p:cNvPr id="46" name="TextBox 45"/>
+                <p:cNvSpPr txBox="1">
+                  <a:spLocks noRot="1" noChangeAspect="1" noMove="1" noResize="1" noEditPoints="1" noAdjustHandles="1" noChangeArrowheads="1" noChangeShapeType="1" noTextEdit="1"/>
+                </p:cNvSpPr>
+                <p:nvPr/>
+              </p:nvSpPr>
+              <p:spPr>
+                <a:xfrm>
+                  <a:off x="2357146" y="2538092"/>
+                  <a:ext cx="289695" cy="307777"/>
+                </a:xfrm>
+                <a:prstGeom prst="rect">
+                  <a:avLst/>
+                </a:prstGeom>
+                <a:blipFill>
+                  <a:blip r:embed="rId11"/>
+                  <a:stretch>
+                    <a:fillRect l="-10638" r="-8511" b="-1961"/>
+                  </a:stretch>
+                </a:blipFill>
+              </p:spPr>
+              <p:txBody>
+                <a:bodyPr/>
+                <a:lstStyle/>
+                <a:p>
+                  <a:r>
+                    <a:rPr lang="en-US">
+                      <a:noFill/>
+                    </a:rPr>
+                    <a:t> </a:t>
+                  </a:r>
+                </a:p>
+              </p:txBody>
+            </p:sp>
+          </mc:Fallback>
+        </mc:AlternateContent>
+        <mc:AlternateContent xmlns:mc="http://schemas.openxmlformats.org/markup-compatibility/2006">
+          <mc:Choice xmlns:a14="http://schemas.microsoft.com/office/drawing/2010/main" Requires="a14">
+            <p:sp>
+              <p:nvSpPr>
+                <p:cNvPr id="47" name="TextBox 46"/>
+                <p:cNvSpPr txBox="1"/>
+                <p:nvPr/>
+              </p:nvSpPr>
+              <p:spPr>
+                <a:xfrm>
+                  <a:off x="1518430" y="2026634"/>
+                  <a:ext cx="219099" cy="307777"/>
+                </a:xfrm>
+                <a:prstGeom prst="rect">
+                  <a:avLst/>
+                </a:prstGeom>
+                <a:noFill/>
+              </p:spPr>
+              <p:txBody>
+                <a:bodyPr wrap="none" lIns="0" tIns="0" rIns="0" bIns="0" rtlCol="0">
+                  <a:spAutoFit/>
+                </a:bodyPr>
+                <a:lstStyle/>
+                <a:p>
+                  <a14:m>
+                    <m:oMathPara xmlns:m="http://schemas.openxmlformats.org/officeDocument/2006/math">
+                      <m:oMathParaPr>
+                        <m:jc m:val="centerGroup"/>
+                      </m:oMathParaPr>
+                      <m:oMath xmlns:m="http://schemas.openxmlformats.org/officeDocument/2006/math">
+                        <m:r>
+                          <a:rPr lang="en-US" sz="2000" b="0" i="1" smtClean="0">
+                            <a:latin typeface="Cambria Math" panose="02040503050406030204" pitchFamily="18" charset="0"/>
+                            <a:cs typeface="Arial" panose="020B0604020202020204" pitchFamily="34" charset="0"/>
+                          </a:rPr>
+                          <m:t>𝑘</m:t>
+                        </m:r>
+                      </m:oMath>
+                    </m:oMathPara>
+                  </a14:m>
+                  <a:endParaRPr lang="en-US" sz="2000" dirty="0" smtClean="0">
+                    <a:latin typeface="Arial" panose="020B0604020202020204" pitchFamily="34" charset="0"/>
+                    <a:cs typeface="Arial" panose="020B0604020202020204" pitchFamily="34" charset="0"/>
+                  </a:endParaRPr>
+                </a:p>
+              </p:txBody>
+            </p:sp>
+          </mc:Choice>
+          <mc:Fallback>
+            <p:sp>
+              <p:nvSpPr>
+                <p:cNvPr id="47" name="TextBox 46"/>
+                <p:cNvSpPr txBox="1">
+                  <a:spLocks noRot="1" noChangeAspect="1" noMove="1" noResize="1" noEditPoints="1" noAdjustHandles="1" noChangeArrowheads="1" noChangeShapeType="1" noTextEdit="1"/>
+                </p:cNvSpPr>
+                <p:nvPr/>
+              </p:nvSpPr>
+              <p:spPr>
+                <a:xfrm>
+                  <a:off x="1518430" y="2026634"/>
+                  <a:ext cx="219099" cy="307777"/>
+                </a:xfrm>
+                <a:prstGeom prst="rect">
+                  <a:avLst/>
+                </a:prstGeom>
+                <a:blipFill>
+                  <a:blip r:embed="rId12"/>
+                  <a:stretch>
+                    <a:fillRect l="-25000" r="-22222" b="-9804"/>
+                  </a:stretch>
+                </a:blipFill>
+              </p:spPr>
+              <p:txBody>
+                <a:bodyPr/>
+                <a:lstStyle/>
+                <a:p>
+                  <a:r>
+                    <a:rPr lang="en-US">
+                      <a:noFill/>
+                    </a:rPr>
+                    <a:t> </a:t>
+                  </a:r>
+                </a:p>
+              </p:txBody>
+            </p:sp>
+          </mc:Fallback>
+        </mc:AlternateContent>
+      </p:grpSp>
+    </p:spTree>
+    <p:extLst>
+      <p:ext uri="{BB962C8B-B14F-4D97-AF65-F5344CB8AC3E}">
+        <p14:creationId xmlns:p14="http://schemas.microsoft.com/office/powerpoint/2010/main" val="248045368"/>
+      </p:ext>
+    </p:extLst>
+  </p:cSld>
+  <p:clrMapOvr>
+    <a:masterClrMapping/>
+  </p:clrMapOvr>
+</p:sld>
+</file>
+
 <file path=ppt/theme/theme1.xml><?xml version="1.0" encoding="utf-8"?>
 <a:theme xmlns:a="http://schemas.openxmlformats.org/drawingml/2006/main" name="Office Theme">
   <a:themeElements>

--- a/tex/figures/SimpleHarmonicMotion/Figures.pptx
+++ b/tex/figures/SimpleHarmonicMotion/Figures.pptx
@@ -247,7 +247,7 @@
           <a:p>
             <a:fld id="{F7249F8D-641B-4CAF-BAE5-10524742F6F1}" type="datetimeFigureOut">
               <a:rPr lang="en-CA" smtClean="0"/>
-              <a:t>2018-07-13</a:t>
+              <a:t>2018-07-16</a:t>
             </a:fld>
             <a:endParaRPr lang="en-CA"/>
           </a:p>
@@ -417,7 +417,7 @@
           <a:p>
             <a:fld id="{F7249F8D-641B-4CAF-BAE5-10524742F6F1}" type="datetimeFigureOut">
               <a:rPr lang="en-CA" smtClean="0"/>
-              <a:t>2018-07-13</a:t>
+              <a:t>2018-07-16</a:t>
             </a:fld>
             <a:endParaRPr lang="en-CA"/>
           </a:p>
@@ -597,7 +597,7 @@
           <a:p>
             <a:fld id="{F7249F8D-641B-4CAF-BAE5-10524742F6F1}" type="datetimeFigureOut">
               <a:rPr lang="en-CA" smtClean="0"/>
-              <a:t>2018-07-13</a:t>
+              <a:t>2018-07-16</a:t>
             </a:fld>
             <a:endParaRPr lang="en-CA"/>
           </a:p>
@@ -767,7 +767,7 @@
           <a:p>
             <a:fld id="{F7249F8D-641B-4CAF-BAE5-10524742F6F1}" type="datetimeFigureOut">
               <a:rPr lang="en-CA" smtClean="0"/>
-              <a:t>2018-07-13</a:t>
+              <a:t>2018-07-16</a:t>
             </a:fld>
             <a:endParaRPr lang="en-CA"/>
           </a:p>
@@ -1013,7 +1013,7 @@
           <a:p>
             <a:fld id="{F7249F8D-641B-4CAF-BAE5-10524742F6F1}" type="datetimeFigureOut">
               <a:rPr lang="en-CA" smtClean="0"/>
-              <a:t>2018-07-13</a:t>
+              <a:t>2018-07-16</a:t>
             </a:fld>
             <a:endParaRPr lang="en-CA"/>
           </a:p>
@@ -1245,7 +1245,7 @@
           <a:p>
             <a:fld id="{F7249F8D-641B-4CAF-BAE5-10524742F6F1}" type="datetimeFigureOut">
               <a:rPr lang="en-CA" smtClean="0"/>
-              <a:t>2018-07-13</a:t>
+              <a:t>2018-07-16</a:t>
             </a:fld>
             <a:endParaRPr lang="en-CA"/>
           </a:p>
@@ -1612,7 +1612,7 @@
           <a:p>
             <a:fld id="{F7249F8D-641B-4CAF-BAE5-10524742F6F1}" type="datetimeFigureOut">
               <a:rPr lang="en-CA" smtClean="0"/>
-              <a:t>2018-07-13</a:t>
+              <a:t>2018-07-16</a:t>
             </a:fld>
             <a:endParaRPr lang="en-CA"/>
           </a:p>
@@ -1730,7 +1730,7 @@
           <a:p>
             <a:fld id="{F7249F8D-641B-4CAF-BAE5-10524742F6F1}" type="datetimeFigureOut">
               <a:rPr lang="en-CA" smtClean="0"/>
-              <a:t>2018-07-13</a:t>
+              <a:t>2018-07-16</a:t>
             </a:fld>
             <a:endParaRPr lang="en-CA"/>
           </a:p>
@@ -1825,7 +1825,7 @@
           <a:p>
             <a:fld id="{F7249F8D-641B-4CAF-BAE5-10524742F6F1}" type="datetimeFigureOut">
               <a:rPr lang="en-CA" smtClean="0"/>
-              <a:t>2018-07-13</a:t>
+              <a:t>2018-07-16</a:t>
             </a:fld>
             <a:endParaRPr lang="en-CA"/>
           </a:p>
@@ -2102,7 +2102,7 @@
           <a:p>
             <a:fld id="{F7249F8D-641B-4CAF-BAE5-10524742F6F1}" type="datetimeFigureOut">
               <a:rPr lang="en-CA" smtClean="0"/>
-              <a:t>2018-07-13</a:t>
+              <a:t>2018-07-16</a:t>
             </a:fld>
             <a:endParaRPr lang="en-CA"/>
           </a:p>
@@ -2355,7 +2355,7 @@
           <a:p>
             <a:fld id="{F7249F8D-641B-4CAF-BAE5-10524742F6F1}" type="datetimeFigureOut">
               <a:rPr lang="en-CA" smtClean="0"/>
-              <a:t>2018-07-13</a:t>
+              <a:t>2018-07-16</a:t>
             </a:fld>
             <a:endParaRPr lang="en-CA"/>
           </a:p>
@@ -2568,7 +2568,7 @@
           <a:p>
             <a:fld id="{F7249F8D-641B-4CAF-BAE5-10524742F6F1}" type="datetimeFigureOut">
               <a:rPr lang="en-CA" smtClean="0"/>
-              <a:t>2018-07-13</a:t>
+              <a:t>2018-07-16</a:t>
             </a:fld>
             <a:endParaRPr lang="en-CA"/>
           </a:p>
@@ -9764,8 +9764,8 @@
                   </a:fontRef>
                 </p:style>
               </p:cxnSp>
-              <mc:AlternateContent xmlns:mc="http://schemas.openxmlformats.org/markup-compatibility/2006">
-                <mc:Choice xmlns:a14="http://schemas.microsoft.com/office/drawing/2010/main" Requires="a14">
+              <mc:AlternateContent xmlns:mc="http://schemas.openxmlformats.org/markup-compatibility/2006" xmlns:a14="http://schemas.microsoft.com/office/drawing/2010/main">
+                <mc:Choice Requires="a14">
                   <p:sp>
                     <p:nvSpPr>
                       <p:cNvPr id="60" name="Rectangle 59"/>
@@ -9920,7 +9920,7 @@
                     </p:txBody>
                   </p:sp>
                 </mc:Choice>
-                <mc:Fallback>
+                <mc:Fallback xmlns="">
                   <p:sp>
                     <p:nvSpPr>
                       <p:cNvPr id="60" name="Rectangle 59"/>
@@ -10069,8 +10069,8 @@
                 </a:fontRef>
               </p:style>
             </p:cxnSp>
-            <mc:AlternateContent xmlns:mc="http://schemas.openxmlformats.org/markup-compatibility/2006">
-              <mc:Choice xmlns:a14="http://schemas.microsoft.com/office/drawing/2010/main" Requires="a14">
+            <mc:AlternateContent xmlns:mc="http://schemas.openxmlformats.org/markup-compatibility/2006" xmlns:a14="http://schemas.microsoft.com/office/drawing/2010/main">
+              <mc:Choice Requires="a14">
                 <p:sp>
                   <p:nvSpPr>
                     <p:cNvPr id="52" name="Rectangle 51"/>
@@ -10207,7 +10207,7 @@
                   </p:txBody>
                 </p:sp>
               </mc:Choice>
-              <mc:Fallback>
+              <mc:Fallback xmlns="">
                 <p:sp>
                   <p:nvSpPr>
                     <p:cNvPr id="52" name="Rectangle 51"/>
@@ -11041,8 +11041,8 @@
               </a:fontRef>
             </p:style>
           </p:cxnSp>
-          <mc:AlternateContent xmlns:mc="http://schemas.openxmlformats.org/markup-compatibility/2006">
-            <mc:Choice xmlns:a14="http://schemas.microsoft.com/office/drawing/2010/main" Requires="a14">
+          <mc:AlternateContent xmlns:mc="http://schemas.openxmlformats.org/markup-compatibility/2006" xmlns:a14="http://schemas.microsoft.com/office/drawing/2010/main">
+            <mc:Choice Requires="a14">
               <p:sp>
                 <p:nvSpPr>
                   <p:cNvPr id="3" name="TextBox 2"/>
@@ -11065,6 +11065,7 @@
                   </a:bodyPr>
                   <a:lstStyle/>
                   <a:p>
+                    <a:pPr/>
                     <a14:m>
                       <m:oMathPara xmlns:m="http://schemas.openxmlformats.org/officeDocument/2006/math">
                         <m:oMathParaPr>
@@ -11110,7 +11111,7 @@
                 </p:txBody>
               </p:sp>
             </mc:Choice>
-            <mc:Fallback>
+            <mc:Fallback xmlns="">
               <p:sp>
                 <p:nvSpPr>
                   <p:cNvPr id="3" name="TextBox 2"/>
@@ -12874,8 +12875,8 @@
                 </a:p>
               </p:txBody>
             </p:sp>
-            <mc:AlternateContent xmlns:mc="http://schemas.openxmlformats.org/markup-compatibility/2006">
-              <mc:Choice xmlns:a14="http://schemas.microsoft.com/office/drawing/2010/main" Requires="a14">
+            <mc:AlternateContent xmlns:mc="http://schemas.openxmlformats.org/markup-compatibility/2006" xmlns:a14="http://schemas.microsoft.com/office/drawing/2010/main">
+              <mc:Choice Requires="a14">
                 <p:sp>
                   <p:nvSpPr>
                     <p:cNvPr id="6" name="TextBox 5"/>
@@ -12923,7 +12924,7 @@
                   </p:txBody>
                 </p:sp>
               </mc:Choice>
-              <mc:Fallback>
+              <mc:Fallback xmlns="">
                 <p:sp>
                   <p:nvSpPr>
                     <p:cNvPr id="6" name="TextBox 5"/>
@@ -13141,8 +13142,8 @@
                 </a:fontRef>
               </p:style>
             </p:cxnSp>
-            <mc:AlternateContent xmlns:mc="http://schemas.openxmlformats.org/markup-compatibility/2006">
-              <mc:Choice xmlns:a14="http://schemas.microsoft.com/office/drawing/2010/main" Requires="a14">
+            <mc:AlternateContent xmlns:mc="http://schemas.openxmlformats.org/markup-compatibility/2006" xmlns:a14="http://schemas.microsoft.com/office/drawing/2010/main">
+              <mc:Choice Requires="a14">
                 <p:sp>
                   <p:nvSpPr>
                     <p:cNvPr id="48" name="TextBox 47"/>
@@ -13165,6 +13166,7 @@
                     </a:bodyPr>
                     <a:lstStyle/>
                     <a:p>
+                      <a:pPr/>
                       <a14:m>
                         <m:oMathPara xmlns:m="http://schemas.openxmlformats.org/officeDocument/2006/math">
                           <m:oMathParaPr>
@@ -13189,7 +13191,7 @@
                   </p:txBody>
                 </p:sp>
               </mc:Choice>
-              <mc:Fallback>
+              <mc:Fallback xmlns="">
                 <p:sp>
                   <p:nvSpPr>
                     <p:cNvPr id="48" name="TextBox 47"/>
@@ -13228,8 +13230,8 @@
                 </p:sp>
               </mc:Fallback>
             </mc:AlternateContent>
-            <mc:AlternateContent xmlns:mc="http://schemas.openxmlformats.org/markup-compatibility/2006">
-              <mc:Choice xmlns:a14="http://schemas.microsoft.com/office/drawing/2010/main" Requires="a14">
+            <mc:AlternateContent xmlns:mc="http://schemas.openxmlformats.org/markup-compatibility/2006" xmlns:a14="http://schemas.microsoft.com/office/drawing/2010/main">
+              <mc:Choice Requires="a14">
                 <p:sp>
                   <p:nvSpPr>
                     <p:cNvPr id="49" name="TextBox 48"/>
@@ -13252,6 +13254,7 @@
                     </a:bodyPr>
                     <a:lstStyle/>
                     <a:p>
+                      <a:pPr/>
                       <a14:m>
                         <m:oMathPara xmlns:m="http://schemas.openxmlformats.org/officeDocument/2006/math">
                           <m:oMathParaPr>
@@ -13297,7 +13300,7 @@
                   </p:txBody>
                 </p:sp>
               </mc:Choice>
-              <mc:Fallback>
+              <mc:Fallback xmlns="">
                 <p:sp>
                   <p:nvSpPr>
                     <p:cNvPr id="49" name="TextBox 48"/>
@@ -13336,8 +13339,8 @@
                 </p:sp>
               </mc:Fallback>
             </mc:AlternateContent>
-            <mc:AlternateContent xmlns:mc="http://schemas.openxmlformats.org/markup-compatibility/2006">
-              <mc:Choice xmlns:a14="http://schemas.microsoft.com/office/drawing/2010/main" Requires="a14">
+            <mc:AlternateContent xmlns:mc="http://schemas.openxmlformats.org/markup-compatibility/2006" xmlns:a14="http://schemas.microsoft.com/office/drawing/2010/main">
+              <mc:Choice Requires="a14">
                 <p:sp>
                   <p:nvSpPr>
                     <p:cNvPr id="50" name="TextBox 49"/>
@@ -13360,6 +13363,7 @@
                     </a:bodyPr>
                     <a:lstStyle/>
                     <a:p>
+                      <a:pPr/>
                       <a14:m>
                         <m:oMathPara xmlns:m="http://schemas.openxmlformats.org/officeDocument/2006/math">
                           <m:oMathParaPr>
@@ -13384,7 +13388,7 @@
                   </p:txBody>
                 </p:sp>
               </mc:Choice>
-              <mc:Fallback>
+              <mc:Fallback xmlns="">
                 <p:sp>
                   <p:nvSpPr>
                     <p:cNvPr id="50" name="TextBox 49"/>
@@ -13544,8 +13548,8 @@
               </a:p>
             </p:txBody>
           </p:sp>
-          <mc:AlternateContent xmlns:mc="http://schemas.openxmlformats.org/markup-compatibility/2006">
-            <mc:Choice xmlns:a14="http://schemas.microsoft.com/office/drawing/2010/main" Requires="a14">
+          <mc:AlternateContent xmlns:mc="http://schemas.openxmlformats.org/markup-compatibility/2006" xmlns:a14="http://schemas.microsoft.com/office/drawing/2010/main">
+            <mc:Choice Requires="a14">
               <p:sp>
                 <p:nvSpPr>
                   <p:cNvPr id="58" name="TextBox 57"/>
@@ -13568,6 +13572,7 @@
                   </a:bodyPr>
                   <a:lstStyle/>
                   <a:p>
+                    <a:pPr/>
                     <a14:m>
                       <m:oMathPara xmlns:m="http://schemas.openxmlformats.org/officeDocument/2006/math">
                         <m:oMathParaPr>
@@ -13626,7 +13631,7 @@
                 </p:txBody>
               </p:sp>
             </mc:Choice>
-            <mc:Fallback>
+            <mc:Fallback xmlns="">
               <p:sp>
                 <p:nvSpPr>
                   <p:cNvPr id="58" name="TextBox 57"/>
@@ -13665,8 +13670,8 @@
               </p:sp>
             </mc:Fallback>
           </mc:AlternateContent>
-          <mc:AlternateContent xmlns:mc="http://schemas.openxmlformats.org/markup-compatibility/2006">
-            <mc:Choice xmlns:a14="http://schemas.microsoft.com/office/drawing/2010/main" Requires="a14">
+          <mc:AlternateContent xmlns:mc="http://schemas.openxmlformats.org/markup-compatibility/2006" xmlns:a14="http://schemas.microsoft.com/office/drawing/2010/main">
+            <mc:Choice Requires="a14">
               <p:sp>
                 <p:nvSpPr>
                   <p:cNvPr id="59" name="TextBox 58"/>
@@ -13689,6 +13694,7 @@
                   </a:bodyPr>
                   <a:lstStyle/>
                   <a:p>
+                    <a:pPr/>
                     <a14:m>
                       <m:oMathPara xmlns:m="http://schemas.openxmlformats.org/officeDocument/2006/math">
                         <m:oMathParaPr>
@@ -13768,7 +13774,7 @@
                 </p:txBody>
               </p:sp>
             </mc:Choice>
-            <mc:Fallback>
+            <mc:Fallback xmlns="">
               <p:sp>
                 <p:nvSpPr>
                   <p:cNvPr id="59" name="TextBox 58"/>
@@ -13927,8 +13933,8 @@
               </a:p>
             </p:txBody>
           </p:sp>
-          <mc:AlternateContent xmlns:mc="http://schemas.openxmlformats.org/markup-compatibility/2006">
-            <mc:Choice xmlns:a14="http://schemas.microsoft.com/office/drawing/2010/main" Requires="a14">
+          <mc:AlternateContent xmlns:mc="http://schemas.openxmlformats.org/markup-compatibility/2006" xmlns:a14="http://schemas.microsoft.com/office/drawing/2010/main">
+            <mc:Choice Requires="a14">
               <p:sp>
                 <p:nvSpPr>
                   <p:cNvPr id="63" name="TextBox 62"/>
@@ -13951,6 +13957,7 @@
                   </a:bodyPr>
                   <a:lstStyle/>
                   <a:p>
+                    <a:pPr/>
                     <a14:m>
                       <m:oMathPara xmlns:m="http://schemas.openxmlformats.org/officeDocument/2006/math">
                         <m:oMathParaPr>
@@ -14009,7 +14016,7 @@
                 </p:txBody>
               </p:sp>
             </mc:Choice>
-            <mc:Fallback>
+            <mc:Fallback xmlns="">
               <p:sp>
                 <p:nvSpPr>
                   <p:cNvPr id="63" name="TextBox 62"/>
@@ -14048,8 +14055,8 @@
               </p:sp>
             </mc:Fallback>
           </mc:AlternateContent>
-          <mc:AlternateContent xmlns:mc="http://schemas.openxmlformats.org/markup-compatibility/2006">
-            <mc:Choice xmlns:a14="http://schemas.microsoft.com/office/drawing/2010/main" Requires="a14">
+          <mc:AlternateContent xmlns:mc="http://schemas.openxmlformats.org/markup-compatibility/2006" xmlns:a14="http://schemas.microsoft.com/office/drawing/2010/main">
+            <mc:Choice Requires="a14">
               <p:sp>
                 <p:nvSpPr>
                   <p:cNvPr id="64" name="TextBox 63"/>
@@ -14072,6 +14079,7 @@
                   </a:bodyPr>
                   <a:lstStyle/>
                   <a:p>
+                    <a:pPr/>
                     <a14:m>
                       <m:oMathPara xmlns:m="http://schemas.openxmlformats.org/officeDocument/2006/math">
                         <m:oMathParaPr>
@@ -14130,7 +14138,7 @@
                 </p:txBody>
               </p:sp>
             </mc:Choice>
-            <mc:Fallback>
+            <mc:Fallback xmlns="">
               <p:sp>
                 <p:nvSpPr>
                   <p:cNvPr id="64" name="TextBox 63"/>
@@ -14170,8 +14178,8 @@
             </mc:Fallback>
           </mc:AlternateContent>
         </p:grpSp>
-        <mc:AlternateContent xmlns:mc="http://schemas.openxmlformats.org/markup-compatibility/2006">
-          <mc:Choice xmlns:a14="http://schemas.microsoft.com/office/drawing/2010/main" Requires="a14">
+        <mc:AlternateContent xmlns:mc="http://schemas.openxmlformats.org/markup-compatibility/2006" xmlns:a14="http://schemas.microsoft.com/office/drawing/2010/main">
+          <mc:Choice Requires="a14">
             <p:sp>
               <p:nvSpPr>
                 <p:cNvPr id="67" name="TextBox 66"/>
@@ -14194,6 +14202,7 @@
                 </a:bodyPr>
                 <a:lstStyle/>
                 <a:p>
+                  <a:pPr/>
                   <a14:m>
                     <m:oMathPara xmlns:m="http://schemas.openxmlformats.org/officeDocument/2006/math">
                       <m:oMathParaPr>
@@ -14218,7 +14227,7 @@
               </p:txBody>
             </p:sp>
           </mc:Choice>
-          <mc:Fallback>
+          <mc:Fallback xmlns="">
             <p:sp>
               <p:nvSpPr>
                 <p:cNvPr id="67" name="TextBox 66"/>
@@ -14257,8 +14266,8 @@
             </p:sp>
           </mc:Fallback>
         </mc:AlternateContent>
-        <mc:AlternateContent xmlns:mc="http://schemas.openxmlformats.org/markup-compatibility/2006">
-          <mc:Choice xmlns:a14="http://schemas.microsoft.com/office/drawing/2010/main" Requires="a14">
+        <mc:AlternateContent xmlns:mc="http://schemas.openxmlformats.org/markup-compatibility/2006" xmlns:a14="http://schemas.microsoft.com/office/drawing/2010/main">
+          <mc:Choice Requires="a14">
             <p:sp>
               <p:nvSpPr>
                 <p:cNvPr id="68" name="TextBox 67"/>
@@ -14281,6 +14290,7 @@
                 </a:bodyPr>
                 <a:lstStyle/>
                 <a:p>
+                  <a:pPr/>
                   <a14:m>
                     <m:oMathPara xmlns:m="http://schemas.openxmlformats.org/officeDocument/2006/math">
                       <m:oMathParaPr>
@@ -14319,7 +14329,7 @@
               </p:txBody>
             </p:sp>
           </mc:Choice>
-          <mc:Fallback>
+          <mc:Fallback xmlns="">
             <p:sp>
               <p:nvSpPr>
                 <p:cNvPr id="68" name="TextBox 67"/>
@@ -14358,8 +14368,8 @@
             </p:sp>
           </mc:Fallback>
         </mc:AlternateContent>
-        <mc:AlternateContent xmlns:mc="http://schemas.openxmlformats.org/markup-compatibility/2006">
-          <mc:Choice xmlns:a14="http://schemas.microsoft.com/office/drawing/2010/main" Requires="a14">
+        <mc:AlternateContent xmlns:mc="http://schemas.openxmlformats.org/markup-compatibility/2006" xmlns:a14="http://schemas.microsoft.com/office/drawing/2010/main">
+          <mc:Choice Requires="a14">
             <p:sp>
               <p:nvSpPr>
                 <p:cNvPr id="69" name="TextBox 68"/>
@@ -14382,6 +14392,7 @@
                 </a:bodyPr>
                 <a:lstStyle/>
                 <a:p>
+                  <a:pPr/>
                   <a14:m>
                     <m:oMathPara xmlns:m="http://schemas.openxmlformats.org/officeDocument/2006/math">
                       <m:oMathParaPr>
@@ -14406,7 +14417,7 @@
               </p:txBody>
             </p:sp>
           </mc:Choice>
-          <mc:Fallback>
+          <mc:Fallback xmlns="">
             <p:sp>
               <p:nvSpPr>
                 <p:cNvPr id="69" name="TextBox 68"/>
@@ -14445,8 +14456,8 @@
             </p:sp>
           </mc:Fallback>
         </mc:AlternateContent>
-        <mc:AlternateContent xmlns:mc="http://schemas.openxmlformats.org/markup-compatibility/2006">
-          <mc:Choice xmlns:a14="http://schemas.microsoft.com/office/drawing/2010/main" Requires="a14">
+        <mc:AlternateContent xmlns:mc="http://schemas.openxmlformats.org/markup-compatibility/2006" xmlns:a14="http://schemas.microsoft.com/office/drawing/2010/main">
+          <mc:Choice Requires="a14">
             <p:sp>
               <p:nvSpPr>
                 <p:cNvPr id="70" name="TextBox 69"/>
@@ -14469,6 +14480,7 @@
                 </a:bodyPr>
                 <a:lstStyle/>
                 <a:p>
+                  <a:pPr/>
                   <a14:m>
                     <m:oMathPara xmlns:m="http://schemas.openxmlformats.org/officeDocument/2006/math">
                       <m:oMathParaPr>
@@ -14493,7 +14505,7 @@
               </p:txBody>
             </p:sp>
           </mc:Choice>
-          <mc:Fallback>
+          <mc:Fallback xmlns="">
             <p:sp>
               <p:nvSpPr>
                 <p:cNvPr id="70" name="TextBox 69"/>
@@ -14572,9 +14584,9 @@
         <p:grpSpPr>
           <a:xfrm>
             <a:off x="487322" y="771302"/>
-            <a:ext cx="7013101" cy="5184563"/>
+            <a:ext cx="6748757" cy="5184563"/>
             <a:chOff x="487322" y="771302"/>
-            <a:chExt cx="7013101" cy="5184563"/>
+            <a:chExt cx="6748757" cy="5184563"/>
           </a:xfrm>
         </p:grpSpPr>
         <p:sp>
@@ -15713,8 +15725,8 @@
               </a:p>
             </p:txBody>
           </p:sp>
-          <mc:AlternateContent xmlns:mc="http://schemas.openxmlformats.org/markup-compatibility/2006">
-            <mc:Choice xmlns:a14="http://schemas.microsoft.com/office/drawing/2010/main" Requires="a14">
+          <mc:AlternateContent xmlns:mc="http://schemas.openxmlformats.org/markup-compatibility/2006" xmlns:a14="http://schemas.microsoft.com/office/drawing/2010/main">
+            <mc:Choice Requires="a14">
               <p:sp>
                 <p:nvSpPr>
                   <p:cNvPr id="11" name="TextBox 10"/>
@@ -15762,7 +15774,7 @@
                 </p:txBody>
               </p:sp>
             </mc:Choice>
-            <mc:Fallback>
+            <mc:Fallback xmlns="">
               <p:sp>
                 <p:nvSpPr>
                   <p:cNvPr id="11" name="TextBox 10"/>
@@ -17902,8 +17914,8 @@
             </a:p>
           </p:txBody>
         </p:sp>
-        <mc:AlternateContent xmlns:mc="http://schemas.openxmlformats.org/markup-compatibility/2006">
-          <mc:Choice xmlns:a14="http://schemas.microsoft.com/office/drawing/2010/main" Requires="a14">
+        <mc:AlternateContent xmlns:mc="http://schemas.openxmlformats.org/markup-compatibility/2006" xmlns:a14="http://schemas.microsoft.com/office/drawing/2010/main">
+          <mc:Choice Requires="a14">
             <p:sp>
               <p:nvSpPr>
                 <p:cNvPr id="25" name="TextBox 24"/>
@@ -17926,6 +17938,7 @@
                 </a:bodyPr>
                 <a:lstStyle/>
                 <a:p>
+                  <a:pPr/>
                   <a14:m>
                     <m:oMathPara xmlns:m="http://schemas.openxmlformats.org/officeDocument/2006/math">
                       <m:oMathParaPr>
@@ -17950,7 +17963,7 @@
               </p:txBody>
             </p:sp>
           </mc:Choice>
-          <mc:Fallback>
+          <mc:Fallback xmlns="">
             <p:sp>
               <p:nvSpPr>
                 <p:cNvPr id="25" name="TextBox 24"/>
@@ -17989,8 +18002,8 @@
             </p:sp>
           </mc:Fallback>
         </mc:AlternateContent>
-        <mc:AlternateContent xmlns:mc="http://schemas.openxmlformats.org/markup-compatibility/2006">
-          <mc:Choice xmlns:a14="http://schemas.microsoft.com/office/drawing/2010/main" Requires="a14">
+        <mc:AlternateContent xmlns:mc="http://schemas.openxmlformats.org/markup-compatibility/2006" xmlns:a14="http://schemas.microsoft.com/office/drawing/2010/main">
+          <mc:Choice Requires="a14">
             <p:sp>
               <p:nvSpPr>
                 <p:cNvPr id="26" name="TextBox 25"/>
@@ -18013,6 +18026,7 @@
                 </a:bodyPr>
                 <a:lstStyle/>
                 <a:p>
+                  <a:pPr/>
                   <a14:m>
                     <m:oMathPara xmlns:m="http://schemas.openxmlformats.org/officeDocument/2006/math">
                       <m:oMathParaPr>
@@ -18037,7 +18051,7 @@
               </p:txBody>
             </p:sp>
           </mc:Choice>
-          <mc:Fallback>
+          <mc:Fallback xmlns="">
             <p:sp>
               <p:nvSpPr>
                 <p:cNvPr id="26" name="TextBox 25"/>
@@ -18076,8 +18090,8 @@
             </p:sp>
           </mc:Fallback>
         </mc:AlternateContent>
-        <mc:AlternateContent xmlns:mc="http://schemas.openxmlformats.org/markup-compatibility/2006">
-          <mc:Choice xmlns:a14="http://schemas.microsoft.com/office/drawing/2010/main" Requires="a14">
+        <mc:AlternateContent xmlns:mc="http://schemas.openxmlformats.org/markup-compatibility/2006" xmlns:a14="http://schemas.microsoft.com/office/drawing/2010/main">
+          <mc:Choice Requires="a14">
             <p:sp>
               <p:nvSpPr>
                 <p:cNvPr id="27" name="TextBox 26"/>
@@ -18100,6 +18114,7 @@
                 </a:bodyPr>
                 <a:lstStyle/>
                 <a:p>
+                  <a:pPr/>
                   <a14:m>
                     <m:oMathPara xmlns:m="http://schemas.openxmlformats.org/officeDocument/2006/math">
                       <m:oMathParaPr>
@@ -18138,7 +18153,7 @@
               </p:txBody>
             </p:sp>
           </mc:Choice>
-          <mc:Fallback>
+          <mc:Fallback xmlns="">
             <p:sp>
               <p:nvSpPr>
                 <p:cNvPr id="27" name="TextBox 26"/>
@@ -18225,8 +18240,8 @@
             </a:p>
           </p:txBody>
         </p:sp>
-        <mc:AlternateContent xmlns:mc="http://schemas.openxmlformats.org/markup-compatibility/2006">
-          <mc:Choice xmlns:a14="http://schemas.microsoft.com/office/drawing/2010/main" Requires="a14">
+        <mc:AlternateContent xmlns:mc="http://schemas.openxmlformats.org/markup-compatibility/2006" xmlns:a14="http://schemas.microsoft.com/office/drawing/2010/main">
+          <mc:Choice Requires="a14">
             <p:sp>
               <p:nvSpPr>
                 <p:cNvPr id="29" name="TextBox 28"/>
@@ -18249,6 +18264,7 @@
                 </a:bodyPr>
                 <a:lstStyle/>
                 <a:p>
+                  <a:pPr/>
                   <a14:m>
                     <m:oMathPara xmlns:m="http://schemas.openxmlformats.org/officeDocument/2006/math">
                       <m:oMathParaPr>
@@ -18294,7 +18310,7 @@
               </p:txBody>
             </p:sp>
           </mc:Choice>
-          <mc:Fallback>
+          <mc:Fallback xmlns="">
             <p:sp>
               <p:nvSpPr>
                 <p:cNvPr id="29" name="TextBox 28"/>
@@ -18333,8 +18349,8 @@
             </p:sp>
           </mc:Fallback>
         </mc:AlternateContent>
-        <mc:AlternateContent xmlns:mc="http://schemas.openxmlformats.org/markup-compatibility/2006">
-          <mc:Choice xmlns:a14="http://schemas.microsoft.com/office/drawing/2010/main" Requires="a14">
+        <mc:AlternateContent xmlns:mc="http://schemas.openxmlformats.org/markup-compatibility/2006" xmlns:a14="http://schemas.microsoft.com/office/drawing/2010/main">
+          <mc:Choice Requires="a14">
             <p:sp>
               <p:nvSpPr>
                 <p:cNvPr id="30" name="TextBox 29"/>
@@ -18357,6 +18373,7 @@
                 </a:bodyPr>
                 <a:lstStyle/>
                 <a:p>
+                  <a:pPr/>
                   <a14:m>
                     <m:oMathPara xmlns:m="http://schemas.openxmlformats.org/officeDocument/2006/math">
                       <m:oMathParaPr>
@@ -18402,7 +18419,7 @@
               </p:txBody>
             </p:sp>
           </mc:Choice>
-          <mc:Fallback>
+          <mc:Fallback xmlns="">
             <p:sp>
               <p:nvSpPr>
                 <p:cNvPr id="30" name="TextBox 29"/>
@@ -18523,7 +18540,7 @@
               </p:nvSpPr>
               <p:spPr>
                 <a:xfrm>
-                  <a:off x="5300617" y="2237183"/>
+                  <a:off x="5278517" y="2694858"/>
                   <a:ext cx="319254" cy="345159"/>
                 </a:xfrm>
                 <a:prstGeom prst="rect">
@@ -18537,6 +18554,7 @@
                 </a:bodyPr>
                 <a:lstStyle/>
                 <a:p>
+                  <a:pPr/>
                   <a14:m>
                     <m:oMathPara xmlns:m="http://schemas.openxmlformats.org/officeDocument/2006/math">
                       <m:oMathParaPr>
@@ -18606,7 +18624,7 @@
               </p:nvSpPr>
               <p:spPr>
                 <a:xfrm>
-                  <a:off x="5300617" y="2237183"/>
+                  <a:off x="5278517" y="2694858"/>
                   <a:ext cx="319254" cy="345159"/>
                 </a:xfrm>
                 <a:prstGeom prst="rect">
@@ -18615,7 +18633,7 @@
                 <a:blipFill>
                   <a:blip r:embed="rId8"/>
                   <a:stretch>
-                    <a:fillRect l="-17308" t="-35088" r="-67308" b="-15789"/>
+                    <a:fillRect l="-17308" t="-33333" r="-67308" b="-15789"/>
                   </a:stretch>
                 </a:blipFill>
               </p:spPr>
@@ -18634,8 +18652,8 @@
             </p:sp>
           </mc:Fallback>
         </mc:AlternateContent>
-        <mc:AlternateContent xmlns:mc="http://schemas.openxmlformats.org/markup-compatibility/2006">
-          <mc:Choice xmlns:a14="http://schemas.microsoft.com/office/drawing/2010/main" Requires="a14">
+        <mc:AlternateContent xmlns:mc="http://schemas.openxmlformats.org/markup-compatibility/2006" xmlns:a14="http://schemas.microsoft.com/office/drawing/2010/main">
+          <mc:Choice Requires="a14">
             <p:sp>
               <p:nvSpPr>
                 <p:cNvPr id="36" name="TextBox 35"/>
@@ -18658,6 +18676,7 @@
                 </a:bodyPr>
                 <a:lstStyle/>
                 <a:p>
+                  <a:pPr/>
                   <a14:m>
                     <m:oMathPara xmlns:m="http://schemas.openxmlformats.org/officeDocument/2006/math">
                       <m:oMathParaPr>
@@ -18716,7 +18735,7 @@
               </p:txBody>
             </p:sp>
           </mc:Choice>
-          <mc:Fallback>
+          <mc:Fallback xmlns="">
             <p:sp>
               <p:nvSpPr>
                 <p:cNvPr id="36" name="TextBox 35"/>
@@ -18885,7 +18904,7 @@
               </p:nvSpPr>
               <p:spPr>
                 <a:xfrm>
-                  <a:off x="6531206" y="3981369"/>
+                  <a:off x="6096437" y="4193214"/>
                   <a:ext cx="313291" cy="345159"/>
                 </a:xfrm>
                 <a:prstGeom prst="rect">
@@ -18899,6 +18918,7 @@
                 </a:bodyPr>
                 <a:lstStyle/>
                 <a:p>
+                  <a:pPr/>
                   <a14:m>
                     <m:oMathPara xmlns:m="http://schemas.openxmlformats.org/officeDocument/2006/math">
                       <m:oMathParaPr>
@@ -18968,7 +18988,7 @@
               </p:nvSpPr>
               <p:spPr>
                 <a:xfrm>
-                  <a:off x="6531206" y="3981369"/>
+                  <a:off x="6096437" y="4193214"/>
                   <a:ext cx="313291" cy="345159"/>
                 </a:xfrm>
                 <a:prstGeom prst="rect">
@@ -18977,7 +18997,7 @@
                 <a:blipFill>
                   <a:blip r:embed="rId10"/>
                   <a:stretch>
-                    <a:fillRect l="-15385" t="-33333" r="-67308" b="-15789"/>
+                    <a:fillRect l="-15686" t="-35714" r="-70588" b="-17857"/>
                   </a:stretch>
                 </a:blipFill>
               </p:spPr>
@@ -19006,7 +19026,7 @@
               </p:nvSpPr>
               <p:spPr>
                 <a:xfrm>
-                  <a:off x="7181169" y="4734883"/>
+                  <a:off x="6764342" y="4792589"/>
                   <a:ext cx="319254" cy="345159"/>
                 </a:xfrm>
                 <a:prstGeom prst="rect">
@@ -19020,6 +19040,7 @@
                 </a:bodyPr>
                 <a:lstStyle/>
                 <a:p>
+                  <a:pPr/>
                   <a14:m>
                     <m:oMathPara xmlns:m="http://schemas.openxmlformats.org/officeDocument/2006/math">
                       <m:oMathParaPr>
@@ -19089,7 +19110,7 @@
               </p:nvSpPr>
               <p:spPr>
                 <a:xfrm>
-                  <a:off x="7181169" y="4734883"/>
+                  <a:off x="6764342" y="4792589"/>
                   <a:ext cx="319254" cy="345159"/>
                 </a:xfrm>
                 <a:prstGeom prst="rect">
@@ -19098,7 +19119,7 @@
                 <a:blipFill>
                   <a:blip r:embed="rId11"/>
                   <a:stretch>
-                    <a:fillRect l="-15385" t="-35714" r="-69231" b="-17857"/>
+                    <a:fillRect l="-17308" t="-33333" r="-67308" b="-17544"/>
                   </a:stretch>
                 </a:blipFill>
               </p:spPr>
@@ -19167,8 +19188,8 @@
               </a:fontRef>
             </p:style>
           </p:cxnSp>
-          <mc:AlternateContent xmlns:mc="http://schemas.openxmlformats.org/markup-compatibility/2006">
-            <mc:Choice xmlns:a14="http://schemas.microsoft.com/office/drawing/2010/main" Requires="a14">
+          <mc:AlternateContent xmlns:mc="http://schemas.openxmlformats.org/markup-compatibility/2006" xmlns:a14="http://schemas.microsoft.com/office/drawing/2010/main">
+            <mc:Choice Requires="a14">
               <p:sp>
                 <p:nvSpPr>
                   <p:cNvPr id="46" name="Rectangle 45"/>
@@ -19212,7 +19233,7 @@
                 </p:txBody>
               </p:sp>
             </mc:Choice>
-            <mc:Fallback>
+            <mc:Fallback xmlns="">
               <p:sp>
                 <p:nvSpPr>
                   <p:cNvPr id="46" name="Rectangle 45"/>
@@ -19447,8 +19468,8 @@
             </a:fontRef>
           </p:style>
         </p:cxnSp>
-        <mc:AlternateContent xmlns:mc="http://schemas.openxmlformats.org/markup-compatibility/2006">
-          <mc:Choice xmlns:a14="http://schemas.microsoft.com/office/drawing/2010/main" Requires="a14">
+        <mc:AlternateContent xmlns:mc="http://schemas.openxmlformats.org/markup-compatibility/2006" xmlns:a14="http://schemas.microsoft.com/office/drawing/2010/main">
+          <mc:Choice Requires="a14">
             <p:sp>
               <p:nvSpPr>
                 <p:cNvPr id="53" name="TextBox 52"/>
@@ -19471,6 +19492,7 @@
                 </a:bodyPr>
                 <a:lstStyle/>
                 <a:p>
+                  <a:pPr/>
                   <a14:m>
                     <m:oMathPara xmlns:m="http://schemas.openxmlformats.org/officeDocument/2006/math">
                       <m:oMathParaPr>
@@ -19516,7 +19538,7 @@
               </p:txBody>
             </p:sp>
           </mc:Choice>
-          <mc:Fallback>
+          <mc:Fallback xmlns="">
             <p:sp>
               <p:nvSpPr>
                 <p:cNvPr id="53" name="TextBox 52"/>
@@ -19555,8 +19577,8 @@
             </p:sp>
           </mc:Fallback>
         </mc:AlternateContent>
-        <mc:AlternateContent xmlns:mc="http://schemas.openxmlformats.org/markup-compatibility/2006">
-          <mc:Choice xmlns:a14="http://schemas.microsoft.com/office/drawing/2010/main" Requires="a14">
+        <mc:AlternateContent xmlns:mc="http://schemas.openxmlformats.org/markup-compatibility/2006" xmlns:a14="http://schemas.microsoft.com/office/drawing/2010/main">
+          <mc:Choice Requires="a14">
             <p:sp>
               <p:nvSpPr>
                 <p:cNvPr id="54" name="TextBox 53"/>
@@ -19579,6 +19601,7 @@
                 </a:bodyPr>
                 <a:lstStyle/>
                 <a:p>
+                  <a:pPr/>
                   <a14:m>
                     <m:oMathPara xmlns:m="http://schemas.openxmlformats.org/officeDocument/2006/math">
                       <m:oMathParaPr>
@@ -19624,7 +19647,7 @@
               </p:txBody>
             </p:sp>
           </mc:Choice>
-          <mc:Fallback>
+          <mc:Fallback xmlns="">
             <p:sp>
               <p:nvSpPr>
                 <p:cNvPr id="54" name="TextBox 53"/>
@@ -19699,8 +19722,8 @@
             </a:fontRef>
           </p:style>
         </p:cxnSp>
-        <mc:AlternateContent xmlns:mc="http://schemas.openxmlformats.org/markup-compatibility/2006">
-          <mc:Choice xmlns:a14="http://schemas.microsoft.com/office/drawing/2010/main" Requires="a14">
+        <mc:AlternateContent xmlns:mc="http://schemas.openxmlformats.org/markup-compatibility/2006" xmlns:a14="http://schemas.microsoft.com/office/drawing/2010/main">
+          <mc:Choice Requires="a14">
             <p:sp>
               <p:nvSpPr>
                 <p:cNvPr id="58" name="TextBox 57"/>
@@ -19723,6 +19746,7 @@
                 </a:bodyPr>
                 <a:lstStyle/>
                 <a:p>
+                  <a:pPr/>
                   <a14:m>
                     <m:oMathPara xmlns:m="http://schemas.openxmlformats.org/officeDocument/2006/math">
                       <m:oMathParaPr>
@@ -19768,7 +19792,7 @@
               </p:txBody>
             </p:sp>
           </mc:Choice>
-          <mc:Fallback>
+          <mc:Fallback xmlns="">
             <p:sp>
               <p:nvSpPr>
                 <p:cNvPr id="58" name="TextBox 57"/>
@@ -19844,8 +19868,8 @@
             </a:fontRef>
           </p:style>
         </p:cxnSp>
-        <mc:AlternateContent xmlns:mc="http://schemas.openxmlformats.org/markup-compatibility/2006">
-          <mc:Choice xmlns:a14="http://schemas.microsoft.com/office/drawing/2010/main" Requires="a14">
+        <mc:AlternateContent xmlns:mc="http://schemas.openxmlformats.org/markup-compatibility/2006" xmlns:a14="http://schemas.microsoft.com/office/drawing/2010/main">
+          <mc:Choice Requires="a14">
             <p:sp>
               <p:nvSpPr>
                 <p:cNvPr id="65" name="TextBox 64"/>
@@ -19868,6 +19892,7 @@
                 </a:bodyPr>
                 <a:lstStyle/>
                 <a:p>
+                  <a:pPr/>
                   <a14:m>
                     <m:oMathPara xmlns:m="http://schemas.openxmlformats.org/officeDocument/2006/math">
                       <m:oMathParaPr>
@@ -19962,7 +19987,7 @@
               </p:txBody>
             </p:sp>
           </mc:Choice>
-          <mc:Fallback>
+          <mc:Fallback xmlns="">
             <p:sp>
               <p:nvSpPr>
                 <p:cNvPr id="65" name="TextBox 64"/>
@@ -20038,8 +20063,8 @@
             </a:fontRef>
           </p:style>
         </p:cxnSp>
-        <mc:AlternateContent xmlns:mc="http://schemas.openxmlformats.org/markup-compatibility/2006">
-          <mc:Choice xmlns:a14="http://schemas.microsoft.com/office/drawing/2010/main" Requires="a14">
+        <mc:AlternateContent xmlns:mc="http://schemas.openxmlformats.org/markup-compatibility/2006" xmlns:a14="http://schemas.microsoft.com/office/drawing/2010/main">
+          <mc:Choice Requires="a14">
             <p:sp>
               <p:nvSpPr>
                 <p:cNvPr id="74" name="TextBox 73"/>
@@ -20062,6 +20087,7 @@
                 </a:bodyPr>
                 <a:lstStyle/>
                 <a:p>
+                  <a:pPr/>
                   <a14:m>
                     <m:oMathPara xmlns:m="http://schemas.openxmlformats.org/officeDocument/2006/math">
                       <m:oMathParaPr>
@@ -20156,7 +20182,7 @@
               </p:txBody>
             </p:sp>
           </mc:Choice>
-          <mc:Fallback>
+          <mc:Fallback xmlns="">
             <p:sp>
               <p:nvSpPr>
                 <p:cNvPr id="74" name="TextBox 73"/>
@@ -20419,8 +20445,8 @@
               </a:p>
             </p:txBody>
           </p:sp>
-          <mc:AlternateContent xmlns:mc="http://schemas.openxmlformats.org/markup-compatibility/2006">
-            <mc:Choice xmlns:a14="http://schemas.microsoft.com/office/drawing/2010/main" Requires="a14">
+          <mc:AlternateContent xmlns:mc="http://schemas.openxmlformats.org/markup-compatibility/2006" xmlns:a14="http://schemas.microsoft.com/office/drawing/2010/main">
+            <mc:Choice Requires="a14">
               <p:sp>
                 <p:nvSpPr>
                   <p:cNvPr id="17" name="TextBox 16"/>
@@ -20443,6 +20469,7 @@
                   </a:bodyPr>
                   <a:lstStyle/>
                   <a:p>
+                    <a:pPr/>
                     <a14:m>
                       <m:oMathPara xmlns:m="http://schemas.openxmlformats.org/officeDocument/2006/math">
                         <m:oMathParaPr>
@@ -20467,7 +20494,7 @@
                 </p:txBody>
               </p:sp>
             </mc:Choice>
-            <mc:Fallback>
+            <mc:Fallback xmlns="">
               <p:sp>
                 <p:nvSpPr>
                   <p:cNvPr id="17" name="TextBox 16"/>
@@ -20580,8 +20607,8 @@
               </a:fontRef>
             </p:style>
           </p:cxnSp>
-          <mc:AlternateContent xmlns:mc="http://schemas.openxmlformats.org/markup-compatibility/2006">
-            <mc:Choice xmlns:a14="http://schemas.microsoft.com/office/drawing/2010/main" Requires="a14">
+          <mc:AlternateContent xmlns:mc="http://schemas.openxmlformats.org/markup-compatibility/2006" xmlns:a14="http://schemas.microsoft.com/office/drawing/2010/main">
+            <mc:Choice Requires="a14">
               <p:sp>
                 <p:nvSpPr>
                   <p:cNvPr id="25" name="TextBox 24"/>
@@ -20604,6 +20631,7 @@
                   </a:bodyPr>
                   <a:lstStyle/>
                   <a:p>
+                    <a:pPr/>
                     <a14:m>
                       <m:oMathPara xmlns:m="http://schemas.openxmlformats.org/officeDocument/2006/math">
                         <m:oMathParaPr>
@@ -20662,7 +20690,7 @@
                 </p:txBody>
               </p:sp>
             </mc:Choice>
-            <mc:Fallback>
+            <mc:Fallback xmlns="">
               <p:sp>
                 <p:nvSpPr>
                   <p:cNvPr id="25" name="TextBox 24"/>
@@ -20701,8 +20729,8 @@
               </p:sp>
             </mc:Fallback>
           </mc:AlternateContent>
-          <mc:AlternateContent xmlns:mc="http://schemas.openxmlformats.org/markup-compatibility/2006">
-            <mc:Choice xmlns:a14="http://schemas.microsoft.com/office/drawing/2010/main" Requires="a14">
+          <mc:AlternateContent xmlns:mc="http://schemas.openxmlformats.org/markup-compatibility/2006" xmlns:a14="http://schemas.microsoft.com/office/drawing/2010/main">
+            <mc:Choice Requires="a14">
               <p:sp>
                 <p:nvSpPr>
                   <p:cNvPr id="26" name="TextBox 25"/>
@@ -20725,6 +20753,7 @@
                   </a:bodyPr>
                   <a:lstStyle/>
                   <a:p>
+                    <a:pPr/>
                     <a14:m>
                       <m:oMathPara xmlns:m="http://schemas.openxmlformats.org/officeDocument/2006/math">
                         <m:oMathParaPr>
@@ -20762,7 +20791,7 @@
                 </p:txBody>
               </p:sp>
             </mc:Choice>
-            <mc:Fallback>
+            <mc:Fallback xmlns="">
               <p:sp>
                 <p:nvSpPr>
                   <p:cNvPr id="26" name="TextBox 25"/>
@@ -20849,8 +20878,8 @@
               </a:p>
             </p:txBody>
           </p:sp>
-          <mc:AlternateContent xmlns:mc="http://schemas.openxmlformats.org/markup-compatibility/2006">
-            <mc:Choice xmlns:a14="http://schemas.microsoft.com/office/drawing/2010/main" Requires="a14">
+          <mc:AlternateContent xmlns:mc="http://schemas.openxmlformats.org/markup-compatibility/2006" xmlns:a14="http://schemas.microsoft.com/office/drawing/2010/main">
+            <mc:Choice Requires="a14">
               <p:sp>
                 <p:nvSpPr>
                   <p:cNvPr id="28" name="TextBox 27"/>
@@ -20873,6 +20902,7 @@
                   </a:bodyPr>
                   <a:lstStyle/>
                   <a:p>
+                    <a:pPr/>
                     <a14:m>
                       <m:oMathPara xmlns:m="http://schemas.openxmlformats.org/officeDocument/2006/math">
                         <m:oMathParaPr>
@@ -20897,7 +20927,7 @@
                 </p:txBody>
               </p:sp>
             </mc:Choice>
-            <mc:Fallback>
+            <mc:Fallback xmlns="">
               <p:sp>
                 <p:nvSpPr>
                   <p:cNvPr id="28" name="TextBox 27"/>
@@ -21251,8 +21281,8 @@
                 </p:sp>
               </mc:Fallback>
             </mc:AlternateContent>
-            <mc:AlternateContent xmlns:mc="http://schemas.openxmlformats.org/markup-compatibility/2006">
-              <mc:Choice xmlns:a14="http://schemas.microsoft.com/office/drawing/2010/main" Requires="a14">
+            <mc:AlternateContent xmlns:mc="http://schemas.openxmlformats.org/markup-compatibility/2006" xmlns:a14="http://schemas.microsoft.com/office/drawing/2010/main">
+              <mc:Choice Requires="a14">
                 <p:sp>
                   <p:nvSpPr>
                     <p:cNvPr id="38" name="Rectangle 37"/>
@@ -21296,7 +21326,7 @@
                   </p:txBody>
                 </p:sp>
               </mc:Choice>
-              <mc:Fallback>
+              <mc:Fallback xmlns="">
                 <p:sp>
                   <p:nvSpPr>
                     <p:cNvPr id="38" name="Rectangle 37"/>
@@ -21942,8 +21972,8 @@
               </a:p>
             </p:txBody>
           </p:sp>
-          <mc:AlternateContent xmlns:mc="http://schemas.openxmlformats.org/markup-compatibility/2006">
-            <mc:Choice xmlns:a14="http://schemas.microsoft.com/office/drawing/2010/main" Requires="a14">
+          <mc:AlternateContent xmlns:mc="http://schemas.openxmlformats.org/markup-compatibility/2006" xmlns:a14="http://schemas.microsoft.com/office/drawing/2010/main">
+            <mc:Choice Requires="a14">
               <p:sp>
                 <p:nvSpPr>
                   <p:cNvPr id="44" name="TextBox 43"/>
@@ -21966,6 +21996,7 @@
                   </a:bodyPr>
                   <a:lstStyle/>
                   <a:p>
+                    <a:pPr/>
                     <a14:m>
                       <m:oMathPara xmlns:m="http://schemas.openxmlformats.org/officeDocument/2006/math">
                         <m:oMathParaPr>
@@ -21990,7 +22021,7 @@
                 </p:txBody>
               </p:sp>
             </mc:Choice>
-            <mc:Fallback>
+            <mc:Fallback xmlns="">
               <p:sp>
                 <p:nvSpPr>
                   <p:cNvPr id="44" name="TextBox 43"/>
@@ -22065,8 +22096,8 @@
               </a:fontRef>
             </p:style>
           </p:cxnSp>
-          <mc:AlternateContent xmlns:mc="http://schemas.openxmlformats.org/markup-compatibility/2006">
-            <mc:Choice xmlns:a14="http://schemas.microsoft.com/office/drawing/2010/main" Requires="a14">
+          <mc:AlternateContent xmlns:mc="http://schemas.openxmlformats.org/markup-compatibility/2006" xmlns:a14="http://schemas.microsoft.com/office/drawing/2010/main">
+            <mc:Choice Requires="a14">
               <p:sp>
                 <p:nvSpPr>
                   <p:cNvPr id="46" name="TextBox 45"/>
@@ -22089,6 +22120,7 @@
                   </a:bodyPr>
                   <a:lstStyle/>
                   <a:p>
+                    <a:pPr/>
                     <a14:m>
                       <m:oMathPara xmlns:m="http://schemas.openxmlformats.org/officeDocument/2006/math">
                         <m:oMathParaPr>
@@ -22147,7 +22179,7 @@
                 </p:txBody>
               </p:sp>
             </mc:Choice>
-            <mc:Fallback>
+            <mc:Fallback xmlns="">
               <p:sp>
                 <p:nvSpPr>
                   <p:cNvPr id="46" name="TextBox 45"/>
@@ -22305,8 +22337,8 @@
               </a:p>
             </p:txBody>
           </p:sp>
-          <mc:AlternateContent xmlns:mc="http://schemas.openxmlformats.org/markup-compatibility/2006">
-            <mc:Choice xmlns:a14="http://schemas.microsoft.com/office/drawing/2010/main" Requires="a14">
+          <mc:AlternateContent xmlns:mc="http://schemas.openxmlformats.org/markup-compatibility/2006" xmlns:a14="http://schemas.microsoft.com/office/drawing/2010/main">
+            <mc:Choice Requires="a14">
               <p:sp>
                 <p:nvSpPr>
                   <p:cNvPr id="50" name="TextBox 49"/>
@@ -22329,6 +22361,7 @@
                   </a:bodyPr>
                   <a:lstStyle/>
                   <a:p>
+                    <a:pPr/>
                     <a14:m>
                       <m:oMathPara xmlns:m="http://schemas.openxmlformats.org/officeDocument/2006/math">
                         <m:oMathParaPr>
@@ -22353,7 +22386,7 @@
                 </p:txBody>
               </p:sp>
             </mc:Choice>
-            <mc:Fallback>
+            <mc:Fallback xmlns="">
               <p:sp>
                 <p:nvSpPr>
                   <p:cNvPr id="50" name="TextBox 49"/>
@@ -22393,8 +22426,8 @@
             </mc:Fallback>
           </mc:AlternateContent>
         </p:grpSp>
-        <mc:AlternateContent xmlns:mc="http://schemas.openxmlformats.org/markup-compatibility/2006">
-          <mc:Choice xmlns:a14="http://schemas.microsoft.com/office/drawing/2010/main" Requires="a14">
+        <mc:AlternateContent xmlns:mc="http://schemas.openxmlformats.org/markup-compatibility/2006" xmlns:a14="http://schemas.microsoft.com/office/drawing/2010/main">
+          <mc:Choice Requires="a14">
             <p:sp>
               <p:nvSpPr>
                 <p:cNvPr id="53" name="TextBox 52"/>
@@ -22417,6 +22450,7 @@
                 </a:bodyPr>
                 <a:lstStyle/>
                 <a:p>
+                  <a:pPr/>
                   <a14:m>
                     <m:oMathPara xmlns:m="http://schemas.openxmlformats.org/officeDocument/2006/math">
                       <m:oMathParaPr>
@@ -22441,7 +22475,7 @@
               </p:txBody>
             </p:sp>
           </mc:Choice>
-          <mc:Fallback>
+          <mc:Fallback xmlns="">
             <p:sp>
               <p:nvSpPr>
                 <p:cNvPr id="53" name="TextBox 52"/>

--- a/tex/figures/SimpleHarmonicMotion/Figures.pptx
+++ b/tex/figures/SimpleHarmonicMotion/Figures.pptx
@@ -10,6 +10,7 @@
     <p:sldId id="273" r:id="rId4"/>
     <p:sldId id="274" r:id="rId5"/>
     <p:sldId id="275" r:id="rId6"/>
+    <p:sldId id="276" r:id="rId7"/>
   </p:sldIdLst>
   <p:sldSz cx="12192000" cy="6858000"/>
   <p:notesSz cx="6858000" cy="9144000"/>
@@ -247,7 +248,7 @@
           <a:p>
             <a:fld id="{F7249F8D-641B-4CAF-BAE5-10524742F6F1}" type="datetimeFigureOut">
               <a:rPr lang="en-CA" smtClean="0"/>
-              <a:t>2018-07-16</a:t>
+              <a:t>2018-07-23</a:t>
             </a:fld>
             <a:endParaRPr lang="en-CA"/>
           </a:p>
@@ -417,7 +418,7 @@
           <a:p>
             <a:fld id="{F7249F8D-641B-4CAF-BAE5-10524742F6F1}" type="datetimeFigureOut">
               <a:rPr lang="en-CA" smtClean="0"/>
-              <a:t>2018-07-16</a:t>
+              <a:t>2018-07-23</a:t>
             </a:fld>
             <a:endParaRPr lang="en-CA"/>
           </a:p>
@@ -597,7 +598,7 @@
           <a:p>
             <a:fld id="{F7249F8D-641B-4CAF-BAE5-10524742F6F1}" type="datetimeFigureOut">
               <a:rPr lang="en-CA" smtClean="0"/>
-              <a:t>2018-07-16</a:t>
+              <a:t>2018-07-23</a:t>
             </a:fld>
             <a:endParaRPr lang="en-CA"/>
           </a:p>
@@ -767,7 +768,7 @@
           <a:p>
             <a:fld id="{F7249F8D-641B-4CAF-BAE5-10524742F6F1}" type="datetimeFigureOut">
               <a:rPr lang="en-CA" smtClean="0"/>
-              <a:t>2018-07-16</a:t>
+              <a:t>2018-07-23</a:t>
             </a:fld>
             <a:endParaRPr lang="en-CA"/>
           </a:p>
@@ -1013,7 +1014,7 @@
           <a:p>
             <a:fld id="{F7249F8D-641B-4CAF-BAE5-10524742F6F1}" type="datetimeFigureOut">
               <a:rPr lang="en-CA" smtClean="0"/>
-              <a:t>2018-07-16</a:t>
+              <a:t>2018-07-23</a:t>
             </a:fld>
             <a:endParaRPr lang="en-CA"/>
           </a:p>
@@ -1245,7 +1246,7 @@
           <a:p>
             <a:fld id="{F7249F8D-641B-4CAF-BAE5-10524742F6F1}" type="datetimeFigureOut">
               <a:rPr lang="en-CA" smtClean="0"/>
-              <a:t>2018-07-16</a:t>
+              <a:t>2018-07-23</a:t>
             </a:fld>
             <a:endParaRPr lang="en-CA"/>
           </a:p>
@@ -1612,7 +1613,7 @@
           <a:p>
             <a:fld id="{F7249F8D-641B-4CAF-BAE5-10524742F6F1}" type="datetimeFigureOut">
               <a:rPr lang="en-CA" smtClean="0"/>
-              <a:t>2018-07-16</a:t>
+              <a:t>2018-07-23</a:t>
             </a:fld>
             <a:endParaRPr lang="en-CA"/>
           </a:p>
@@ -1730,7 +1731,7 @@
           <a:p>
             <a:fld id="{F7249F8D-641B-4CAF-BAE5-10524742F6F1}" type="datetimeFigureOut">
               <a:rPr lang="en-CA" smtClean="0"/>
-              <a:t>2018-07-16</a:t>
+              <a:t>2018-07-23</a:t>
             </a:fld>
             <a:endParaRPr lang="en-CA"/>
           </a:p>
@@ -1825,7 +1826,7 @@
           <a:p>
             <a:fld id="{F7249F8D-641B-4CAF-BAE5-10524742F6F1}" type="datetimeFigureOut">
               <a:rPr lang="en-CA" smtClean="0"/>
-              <a:t>2018-07-16</a:t>
+              <a:t>2018-07-23</a:t>
             </a:fld>
             <a:endParaRPr lang="en-CA"/>
           </a:p>
@@ -2102,7 +2103,7 @@
           <a:p>
             <a:fld id="{F7249F8D-641B-4CAF-BAE5-10524742F6F1}" type="datetimeFigureOut">
               <a:rPr lang="en-CA" smtClean="0"/>
-              <a:t>2018-07-16</a:t>
+              <a:t>2018-07-23</a:t>
             </a:fld>
             <a:endParaRPr lang="en-CA"/>
           </a:p>
@@ -2355,7 +2356,7 @@
           <a:p>
             <a:fld id="{F7249F8D-641B-4CAF-BAE5-10524742F6F1}" type="datetimeFigureOut">
               <a:rPr lang="en-CA" smtClean="0"/>
-              <a:t>2018-07-16</a:t>
+              <a:t>2018-07-23</a:t>
             </a:fld>
             <a:endParaRPr lang="en-CA"/>
           </a:p>
@@ -2568,7 +2569,7 @@
           <a:p>
             <a:fld id="{F7249F8D-641B-4CAF-BAE5-10524742F6F1}" type="datetimeFigureOut">
               <a:rPr lang="en-CA" smtClean="0"/>
-              <a:t>2018-07-16</a:t>
+              <a:t>2018-07-23</a:t>
             </a:fld>
             <a:endParaRPr lang="en-CA"/>
           </a:p>
@@ -7950,7 +7951,7 @@
                               <m:chr m:val="⃗"/>
                               <m:ctrlPr>
                                 <a:rPr lang="en-US" sz="2000" b="0" i="1" smtClean="0">
-                                  <a:latin typeface="Cambria Math" panose="02040503050406030204" pitchFamily="18" charset="0"/>
+                                  <a:latin typeface="Cambria Math" charset="0"/>
                                   <a:cs typeface="Arial" panose="020B0604020202020204" pitchFamily="34" charset="0"/>
                                 </a:rPr>
                               </m:ctrlPr>
@@ -8087,7 +8088,7 @@
                               <m:chr m:val="⃗"/>
                               <m:ctrlPr>
                                 <a:rPr lang="en-US" sz="2000" b="0" i="1" smtClean="0">
-                                  <a:latin typeface="Cambria Math" panose="02040503050406030204" pitchFamily="18" charset="0"/>
+                                  <a:latin typeface="Cambria Math" charset="0"/>
                                   <a:cs typeface="Arial" panose="020B0604020202020204" pitchFamily="34" charset="0"/>
                                 </a:rPr>
                               </m:ctrlPr>
@@ -10375,7 +10376,7 @@
                                 <m:chr m:val="⃗"/>
                                 <m:ctrlPr>
                                   <a:rPr lang="en-US" b="0" i="1" smtClean="0">
-                                    <a:latin typeface="Cambria Math" panose="02040503050406030204" pitchFamily="18" charset="0"/>
+                                    <a:latin typeface="Cambria Math" charset="0"/>
                                   </a:rPr>
                                 </m:ctrlPr>
                               </m:accPr>
@@ -10740,7 +10741,7 @@
                               <m:sSubPr>
                                 <m:ctrlPr>
                                   <a:rPr lang="en-US" b="0" i="1" smtClean="0">
-                                    <a:latin typeface="Cambria Math" panose="02040503050406030204" pitchFamily="18" charset="0"/>
+                                    <a:latin typeface="Cambria Math" charset="0"/>
                                   </a:rPr>
                                 </m:ctrlPr>
                               </m:sSubPr>
@@ -10936,7 +10937,7 @@
                               <m:sSubPr>
                                 <m:ctrlPr>
                                   <a:rPr lang="en-US" b="0" i="1" smtClean="0">
-                                    <a:latin typeface="Cambria Math" panose="02040503050406030204" pitchFamily="18" charset="0"/>
+                                    <a:latin typeface="Cambria Math" charset="0"/>
                                   </a:rPr>
                                 </m:ctrlPr>
                               </m:sSubPr>
@@ -13265,7 +13266,7 @@
                               <m:sSubPr>
                                 <m:ctrlPr>
                                   <a:rPr lang="en-US" sz="2000" b="0" i="1" smtClean="0">
-                                    <a:latin typeface="Cambria Math" panose="02040503050406030204" pitchFamily="18" charset="0"/>
+                                    <a:latin typeface="Cambria Math" charset="0"/>
                                     <a:cs typeface="Arial" panose="020B0604020202020204" pitchFamily="34" charset="0"/>
                                   </a:rPr>
                                 </m:ctrlPr>
@@ -13583,7 +13584,7 @@
                             <m:sSubPr>
                               <m:ctrlPr>
                                 <a:rPr lang="en-US" sz="2000" b="0" i="1" smtClean="0">
-                                  <a:latin typeface="Cambria Math" panose="02040503050406030204" pitchFamily="18" charset="0"/>
+                                  <a:latin typeface="Cambria Math" charset="0"/>
                                   <a:cs typeface="Arial" panose="020B0604020202020204" pitchFamily="34" charset="0"/>
                                 </a:rPr>
                               </m:ctrlPr>
@@ -13594,7 +13595,7 @@
                                   <m:chr m:val="⃗"/>
                                   <m:ctrlPr>
                                     <a:rPr lang="en-US" sz="2000" b="0" i="1" smtClean="0">
-                                      <a:latin typeface="Cambria Math" panose="02040503050406030204" pitchFamily="18" charset="0"/>
+                                      <a:latin typeface="Cambria Math" charset="0"/>
                                       <a:cs typeface="Arial" panose="020B0604020202020204" pitchFamily="34" charset="0"/>
                                     </a:rPr>
                                   </m:ctrlPr>
@@ -13706,7 +13707,7 @@
                               <m:chr m:val="⃗"/>
                               <m:ctrlPr>
                                 <a:rPr lang="en-US" sz="2000" b="0" i="1" smtClean="0">
-                                  <a:latin typeface="Cambria Math" panose="02040503050406030204" pitchFamily="18" charset="0"/>
+                                  <a:latin typeface="Cambria Math" charset="0"/>
                                   <a:cs typeface="Arial" panose="020B0604020202020204" pitchFamily="34" charset="0"/>
                                 </a:rPr>
                               </m:ctrlPr>
@@ -13732,7 +13733,7 @@
                             <m:sSubPr>
                               <m:ctrlPr>
                                 <a:rPr lang="en-US" sz="2000" b="0" i="1" smtClean="0">
-                                  <a:latin typeface="Cambria Math" panose="02040503050406030204" pitchFamily="18" charset="0"/>
+                                  <a:latin typeface="Cambria Math" charset="0"/>
                                   <a:cs typeface="Arial" panose="020B0604020202020204" pitchFamily="34" charset="0"/>
                                 </a:rPr>
                               </m:ctrlPr>
@@ -13968,7 +13969,7 @@
                             <m:sSubPr>
                               <m:ctrlPr>
                                 <a:rPr lang="en-US" sz="2000" b="0" i="1" smtClean="0">
-                                  <a:latin typeface="Cambria Math" panose="02040503050406030204" pitchFamily="18" charset="0"/>
+                                  <a:latin typeface="Cambria Math" charset="0"/>
                                   <a:cs typeface="Arial" panose="020B0604020202020204" pitchFamily="34" charset="0"/>
                                 </a:rPr>
                               </m:ctrlPr>
@@ -13979,7 +13980,7 @@
                                   <m:chr m:val="⃗"/>
                                   <m:ctrlPr>
                                     <a:rPr lang="en-US" sz="2000" b="0" i="1" smtClean="0">
-                                      <a:latin typeface="Cambria Math" panose="02040503050406030204" pitchFamily="18" charset="0"/>
+                                      <a:latin typeface="Cambria Math" charset="0"/>
                                       <a:cs typeface="Arial" panose="020B0604020202020204" pitchFamily="34" charset="0"/>
                                     </a:rPr>
                                   </m:ctrlPr>
@@ -14091,7 +14092,7 @@
                               <m:chr m:val="⃗"/>
                               <m:ctrlPr>
                                 <a:rPr lang="en-US" sz="2000" b="0" i="1" smtClean="0">
-                                  <a:latin typeface="Cambria Math" panose="02040503050406030204" pitchFamily="18" charset="0"/>
+                                  <a:latin typeface="Cambria Math" charset="0"/>
                                   <a:cs typeface="Arial" panose="020B0604020202020204" pitchFamily="34" charset="0"/>
                                 </a:rPr>
                               </m:ctrlPr>
@@ -18275,7 +18276,7 @@
                           <m:sSubPr>
                             <m:ctrlPr>
                               <a:rPr lang="en-US" sz="2000" b="0" i="1" smtClean="0">
-                                <a:latin typeface="Cambria Math" panose="02040503050406030204" pitchFamily="18" charset="0"/>
+                                <a:latin typeface="Cambria Math" charset="0"/>
                                 <a:cs typeface="Arial" panose="020B0604020202020204" pitchFamily="34" charset="0"/>
                               </a:rPr>
                             </m:ctrlPr>
@@ -18384,7 +18385,7 @@
                           <m:sSubPr>
                             <m:ctrlPr>
                               <a:rPr lang="en-US" sz="2000" b="0" i="1" smtClean="0">
-                                <a:latin typeface="Cambria Math" panose="02040503050406030204" pitchFamily="18" charset="0"/>
+                                <a:latin typeface="Cambria Math" charset="0"/>
                                 <a:cs typeface="Arial" panose="020B0604020202020204" pitchFamily="34" charset="0"/>
                               </a:rPr>
                             </m:ctrlPr>
@@ -18530,8 +18531,8 @@
             </a:fontRef>
           </p:style>
         </p:cxnSp>
-        <mc:AlternateContent xmlns:mc="http://schemas.openxmlformats.org/markup-compatibility/2006">
-          <mc:Choice xmlns:a14="http://schemas.microsoft.com/office/drawing/2010/main" Requires="a14">
+        <mc:AlternateContent xmlns:mc="http://schemas.openxmlformats.org/markup-compatibility/2006" xmlns:a14="http://schemas.microsoft.com/office/drawing/2010/main">
+          <mc:Choice Requires="a14">
             <p:sp>
               <p:nvSpPr>
                 <p:cNvPr id="35" name="TextBox 34"/>
@@ -18565,7 +18566,7 @@
                           <m:sSubPr>
                             <m:ctrlPr>
                               <a:rPr lang="en-US" sz="2000" b="0" i="1" smtClean="0">
-                                <a:latin typeface="Cambria Math" panose="02040503050406030204" pitchFamily="18" charset="0"/>
+                                <a:latin typeface="Cambria Math" charset="0"/>
                                 <a:cs typeface="Arial" panose="020B0604020202020204" pitchFamily="34" charset="0"/>
                               </a:rPr>
                             </m:ctrlPr>
@@ -18576,7 +18577,7 @@
                                 <m:chr m:val="⃗"/>
                                 <m:ctrlPr>
                                   <a:rPr lang="en-US" sz="2000" b="0" i="1" smtClean="0">
-                                    <a:latin typeface="Cambria Math" panose="02040503050406030204" pitchFamily="18" charset="0"/>
+                                    <a:latin typeface="Cambria Math" charset="0"/>
                                     <a:cs typeface="Arial" panose="020B0604020202020204" pitchFamily="34" charset="0"/>
                                   </a:rPr>
                                 </m:ctrlPr>
@@ -18613,7 +18614,7 @@
               </p:txBody>
             </p:sp>
           </mc:Choice>
-          <mc:Fallback>
+          <mc:Fallback xmlns="">
             <p:sp>
               <p:nvSpPr>
                 <p:cNvPr id="35" name="TextBox 34"/>
@@ -18687,7 +18688,7 @@
                           <m:sSubPr>
                             <m:ctrlPr>
                               <a:rPr lang="en-US" sz="2000" b="0" i="1" smtClean="0">
-                                <a:latin typeface="Cambria Math" panose="02040503050406030204" pitchFamily="18" charset="0"/>
+                                <a:latin typeface="Cambria Math" charset="0"/>
                                 <a:cs typeface="Arial" panose="020B0604020202020204" pitchFamily="34" charset="0"/>
                               </a:rPr>
                             </m:ctrlPr>
@@ -18698,7 +18699,7 @@
                                 <m:chr m:val="⃗"/>
                                 <m:ctrlPr>
                                   <a:rPr lang="en-US" sz="2000" b="0" i="1" smtClean="0">
-                                    <a:latin typeface="Cambria Math" panose="02040503050406030204" pitchFamily="18" charset="0"/>
+                                    <a:latin typeface="Cambria Math" charset="0"/>
                                     <a:cs typeface="Arial" panose="020B0604020202020204" pitchFamily="34" charset="0"/>
                                   </a:rPr>
                                 </m:ctrlPr>
@@ -18894,8 +18895,8 @@
             </a:fontRef>
           </p:style>
         </p:cxnSp>
-        <mc:AlternateContent xmlns:mc="http://schemas.openxmlformats.org/markup-compatibility/2006">
-          <mc:Choice xmlns:a14="http://schemas.microsoft.com/office/drawing/2010/main" Requires="a14">
+        <mc:AlternateContent xmlns:mc="http://schemas.openxmlformats.org/markup-compatibility/2006" xmlns:a14="http://schemas.microsoft.com/office/drawing/2010/main">
+          <mc:Choice Requires="a14">
             <p:sp>
               <p:nvSpPr>
                 <p:cNvPr id="40" name="TextBox 39"/>
@@ -18929,7 +18930,7 @@
                           <m:sSubPr>
                             <m:ctrlPr>
                               <a:rPr lang="en-US" sz="2000" b="0" i="1" smtClean="0">
-                                <a:latin typeface="Cambria Math" panose="02040503050406030204" pitchFamily="18" charset="0"/>
+                                <a:latin typeface="Cambria Math" charset="0"/>
                                 <a:cs typeface="Arial" panose="020B0604020202020204" pitchFamily="34" charset="0"/>
                               </a:rPr>
                             </m:ctrlPr>
@@ -18940,7 +18941,7 @@
                                 <m:chr m:val="⃗"/>
                                 <m:ctrlPr>
                                   <a:rPr lang="en-US" sz="2000" b="0" i="1" smtClean="0">
-                                    <a:latin typeface="Cambria Math" panose="02040503050406030204" pitchFamily="18" charset="0"/>
+                                    <a:latin typeface="Cambria Math" charset="0"/>
                                     <a:cs typeface="Arial" panose="020B0604020202020204" pitchFamily="34" charset="0"/>
                                   </a:rPr>
                                 </m:ctrlPr>
@@ -18977,7 +18978,7 @@
               </p:txBody>
             </p:sp>
           </mc:Choice>
-          <mc:Fallback>
+          <mc:Fallback xmlns="">
             <p:sp>
               <p:nvSpPr>
                 <p:cNvPr id="40" name="TextBox 39"/>
@@ -19016,8 +19017,8 @@
             </p:sp>
           </mc:Fallback>
         </mc:AlternateContent>
-        <mc:AlternateContent xmlns:mc="http://schemas.openxmlformats.org/markup-compatibility/2006">
-          <mc:Choice xmlns:a14="http://schemas.microsoft.com/office/drawing/2010/main" Requires="a14">
+        <mc:AlternateContent xmlns:mc="http://schemas.openxmlformats.org/markup-compatibility/2006" xmlns:a14="http://schemas.microsoft.com/office/drawing/2010/main">
+          <mc:Choice Requires="a14">
             <p:sp>
               <p:nvSpPr>
                 <p:cNvPr id="41" name="TextBox 40"/>
@@ -19051,7 +19052,7 @@
                           <m:sSubPr>
                             <m:ctrlPr>
                               <a:rPr lang="en-US" sz="2000" b="0" i="1" smtClean="0">
-                                <a:latin typeface="Cambria Math" panose="02040503050406030204" pitchFamily="18" charset="0"/>
+                                <a:latin typeface="Cambria Math" charset="0"/>
                                 <a:cs typeface="Arial" panose="020B0604020202020204" pitchFamily="34" charset="0"/>
                               </a:rPr>
                             </m:ctrlPr>
@@ -19062,7 +19063,7 @@
                                 <m:chr m:val="⃗"/>
                                 <m:ctrlPr>
                                   <a:rPr lang="en-US" sz="2000" b="0" i="1" smtClean="0">
-                                    <a:latin typeface="Cambria Math" panose="02040503050406030204" pitchFamily="18" charset="0"/>
+                                    <a:latin typeface="Cambria Math" charset="0"/>
                                     <a:cs typeface="Arial" panose="020B0604020202020204" pitchFamily="34" charset="0"/>
                                   </a:rPr>
                                 </m:ctrlPr>
@@ -19099,7 +19100,7 @@
               </p:txBody>
             </p:sp>
           </mc:Choice>
-          <mc:Fallback>
+          <mc:Fallback xmlns="">
             <p:sp>
               <p:nvSpPr>
                 <p:cNvPr id="41" name="TextBox 40"/>
@@ -19503,7 +19504,7 @@
                           <m:sSubPr>
                             <m:ctrlPr>
                               <a:rPr lang="en-US" sz="2000" b="0" i="1" smtClean="0">
-                                <a:latin typeface="Cambria Math" panose="02040503050406030204" pitchFamily="18" charset="0"/>
+                                <a:latin typeface="Cambria Math" charset="0"/>
                                 <a:cs typeface="Arial" panose="020B0604020202020204" pitchFamily="34" charset="0"/>
                               </a:rPr>
                             </m:ctrlPr>
@@ -19612,7 +19613,7 @@
                           <m:sSubPr>
                             <m:ctrlPr>
                               <a:rPr lang="en-US" sz="2000" b="0" i="1" smtClean="0">
-                                <a:latin typeface="Cambria Math" panose="02040503050406030204" pitchFamily="18" charset="0"/>
+                                <a:latin typeface="Cambria Math" charset="0"/>
                                 <a:cs typeface="Arial" panose="020B0604020202020204" pitchFamily="34" charset="0"/>
                               </a:rPr>
                             </m:ctrlPr>
@@ -19757,7 +19758,7 @@
                           <m:sSubPr>
                             <m:ctrlPr>
                               <a:rPr lang="en-US" sz="2000" b="0" i="1" smtClean="0">
-                                <a:latin typeface="Cambria Math" panose="02040503050406030204" pitchFamily="18" charset="0"/>
+                                <a:latin typeface="Cambria Math" charset="0"/>
                                 <a:cs typeface="Arial" panose="020B0604020202020204" pitchFamily="34" charset="0"/>
                               </a:rPr>
                             </m:ctrlPr>
@@ -19903,7 +19904,7 @@
                           <m:sSubPr>
                             <m:ctrlPr>
                               <a:rPr lang="en-US" sz="2000" b="0" i="1" smtClean="0">
-                                <a:latin typeface="Cambria Math" panose="02040503050406030204" pitchFamily="18" charset="0"/>
+                                <a:latin typeface="Cambria Math" charset="0"/>
                                 <a:cs typeface="Arial" panose="020B0604020202020204" pitchFamily="34" charset="0"/>
                               </a:rPr>
                             </m:ctrlPr>
@@ -19945,7 +19946,7 @@
                           <m:sSubPr>
                             <m:ctrlPr>
                               <a:rPr lang="en-US" sz="2000" b="0" i="1" smtClean="0">
-                                <a:latin typeface="Cambria Math" panose="02040503050406030204" pitchFamily="18" charset="0"/>
+                                <a:latin typeface="Cambria Math" charset="0"/>
                                 <a:cs typeface="Arial" panose="020B0604020202020204" pitchFamily="34" charset="0"/>
                               </a:rPr>
                             </m:ctrlPr>
@@ -20098,7 +20099,7 @@
                           <m:sSubPr>
                             <m:ctrlPr>
                               <a:rPr lang="en-US" sz="2000" b="0" i="1" smtClean="0">
-                                <a:latin typeface="Cambria Math" panose="02040503050406030204" pitchFamily="18" charset="0"/>
+                                <a:latin typeface="Cambria Math" charset="0"/>
                                 <a:cs typeface="Arial" panose="020B0604020202020204" pitchFamily="34" charset="0"/>
                               </a:rPr>
                             </m:ctrlPr>
@@ -20140,7 +20141,7 @@
                           <m:sSubPr>
                             <m:ctrlPr>
                               <a:rPr lang="en-US" sz="2000" b="0" i="1" smtClean="0">
-                                <a:latin typeface="Cambria Math" panose="02040503050406030204" pitchFamily="18" charset="0"/>
+                                <a:latin typeface="Cambria Math" charset="0"/>
                                 <a:cs typeface="Arial" panose="020B0604020202020204" pitchFamily="34" charset="0"/>
                               </a:rPr>
                             </m:ctrlPr>
@@ -20642,7 +20643,7 @@
                             <m:sSubPr>
                               <m:ctrlPr>
                                 <a:rPr lang="en-US" sz="2000" b="0" i="1" smtClean="0">
-                                  <a:latin typeface="Cambria Math" panose="02040503050406030204" pitchFamily="18" charset="0"/>
+                                  <a:latin typeface="Cambria Math" charset="0"/>
                                   <a:cs typeface="Arial" panose="020B0604020202020204" pitchFamily="34" charset="0"/>
                                 </a:rPr>
                               </m:ctrlPr>
@@ -20653,7 +20654,7 @@
                                   <m:chr m:val="⃗"/>
                                   <m:ctrlPr>
                                     <a:rPr lang="en-US" sz="2000" b="0" i="1" smtClean="0">
-                                      <a:latin typeface="Cambria Math" panose="02040503050406030204" pitchFamily="18" charset="0"/>
+                                      <a:latin typeface="Cambria Math" charset="0"/>
                                       <a:cs typeface="Arial" panose="020B0604020202020204" pitchFamily="34" charset="0"/>
                                     </a:rPr>
                                   </m:ctrlPr>
@@ -20765,7 +20766,7 @@
                               <m:chr m:val="⃗"/>
                               <m:ctrlPr>
                                 <a:rPr lang="en-US" sz="2000" b="0" i="1" smtClean="0">
-                                  <a:latin typeface="Cambria Math" panose="02040503050406030204" pitchFamily="18" charset="0"/>
+                                  <a:latin typeface="Cambria Math" charset="0"/>
                                   <a:cs typeface="Arial" panose="020B0604020202020204" pitchFamily="34" charset="0"/>
                                 </a:rPr>
                               </m:ctrlPr>
@@ -22131,7 +22132,7 @@
                             <m:sSubPr>
                               <m:ctrlPr>
                                 <a:rPr lang="en-US" sz="2000" b="0" i="1" smtClean="0">
-                                  <a:latin typeface="Cambria Math" panose="02040503050406030204" pitchFamily="18" charset="0"/>
+                                  <a:latin typeface="Cambria Math" charset="0"/>
                                   <a:cs typeface="Arial" panose="020B0604020202020204" pitchFamily="34" charset="0"/>
                                 </a:rPr>
                               </m:ctrlPr>
@@ -22142,7 +22143,7 @@
                                   <m:chr m:val="⃗"/>
                                   <m:ctrlPr>
                                     <a:rPr lang="en-US" sz="2000" b="0" i="1" smtClean="0">
-                                      <a:latin typeface="Cambria Math" panose="02040503050406030204" pitchFamily="18" charset="0"/>
+                                      <a:latin typeface="Cambria Math" charset="0"/>
                                       <a:cs typeface="Arial" panose="020B0604020202020204" pitchFamily="34" charset="0"/>
                                     </a:rPr>
                                   </m:ctrlPr>
@@ -22528,6 +22529,1551 @@
 </p:sld>
 </file>
 
+<file path=ppt/slides/slide6.xml><?xml version="1.0" encoding="utf-8"?>
+<p:sld xmlns:a="http://schemas.openxmlformats.org/drawingml/2006/main" xmlns:r="http://schemas.openxmlformats.org/officeDocument/2006/relationships" xmlns:p="http://schemas.openxmlformats.org/presentationml/2006/main">
+  <p:cSld>
+    <p:spTree>
+      <p:nvGrpSpPr>
+        <p:cNvPr id="1" name=""/>
+        <p:cNvGrpSpPr/>
+        <p:nvPr/>
+      </p:nvGrpSpPr>
+      <p:grpSpPr>
+        <a:xfrm>
+          <a:off x="0" y="0"/>
+          <a:ext cx="0" cy="0"/>
+          <a:chOff x="0" y="0"/>
+          <a:chExt cx="0" cy="0"/>
+        </a:xfrm>
+      </p:grpSpPr>
+      <p:grpSp>
+        <p:nvGrpSpPr>
+          <p:cNvPr id="61" name="Group 60"/>
+          <p:cNvGrpSpPr/>
+          <p:nvPr/>
+        </p:nvGrpSpPr>
+        <p:grpSpPr>
+          <a:xfrm>
+            <a:off x="2227947" y="405286"/>
+            <a:ext cx="3965198" cy="4922971"/>
+            <a:chOff x="2227947" y="405286"/>
+            <a:chExt cx="3965198" cy="4922971"/>
+          </a:xfrm>
+        </p:grpSpPr>
+        <p:grpSp>
+          <p:nvGrpSpPr>
+            <p:cNvPr id="44" name="Group 43"/>
+            <p:cNvGrpSpPr/>
+            <p:nvPr/>
+          </p:nvGrpSpPr>
+          <p:grpSpPr>
+            <a:xfrm>
+              <a:off x="2227947" y="634787"/>
+              <a:ext cx="3928471" cy="4323886"/>
+              <a:chOff x="2209093" y="634787"/>
+              <a:chExt cx="3928471" cy="4323886"/>
+            </a:xfrm>
+          </p:grpSpPr>
+          <p:sp>
+            <p:nvSpPr>
+              <p:cNvPr id="4" name="Oval 3"/>
+              <p:cNvSpPr/>
+              <p:nvPr/>
+            </p:nvSpPr>
+            <p:spPr>
+              <a:xfrm>
+                <a:off x="2881747" y="1011381"/>
+                <a:ext cx="2340000" cy="2340000"/>
+              </a:xfrm>
+              <a:prstGeom prst="ellipse">
+                <a:avLst/>
+              </a:prstGeom>
+              <a:noFill/>
+              <a:ln w="38100">
+                <a:solidFill>
+                  <a:schemeClr val="tx1"/>
+                </a:solidFill>
+              </a:ln>
+            </p:spPr>
+            <p:style>
+              <a:lnRef idx="2">
+                <a:schemeClr val="accent1">
+                  <a:shade val="50000"/>
+                </a:schemeClr>
+              </a:lnRef>
+              <a:fillRef idx="1">
+                <a:schemeClr val="accent1"/>
+              </a:fillRef>
+              <a:effectRef idx="0">
+                <a:schemeClr val="accent1"/>
+              </a:effectRef>
+              <a:fontRef idx="minor">
+                <a:schemeClr val="lt1"/>
+              </a:fontRef>
+            </p:style>
+            <p:txBody>
+              <a:bodyPr rtlCol="0" anchor="ctr"/>
+              <a:lstStyle/>
+              <a:p>
+                <a:pPr algn="ctr"/>
+                <a:endParaRPr lang="en-US"/>
+              </a:p>
+            </p:txBody>
+          </p:sp>
+          <p:sp>
+            <p:nvSpPr>
+              <p:cNvPr id="5" name="Oval 4"/>
+              <p:cNvSpPr/>
+              <p:nvPr/>
+            </p:nvSpPr>
+            <p:spPr>
+              <a:xfrm>
+                <a:off x="2735566" y="2032089"/>
+                <a:ext cx="288000" cy="288000"/>
+              </a:xfrm>
+              <a:prstGeom prst="ellipse">
+                <a:avLst/>
+              </a:prstGeom>
+              <a:solidFill>
+                <a:schemeClr val="accent1">
+                  <a:lumMod val="75000"/>
+                </a:schemeClr>
+              </a:solidFill>
+              <a:ln w="38100">
+                <a:solidFill>
+                  <a:schemeClr val="tx1"/>
+                </a:solidFill>
+              </a:ln>
+            </p:spPr>
+            <p:style>
+              <a:lnRef idx="2">
+                <a:schemeClr val="accent1">
+                  <a:shade val="50000"/>
+                </a:schemeClr>
+              </a:lnRef>
+              <a:fillRef idx="1">
+                <a:schemeClr val="accent1"/>
+              </a:fillRef>
+              <a:effectRef idx="0">
+                <a:schemeClr val="accent1"/>
+              </a:effectRef>
+              <a:fontRef idx="minor">
+                <a:schemeClr val="lt1"/>
+              </a:fontRef>
+            </p:style>
+            <p:txBody>
+              <a:bodyPr rtlCol="0" anchor="ctr"/>
+              <a:lstStyle/>
+              <a:p>
+                <a:pPr algn="ctr"/>
+                <a:endParaRPr lang="en-US"/>
+              </a:p>
+            </p:txBody>
+          </p:sp>
+          <p:sp>
+            <p:nvSpPr>
+              <p:cNvPr id="6" name="Oval 5"/>
+              <p:cNvSpPr/>
+              <p:nvPr/>
+            </p:nvSpPr>
+            <p:spPr>
+              <a:xfrm>
+                <a:off x="3048007" y="1247749"/>
+                <a:ext cx="288000" cy="288000"/>
+              </a:xfrm>
+              <a:prstGeom prst="ellipse">
+                <a:avLst/>
+              </a:prstGeom>
+              <a:solidFill>
+                <a:schemeClr val="accent1">
+                  <a:lumMod val="75000"/>
+                  <a:alpha val="80000"/>
+                </a:schemeClr>
+              </a:solidFill>
+              <a:ln w="38100">
+                <a:solidFill>
+                  <a:schemeClr val="tx1"/>
+                </a:solidFill>
+              </a:ln>
+            </p:spPr>
+            <p:style>
+              <a:lnRef idx="2">
+                <a:schemeClr val="accent1">
+                  <a:shade val="50000"/>
+                </a:schemeClr>
+              </a:lnRef>
+              <a:fillRef idx="1">
+                <a:schemeClr val="accent1"/>
+              </a:fillRef>
+              <a:effectRef idx="0">
+                <a:schemeClr val="accent1"/>
+              </a:effectRef>
+              <a:fontRef idx="minor">
+                <a:schemeClr val="lt1"/>
+              </a:fontRef>
+            </p:style>
+            <p:txBody>
+              <a:bodyPr rtlCol="0" anchor="ctr"/>
+              <a:lstStyle/>
+              <a:p>
+                <a:pPr algn="ctr"/>
+                <a:endParaRPr lang="en-US"/>
+              </a:p>
+            </p:txBody>
+          </p:sp>
+          <p:sp>
+            <p:nvSpPr>
+              <p:cNvPr id="7" name="Oval 6"/>
+              <p:cNvSpPr/>
+              <p:nvPr/>
+            </p:nvSpPr>
+            <p:spPr>
+              <a:xfrm>
+                <a:off x="3891711" y="862089"/>
+                <a:ext cx="288000" cy="288000"/>
+              </a:xfrm>
+              <a:prstGeom prst="ellipse">
+                <a:avLst/>
+              </a:prstGeom>
+              <a:solidFill>
+                <a:schemeClr val="accent1">
+                  <a:lumMod val="75000"/>
+                  <a:alpha val="60000"/>
+                </a:schemeClr>
+              </a:solidFill>
+              <a:ln w="38100">
+                <a:solidFill>
+                  <a:schemeClr val="tx1"/>
+                </a:solidFill>
+              </a:ln>
+            </p:spPr>
+            <p:style>
+              <a:lnRef idx="2">
+                <a:schemeClr val="accent1">
+                  <a:shade val="50000"/>
+                </a:schemeClr>
+              </a:lnRef>
+              <a:fillRef idx="1">
+                <a:schemeClr val="accent1"/>
+              </a:fillRef>
+              <a:effectRef idx="0">
+                <a:schemeClr val="accent1"/>
+              </a:effectRef>
+              <a:fontRef idx="minor">
+                <a:schemeClr val="lt1"/>
+              </a:fontRef>
+            </p:style>
+            <p:txBody>
+              <a:bodyPr rtlCol="0" anchor="ctr"/>
+              <a:lstStyle/>
+              <a:p>
+                <a:pPr algn="ctr"/>
+                <a:endParaRPr lang="en-US"/>
+              </a:p>
+            </p:txBody>
+          </p:sp>
+          <p:cxnSp>
+            <p:nvCxnSpPr>
+              <p:cNvPr id="10" name="Straight Connector 9"/>
+              <p:cNvCxnSpPr/>
+              <p:nvPr/>
+            </p:nvCxnSpPr>
+            <p:spPr>
+              <a:xfrm flipV="1">
+                <a:off x="2209093" y="4819124"/>
+                <a:ext cx="3928471" cy="0"/>
+              </a:xfrm>
+              <a:prstGeom prst="line">
+                <a:avLst/>
+              </a:prstGeom>
+              <a:ln w="38100">
+                <a:solidFill>
+                  <a:schemeClr val="tx1"/>
+                </a:solidFill>
+                <a:headEnd type="none" w="med" len="med"/>
+                <a:tailEnd type="triangle" w="med" len="med"/>
+              </a:ln>
+            </p:spPr>
+            <p:style>
+              <a:lnRef idx="1">
+                <a:schemeClr val="accent1"/>
+              </a:lnRef>
+              <a:fillRef idx="0">
+                <a:schemeClr val="accent1"/>
+              </a:fillRef>
+              <a:effectRef idx="0">
+                <a:schemeClr val="accent1"/>
+              </a:effectRef>
+              <a:fontRef idx="minor">
+                <a:schemeClr val="tx1"/>
+              </a:fontRef>
+            </p:style>
+          </p:cxnSp>
+          <p:sp>
+            <p:nvSpPr>
+              <p:cNvPr id="14" name="Oval 13"/>
+              <p:cNvSpPr/>
+              <p:nvPr/>
+            </p:nvSpPr>
+            <p:spPr>
+              <a:xfrm>
+                <a:off x="2735566" y="4670673"/>
+                <a:ext cx="288000" cy="288000"/>
+              </a:xfrm>
+              <a:prstGeom prst="ellipse">
+                <a:avLst/>
+              </a:prstGeom>
+              <a:solidFill>
+                <a:schemeClr val="accent1">
+                  <a:lumMod val="75000"/>
+                </a:schemeClr>
+              </a:solidFill>
+              <a:ln w="38100">
+                <a:solidFill>
+                  <a:schemeClr val="tx1"/>
+                </a:solidFill>
+              </a:ln>
+            </p:spPr>
+            <p:style>
+              <a:lnRef idx="2">
+                <a:schemeClr val="accent1">
+                  <a:shade val="50000"/>
+                </a:schemeClr>
+              </a:lnRef>
+              <a:fillRef idx="1">
+                <a:schemeClr val="accent1"/>
+              </a:fillRef>
+              <a:effectRef idx="0">
+                <a:schemeClr val="accent1"/>
+              </a:effectRef>
+              <a:fontRef idx="minor">
+                <a:schemeClr val="lt1"/>
+              </a:fontRef>
+            </p:style>
+            <p:txBody>
+              <a:bodyPr rtlCol="0" anchor="ctr"/>
+              <a:lstStyle/>
+              <a:p>
+                <a:pPr algn="ctr"/>
+                <a:endParaRPr lang="en-US"/>
+              </a:p>
+            </p:txBody>
+          </p:sp>
+          <p:sp>
+            <p:nvSpPr>
+              <p:cNvPr id="16" name="Oval 15"/>
+              <p:cNvSpPr/>
+              <p:nvPr/>
+            </p:nvSpPr>
+            <p:spPr>
+              <a:xfrm>
+                <a:off x="3891711" y="4664463"/>
+                <a:ext cx="288000" cy="288000"/>
+              </a:xfrm>
+              <a:prstGeom prst="ellipse">
+                <a:avLst/>
+              </a:prstGeom>
+              <a:solidFill>
+                <a:schemeClr val="accent1">
+                  <a:lumMod val="75000"/>
+                  <a:alpha val="60000"/>
+                </a:schemeClr>
+              </a:solidFill>
+              <a:ln w="38100">
+                <a:solidFill>
+                  <a:schemeClr val="tx1"/>
+                </a:solidFill>
+              </a:ln>
+            </p:spPr>
+            <p:style>
+              <a:lnRef idx="2">
+                <a:schemeClr val="accent1">
+                  <a:shade val="50000"/>
+                </a:schemeClr>
+              </a:lnRef>
+              <a:fillRef idx="1">
+                <a:schemeClr val="accent1"/>
+              </a:fillRef>
+              <a:effectRef idx="0">
+                <a:schemeClr val="accent1"/>
+              </a:effectRef>
+              <a:fontRef idx="minor">
+                <a:schemeClr val="lt1"/>
+              </a:fontRef>
+            </p:style>
+            <p:txBody>
+              <a:bodyPr rtlCol="0" anchor="ctr"/>
+              <a:lstStyle/>
+              <a:p>
+                <a:pPr algn="ctr"/>
+                <a:endParaRPr lang="en-US"/>
+              </a:p>
+            </p:txBody>
+          </p:sp>
+          <p:sp>
+            <p:nvSpPr>
+              <p:cNvPr id="17" name="Oval 16"/>
+              <p:cNvSpPr/>
+              <p:nvPr/>
+            </p:nvSpPr>
+            <p:spPr>
+              <a:xfrm>
+                <a:off x="3048002" y="4669833"/>
+                <a:ext cx="288000" cy="288000"/>
+              </a:xfrm>
+              <a:prstGeom prst="ellipse">
+                <a:avLst/>
+              </a:prstGeom>
+              <a:solidFill>
+                <a:schemeClr val="accent1">
+                  <a:lumMod val="75000"/>
+                  <a:alpha val="80000"/>
+                </a:schemeClr>
+              </a:solidFill>
+              <a:ln w="38100">
+                <a:solidFill>
+                  <a:schemeClr val="tx1"/>
+                </a:solidFill>
+              </a:ln>
+            </p:spPr>
+            <p:style>
+              <a:lnRef idx="2">
+                <a:schemeClr val="accent1">
+                  <a:shade val="50000"/>
+                </a:schemeClr>
+              </a:lnRef>
+              <a:fillRef idx="1">
+                <a:schemeClr val="accent1"/>
+              </a:fillRef>
+              <a:effectRef idx="0">
+                <a:schemeClr val="accent1"/>
+              </a:effectRef>
+              <a:fontRef idx="minor">
+                <a:schemeClr val="lt1"/>
+              </a:fontRef>
+            </p:style>
+            <p:txBody>
+              <a:bodyPr rtlCol="0" anchor="ctr"/>
+              <a:lstStyle/>
+              <a:p>
+                <a:pPr algn="ctr"/>
+                <a:endParaRPr lang="en-US"/>
+              </a:p>
+            </p:txBody>
+          </p:sp>
+          <p:cxnSp>
+            <p:nvCxnSpPr>
+              <p:cNvPr id="21" name="Straight Connector 20"/>
+              <p:cNvCxnSpPr>
+                <a:endCxn id="14" idx="0"/>
+              </p:cNvCxnSpPr>
+              <p:nvPr/>
+            </p:nvCxnSpPr>
+            <p:spPr>
+              <a:xfrm>
+                <a:off x="2879566" y="2320089"/>
+                <a:ext cx="0" cy="2350584"/>
+              </a:xfrm>
+              <a:prstGeom prst="line">
+                <a:avLst/>
+              </a:prstGeom>
+              <a:ln w="28575">
+                <a:solidFill>
+                  <a:schemeClr val="tx1"/>
+                </a:solidFill>
+                <a:prstDash val="dash"/>
+              </a:ln>
+            </p:spPr>
+            <p:style>
+              <a:lnRef idx="1">
+                <a:schemeClr val="accent1"/>
+              </a:lnRef>
+              <a:fillRef idx="0">
+                <a:schemeClr val="accent1"/>
+              </a:fillRef>
+              <a:effectRef idx="0">
+                <a:schemeClr val="accent1"/>
+              </a:effectRef>
+              <a:fontRef idx="minor">
+                <a:schemeClr val="tx1"/>
+              </a:fontRef>
+            </p:style>
+          </p:cxnSp>
+          <p:cxnSp>
+            <p:nvCxnSpPr>
+              <p:cNvPr id="22" name="Straight Connector 21"/>
+              <p:cNvCxnSpPr>
+                <a:stCxn id="6" idx="4"/>
+                <a:endCxn id="17" idx="0"/>
+              </p:cNvCxnSpPr>
+              <p:nvPr/>
+            </p:nvCxnSpPr>
+            <p:spPr>
+              <a:xfrm flipH="1">
+                <a:off x="3192002" y="1535749"/>
+                <a:ext cx="5" cy="3134084"/>
+              </a:xfrm>
+              <a:prstGeom prst="line">
+                <a:avLst/>
+              </a:prstGeom>
+              <a:ln w="28575">
+                <a:solidFill>
+                  <a:schemeClr val="tx1"/>
+                </a:solidFill>
+                <a:prstDash val="dash"/>
+              </a:ln>
+            </p:spPr>
+            <p:style>
+              <a:lnRef idx="1">
+                <a:schemeClr val="accent1"/>
+              </a:lnRef>
+              <a:fillRef idx="0">
+                <a:schemeClr val="accent1"/>
+              </a:fillRef>
+              <a:effectRef idx="0">
+                <a:schemeClr val="accent1"/>
+              </a:effectRef>
+              <a:fontRef idx="minor">
+                <a:schemeClr val="tx1"/>
+              </a:fontRef>
+            </p:style>
+          </p:cxnSp>
+          <p:cxnSp>
+            <p:nvCxnSpPr>
+              <p:cNvPr id="24" name="Straight Connector 23"/>
+              <p:cNvCxnSpPr>
+                <a:stCxn id="7" idx="4"/>
+                <a:endCxn id="16" idx="0"/>
+              </p:cNvCxnSpPr>
+              <p:nvPr/>
+            </p:nvCxnSpPr>
+            <p:spPr>
+              <a:xfrm>
+                <a:off x="4035711" y="1150089"/>
+                <a:ext cx="0" cy="3514374"/>
+              </a:xfrm>
+              <a:prstGeom prst="line">
+                <a:avLst/>
+              </a:prstGeom>
+              <a:ln w="28575">
+                <a:solidFill>
+                  <a:schemeClr val="tx1"/>
+                </a:solidFill>
+                <a:prstDash val="dash"/>
+              </a:ln>
+            </p:spPr>
+            <p:style>
+              <a:lnRef idx="1">
+                <a:schemeClr val="accent1"/>
+              </a:lnRef>
+              <a:fillRef idx="0">
+                <a:schemeClr val="accent1"/>
+              </a:fillRef>
+              <a:effectRef idx="0">
+                <a:schemeClr val="accent1"/>
+              </a:effectRef>
+              <a:fontRef idx="minor">
+                <a:schemeClr val="tx1"/>
+              </a:fontRef>
+            </p:style>
+          </p:cxnSp>
+          <p:sp>
+            <p:nvSpPr>
+              <p:cNvPr id="27" name="Oval 26"/>
+              <p:cNvSpPr/>
+              <p:nvPr/>
+            </p:nvSpPr>
+            <p:spPr>
+              <a:xfrm>
+                <a:off x="5065527" y="2032089"/>
+                <a:ext cx="272336" cy="288000"/>
+              </a:xfrm>
+              <a:prstGeom prst="ellipse">
+                <a:avLst/>
+              </a:prstGeom>
+              <a:solidFill>
+                <a:schemeClr val="accent1">
+                  <a:lumMod val="75000"/>
+                  <a:alpha val="20000"/>
+                </a:schemeClr>
+              </a:solidFill>
+              <a:ln w="38100">
+                <a:solidFill>
+                  <a:schemeClr val="tx1"/>
+                </a:solidFill>
+              </a:ln>
+            </p:spPr>
+            <p:style>
+              <a:lnRef idx="2">
+                <a:schemeClr val="accent1">
+                  <a:shade val="50000"/>
+                </a:schemeClr>
+              </a:lnRef>
+              <a:fillRef idx="1">
+                <a:schemeClr val="accent1"/>
+              </a:fillRef>
+              <a:effectRef idx="0">
+                <a:schemeClr val="accent1"/>
+              </a:effectRef>
+              <a:fontRef idx="minor">
+                <a:schemeClr val="lt1"/>
+              </a:fontRef>
+            </p:style>
+            <p:txBody>
+              <a:bodyPr rtlCol="0" anchor="ctr"/>
+              <a:lstStyle/>
+              <a:p>
+                <a:pPr algn="ctr"/>
+                <a:endParaRPr lang="en-US"/>
+              </a:p>
+            </p:txBody>
+          </p:sp>
+          <p:sp>
+            <p:nvSpPr>
+              <p:cNvPr id="28" name="Oval 27"/>
+              <p:cNvSpPr/>
+              <p:nvPr/>
+            </p:nvSpPr>
+            <p:spPr>
+              <a:xfrm>
+                <a:off x="4777527" y="1247749"/>
+                <a:ext cx="288000" cy="288000"/>
+              </a:xfrm>
+              <a:prstGeom prst="ellipse">
+                <a:avLst/>
+              </a:prstGeom>
+              <a:solidFill>
+                <a:schemeClr val="accent1">
+                  <a:lumMod val="75000"/>
+                  <a:alpha val="40000"/>
+                </a:schemeClr>
+              </a:solidFill>
+              <a:ln w="38100">
+                <a:solidFill>
+                  <a:schemeClr val="tx1"/>
+                </a:solidFill>
+              </a:ln>
+            </p:spPr>
+            <p:style>
+              <a:lnRef idx="2">
+                <a:schemeClr val="accent1">
+                  <a:shade val="50000"/>
+                </a:schemeClr>
+              </a:lnRef>
+              <a:fillRef idx="1">
+                <a:schemeClr val="accent1"/>
+              </a:fillRef>
+              <a:effectRef idx="0">
+                <a:schemeClr val="accent1"/>
+              </a:effectRef>
+              <a:fontRef idx="minor">
+                <a:schemeClr val="lt1"/>
+              </a:fontRef>
+            </p:style>
+            <p:txBody>
+              <a:bodyPr rtlCol="0" anchor="ctr"/>
+              <a:lstStyle/>
+              <a:p>
+                <a:pPr algn="ctr"/>
+                <a:endParaRPr lang="en-US"/>
+              </a:p>
+            </p:txBody>
+          </p:sp>
+          <p:sp>
+            <p:nvSpPr>
+              <p:cNvPr id="29" name="Oval 28"/>
+              <p:cNvSpPr/>
+              <p:nvPr/>
+            </p:nvSpPr>
+            <p:spPr>
+              <a:xfrm>
+                <a:off x="5065527" y="4665559"/>
+                <a:ext cx="288000" cy="288000"/>
+              </a:xfrm>
+              <a:prstGeom prst="ellipse">
+                <a:avLst/>
+              </a:prstGeom>
+              <a:solidFill>
+                <a:schemeClr val="accent1">
+                  <a:lumMod val="75000"/>
+                  <a:alpha val="20000"/>
+                </a:schemeClr>
+              </a:solidFill>
+              <a:ln w="38100">
+                <a:solidFill>
+                  <a:schemeClr val="tx1"/>
+                </a:solidFill>
+              </a:ln>
+            </p:spPr>
+            <p:style>
+              <a:lnRef idx="2">
+                <a:schemeClr val="accent1">
+                  <a:shade val="50000"/>
+                </a:schemeClr>
+              </a:lnRef>
+              <a:fillRef idx="1">
+                <a:schemeClr val="accent1"/>
+              </a:fillRef>
+              <a:effectRef idx="0">
+                <a:schemeClr val="accent1"/>
+              </a:effectRef>
+              <a:fontRef idx="minor">
+                <a:schemeClr val="lt1"/>
+              </a:fontRef>
+            </p:style>
+            <p:txBody>
+              <a:bodyPr rtlCol="0" anchor="ctr"/>
+              <a:lstStyle/>
+              <a:p>
+                <a:pPr algn="ctr"/>
+                <a:endParaRPr lang="en-US"/>
+              </a:p>
+            </p:txBody>
+          </p:sp>
+          <p:sp>
+            <p:nvSpPr>
+              <p:cNvPr id="30" name="Oval 29"/>
+              <p:cNvSpPr/>
+              <p:nvPr/>
+            </p:nvSpPr>
+            <p:spPr>
+              <a:xfrm>
+                <a:off x="4777527" y="4665559"/>
+                <a:ext cx="288000" cy="288000"/>
+              </a:xfrm>
+              <a:prstGeom prst="ellipse">
+                <a:avLst/>
+              </a:prstGeom>
+              <a:solidFill>
+                <a:schemeClr val="accent1">
+                  <a:lumMod val="75000"/>
+                  <a:alpha val="40000"/>
+                </a:schemeClr>
+              </a:solidFill>
+              <a:ln w="38100">
+                <a:solidFill>
+                  <a:schemeClr val="tx1"/>
+                </a:solidFill>
+              </a:ln>
+            </p:spPr>
+            <p:style>
+              <a:lnRef idx="2">
+                <a:schemeClr val="accent1">
+                  <a:shade val="50000"/>
+                </a:schemeClr>
+              </a:lnRef>
+              <a:fillRef idx="1">
+                <a:schemeClr val="accent1"/>
+              </a:fillRef>
+              <a:effectRef idx="0">
+                <a:schemeClr val="accent1"/>
+              </a:effectRef>
+              <a:fontRef idx="minor">
+                <a:schemeClr val="lt1"/>
+              </a:fontRef>
+            </p:style>
+            <p:txBody>
+              <a:bodyPr rtlCol="0" anchor="ctr"/>
+              <a:lstStyle/>
+              <a:p>
+                <a:pPr algn="ctr"/>
+                <a:endParaRPr lang="en-US"/>
+              </a:p>
+            </p:txBody>
+          </p:sp>
+          <p:cxnSp>
+            <p:nvCxnSpPr>
+              <p:cNvPr id="31" name="Straight Connector 30"/>
+              <p:cNvCxnSpPr>
+                <a:stCxn id="27" idx="4"/>
+                <a:endCxn id="29" idx="0"/>
+              </p:cNvCxnSpPr>
+              <p:nvPr/>
+            </p:nvCxnSpPr>
+            <p:spPr>
+              <a:xfrm>
+                <a:off x="5201695" y="2320089"/>
+                <a:ext cx="7832" cy="2345470"/>
+              </a:xfrm>
+              <a:prstGeom prst="line">
+                <a:avLst/>
+              </a:prstGeom>
+              <a:ln w="28575">
+                <a:solidFill>
+                  <a:schemeClr val="tx1"/>
+                </a:solidFill>
+                <a:prstDash val="dash"/>
+              </a:ln>
+            </p:spPr>
+            <p:style>
+              <a:lnRef idx="1">
+                <a:schemeClr val="accent1"/>
+              </a:lnRef>
+              <a:fillRef idx="0">
+                <a:schemeClr val="accent1"/>
+              </a:fillRef>
+              <a:effectRef idx="0">
+                <a:schemeClr val="accent1"/>
+              </a:effectRef>
+              <a:fontRef idx="minor">
+                <a:schemeClr val="tx1"/>
+              </a:fontRef>
+            </p:style>
+          </p:cxnSp>
+          <p:cxnSp>
+            <p:nvCxnSpPr>
+              <p:cNvPr id="32" name="Straight Connector 31"/>
+              <p:cNvCxnSpPr>
+                <a:stCxn id="28" idx="4"/>
+                <a:endCxn id="30" idx="0"/>
+              </p:cNvCxnSpPr>
+              <p:nvPr/>
+            </p:nvCxnSpPr>
+            <p:spPr>
+              <a:xfrm>
+                <a:off x="4921527" y="1535749"/>
+                <a:ext cx="0" cy="3129810"/>
+              </a:xfrm>
+              <a:prstGeom prst="line">
+                <a:avLst/>
+              </a:prstGeom>
+              <a:ln w="28575">
+                <a:solidFill>
+                  <a:schemeClr val="tx1"/>
+                </a:solidFill>
+                <a:prstDash val="dash"/>
+              </a:ln>
+            </p:spPr>
+            <p:style>
+              <a:lnRef idx="1">
+                <a:schemeClr val="accent1"/>
+              </a:lnRef>
+              <a:fillRef idx="0">
+                <a:schemeClr val="accent1"/>
+              </a:fillRef>
+              <a:effectRef idx="0">
+                <a:schemeClr val="accent1"/>
+              </a:effectRef>
+              <a:fontRef idx="minor">
+                <a:schemeClr val="tx1"/>
+              </a:fontRef>
+            </p:style>
+          </p:cxnSp>
+          <p:sp>
+            <p:nvSpPr>
+              <p:cNvPr id="43" name="Arc 42"/>
+              <p:cNvSpPr/>
+              <p:nvPr/>
+            </p:nvSpPr>
+            <p:spPr>
+              <a:xfrm rot="16200000">
+                <a:off x="2426392" y="634787"/>
+                <a:ext cx="2880000" cy="2880000"/>
+              </a:xfrm>
+              <a:prstGeom prst="arc">
+                <a:avLst>
+                  <a:gd name="adj1" fmla="val 16200000"/>
+                  <a:gd name="adj2" fmla="val 18024115"/>
+                </a:avLst>
+              </a:prstGeom>
+              <a:ln w="38100">
+                <a:solidFill>
+                  <a:schemeClr val="tx1"/>
+                </a:solidFill>
+                <a:headEnd type="none" w="med" len="med"/>
+                <a:tailEnd type="triangle" w="med" len="med"/>
+              </a:ln>
+            </p:spPr>
+            <p:style>
+              <a:lnRef idx="1">
+                <a:schemeClr val="accent1"/>
+              </a:lnRef>
+              <a:fillRef idx="0">
+                <a:schemeClr val="accent1"/>
+              </a:fillRef>
+              <a:effectRef idx="0">
+                <a:schemeClr val="accent1"/>
+              </a:effectRef>
+              <a:fontRef idx="minor">
+                <a:schemeClr val="tx1"/>
+              </a:fontRef>
+            </p:style>
+            <p:txBody>
+              <a:bodyPr rtlCol="0" anchor="ctr"/>
+              <a:lstStyle/>
+              <a:p>
+                <a:pPr algn="ctr"/>
+                <a:endParaRPr lang="en-US"/>
+              </a:p>
+            </p:txBody>
+          </p:sp>
+        </p:grpSp>
+        <mc:AlternateContent xmlns:mc="http://schemas.openxmlformats.org/markup-compatibility/2006">
+          <mc:Choice xmlns:a14="http://schemas.microsoft.com/office/drawing/2010/main" Requires="a14">
+            <p:sp>
+              <p:nvSpPr>
+                <p:cNvPr id="45" name="TextBox 44"/>
+                <p:cNvSpPr txBox="1"/>
+                <p:nvPr/>
+              </p:nvSpPr>
+              <p:spPr>
+                <a:xfrm>
+                  <a:off x="5978599" y="4819124"/>
+                  <a:ext cx="214546" cy="307777"/>
+                </a:xfrm>
+                <a:prstGeom prst="rect">
+                  <a:avLst/>
+                </a:prstGeom>
+                <a:noFill/>
+              </p:spPr>
+              <p:txBody>
+                <a:bodyPr wrap="none" lIns="0" tIns="0" rIns="0" bIns="0" rtlCol="0">
+                  <a:spAutoFit/>
+                </a:bodyPr>
+                <a:lstStyle/>
+                <a:p>
+                  <a14:m>
+                    <m:oMathPara xmlns:m="http://schemas.openxmlformats.org/officeDocument/2006/math">
+                      <m:oMathParaPr>
+                        <m:jc m:val="centerGroup"/>
+                      </m:oMathParaPr>
+                      <m:oMath xmlns:m="http://schemas.openxmlformats.org/officeDocument/2006/math">
+                        <m:r>
+                          <a:rPr lang="en-CA" sz="2000" b="0" i="1" smtClean="0">
+                            <a:latin typeface="Cambria Math" charset="0"/>
+                            <a:cs typeface="Arial" panose="020B0604020202020204" pitchFamily="34" charset="0"/>
+                          </a:rPr>
+                          <m:t>𝑥</m:t>
+                        </m:r>
+                      </m:oMath>
+                    </m:oMathPara>
+                  </a14:m>
+                  <a:endParaRPr lang="en-US" sz="2000" dirty="0" smtClean="0">
+                    <a:latin typeface="Arial" panose="020B0604020202020204" pitchFamily="34" charset="0"/>
+                    <a:cs typeface="Arial" panose="020B0604020202020204" pitchFamily="34" charset="0"/>
+                  </a:endParaRPr>
+                </a:p>
+              </p:txBody>
+            </p:sp>
+          </mc:Choice>
+          <mc:Fallback>
+            <p:sp>
+              <p:nvSpPr>
+                <p:cNvPr id="45" name="TextBox 44"/>
+                <p:cNvSpPr txBox="1">
+                  <a:spLocks noRot="1" noChangeAspect="1" noMove="1" noResize="1" noEditPoints="1" noAdjustHandles="1" noChangeArrowheads="1" noChangeShapeType="1" noTextEdit="1"/>
+                </p:cNvSpPr>
+                <p:nvPr/>
+              </p:nvSpPr>
+              <p:spPr>
+                <a:xfrm>
+                  <a:off x="5978599" y="4819124"/>
+                  <a:ext cx="214546" cy="307777"/>
+                </a:xfrm>
+                <a:prstGeom prst="rect">
+                  <a:avLst/>
+                </a:prstGeom>
+                <a:blipFill rotWithShape="0">
+                  <a:blip r:embed="rId2"/>
+                  <a:stretch>
+                    <a:fillRect l="-14286" r="-8571" b="-2000"/>
+                  </a:stretch>
+                </a:blipFill>
+              </p:spPr>
+              <p:txBody>
+                <a:bodyPr/>
+                <a:lstStyle/>
+                <a:p>
+                  <a:r>
+                    <a:rPr lang="en-US">
+                      <a:noFill/>
+                    </a:rPr>
+                    <a:t> </a:t>
+                  </a:r>
+                </a:p>
+              </p:txBody>
+            </p:sp>
+          </mc:Fallback>
+        </mc:AlternateContent>
+        <mc:AlternateContent xmlns:mc="http://schemas.openxmlformats.org/markup-compatibility/2006">
+          <mc:Choice xmlns:a14="http://schemas.microsoft.com/office/drawing/2010/main" Requires="a14">
+            <p:sp>
+              <p:nvSpPr>
+                <p:cNvPr id="46" name="TextBox 45"/>
+                <p:cNvSpPr txBox="1"/>
+                <p:nvPr/>
+              </p:nvSpPr>
+              <p:spPr>
+                <a:xfrm>
+                  <a:off x="3947292" y="5020480"/>
+                  <a:ext cx="213199" cy="307777"/>
+                </a:xfrm>
+                <a:prstGeom prst="rect">
+                  <a:avLst/>
+                </a:prstGeom>
+                <a:noFill/>
+              </p:spPr>
+              <p:txBody>
+                <a:bodyPr wrap="none" lIns="0" tIns="0" rIns="0" bIns="0" rtlCol="0">
+                  <a:spAutoFit/>
+                </a:bodyPr>
+                <a:lstStyle/>
+                <a:p>
+                  <a14:m>
+                    <m:oMathPara xmlns:m="http://schemas.openxmlformats.org/officeDocument/2006/math">
+                      <m:oMathParaPr>
+                        <m:jc m:val="centerGroup"/>
+                      </m:oMathParaPr>
+                      <m:oMath xmlns:m="http://schemas.openxmlformats.org/officeDocument/2006/math">
+                        <m:r>
+                          <a:rPr lang="en-CA" sz="2000" b="0" i="1" smtClean="0">
+                            <a:latin typeface="Cambria Math" charset="0"/>
+                            <a:cs typeface="Arial" panose="020B0604020202020204" pitchFamily="34" charset="0"/>
+                          </a:rPr>
+                          <m:t>0</m:t>
+                        </m:r>
+                      </m:oMath>
+                    </m:oMathPara>
+                  </a14:m>
+                  <a:endParaRPr lang="en-US" sz="2000" dirty="0" smtClean="0">
+                    <a:latin typeface="Arial" panose="020B0604020202020204" pitchFamily="34" charset="0"/>
+                    <a:cs typeface="Arial" panose="020B0604020202020204" pitchFamily="34" charset="0"/>
+                  </a:endParaRPr>
+                </a:p>
+              </p:txBody>
+            </p:sp>
+          </mc:Choice>
+          <mc:Fallback>
+            <p:sp>
+              <p:nvSpPr>
+                <p:cNvPr id="46" name="TextBox 45"/>
+                <p:cNvSpPr txBox="1">
+                  <a:spLocks noRot="1" noChangeAspect="1" noMove="1" noResize="1" noEditPoints="1" noAdjustHandles="1" noChangeArrowheads="1" noChangeShapeType="1" noTextEdit="1"/>
+                </p:cNvSpPr>
+                <p:nvPr/>
+              </p:nvSpPr>
+              <p:spPr>
+                <a:xfrm>
+                  <a:off x="3947292" y="5020480"/>
+                  <a:ext cx="213199" cy="307777"/>
+                </a:xfrm>
+                <a:prstGeom prst="rect">
+                  <a:avLst/>
+                </a:prstGeom>
+                <a:blipFill rotWithShape="0">
+                  <a:blip r:embed="rId3"/>
+                  <a:stretch>
+                    <a:fillRect l="-26471" r="-29412" b="-14000"/>
+                  </a:stretch>
+                </a:blipFill>
+              </p:spPr>
+              <p:txBody>
+                <a:bodyPr/>
+                <a:lstStyle/>
+                <a:p>
+                  <a:r>
+                    <a:rPr lang="en-US">
+                      <a:noFill/>
+                    </a:rPr>
+                    <a:t> </a:t>
+                  </a:r>
+                </a:p>
+              </p:txBody>
+            </p:sp>
+          </mc:Fallback>
+        </mc:AlternateContent>
+        <mc:AlternateContent xmlns:mc="http://schemas.openxmlformats.org/markup-compatibility/2006">
+          <mc:Choice xmlns:a14="http://schemas.microsoft.com/office/drawing/2010/main" Requires="a14">
+            <p:sp>
+              <p:nvSpPr>
+                <p:cNvPr id="47" name="TextBox 46"/>
+                <p:cNvSpPr txBox="1"/>
+                <p:nvPr/>
+              </p:nvSpPr>
+              <p:spPr>
+                <a:xfrm>
+                  <a:off x="5110913" y="5020480"/>
+                  <a:ext cx="234936" cy="307777"/>
+                </a:xfrm>
+                <a:prstGeom prst="rect">
+                  <a:avLst/>
+                </a:prstGeom>
+                <a:noFill/>
+              </p:spPr>
+              <p:txBody>
+                <a:bodyPr wrap="none" lIns="0" tIns="0" rIns="0" bIns="0" rtlCol="0">
+                  <a:spAutoFit/>
+                </a:bodyPr>
+                <a:lstStyle/>
+                <a:p>
+                  <a14:m>
+                    <m:oMathPara xmlns:m="http://schemas.openxmlformats.org/officeDocument/2006/math">
+                      <m:oMathParaPr>
+                        <m:jc m:val="centerGroup"/>
+                      </m:oMathParaPr>
+                      <m:oMath xmlns:m="http://schemas.openxmlformats.org/officeDocument/2006/math">
+                        <m:r>
+                          <a:rPr lang="en-CA" sz="2000" b="0" i="1" smtClean="0">
+                            <a:latin typeface="Cambria Math" charset="0"/>
+                            <a:cs typeface="Arial" panose="020B0604020202020204" pitchFamily="34" charset="0"/>
+                          </a:rPr>
+                          <m:t>𝐴</m:t>
+                        </m:r>
+                      </m:oMath>
+                    </m:oMathPara>
+                  </a14:m>
+                  <a:endParaRPr lang="en-US" sz="2000" dirty="0" smtClean="0">
+                    <a:latin typeface="Arial" panose="020B0604020202020204" pitchFamily="34" charset="0"/>
+                    <a:cs typeface="Arial" panose="020B0604020202020204" pitchFamily="34" charset="0"/>
+                  </a:endParaRPr>
+                </a:p>
+              </p:txBody>
+            </p:sp>
+          </mc:Choice>
+          <mc:Fallback>
+            <p:sp>
+              <p:nvSpPr>
+                <p:cNvPr id="47" name="TextBox 46"/>
+                <p:cNvSpPr txBox="1">
+                  <a:spLocks noRot="1" noChangeAspect="1" noMove="1" noResize="1" noEditPoints="1" noAdjustHandles="1" noChangeArrowheads="1" noChangeShapeType="1" noTextEdit="1"/>
+                </p:cNvSpPr>
+                <p:nvPr/>
+              </p:nvSpPr>
+              <p:spPr>
+                <a:xfrm>
+                  <a:off x="5110913" y="5020480"/>
+                  <a:ext cx="234936" cy="307777"/>
+                </a:xfrm>
+                <a:prstGeom prst="rect">
+                  <a:avLst/>
+                </a:prstGeom>
+                <a:blipFill rotWithShape="0">
+                  <a:blip r:embed="rId4"/>
+                  <a:stretch>
+                    <a:fillRect l="-20513" r="-23077" b="-10000"/>
+                  </a:stretch>
+                </a:blipFill>
+              </p:spPr>
+              <p:txBody>
+                <a:bodyPr/>
+                <a:lstStyle/>
+                <a:p>
+                  <a:r>
+                    <a:rPr lang="en-US">
+                      <a:noFill/>
+                    </a:rPr>
+                    <a:t> </a:t>
+                  </a:r>
+                </a:p>
+              </p:txBody>
+            </p:sp>
+          </mc:Fallback>
+        </mc:AlternateContent>
+        <mc:AlternateContent xmlns:mc="http://schemas.openxmlformats.org/markup-compatibility/2006">
+          <mc:Choice xmlns:a14="http://schemas.microsoft.com/office/drawing/2010/main" Requires="a14">
+            <p:sp>
+              <p:nvSpPr>
+                <p:cNvPr id="48" name="TextBox 47"/>
+                <p:cNvSpPr txBox="1"/>
+                <p:nvPr/>
+              </p:nvSpPr>
+              <p:spPr>
+                <a:xfrm>
+                  <a:off x="2558706" y="4991544"/>
+                  <a:ext cx="427296" cy="307777"/>
+                </a:xfrm>
+                <a:prstGeom prst="rect">
+                  <a:avLst/>
+                </a:prstGeom>
+                <a:noFill/>
+              </p:spPr>
+              <p:txBody>
+                <a:bodyPr wrap="none" lIns="0" tIns="0" rIns="0" bIns="0" rtlCol="0">
+                  <a:spAutoFit/>
+                </a:bodyPr>
+                <a:lstStyle/>
+                <a:p>
+                  <a14:m>
+                    <m:oMathPara xmlns:m="http://schemas.openxmlformats.org/officeDocument/2006/math">
+                      <m:oMathParaPr>
+                        <m:jc m:val="centerGroup"/>
+                      </m:oMathParaPr>
+                      <m:oMath xmlns:m="http://schemas.openxmlformats.org/officeDocument/2006/math">
+                        <m:r>
+                          <a:rPr lang="en-CA" sz="2000" b="0" i="1" smtClean="0">
+                            <a:latin typeface="Cambria Math" charset="0"/>
+                            <a:cs typeface="Arial" panose="020B0604020202020204" pitchFamily="34" charset="0"/>
+                          </a:rPr>
+                          <m:t>−</m:t>
+                        </m:r>
+                        <m:r>
+                          <a:rPr lang="en-CA" sz="2000" b="0" i="1" smtClean="0">
+                            <a:latin typeface="Cambria Math" charset="0"/>
+                            <a:cs typeface="Arial" panose="020B0604020202020204" pitchFamily="34" charset="0"/>
+                          </a:rPr>
+                          <m:t>𝐴</m:t>
+                        </m:r>
+                      </m:oMath>
+                    </m:oMathPara>
+                  </a14:m>
+                  <a:endParaRPr lang="en-US" sz="2000" dirty="0" smtClean="0">
+                    <a:latin typeface="Arial" panose="020B0604020202020204" pitchFamily="34" charset="0"/>
+                    <a:cs typeface="Arial" panose="020B0604020202020204" pitchFamily="34" charset="0"/>
+                  </a:endParaRPr>
+                </a:p>
+              </p:txBody>
+            </p:sp>
+          </mc:Choice>
+          <mc:Fallback>
+            <p:sp>
+              <p:nvSpPr>
+                <p:cNvPr id="48" name="TextBox 47"/>
+                <p:cNvSpPr txBox="1">
+                  <a:spLocks noRot="1" noChangeAspect="1" noMove="1" noResize="1" noEditPoints="1" noAdjustHandles="1" noChangeArrowheads="1" noChangeShapeType="1" noTextEdit="1"/>
+                </p:cNvSpPr>
+                <p:nvPr/>
+              </p:nvSpPr>
+              <p:spPr>
+                <a:xfrm>
+                  <a:off x="2558706" y="4991544"/>
+                  <a:ext cx="427296" cy="307777"/>
+                </a:xfrm>
+                <a:prstGeom prst="rect">
+                  <a:avLst/>
+                </a:prstGeom>
+                <a:blipFill rotWithShape="0">
+                  <a:blip r:embed="rId5"/>
+                  <a:stretch>
+                    <a:fillRect l="-1429" r="-11429" b="-10000"/>
+                  </a:stretch>
+                </a:blipFill>
+              </p:spPr>
+              <p:txBody>
+                <a:bodyPr/>
+                <a:lstStyle/>
+                <a:p>
+                  <a:r>
+                    <a:rPr lang="en-US">
+                      <a:noFill/>
+                    </a:rPr>
+                    <a:t> </a:t>
+                  </a:r>
+                </a:p>
+              </p:txBody>
+            </p:sp>
+          </mc:Fallback>
+        </mc:AlternateContent>
+        <p:cxnSp>
+          <p:nvCxnSpPr>
+            <p:cNvPr id="51" name="Straight Connector 50"/>
+            <p:cNvCxnSpPr>
+              <a:endCxn id="46" idx="0"/>
+            </p:cNvCxnSpPr>
+            <p:nvPr/>
+          </p:nvCxnSpPr>
+          <p:spPr>
+            <a:xfrm flipH="1">
+              <a:off x="4053892" y="4819124"/>
+              <a:ext cx="668" cy="201356"/>
+            </a:xfrm>
+            <a:prstGeom prst="line">
+              <a:avLst/>
+            </a:prstGeom>
+            <a:ln w="38100">
+              <a:solidFill>
+                <a:schemeClr val="tx1"/>
+              </a:solidFill>
+            </a:ln>
+          </p:spPr>
+          <p:style>
+            <a:lnRef idx="1">
+              <a:schemeClr val="accent1"/>
+            </a:lnRef>
+            <a:fillRef idx="0">
+              <a:schemeClr val="accent1"/>
+            </a:fillRef>
+            <a:effectRef idx="0">
+              <a:schemeClr val="accent1"/>
+            </a:effectRef>
+            <a:fontRef idx="minor">
+              <a:schemeClr val="tx1"/>
+            </a:fontRef>
+          </p:style>
+        </p:cxnSp>
+        <p:cxnSp>
+          <p:nvCxnSpPr>
+            <p:cNvPr id="53" name="Straight Connector 52"/>
+            <p:cNvCxnSpPr/>
+            <p:nvPr/>
+          </p:nvCxnSpPr>
+          <p:spPr>
+            <a:xfrm flipH="1">
+              <a:off x="5229822" y="4811412"/>
+              <a:ext cx="668" cy="201356"/>
+            </a:xfrm>
+            <a:prstGeom prst="line">
+              <a:avLst/>
+            </a:prstGeom>
+            <a:ln w="38100">
+              <a:solidFill>
+                <a:schemeClr val="tx1"/>
+              </a:solidFill>
+            </a:ln>
+          </p:spPr>
+          <p:style>
+            <a:lnRef idx="1">
+              <a:schemeClr val="accent1"/>
+            </a:lnRef>
+            <a:fillRef idx="0">
+              <a:schemeClr val="accent1"/>
+            </a:fillRef>
+            <a:effectRef idx="0">
+              <a:schemeClr val="accent1"/>
+            </a:effectRef>
+            <a:fontRef idx="minor">
+              <a:schemeClr val="tx1"/>
+            </a:fontRef>
+          </p:style>
+        </p:cxnSp>
+        <p:cxnSp>
+          <p:nvCxnSpPr>
+            <p:cNvPr id="54" name="Straight Connector 53"/>
+            <p:cNvCxnSpPr/>
+            <p:nvPr/>
+          </p:nvCxnSpPr>
+          <p:spPr>
+            <a:xfrm flipH="1">
+              <a:off x="2897752" y="4815118"/>
+              <a:ext cx="668" cy="201356"/>
+            </a:xfrm>
+            <a:prstGeom prst="line">
+              <a:avLst/>
+            </a:prstGeom>
+            <a:ln w="38100">
+              <a:solidFill>
+                <a:schemeClr val="tx1"/>
+              </a:solidFill>
+            </a:ln>
+          </p:spPr>
+          <p:style>
+            <a:lnRef idx="1">
+              <a:schemeClr val="accent1"/>
+            </a:lnRef>
+            <a:fillRef idx="0">
+              <a:schemeClr val="accent1"/>
+            </a:fillRef>
+            <a:effectRef idx="0">
+              <a:schemeClr val="accent1"/>
+            </a:effectRef>
+            <a:fontRef idx="minor">
+              <a:schemeClr val="tx1"/>
+            </a:fontRef>
+          </p:style>
+        </p:cxnSp>
+        <p:sp>
+          <p:nvSpPr>
+            <p:cNvPr id="56" name="TextBox 55"/>
+            <p:cNvSpPr txBox="1"/>
+            <p:nvPr/>
+          </p:nvSpPr>
+          <p:spPr>
+            <a:xfrm>
+              <a:off x="2346051" y="1905279"/>
+              <a:ext cx="2055043" cy="492443"/>
+            </a:xfrm>
+            <a:prstGeom prst="rect">
+              <a:avLst/>
+            </a:prstGeom>
+            <a:noFill/>
+          </p:spPr>
+          <p:txBody>
+            <a:bodyPr wrap="square" rtlCol="0">
+              <a:spAutoFit/>
+            </a:bodyPr>
+            <a:lstStyle/>
+            <a:p>
+              <a:r>
+                <a:rPr lang="en-US" sz="2600" dirty="0" smtClean="0">
+                  <a:latin typeface="Wingdings 2" charset="2"/>
+                  <a:ea typeface="Wingdings 2" charset="2"/>
+                  <a:cs typeface="Wingdings 2" charset="2"/>
+                </a:rPr>
+                <a:t>j</a:t>
+              </a:r>
+              <a:endParaRPr lang="en-US" sz="2600" dirty="0" smtClean="0">
+                <a:latin typeface="Wingdings 2" charset="2"/>
+                <a:ea typeface="Wingdings 2" charset="2"/>
+                <a:cs typeface="Wingdings 2" charset="2"/>
+              </a:endParaRPr>
+            </a:p>
+          </p:txBody>
+        </p:sp>
+        <p:sp>
+          <p:nvSpPr>
+            <p:cNvPr id="57" name="TextBox 56"/>
+            <p:cNvSpPr txBox="1"/>
+            <p:nvPr/>
+          </p:nvSpPr>
+          <p:spPr>
+            <a:xfrm>
+              <a:off x="2783129" y="908146"/>
+              <a:ext cx="427728" cy="492443"/>
+            </a:xfrm>
+            <a:prstGeom prst="rect">
+              <a:avLst/>
+            </a:prstGeom>
+            <a:noFill/>
+          </p:spPr>
+          <p:txBody>
+            <a:bodyPr wrap="square" rtlCol="0">
+              <a:spAutoFit/>
+            </a:bodyPr>
+            <a:lstStyle/>
+            <a:p>
+              <a:r>
+                <a:rPr lang="en-US" sz="2600" dirty="0" smtClean="0">
+                  <a:latin typeface="Wingdings 2" charset="2"/>
+                  <a:ea typeface="Wingdings 2" charset="2"/>
+                  <a:cs typeface="Wingdings 2" charset="2"/>
+                </a:rPr>
+                <a:t>k</a:t>
+              </a:r>
+              <a:endParaRPr lang="en-US" sz="2600" dirty="0" smtClean="0">
+                <a:latin typeface="Wingdings 2" charset="2"/>
+                <a:ea typeface="Wingdings 2" charset="2"/>
+                <a:cs typeface="Wingdings 2" charset="2"/>
+              </a:endParaRPr>
+            </a:p>
+          </p:txBody>
+        </p:sp>
+        <p:sp>
+          <p:nvSpPr>
+            <p:cNvPr id="58" name="TextBox 57"/>
+            <p:cNvSpPr txBox="1"/>
+            <p:nvPr/>
+          </p:nvSpPr>
+          <p:spPr>
+            <a:xfrm>
+              <a:off x="3833918" y="405286"/>
+              <a:ext cx="439946" cy="492443"/>
+            </a:xfrm>
+            <a:prstGeom prst="rect">
+              <a:avLst/>
+            </a:prstGeom>
+            <a:noFill/>
+          </p:spPr>
+          <p:txBody>
+            <a:bodyPr wrap="square" rtlCol="0">
+              <a:spAutoFit/>
+            </a:bodyPr>
+            <a:lstStyle/>
+            <a:p>
+              <a:r>
+                <a:rPr lang="en-US" sz="2600" dirty="0" smtClean="0">
+                  <a:latin typeface="Wingdings 2" charset="2"/>
+                  <a:ea typeface="Wingdings 2" charset="2"/>
+                  <a:cs typeface="Wingdings 2" charset="2"/>
+                </a:rPr>
+                <a:t>l</a:t>
+              </a:r>
+              <a:endParaRPr lang="en-US" sz="2600" dirty="0" smtClean="0">
+                <a:latin typeface="Wingdings 2" charset="2"/>
+                <a:ea typeface="Wingdings 2" charset="2"/>
+                <a:cs typeface="Wingdings 2" charset="2"/>
+              </a:endParaRPr>
+            </a:p>
+          </p:txBody>
+        </p:sp>
+        <p:sp>
+          <p:nvSpPr>
+            <p:cNvPr id="59" name="TextBox 58"/>
+            <p:cNvSpPr txBox="1"/>
+            <p:nvPr/>
+          </p:nvSpPr>
+          <p:spPr>
+            <a:xfrm>
+              <a:off x="4949254" y="862089"/>
+              <a:ext cx="464611" cy="492443"/>
+            </a:xfrm>
+            <a:prstGeom prst="rect">
+              <a:avLst/>
+            </a:prstGeom>
+            <a:noFill/>
+          </p:spPr>
+          <p:txBody>
+            <a:bodyPr wrap="square" rtlCol="0">
+              <a:spAutoFit/>
+            </a:bodyPr>
+            <a:lstStyle/>
+            <a:p>
+              <a:r>
+                <a:rPr lang="en-US" sz="2600" dirty="0" smtClean="0">
+                  <a:latin typeface="Wingdings 2" charset="2"/>
+                  <a:ea typeface="Wingdings 2" charset="2"/>
+                  <a:cs typeface="Wingdings 2" charset="2"/>
+                </a:rPr>
+                <a:t>m</a:t>
+              </a:r>
+              <a:endParaRPr lang="en-US" sz="2600" dirty="0" smtClean="0">
+                <a:latin typeface="Wingdings 2" charset="2"/>
+                <a:ea typeface="Wingdings 2" charset="2"/>
+                <a:cs typeface="Wingdings 2" charset="2"/>
+              </a:endParaRPr>
+            </a:p>
+          </p:txBody>
+        </p:sp>
+        <p:sp>
+          <p:nvSpPr>
+            <p:cNvPr id="60" name="TextBox 59"/>
+            <p:cNvSpPr txBox="1"/>
+            <p:nvPr/>
+          </p:nvSpPr>
+          <p:spPr>
+            <a:xfrm>
+              <a:off x="5334710" y="1929867"/>
+              <a:ext cx="500914" cy="492443"/>
+            </a:xfrm>
+            <a:prstGeom prst="rect">
+              <a:avLst/>
+            </a:prstGeom>
+            <a:noFill/>
+          </p:spPr>
+          <p:txBody>
+            <a:bodyPr wrap="square" rtlCol="0">
+              <a:spAutoFit/>
+            </a:bodyPr>
+            <a:lstStyle/>
+            <a:p>
+              <a:r>
+                <a:rPr lang="en-US" sz="2600" dirty="0" smtClean="0">
+                  <a:latin typeface="Wingdings 2" charset="2"/>
+                  <a:ea typeface="Wingdings 2" charset="2"/>
+                  <a:cs typeface="Wingdings 2" charset="2"/>
+                </a:rPr>
+                <a:t>n</a:t>
+              </a:r>
+              <a:endParaRPr lang="en-US" sz="2600" dirty="0" smtClean="0">
+                <a:latin typeface="Wingdings 2" charset="2"/>
+                <a:ea typeface="Wingdings 2" charset="2"/>
+                <a:cs typeface="Wingdings 2" charset="2"/>
+              </a:endParaRPr>
+            </a:p>
+          </p:txBody>
+        </p:sp>
+      </p:grpSp>
+    </p:spTree>
+    <p:extLst>
+      <p:ext uri="{BB962C8B-B14F-4D97-AF65-F5344CB8AC3E}">
+        <p14:creationId xmlns:p14="http://schemas.microsoft.com/office/powerpoint/2010/main" val="618945343"/>
+      </p:ext>
+    </p:extLst>
+  </p:cSld>
+  <p:clrMapOvr>
+    <a:masterClrMapping/>
+  </p:clrMapOvr>
+</p:sld>
+</file>
+
 <file path=ppt/theme/theme1.xml><?xml version="1.0" encoding="utf-8"?>
 <a:theme xmlns:a="http://schemas.openxmlformats.org/drawingml/2006/main" name="Office Theme">
   <a:themeElements>

--- a/tex/figures/SimpleHarmonicMotion/Figures.pptx
+++ b/tex/figures/SimpleHarmonicMotion/Figures.pptx
@@ -23408,8 +23408,8 @@
             </p:txBody>
           </p:sp>
         </p:grpSp>
-        <mc:AlternateContent xmlns:mc="http://schemas.openxmlformats.org/markup-compatibility/2006">
-          <mc:Choice xmlns:a14="http://schemas.microsoft.com/office/drawing/2010/main" Requires="a14">
+        <mc:AlternateContent xmlns:mc="http://schemas.openxmlformats.org/markup-compatibility/2006" xmlns:a14="http://schemas.microsoft.com/office/drawing/2010/main">
+          <mc:Choice Requires="a14">
             <p:sp>
               <p:nvSpPr>
                 <p:cNvPr id="45" name="TextBox 44"/>
@@ -23432,6 +23432,7 @@
                 </a:bodyPr>
                 <a:lstStyle/>
                 <a:p>
+                  <a:pPr/>
                   <a14:m>
                     <m:oMathPara xmlns:m="http://schemas.openxmlformats.org/officeDocument/2006/math">
                       <m:oMathParaPr>
@@ -23456,7 +23457,7 @@
               </p:txBody>
             </p:sp>
           </mc:Choice>
-          <mc:Fallback>
+          <mc:Fallback xmlns="">
             <p:sp>
               <p:nvSpPr>
                 <p:cNvPr id="45" name="TextBox 44"/>
@@ -23495,8 +23496,8 @@
             </p:sp>
           </mc:Fallback>
         </mc:AlternateContent>
-        <mc:AlternateContent xmlns:mc="http://schemas.openxmlformats.org/markup-compatibility/2006">
-          <mc:Choice xmlns:a14="http://schemas.microsoft.com/office/drawing/2010/main" Requires="a14">
+        <mc:AlternateContent xmlns:mc="http://schemas.openxmlformats.org/markup-compatibility/2006" xmlns:a14="http://schemas.microsoft.com/office/drawing/2010/main">
+          <mc:Choice Requires="a14">
             <p:sp>
               <p:nvSpPr>
                 <p:cNvPr id="46" name="TextBox 45"/>
@@ -23519,6 +23520,7 @@
                 </a:bodyPr>
                 <a:lstStyle/>
                 <a:p>
+                  <a:pPr/>
                   <a14:m>
                     <m:oMathPara xmlns:m="http://schemas.openxmlformats.org/officeDocument/2006/math">
                       <m:oMathParaPr>
@@ -23543,7 +23545,7 @@
               </p:txBody>
             </p:sp>
           </mc:Choice>
-          <mc:Fallback>
+          <mc:Fallback xmlns="">
             <p:sp>
               <p:nvSpPr>
                 <p:cNvPr id="46" name="TextBox 45"/>
@@ -23582,8 +23584,8 @@
             </p:sp>
           </mc:Fallback>
         </mc:AlternateContent>
-        <mc:AlternateContent xmlns:mc="http://schemas.openxmlformats.org/markup-compatibility/2006">
-          <mc:Choice xmlns:a14="http://schemas.microsoft.com/office/drawing/2010/main" Requires="a14">
+        <mc:AlternateContent xmlns:mc="http://schemas.openxmlformats.org/markup-compatibility/2006" xmlns:a14="http://schemas.microsoft.com/office/drawing/2010/main">
+          <mc:Choice Requires="a14">
             <p:sp>
               <p:nvSpPr>
                 <p:cNvPr id="47" name="TextBox 46"/>
@@ -23606,6 +23608,7 @@
                 </a:bodyPr>
                 <a:lstStyle/>
                 <a:p>
+                  <a:pPr/>
                   <a14:m>
                     <m:oMathPara xmlns:m="http://schemas.openxmlformats.org/officeDocument/2006/math">
                       <m:oMathParaPr>
@@ -23630,7 +23633,7 @@
               </p:txBody>
             </p:sp>
           </mc:Choice>
-          <mc:Fallback>
+          <mc:Fallback xmlns="">
             <p:sp>
               <p:nvSpPr>
                 <p:cNvPr id="47" name="TextBox 46"/>
@@ -23669,8 +23672,8 @@
             </p:sp>
           </mc:Fallback>
         </mc:AlternateContent>
-        <mc:AlternateContent xmlns:mc="http://schemas.openxmlformats.org/markup-compatibility/2006">
-          <mc:Choice xmlns:a14="http://schemas.microsoft.com/office/drawing/2010/main" Requires="a14">
+        <mc:AlternateContent xmlns:mc="http://schemas.openxmlformats.org/markup-compatibility/2006" xmlns:a14="http://schemas.microsoft.com/office/drawing/2010/main">
+          <mc:Choice Requires="a14">
             <p:sp>
               <p:nvSpPr>
                 <p:cNvPr id="48" name="TextBox 47"/>
@@ -23693,6 +23696,7 @@
                 </a:bodyPr>
                 <a:lstStyle/>
                 <a:p>
+                  <a:pPr/>
                   <a14:m>
                     <m:oMathPara xmlns:m="http://schemas.openxmlformats.org/officeDocument/2006/math">
                       <m:oMathParaPr>
@@ -23724,7 +23728,7 @@
               </p:txBody>
             </p:sp>
           </mc:Choice>
-          <mc:Fallback>
+          <mc:Fallback xmlns="">
             <p:sp>
               <p:nvSpPr>
                 <p:cNvPr id="48" name="TextBox 47"/>
@@ -23900,11 +23904,6 @@
                 </a:rPr>
                 <a:t>j</a:t>
               </a:r>
-              <a:endParaRPr lang="en-US" sz="2600" dirty="0" smtClean="0">
-                <a:latin typeface="Wingdings 2" charset="2"/>
-                <a:ea typeface="Wingdings 2" charset="2"/>
-                <a:cs typeface="Wingdings 2" charset="2"/>
-              </a:endParaRPr>
             </a:p>
           </p:txBody>
         </p:sp>
@@ -23938,11 +23937,6 @@
                 </a:rPr>
                 <a:t>k</a:t>
               </a:r>
-              <a:endParaRPr lang="en-US" sz="2600" dirty="0" smtClean="0">
-                <a:latin typeface="Wingdings 2" charset="2"/>
-                <a:ea typeface="Wingdings 2" charset="2"/>
-                <a:cs typeface="Wingdings 2" charset="2"/>
-              </a:endParaRPr>
             </a:p>
           </p:txBody>
         </p:sp>
@@ -23976,11 +23970,6 @@
                 </a:rPr>
                 <a:t>l</a:t>
               </a:r>
-              <a:endParaRPr lang="en-US" sz="2600" dirty="0" smtClean="0">
-                <a:latin typeface="Wingdings 2" charset="2"/>
-                <a:ea typeface="Wingdings 2" charset="2"/>
-                <a:cs typeface="Wingdings 2" charset="2"/>
-              </a:endParaRPr>
             </a:p>
           </p:txBody>
         </p:sp>
@@ -24014,11 +24003,6 @@
                 </a:rPr>
                 <a:t>m</a:t>
               </a:r>
-              <a:endParaRPr lang="en-US" sz="2600" dirty="0" smtClean="0">
-                <a:latin typeface="Wingdings 2" charset="2"/>
-                <a:ea typeface="Wingdings 2" charset="2"/>
-                <a:cs typeface="Wingdings 2" charset="2"/>
-              </a:endParaRPr>
             </a:p>
           </p:txBody>
         </p:sp>
@@ -24052,11 +24036,6 @@
                 </a:rPr>
                 <a:t>n</a:t>
               </a:r>
-              <a:endParaRPr lang="en-US" sz="2600" dirty="0" smtClean="0">
-                <a:latin typeface="Wingdings 2" charset="2"/>
-                <a:ea typeface="Wingdings 2" charset="2"/>
-                <a:cs typeface="Wingdings 2" charset="2"/>
-              </a:endParaRPr>
             </a:p>
           </p:txBody>
         </p:sp>

--- a/tex/figures/SimpleHarmonicMotion/Figures.pptx
+++ b/tex/figures/SimpleHarmonicMotion/Figures.pptx
@@ -251,7 +251,7 @@
           <a:p>
             <a:fld id="{F7249F8D-641B-4CAF-BAE5-10524742F6F1}" type="datetimeFigureOut">
               <a:rPr lang="en-CA" smtClean="0"/>
-              <a:t>2018-07-27</a:t>
+              <a:t>2018-08-22</a:t>
             </a:fld>
             <a:endParaRPr lang="en-CA"/>
           </a:p>
@@ -421,7 +421,7 @@
           <a:p>
             <a:fld id="{F7249F8D-641B-4CAF-BAE5-10524742F6F1}" type="datetimeFigureOut">
               <a:rPr lang="en-CA" smtClean="0"/>
-              <a:t>2018-07-27</a:t>
+              <a:t>2018-08-22</a:t>
             </a:fld>
             <a:endParaRPr lang="en-CA"/>
           </a:p>
@@ -601,7 +601,7 @@
           <a:p>
             <a:fld id="{F7249F8D-641B-4CAF-BAE5-10524742F6F1}" type="datetimeFigureOut">
               <a:rPr lang="en-CA" smtClean="0"/>
-              <a:t>2018-07-27</a:t>
+              <a:t>2018-08-22</a:t>
             </a:fld>
             <a:endParaRPr lang="en-CA"/>
           </a:p>
@@ -771,7 +771,7 @@
           <a:p>
             <a:fld id="{F7249F8D-641B-4CAF-BAE5-10524742F6F1}" type="datetimeFigureOut">
               <a:rPr lang="en-CA" smtClean="0"/>
-              <a:t>2018-07-27</a:t>
+              <a:t>2018-08-22</a:t>
             </a:fld>
             <a:endParaRPr lang="en-CA"/>
           </a:p>
@@ -1017,7 +1017,7 @@
           <a:p>
             <a:fld id="{F7249F8D-641B-4CAF-BAE5-10524742F6F1}" type="datetimeFigureOut">
               <a:rPr lang="en-CA" smtClean="0"/>
-              <a:t>2018-07-27</a:t>
+              <a:t>2018-08-22</a:t>
             </a:fld>
             <a:endParaRPr lang="en-CA"/>
           </a:p>
@@ -1249,7 +1249,7 @@
           <a:p>
             <a:fld id="{F7249F8D-641B-4CAF-BAE5-10524742F6F1}" type="datetimeFigureOut">
               <a:rPr lang="en-CA" smtClean="0"/>
-              <a:t>2018-07-27</a:t>
+              <a:t>2018-08-22</a:t>
             </a:fld>
             <a:endParaRPr lang="en-CA"/>
           </a:p>
@@ -1616,7 +1616,7 @@
           <a:p>
             <a:fld id="{F7249F8D-641B-4CAF-BAE5-10524742F6F1}" type="datetimeFigureOut">
               <a:rPr lang="en-CA" smtClean="0"/>
-              <a:t>2018-07-27</a:t>
+              <a:t>2018-08-22</a:t>
             </a:fld>
             <a:endParaRPr lang="en-CA"/>
           </a:p>
@@ -1734,7 +1734,7 @@
           <a:p>
             <a:fld id="{F7249F8D-641B-4CAF-BAE5-10524742F6F1}" type="datetimeFigureOut">
               <a:rPr lang="en-CA" smtClean="0"/>
-              <a:t>2018-07-27</a:t>
+              <a:t>2018-08-22</a:t>
             </a:fld>
             <a:endParaRPr lang="en-CA"/>
           </a:p>
@@ -1829,7 +1829,7 @@
           <a:p>
             <a:fld id="{F7249F8D-641B-4CAF-BAE5-10524742F6F1}" type="datetimeFigureOut">
               <a:rPr lang="en-CA" smtClean="0"/>
-              <a:t>2018-07-27</a:t>
+              <a:t>2018-08-22</a:t>
             </a:fld>
             <a:endParaRPr lang="en-CA"/>
           </a:p>
@@ -2106,7 +2106,7 @@
           <a:p>
             <a:fld id="{F7249F8D-641B-4CAF-BAE5-10524742F6F1}" type="datetimeFigureOut">
               <a:rPr lang="en-CA" smtClean="0"/>
-              <a:t>2018-07-27</a:t>
+              <a:t>2018-08-22</a:t>
             </a:fld>
             <a:endParaRPr lang="en-CA"/>
           </a:p>
@@ -2359,7 +2359,7 @@
           <a:p>
             <a:fld id="{F7249F8D-641B-4CAF-BAE5-10524742F6F1}" type="datetimeFigureOut">
               <a:rPr lang="en-CA" smtClean="0"/>
-              <a:t>2018-07-27</a:t>
+              <a:t>2018-08-22</a:t>
             </a:fld>
             <a:endParaRPr lang="en-CA"/>
           </a:p>
@@ -2572,7 +2572,7 @@
           <a:p>
             <a:fld id="{F7249F8D-641B-4CAF-BAE5-10524742F6F1}" type="datetimeFigureOut">
               <a:rPr lang="en-CA" smtClean="0"/>
-              <a:t>2018-07-27</a:t>
+              <a:t>2018-08-22</a:t>
             </a:fld>
             <a:endParaRPr lang="en-CA"/>
           </a:p>
@@ -24082,9 +24082,9 @@
         <p:grpSpPr>
           <a:xfrm>
             <a:off x="463503" y="967584"/>
-            <a:ext cx="9642234" cy="4750111"/>
+            <a:ext cx="9699943" cy="4750111"/>
             <a:chOff x="463503" y="967584"/>
-            <a:chExt cx="9642234" cy="4750111"/>
+            <a:chExt cx="9699943" cy="4750111"/>
           </a:xfrm>
         </p:grpSpPr>
         <p:grpSp>
@@ -24096,9 +24096,9 @@
           <p:grpSpPr>
             <a:xfrm>
               <a:off x="5595686" y="1923295"/>
-              <a:ext cx="4510051" cy="3794400"/>
+              <a:ext cx="4567760" cy="3794400"/>
               <a:chOff x="7315918" y="1511018"/>
-              <a:chExt cx="4510051" cy="3794400"/>
+              <a:chExt cx="4567760" cy="3794400"/>
             </a:xfrm>
           </p:grpSpPr>
           <p:cxnSp>
@@ -24560,8 +24560,8 @@
               </p:style>
             </p:cxnSp>
           </p:grpSp>
-          <mc:AlternateContent xmlns:mc="http://schemas.openxmlformats.org/markup-compatibility/2006" xmlns:a14="http://schemas.microsoft.com/office/drawing/2010/main">
-            <mc:Choice Requires="a14">
+          <mc:AlternateContent xmlns:mc="http://schemas.openxmlformats.org/markup-compatibility/2006">
+            <mc:Choice xmlns:a14="http://schemas.microsoft.com/office/drawing/2010/main" Requires="a14">
               <p:sp>
                 <p:nvSpPr>
                   <p:cNvPr id="630" name="TextBox 629"/>
@@ -24571,7 +24571,7 @@
                 <p:spPr>
                   <a:xfrm>
                     <a:off x="11644830" y="3328826"/>
-                    <a:ext cx="181139" cy="276999"/>
+                    <a:ext cx="238848" cy="369332"/>
                   </a:xfrm>
                   <a:prstGeom prst="rect">
                     <a:avLst/>
@@ -24592,7 +24592,7 @@
                         </m:oMathParaPr>
                         <m:oMath xmlns:m="http://schemas.openxmlformats.org/officeDocument/2006/math">
                           <m:r>
-                            <a:rPr lang="en-CA" b="0" i="1" smtClean="0">
+                            <a:rPr lang="en-CA" sz="2400" b="0" i="1" smtClean="0">
                               <a:latin typeface="Cambria Math" charset="0"/>
                             </a:rPr>
                             <m:t>0</m:t>
@@ -24600,12 +24600,12 @@
                         </m:oMath>
                       </m:oMathPara>
                     </a14:m>
-                    <a:endParaRPr lang="en-US" dirty="0"/>
+                    <a:endParaRPr lang="en-US" sz="2400" dirty="0"/>
                   </a:p>
                 </p:txBody>
               </p:sp>
             </mc:Choice>
-            <mc:Fallback xmlns="">
+            <mc:Fallback>
               <p:sp>
                 <p:nvSpPr>
                   <p:cNvPr id="630" name="TextBox 629"/>
@@ -24617,7 +24617,7 @@
                 <p:spPr>
                   <a:xfrm>
                     <a:off x="11644830" y="3328826"/>
-                    <a:ext cx="181139" cy="276999"/>
+                    <a:ext cx="238848" cy="369332"/>
                   </a:xfrm>
                   <a:prstGeom prst="rect">
                     <a:avLst/>
@@ -24625,7 +24625,7 @@
                   <a:blipFill rotWithShape="0">
                     <a:blip r:embed="rId2"/>
                     <a:stretch>
-                      <a:fillRect l="-30000" r="-30000" b="-6667"/>
+                      <a:fillRect l="-28205" r="-33333" b="-6667"/>
                     </a:stretch>
                   </a:blipFill>
                 </p:spPr>
@@ -24692,8 +24692,8 @@
               </a:p>
             </p:txBody>
           </p:sp>
-          <mc:AlternateContent xmlns:mc="http://schemas.openxmlformats.org/markup-compatibility/2006" xmlns:a14="http://schemas.microsoft.com/office/drawing/2010/main">
-            <mc:Choice Requires="a14">
+          <mc:AlternateContent xmlns:mc="http://schemas.openxmlformats.org/markup-compatibility/2006">
+            <mc:Choice xmlns:a14="http://schemas.microsoft.com/office/drawing/2010/main" Requires="a14">
               <p:sp>
                 <p:nvSpPr>
                   <p:cNvPr id="31" name="TextBox 30"/>
@@ -24703,7 +24703,7 @@
                 <p:spPr>
                   <a:xfrm>
                     <a:off x="11329119" y="4533432"/>
-                    <a:ext cx="189474" cy="276999"/>
+                    <a:ext cx="251094" cy="369332"/>
                   </a:xfrm>
                   <a:prstGeom prst="rect">
                     <a:avLst/>
@@ -24724,7 +24724,7 @@
                         </m:oMathParaPr>
                         <m:oMath xmlns:m="http://schemas.openxmlformats.org/officeDocument/2006/math">
                           <m:r>
-                            <a:rPr lang="en-CA" b="0" i="1" smtClean="0">
+                            <a:rPr lang="en-CA" sz="2400" b="0" i="1" smtClean="0">
                               <a:latin typeface="Cambria Math" charset="0"/>
                               <a:ea typeface="Cambria Math" charset="0"/>
                               <a:cs typeface="Cambria Math" charset="0"/>
@@ -24734,12 +24734,12 @@
                         </m:oMath>
                       </m:oMathPara>
                     </a14:m>
-                    <a:endParaRPr lang="en-US" dirty="0"/>
+                    <a:endParaRPr lang="en-US" sz="2400" dirty="0"/>
                   </a:p>
                 </p:txBody>
               </p:sp>
             </mc:Choice>
-            <mc:Fallback xmlns="">
+            <mc:Fallback>
               <p:sp>
                 <p:nvSpPr>
                   <p:cNvPr id="31" name="TextBox 30"/>
@@ -24751,7 +24751,7 @@
                 <p:spPr>
                   <a:xfrm>
                     <a:off x="11329119" y="4533432"/>
-                    <a:ext cx="189474" cy="276999"/>
+                    <a:ext cx="251094" cy="369332"/>
                   </a:xfrm>
                   <a:prstGeom prst="rect">
                     <a:avLst/>
@@ -24759,7 +24759,7 @@
                   <a:blipFill rotWithShape="0">
                     <a:blip r:embed="rId3"/>
                     <a:stretch>
-                      <a:fillRect l="-29032" r="-25806" b="-6522"/>
+                      <a:fillRect l="-29268" r="-26829" b="-8197"/>
                     </a:stretch>
                   </a:blipFill>
                 </p:spPr>
@@ -24788,9 +24788,9 @@
           <p:grpSpPr>
             <a:xfrm>
               <a:off x="463503" y="967584"/>
-              <a:ext cx="4052848" cy="3471651"/>
+              <a:ext cx="4052848" cy="3752796"/>
               <a:chOff x="463503" y="967584"/>
-              <a:chExt cx="4052848" cy="3471651"/>
+              <a:chExt cx="4052848" cy="3752796"/>
             </a:xfrm>
           </p:grpSpPr>
           <p:grpSp>
@@ -25390,8 +25390,8 @@
                     </a:p>
                   </p:txBody>
                 </p:sp>
-                <mc:AlternateContent xmlns:mc="http://schemas.openxmlformats.org/markup-compatibility/2006" xmlns:a14="http://schemas.microsoft.com/office/drawing/2010/main">
-                  <mc:Choice Requires="a14">
+                <mc:AlternateContent xmlns:mc="http://schemas.openxmlformats.org/markup-compatibility/2006">
+                  <mc:Choice xmlns:a14="http://schemas.microsoft.com/office/drawing/2010/main" Requires="a14">
                     <p:sp>
                       <p:nvSpPr>
                         <p:cNvPr id="622" name="TextBox 621"/>
@@ -25400,8 +25400,8 @@
                       </p:nvSpPr>
                       <p:spPr>
                         <a:xfrm>
-                          <a:off x="2435234" y="3537446"/>
-                          <a:ext cx="189474" cy="276999"/>
+                          <a:off x="2504303" y="3507193"/>
+                          <a:ext cx="251094" cy="369332"/>
                         </a:xfrm>
                         <a:prstGeom prst="rect">
                           <a:avLst/>
@@ -25422,7 +25422,7 @@
                               </m:oMathParaPr>
                               <m:oMath xmlns:m="http://schemas.openxmlformats.org/officeDocument/2006/math">
                                 <m:r>
-                                  <a:rPr lang="en-CA" b="0" i="1" smtClean="0">
+                                  <a:rPr lang="en-CA" sz="2400" b="0" i="1" smtClean="0">
                                     <a:latin typeface="Cambria Math" charset="0"/>
                                     <a:ea typeface="Cambria Math" charset="0"/>
                                     <a:cs typeface="Cambria Math" charset="0"/>
@@ -25432,12 +25432,12 @@
                               </m:oMath>
                             </m:oMathPara>
                           </a14:m>
-                          <a:endParaRPr lang="en-US" dirty="0"/>
+                          <a:endParaRPr lang="en-US" sz="2400" dirty="0"/>
                         </a:p>
                       </p:txBody>
                     </p:sp>
                   </mc:Choice>
-                  <mc:Fallback xmlns="">
+                  <mc:Fallback>
                     <p:sp>
                       <p:nvSpPr>
                         <p:cNvPr id="622" name="TextBox 621"/>
@@ -25448,16 +25448,16 @@
                       </p:nvSpPr>
                       <p:spPr>
                         <a:xfrm>
-                          <a:off x="2435234" y="3537446"/>
-                          <a:ext cx="189474" cy="276999"/>
+                          <a:off x="2504303" y="3507193"/>
+                          <a:ext cx="251094" cy="369332"/>
                         </a:xfrm>
                         <a:prstGeom prst="rect">
                           <a:avLst/>
                         </a:prstGeom>
                         <a:blipFill rotWithShape="0">
-                          <a:blip r:embed="rId3"/>
+                          <a:blip r:embed="rId4"/>
                           <a:stretch>
-                            <a:fillRect l="-32258" r="-22581" b="-6522"/>
+                            <a:fillRect l="-29268" r="-26829" b="-8197"/>
                           </a:stretch>
                         </a:blipFill>
                       </p:spPr>
@@ -25476,8 +25476,8 @@
                     </p:sp>
                   </mc:Fallback>
                 </mc:AlternateContent>
-                <mc:AlternateContent xmlns:mc="http://schemas.openxmlformats.org/markup-compatibility/2006" xmlns:a14="http://schemas.microsoft.com/office/drawing/2010/main">
-                  <mc:Choice Requires="a14">
+                <mc:AlternateContent xmlns:mc="http://schemas.openxmlformats.org/markup-compatibility/2006">
+                  <mc:Choice xmlns:a14="http://schemas.microsoft.com/office/drawing/2010/main" Requires="a14">
                     <p:sp>
                       <p:nvSpPr>
                         <p:cNvPr id="30" name="TextBox 29"/>
@@ -25486,8 +25486,8 @@
                       </p:nvSpPr>
                       <p:spPr>
                         <a:xfrm>
-                          <a:off x="4747086" y="3860916"/>
-                          <a:ext cx="189474" cy="276999"/>
+                          <a:off x="4645581" y="3849064"/>
+                          <a:ext cx="251094" cy="369332"/>
                         </a:xfrm>
                         <a:prstGeom prst="rect">
                           <a:avLst/>
@@ -25508,7 +25508,7 @@
                               </m:oMathParaPr>
                               <m:oMath xmlns:m="http://schemas.openxmlformats.org/officeDocument/2006/math">
                                 <m:r>
-                                  <a:rPr lang="en-CA" b="0" i="1" smtClean="0">
+                                  <a:rPr lang="en-CA" sz="2400" b="0" i="1" smtClean="0">
                                     <a:latin typeface="Cambria Math" charset="0"/>
                                     <a:ea typeface="Cambria Math" charset="0"/>
                                     <a:cs typeface="Cambria Math" charset="0"/>
@@ -25518,12 +25518,12 @@
                               </m:oMath>
                             </m:oMathPara>
                           </a14:m>
-                          <a:endParaRPr lang="en-US" dirty="0"/>
+                          <a:endParaRPr lang="en-US" sz="2400" dirty="0"/>
                         </a:p>
                       </p:txBody>
                     </p:sp>
                   </mc:Choice>
-                  <mc:Fallback xmlns="">
+                  <mc:Fallback>
                     <p:sp>
                       <p:nvSpPr>
                         <p:cNvPr id="30" name="TextBox 29"/>
@@ -25534,8 +25534,8 @@
                       </p:nvSpPr>
                       <p:spPr>
                         <a:xfrm>
-                          <a:off x="4747086" y="3860916"/>
-                          <a:ext cx="189474" cy="276999"/>
+                          <a:off x="4645581" y="3849064"/>
+                          <a:ext cx="251094" cy="369332"/>
                         </a:xfrm>
                         <a:prstGeom prst="rect">
                           <a:avLst/>
@@ -25543,7 +25543,7 @@
                         <a:blipFill rotWithShape="0">
                           <a:blip r:embed="rId3"/>
                           <a:stretch>
-                            <a:fillRect l="-32258" r="-22581" b="-6522"/>
+                            <a:fillRect l="-29268" r="-26829" b="-8197"/>
                           </a:stretch>
                         </a:blipFill>
                       </p:spPr>
@@ -25565,8 +25565,8 @@
               </p:grpSp>
             </p:grpSp>
           </p:grpSp>
-          <mc:AlternateContent xmlns:mc="http://schemas.openxmlformats.org/markup-compatibility/2006" xmlns:a14="http://schemas.microsoft.com/office/drawing/2010/main">
-            <mc:Choice Requires="a14">
+          <mc:AlternateContent xmlns:mc="http://schemas.openxmlformats.org/markup-compatibility/2006">
+            <mc:Choice xmlns:a14="http://schemas.microsoft.com/office/drawing/2010/main" Requires="a14">
               <p:sp>
                 <p:nvSpPr>
                   <p:cNvPr id="37" name="TextBox 36"/>
@@ -25575,8 +25575,8 @@
                 </p:nvSpPr>
                 <p:spPr>
                   <a:xfrm>
-                    <a:off x="3467595" y="4143965"/>
-                    <a:ext cx="332687" cy="276999"/>
+                    <a:off x="3672167" y="4351048"/>
+                    <a:ext cx="332687" cy="369332"/>
                   </a:xfrm>
                   <a:prstGeom prst="rect">
                     <a:avLst/>
@@ -25597,7 +25597,7 @@
                         </m:oMathParaPr>
                         <m:oMath xmlns:m="http://schemas.openxmlformats.org/officeDocument/2006/math">
                           <m:r>
-                            <a:rPr lang="en-CA" b="0" i="1" smtClean="0">
+                            <a:rPr lang="en-CA" sz="2400" b="0" i="1" smtClean="0">
                               <a:latin typeface="Cambria Math" charset="0"/>
                             </a:rPr>
                             <m:t>𝑚</m:t>
@@ -25605,12 +25605,12 @@
                         </m:oMath>
                       </m:oMathPara>
                     </a14:m>
-                    <a:endParaRPr lang="en-US" dirty="0"/>
+                    <a:endParaRPr lang="en-US" sz="2400" dirty="0"/>
                   </a:p>
                 </p:txBody>
               </p:sp>
             </mc:Choice>
-            <mc:Fallback xmlns="">
+            <mc:Fallback>
               <p:sp>
                 <p:nvSpPr>
                   <p:cNvPr id="37" name="TextBox 36"/>
@@ -25621,16 +25621,16 @@
                 </p:nvSpPr>
                 <p:spPr>
                   <a:xfrm>
-                    <a:off x="3467595" y="4143965"/>
-                    <a:ext cx="332687" cy="276999"/>
+                    <a:off x="3672167" y="4351048"/>
+                    <a:ext cx="332687" cy="369332"/>
                   </a:xfrm>
                   <a:prstGeom prst="rect">
                     <a:avLst/>
                   </a:prstGeom>
                   <a:blipFill rotWithShape="0">
-                    <a:blip r:embed="rId4"/>
+                    <a:blip r:embed="rId5"/>
                     <a:stretch>
-                      <a:fillRect/>
+                      <a:fillRect l="-10909" r="-10909"/>
                     </a:stretch>
                   </a:blipFill>
                 </p:spPr>
@@ -28942,3570 +28942,6 @@
                   <a:blip r:embed="rId4"/>
                   <a:stretch>
                     <a:fillRect l="-14286" t="-148889" r="-32967" b="-180000"/>
-                  </a:stretch>
-                </a:blipFill>
-              </p:spPr>
-              <p:txBody>
-                <a:bodyPr/>
-                <a:lstStyle/>
-                <a:p>
-                  <a:r>
-                    <a:rPr lang="en-US">
-                      <a:noFill/>
-                    </a:rPr>
-                    <a:t> </a:t>
-                  </a:r>
-                </a:p>
-              </p:txBody>
-            </p:sp>
-          </mc:Fallback>
-        </mc:AlternateContent>
-      </p:grpSp>
-      <p:grpSp>
-        <p:nvGrpSpPr>
-          <p:cNvPr id="130" name="Group 129"/>
-          <p:cNvGrpSpPr/>
-          <p:nvPr/>
-        </p:nvGrpSpPr>
-        <p:grpSpPr>
-          <a:xfrm>
-            <a:off x="112605" y="3527813"/>
-            <a:ext cx="5441660" cy="2913324"/>
-            <a:chOff x="112605" y="3527813"/>
-            <a:chExt cx="5441660" cy="2913324"/>
-          </a:xfrm>
-        </p:grpSpPr>
-        <p:grpSp>
-          <p:nvGrpSpPr>
-            <p:cNvPr id="117" name="Group 116"/>
-            <p:cNvGrpSpPr/>
-            <p:nvPr/>
-          </p:nvGrpSpPr>
-          <p:grpSpPr>
-            <a:xfrm>
-              <a:off x="112605" y="3527813"/>
-              <a:ext cx="3715484" cy="2913324"/>
-              <a:chOff x="70077" y="3527813"/>
-              <a:chExt cx="3715484" cy="2913324"/>
-            </a:xfrm>
-          </p:grpSpPr>
-          <p:cxnSp>
-            <p:nvCxnSpPr>
-              <p:cNvPr id="107" name="Straight Arrow Connector 106"/>
-              <p:cNvCxnSpPr/>
-              <p:nvPr/>
-            </p:nvCxnSpPr>
-            <p:spPr>
-              <a:xfrm flipH="1">
-                <a:off x="3052433" y="5047230"/>
-                <a:ext cx="0" cy="1260000"/>
-              </a:xfrm>
-              <a:prstGeom prst="straightConnector1">
-                <a:avLst/>
-              </a:prstGeom>
-              <a:ln w="28575">
-                <a:solidFill>
-                  <a:schemeClr val="tx1"/>
-                </a:solidFill>
-                <a:headEnd type="triangle"/>
-                <a:tailEnd type="triangle"/>
-              </a:ln>
-            </p:spPr>
-            <p:style>
-              <a:lnRef idx="1">
-                <a:schemeClr val="accent1"/>
-              </a:lnRef>
-              <a:fillRef idx="0">
-                <a:schemeClr val="accent1"/>
-              </a:fillRef>
-              <a:effectRef idx="0">
-                <a:schemeClr val="accent1"/>
-              </a:effectRef>
-              <a:fontRef idx="minor">
-                <a:schemeClr val="tx1"/>
-              </a:fontRef>
-            </p:style>
-          </p:cxnSp>
-          <p:grpSp>
-            <p:nvGrpSpPr>
-              <p:cNvPr id="116" name="Group 115"/>
-              <p:cNvGrpSpPr/>
-              <p:nvPr/>
-            </p:nvGrpSpPr>
-            <p:grpSpPr>
-              <a:xfrm>
-                <a:off x="70077" y="3527813"/>
-                <a:ext cx="3715484" cy="2913324"/>
-                <a:chOff x="70077" y="3527813"/>
-                <a:chExt cx="3715484" cy="2913324"/>
-              </a:xfrm>
-            </p:grpSpPr>
-            <p:cxnSp>
-              <p:nvCxnSpPr>
-                <p:cNvPr id="101" name="Straight Connector 100"/>
-                <p:cNvCxnSpPr/>
-                <p:nvPr/>
-              </p:nvCxnSpPr>
-              <p:spPr>
-                <a:xfrm>
-                  <a:off x="866931" y="5293028"/>
-                  <a:ext cx="155944" cy="0"/>
-                </a:xfrm>
-                <a:prstGeom prst="line">
-                  <a:avLst/>
-                </a:prstGeom>
-                <a:ln w="28575">
-                  <a:solidFill>
-                    <a:schemeClr val="tx1"/>
-                  </a:solidFill>
-                </a:ln>
-              </p:spPr>
-              <p:style>
-                <a:lnRef idx="1">
-                  <a:schemeClr val="accent1"/>
-                </a:lnRef>
-                <a:fillRef idx="0">
-                  <a:schemeClr val="accent1"/>
-                </a:fillRef>
-                <a:effectRef idx="0">
-                  <a:schemeClr val="accent1"/>
-                </a:effectRef>
-                <a:fontRef idx="minor">
-                  <a:schemeClr val="tx1"/>
-                </a:fontRef>
-              </p:style>
-            </p:cxnSp>
-            <mc:AlternateContent xmlns:mc="http://schemas.openxmlformats.org/markup-compatibility/2006" xmlns:a14="http://schemas.microsoft.com/office/drawing/2010/main">
-              <mc:Choice Requires="a14">
-                <p:sp>
-                  <p:nvSpPr>
-                    <p:cNvPr id="102" name="TextBox 101"/>
-                    <p:cNvSpPr txBox="1"/>
-                    <p:nvPr/>
-                  </p:nvSpPr>
-                  <p:spPr>
-                    <a:xfrm>
-                      <a:off x="669550" y="5177060"/>
-                      <a:ext cx="248594" cy="246221"/>
-                    </a:xfrm>
-                    <a:prstGeom prst="rect">
-                      <a:avLst/>
-                    </a:prstGeom>
-                    <a:noFill/>
-                  </p:spPr>
-                  <p:txBody>
-                    <a:bodyPr wrap="none" lIns="0" tIns="0" rIns="0" bIns="0" rtlCol="0">
-                      <a:spAutoFit/>
-                    </a:bodyPr>
-                    <a:lstStyle/>
-                    <a:p>
-                      <a:pPr/>
-                      <a14:m>
-                        <m:oMathPara xmlns:m="http://schemas.openxmlformats.org/officeDocument/2006/math">
-                          <m:oMathParaPr>
-                            <m:jc m:val="centerGroup"/>
-                          </m:oMathParaPr>
-                          <m:oMath xmlns:m="http://schemas.openxmlformats.org/officeDocument/2006/math">
-                            <m:sSub>
-                              <m:sSubPr>
-                                <m:ctrlPr>
-                                  <a:rPr lang="en-CA" sz="1600" b="0" i="1" smtClean="0">
-                                    <a:latin typeface="Cambria Math" charset="0"/>
-                                  </a:rPr>
-                                </m:ctrlPr>
-                              </m:sSubPr>
-                              <m:e>
-                                <m:r>
-                                  <a:rPr lang="en-CA" sz="1600" b="0" i="1" smtClean="0">
-                                    <a:latin typeface="Cambria Math" charset="0"/>
-                                  </a:rPr>
-                                  <m:t>𝑥</m:t>
-                                </m:r>
-                              </m:e>
-                              <m:sub>
-                                <m:r>
-                                  <a:rPr lang="en-CA" sz="1600" b="0" i="1" smtClean="0">
-                                    <a:latin typeface="Cambria Math" charset="0"/>
-                                  </a:rPr>
-                                  <m:t>0</m:t>
-                                </m:r>
-                              </m:sub>
-                            </m:sSub>
-                          </m:oMath>
-                        </m:oMathPara>
-                      </a14:m>
-                      <a:endParaRPr lang="en-US" sz="1600" dirty="0"/>
-                    </a:p>
-                  </p:txBody>
-                </p:sp>
-              </mc:Choice>
-              <mc:Fallback xmlns="">
-                <p:sp>
-                  <p:nvSpPr>
-                    <p:cNvPr id="102" name="TextBox 101"/>
-                    <p:cNvSpPr txBox="1">
-                      <a:spLocks noRot="1" noChangeAspect="1" noMove="1" noResize="1" noEditPoints="1" noAdjustHandles="1" noChangeArrowheads="1" noChangeShapeType="1" noTextEdit="1"/>
-                    </p:cNvSpPr>
-                    <p:nvPr/>
-                  </p:nvSpPr>
-                  <p:spPr>
-                    <a:xfrm>
-                      <a:off x="669550" y="5177060"/>
-                      <a:ext cx="248594" cy="246221"/>
-                    </a:xfrm>
-                    <a:prstGeom prst="rect">
-                      <a:avLst/>
-                    </a:prstGeom>
-                    <a:blipFill rotWithShape="0">
-                      <a:blip r:embed="rId5"/>
-                      <a:stretch>
-                        <a:fillRect l="-12195" r="-7317" b="-12195"/>
-                      </a:stretch>
-                    </a:blipFill>
-                  </p:spPr>
-                  <p:txBody>
-                    <a:bodyPr/>
-                    <a:lstStyle/>
-                    <a:p>
-                      <a:r>
-                        <a:rPr lang="en-US">
-                          <a:noFill/>
-                        </a:rPr>
-                        <a:t> </a:t>
-                      </a:r>
-                    </a:p>
-                  </p:txBody>
-                </p:sp>
-              </mc:Fallback>
-            </mc:AlternateContent>
-            <p:grpSp>
-              <p:nvGrpSpPr>
-                <p:cNvPr id="115" name="Group 114"/>
-                <p:cNvGrpSpPr/>
-                <p:nvPr/>
-              </p:nvGrpSpPr>
-              <p:grpSpPr>
-                <a:xfrm>
-                  <a:off x="70077" y="3527813"/>
-                  <a:ext cx="3715484" cy="2913324"/>
-                  <a:chOff x="70077" y="3527813"/>
-                  <a:chExt cx="3715484" cy="2913324"/>
-                </a:xfrm>
-              </p:grpSpPr>
-              <p:cxnSp>
-                <p:nvCxnSpPr>
-                  <p:cNvPr id="92" name="Straight Arrow Connector 91"/>
-                  <p:cNvCxnSpPr/>
-                  <p:nvPr/>
-                </p:nvCxnSpPr>
-                <p:spPr>
-                  <a:xfrm>
-                    <a:off x="402413" y="3549240"/>
-                    <a:ext cx="0" cy="2733982"/>
-                  </a:xfrm>
-                  <a:prstGeom prst="straightConnector1">
-                    <a:avLst/>
-                  </a:prstGeom>
-                  <a:ln w="28575">
-                    <a:solidFill>
-                      <a:schemeClr val="tx1"/>
-                    </a:solidFill>
-                    <a:tailEnd type="triangle"/>
-                  </a:ln>
-                </p:spPr>
-                <p:style>
-                  <a:lnRef idx="1">
-                    <a:schemeClr val="accent1"/>
-                  </a:lnRef>
-                  <a:fillRef idx="0">
-                    <a:schemeClr val="accent1"/>
-                  </a:fillRef>
-                  <a:effectRef idx="0">
-                    <a:schemeClr val="accent1"/>
-                  </a:effectRef>
-                  <a:fontRef idx="minor">
-                    <a:schemeClr val="tx1"/>
-                  </a:fontRef>
-                </p:style>
-              </p:cxnSp>
-              <p:cxnSp>
-                <p:nvCxnSpPr>
-                  <p:cNvPr id="93" name="Straight Connector 92"/>
-                  <p:cNvCxnSpPr/>
-                  <p:nvPr/>
-                </p:nvCxnSpPr>
-                <p:spPr>
-                  <a:xfrm>
-                    <a:off x="246467" y="5296306"/>
-                    <a:ext cx="155944" cy="0"/>
-                  </a:xfrm>
-                  <a:prstGeom prst="line">
-                    <a:avLst/>
-                  </a:prstGeom>
-                  <a:ln w="28575">
-                    <a:solidFill>
-                      <a:schemeClr val="tx1"/>
-                    </a:solidFill>
-                  </a:ln>
-                </p:spPr>
-                <p:style>
-                  <a:lnRef idx="1">
-                    <a:schemeClr val="accent1"/>
-                  </a:lnRef>
-                  <a:fillRef idx="0">
-                    <a:schemeClr val="accent1"/>
-                  </a:fillRef>
-                  <a:effectRef idx="0">
-                    <a:schemeClr val="accent1"/>
-                  </a:effectRef>
-                  <a:fontRef idx="minor">
-                    <a:schemeClr val="tx1"/>
-                  </a:fontRef>
-                </p:style>
-              </p:cxnSp>
-              <mc:AlternateContent xmlns:mc="http://schemas.openxmlformats.org/markup-compatibility/2006" xmlns:a14="http://schemas.microsoft.com/office/drawing/2010/main">
-                <mc:Choice Requires="a14">
-                  <p:sp>
-                    <p:nvSpPr>
-                      <p:cNvPr id="94" name="TextBox 93"/>
-                      <p:cNvSpPr txBox="1"/>
-                      <p:nvPr/>
-                    </p:nvSpPr>
-                    <p:spPr>
-                      <a:xfrm>
-                        <a:off x="70350" y="5180338"/>
-                        <a:ext cx="160300" cy="246221"/>
-                      </a:xfrm>
-                      <a:prstGeom prst="rect">
-                        <a:avLst/>
-                      </a:prstGeom>
-                      <a:noFill/>
-                    </p:spPr>
-                    <p:txBody>
-                      <a:bodyPr wrap="none" lIns="0" tIns="0" rIns="0" bIns="0" rtlCol="0">
-                        <a:spAutoFit/>
-                      </a:bodyPr>
-                      <a:lstStyle/>
-                      <a:p>
-                        <a:pPr/>
-                        <a14:m>
-                          <m:oMathPara xmlns:m="http://schemas.openxmlformats.org/officeDocument/2006/math">
-                            <m:oMathParaPr>
-                              <m:jc m:val="centerGroup"/>
-                            </m:oMathParaPr>
-                            <m:oMath xmlns:m="http://schemas.openxmlformats.org/officeDocument/2006/math">
-                              <m:r>
-                                <a:rPr lang="en-CA" sz="1600" b="0" i="1" smtClean="0">
-                                  <a:latin typeface="Cambria Math" charset="0"/>
-                                </a:rPr>
-                                <m:t>0</m:t>
-                              </m:r>
-                            </m:oMath>
-                          </m:oMathPara>
-                        </a14:m>
-                        <a:endParaRPr lang="en-US" sz="1600" dirty="0"/>
-                      </a:p>
-                    </p:txBody>
-                  </p:sp>
-                </mc:Choice>
-                <mc:Fallback xmlns="">
-                  <p:sp>
-                    <p:nvSpPr>
-                      <p:cNvPr id="94" name="TextBox 93"/>
-                      <p:cNvSpPr txBox="1">
-                        <a:spLocks noRot="1" noChangeAspect="1" noMove="1" noResize="1" noEditPoints="1" noAdjustHandles="1" noChangeArrowheads="1" noChangeShapeType="1" noTextEdit="1"/>
-                      </p:cNvSpPr>
-                      <p:nvPr/>
-                    </p:nvSpPr>
-                    <p:spPr>
-                      <a:xfrm>
-                        <a:off x="70350" y="5180338"/>
-                        <a:ext cx="160300" cy="246221"/>
-                      </a:xfrm>
-                      <a:prstGeom prst="rect">
-                        <a:avLst/>
-                      </a:prstGeom>
-                      <a:blipFill rotWithShape="0">
-                        <a:blip r:embed="rId6"/>
-                        <a:stretch>
-                          <a:fillRect l="-30769" r="-30769" b="-10000"/>
-                        </a:stretch>
-                      </a:blipFill>
-                    </p:spPr>
-                    <p:txBody>
-                      <a:bodyPr/>
-                      <a:lstStyle/>
-                      <a:p>
-                        <a:r>
-                          <a:rPr lang="en-US">
-                            <a:noFill/>
-                          </a:rPr>
-                          <a:t> </a:t>
-                        </a:r>
-                      </a:p>
-                    </p:txBody>
-                  </p:sp>
-                </mc:Fallback>
-              </mc:AlternateContent>
-              <mc:AlternateContent xmlns:mc="http://schemas.openxmlformats.org/markup-compatibility/2006" xmlns:a14="http://schemas.microsoft.com/office/drawing/2010/main">
-                <mc:Choice Requires="a14">
-                  <p:sp>
-                    <p:nvSpPr>
-                      <p:cNvPr id="95" name="TextBox 94"/>
-                      <p:cNvSpPr txBox="1"/>
-                      <p:nvPr/>
-                    </p:nvSpPr>
-                    <p:spPr>
-                      <a:xfrm>
-                        <a:off x="126414" y="6181814"/>
-                        <a:ext cx="208390" cy="246221"/>
-                      </a:xfrm>
-                      <a:prstGeom prst="rect">
-                        <a:avLst/>
-                      </a:prstGeom>
-                      <a:noFill/>
-                    </p:spPr>
-                    <p:txBody>
-                      <a:bodyPr wrap="none" lIns="0" tIns="0" rIns="0" bIns="0" rtlCol="0">
-                        <a:spAutoFit/>
-                      </a:bodyPr>
-                      <a:lstStyle/>
-                      <a:p>
-                        <a:pPr/>
-                        <a14:m>
-                          <m:oMathPara xmlns:m="http://schemas.openxmlformats.org/officeDocument/2006/math">
-                            <m:oMathParaPr>
-                              <m:jc m:val="centerGroup"/>
-                            </m:oMathParaPr>
-                            <m:oMath xmlns:m="http://schemas.openxmlformats.org/officeDocument/2006/math">
-                              <m:r>
-                                <a:rPr lang="en-CA" sz="1600" b="0" i="1" smtClean="0">
-                                  <a:latin typeface="Cambria Math" charset="0"/>
-                                </a:rPr>
-                                <m:t>𝑥</m:t>
-                              </m:r>
-                              <m:r>
-                                <a:rPr lang="en-CA" sz="1600" b="0" i="1" smtClean="0">
-                                  <a:latin typeface="Cambria Math" charset="0"/>
-                                </a:rPr>
-                                <m:t>′</m:t>
-                              </m:r>
-                            </m:oMath>
-                          </m:oMathPara>
-                        </a14:m>
-                        <a:endParaRPr lang="en-US" sz="1600" dirty="0"/>
-                      </a:p>
-                    </p:txBody>
-                  </p:sp>
-                </mc:Choice>
-                <mc:Fallback xmlns="">
-                  <p:sp>
-                    <p:nvSpPr>
-                      <p:cNvPr id="95" name="TextBox 94"/>
-                      <p:cNvSpPr txBox="1">
-                        <a:spLocks noRot="1" noChangeAspect="1" noMove="1" noResize="1" noEditPoints="1" noAdjustHandles="1" noChangeArrowheads="1" noChangeShapeType="1" noTextEdit="1"/>
-                      </p:cNvSpPr>
-                      <p:nvPr/>
-                    </p:nvSpPr>
-                    <p:spPr>
-                      <a:xfrm>
-                        <a:off x="126414" y="6181814"/>
-                        <a:ext cx="208390" cy="246221"/>
-                      </a:xfrm>
-                      <a:prstGeom prst="rect">
-                        <a:avLst/>
-                      </a:prstGeom>
-                      <a:blipFill rotWithShape="0">
-                        <a:blip r:embed="rId7"/>
-                        <a:stretch>
-                          <a:fillRect l="-26471" t="-2500" r="-29412" b="-10000"/>
-                        </a:stretch>
-                      </a:blipFill>
-                    </p:spPr>
-                    <p:txBody>
-                      <a:bodyPr/>
-                      <a:lstStyle/>
-                      <a:p>
-                        <a:r>
-                          <a:rPr lang="en-US">
-                            <a:noFill/>
-                          </a:rPr>
-                          <a:t> </a:t>
-                        </a:r>
-                      </a:p>
-                    </p:txBody>
-                  </p:sp>
-                </mc:Fallback>
-              </mc:AlternateContent>
-              <p:cxnSp>
-                <p:nvCxnSpPr>
-                  <p:cNvPr id="100" name="Straight Connector 99"/>
-                  <p:cNvCxnSpPr/>
-                  <p:nvPr/>
-                </p:nvCxnSpPr>
-                <p:spPr>
-                  <a:xfrm>
-                    <a:off x="240767" y="5592723"/>
-                    <a:ext cx="155944" cy="0"/>
-                  </a:xfrm>
-                  <a:prstGeom prst="line">
-                    <a:avLst/>
-                  </a:prstGeom>
-                  <a:ln w="28575">
-                    <a:solidFill>
-                      <a:schemeClr val="tx1"/>
-                    </a:solidFill>
-                  </a:ln>
-                </p:spPr>
-                <p:style>
-                  <a:lnRef idx="1">
-                    <a:schemeClr val="accent1"/>
-                  </a:lnRef>
-                  <a:fillRef idx="0">
-                    <a:schemeClr val="accent1"/>
-                  </a:fillRef>
-                  <a:effectRef idx="0">
-                    <a:schemeClr val="accent1"/>
-                  </a:effectRef>
-                  <a:fontRef idx="minor">
-                    <a:schemeClr val="tx1"/>
-                  </a:fontRef>
-                </p:style>
-              </p:cxnSp>
-              <mc:AlternateContent xmlns:mc="http://schemas.openxmlformats.org/markup-compatibility/2006" xmlns:a14="http://schemas.microsoft.com/office/drawing/2010/main">
-                <mc:Choice Requires="a14">
-                  <p:sp>
-                    <p:nvSpPr>
-                      <p:cNvPr id="103" name="TextBox 102"/>
-                      <p:cNvSpPr txBox="1"/>
-                      <p:nvPr/>
-                    </p:nvSpPr>
-                    <p:spPr>
-                      <a:xfrm>
-                        <a:off x="70077" y="5475323"/>
-                        <a:ext cx="178318" cy="246221"/>
-                      </a:xfrm>
-                      <a:prstGeom prst="rect">
-                        <a:avLst/>
-                      </a:prstGeom>
-                      <a:noFill/>
-                    </p:spPr>
-                    <p:txBody>
-                      <a:bodyPr wrap="none" lIns="0" tIns="0" rIns="0" bIns="0" rtlCol="0">
-                        <a:spAutoFit/>
-                      </a:bodyPr>
-                      <a:lstStyle/>
-                      <a:p>
-                        <a:pPr/>
-                        <a14:m>
-                          <m:oMathPara xmlns:m="http://schemas.openxmlformats.org/officeDocument/2006/math">
-                            <m:oMathParaPr>
-                              <m:jc m:val="centerGroup"/>
-                            </m:oMathParaPr>
-                            <m:oMath xmlns:m="http://schemas.openxmlformats.org/officeDocument/2006/math">
-                              <m:r>
-                                <a:rPr lang="en-CA" sz="1600" b="0" i="1" smtClean="0">
-                                  <a:latin typeface="Cambria Math" charset="0"/>
-                                </a:rPr>
-                                <m:t>𝐴</m:t>
-                              </m:r>
-                            </m:oMath>
-                          </m:oMathPara>
-                        </a14:m>
-                        <a:endParaRPr lang="en-US" sz="1600" dirty="0"/>
-                      </a:p>
-                    </p:txBody>
-                  </p:sp>
-                </mc:Choice>
-                <mc:Fallback xmlns="">
-                  <p:sp>
-                    <p:nvSpPr>
-                      <p:cNvPr id="103" name="TextBox 102"/>
-                      <p:cNvSpPr txBox="1">
-                        <a:spLocks noRot="1" noChangeAspect="1" noMove="1" noResize="1" noEditPoints="1" noAdjustHandles="1" noChangeArrowheads="1" noChangeShapeType="1" noTextEdit="1"/>
-                      </p:cNvSpPr>
-                      <p:nvPr/>
-                    </p:nvSpPr>
-                    <p:spPr>
-                      <a:xfrm>
-                        <a:off x="70077" y="5475323"/>
-                        <a:ext cx="178318" cy="246221"/>
-                      </a:xfrm>
-                      <a:prstGeom prst="rect">
-                        <a:avLst/>
-                      </a:prstGeom>
-                      <a:blipFill rotWithShape="0">
-                        <a:blip r:embed="rId8"/>
-                        <a:stretch>
-                          <a:fillRect l="-23333" r="-23333" b="-4878"/>
-                        </a:stretch>
-                      </a:blipFill>
-                    </p:spPr>
-                    <p:txBody>
-                      <a:bodyPr/>
-                      <a:lstStyle/>
-                      <a:p>
-                        <a:r>
-                          <a:rPr lang="en-US">
-                            <a:noFill/>
-                          </a:rPr>
-                          <a:t> </a:t>
-                        </a:r>
-                      </a:p>
-                    </p:txBody>
-                  </p:sp>
-                </mc:Fallback>
-              </mc:AlternateContent>
-              <p:cxnSp>
-                <p:nvCxnSpPr>
-                  <p:cNvPr id="104" name="Straight Connector 103"/>
-                  <p:cNvCxnSpPr/>
-                  <p:nvPr/>
-                </p:nvCxnSpPr>
-                <p:spPr>
-                  <a:xfrm>
-                    <a:off x="362056" y="5590469"/>
-                    <a:ext cx="2921216" cy="2254"/>
-                  </a:xfrm>
-                  <a:prstGeom prst="line">
-                    <a:avLst/>
-                  </a:prstGeom>
-                  <a:ln w="28575">
-                    <a:solidFill>
-                      <a:schemeClr val="tx1"/>
-                    </a:solidFill>
-                    <a:prstDash val="sysDash"/>
-                  </a:ln>
-                </p:spPr>
-                <p:style>
-                  <a:lnRef idx="1">
-                    <a:schemeClr val="accent1"/>
-                  </a:lnRef>
-                  <a:fillRef idx="0">
-                    <a:schemeClr val="accent1"/>
-                  </a:fillRef>
-                  <a:effectRef idx="0">
-                    <a:schemeClr val="accent1"/>
-                  </a:effectRef>
-                  <a:fontRef idx="minor">
-                    <a:schemeClr val="tx1"/>
-                  </a:fontRef>
-                </p:style>
-              </p:cxnSp>
-              <mc:AlternateContent xmlns:mc="http://schemas.openxmlformats.org/markup-compatibility/2006" xmlns:a14="http://schemas.microsoft.com/office/drawing/2010/main">
-                <mc:Choice Requires="a14">
-                  <p:sp>
-                    <p:nvSpPr>
-                      <p:cNvPr id="108" name="TextBox 107"/>
-                      <p:cNvSpPr txBox="1"/>
-                      <p:nvPr/>
-                    </p:nvSpPr>
-                    <p:spPr>
-                      <a:xfrm>
-                        <a:off x="3115857" y="5242390"/>
-                        <a:ext cx="468408" cy="246221"/>
-                      </a:xfrm>
-                      <a:prstGeom prst="rect">
-                        <a:avLst/>
-                      </a:prstGeom>
-                      <a:noFill/>
-                    </p:spPr>
-                    <p:txBody>
-                      <a:bodyPr wrap="square" lIns="0" tIns="0" rIns="0" bIns="0" rtlCol="0">
-                        <a:spAutoFit/>
-                      </a:bodyPr>
-                      <a:lstStyle/>
-                      <a:p>
-                        <a:pPr/>
-                        <a14:m>
-                          <m:oMathPara xmlns:m="http://schemas.openxmlformats.org/officeDocument/2006/math">
-                            <m:oMathParaPr>
-                              <m:jc m:val="centerGroup"/>
-                            </m:oMathParaPr>
-                            <m:oMath xmlns:m="http://schemas.openxmlformats.org/officeDocument/2006/math">
-                              <m:r>
-                                <a:rPr lang="en-CA" sz="1600" b="0" i="1" smtClean="0">
-                                  <a:latin typeface="Cambria Math" charset="0"/>
-                                </a:rPr>
-                                <m:t>0.50 </m:t>
-                              </m:r>
-                              <m:r>
-                                <m:rPr>
-                                  <m:nor/>
-                                </m:rPr>
-                                <a:rPr lang="en-CA" sz="1600" b="0" i="0" smtClean="0">
-                                  <a:latin typeface="Cambria Math" charset="0"/>
-                                </a:rPr>
-                                <m:t>m</m:t>
-                              </m:r>
-                            </m:oMath>
-                          </m:oMathPara>
-                        </a14:m>
-                        <a:endParaRPr lang="en-US" sz="1600" dirty="0"/>
-                      </a:p>
-                    </p:txBody>
-                  </p:sp>
-                </mc:Choice>
-                <mc:Fallback xmlns="">
-                  <p:sp>
-                    <p:nvSpPr>
-                      <p:cNvPr id="108" name="TextBox 107"/>
-                      <p:cNvSpPr txBox="1">
-                        <a:spLocks noRot="1" noChangeAspect="1" noMove="1" noResize="1" noEditPoints="1" noAdjustHandles="1" noChangeArrowheads="1" noChangeShapeType="1" noTextEdit="1"/>
-                      </p:cNvSpPr>
-                      <p:nvPr/>
-                    </p:nvSpPr>
-                    <p:spPr>
-                      <a:xfrm>
-                        <a:off x="3115857" y="5242390"/>
-                        <a:ext cx="468408" cy="246221"/>
-                      </a:xfrm>
-                      <a:prstGeom prst="rect">
-                        <a:avLst/>
-                      </a:prstGeom>
-                      <a:blipFill rotWithShape="0">
-                        <a:blip r:embed="rId9"/>
-                        <a:stretch>
-                          <a:fillRect l="-15584" t="-142500" r="-37662" b="-177500"/>
-                        </a:stretch>
-                      </a:blipFill>
-                    </p:spPr>
-                    <p:txBody>
-                      <a:bodyPr/>
-                      <a:lstStyle/>
-                      <a:p>
-                        <a:r>
-                          <a:rPr lang="en-US">
-                            <a:noFill/>
-                          </a:rPr>
-                          <a:t> </a:t>
-                        </a:r>
-                      </a:p>
-                    </p:txBody>
-                  </p:sp>
-                </mc:Fallback>
-              </mc:AlternateContent>
-              <p:grpSp>
-                <p:nvGrpSpPr>
-                  <p:cNvPr id="111" name="Group 110"/>
-                  <p:cNvGrpSpPr/>
-                  <p:nvPr/>
-                </p:nvGrpSpPr>
-                <p:grpSpPr>
-                  <a:xfrm>
-                    <a:off x="700136" y="3527813"/>
-                    <a:ext cx="3085425" cy="2913324"/>
-                    <a:chOff x="700136" y="3527813"/>
-                    <a:chExt cx="3085425" cy="2913324"/>
-                  </a:xfrm>
-                </p:grpSpPr>
-                <p:grpSp>
-                  <p:nvGrpSpPr>
-                    <p:cNvPr id="77" name="Group 76"/>
-                    <p:cNvGrpSpPr/>
-                    <p:nvPr/>
-                  </p:nvGrpSpPr>
-                  <p:grpSpPr>
-                    <a:xfrm>
-                      <a:off x="700136" y="3527813"/>
-                      <a:ext cx="3085425" cy="2913324"/>
-                      <a:chOff x="2185672" y="2992748"/>
-                      <a:chExt cx="3085425" cy="2913324"/>
-                    </a:xfrm>
-                  </p:grpSpPr>
-                  <p:grpSp>
-                    <p:nvGrpSpPr>
-                      <p:cNvPr id="78" name="Group 77"/>
-                      <p:cNvGrpSpPr/>
-                      <p:nvPr/>
-                    </p:nvGrpSpPr>
-                    <p:grpSpPr>
-                      <a:xfrm>
-                        <a:off x="2699502" y="2992748"/>
-                        <a:ext cx="1513600" cy="2733983"/>
-                        <a:chOff x="4541395" y="530984"/>
-                        <a:chExt cx="2411306" cy="4132224"/>
-                      </a:xfrm>
-                    </p:grpSpPr>
-                    <p:sp>
-                      <p:nvSpPr>
-                        <p:cNvPr id="85" name="Freeform 84"/>
-                        <p:cNvSpPr/>
-                        <p:nvPr/>
-                      </p:nvSpPr>
-                      <p:spPr>
-                        <a:xfrm>
-                          <a:off x="5380200" y="3425898"/>
-                          <a:ext cx="592107" cy="1237310"/>
-                        </a:xfrm>
-                        <a:custGeom>
-                          <a:avLst/>
-                          <a:gdLst>
-                            <a:gd name="connsiteX0" fmla="*/ 839972 w 906872"/>
-                            <a:gd name="connsiteY0" fmla="*/ 0 h 2211572"/>
-                            <a:gd name="connsiteX1" fmla="*/ 0 w 906872"/>
-                            <a:gd name="connsiteY1" fmla="*/ 106325 h 2211572"/>
-                            <a:gd name="connsiteX2" fmla="*/ 839972 w 906872"/>
-                            <a:gd name="connsiteY2" fmla="*/ 340242 h 2211572"/>
-                            <a:gd name="connsiteX3" fmla="*/ 42531 w 906872"/>
-                            <a:gd name="connsiteY3" fmla="*/ 489097 h 2211572"/>
-                            <a:gd name="connsiteX4" fmla="*/ 839972 w 906872"/>
-                            <a:gd name="connsiteY4" fmla="*/ 733646 h 2211572"/>
-                            <a:gd name="connsiteX5" fmla="*/ 53163 w 906872"/>
-                            <a:gd name="connsiteY5" fmla="*/ 861237 h 2211572"/>
-                            <a:gd name="connsiteX6" fmla="*/ 861237 w 906872"/>
-                            <a:gd name="connsiteY6" fmla="*/ 1148316 h 2211572"/>
-                            <a:gd name="connsiteX7" fmla="*/ 74428 w 906872"/>
-                            <a:gd name="connsiteY7" fmla="*/ 1275907 h 2211572"/>
-                            <a:gd name="connsiteX8" fmla="*/ 871870 w 906872"/>
-                            <a:gd name="connsiteY8" fmla="*/ 1541721 h 2211572"/>
-                            <a:gd name="connsiteX9" fmla="*/ 116958 w 906872"/>
-                            <a:gd name="connsiteY9" fmla="*/ 1701209 h 2211572"/>
-                            <a:gd name="connsiteX10" fmla="*/ 850605 w 906872"/>
-                            <a:gd name="connsiteY10" fmla="*/ 1860697 h 2211572"/>
-                            <a:gd name="connsiteX11" fmla="*/ 191386 w 906872"/>
-                            <a:gd name="connsiteY11" fmla="*/ 2009553 h 2211572"/>
-                            <a:gd name="connsiteX12" fmla="*/ 903768 w 906872"/>
-                            <a:gd name="connsiteY12" fmla="*/ 2147777 h 2211572"/>
-                            <a:gd name="connsiteX13" fmla="*/ 467833 w 906872"/>
-                            <a:gd name="connsiteY13" fmla="*/ 2211572 h 2211572"/>
-                            <a:gd name="connsiteX0" fmla="*/ 839972 w 908842"/>
-                            <a:gd name="connsiteY0" fmla="*/ 0 h 2211572"/>
-                            <a:gd name="connsiteX1" fmla="*/ 0 w 908842"/>
-                            <a:gd name="connsiteY1" fmla="*/ 106325 h 2211572"/>
-                            <a:gd name="connsiteX2" fmla="*/ 839972 w 908842"/>
-                            <a:gd name="connsiteY2" fmla="*/ 340242 h 2211572"/>
-                            <a:gd name="connsiteX3" fmla="*/ 42531 w 908842"/>
-                            <a:gd name="connsiteY3" fmla="*/ 489097 h 2211572"/>
-                            <a:gd name="connsiteX4" fmla="*/ 839972 w 908842"/>
-                            <a:gd name="connsiteY4" fmla="*/ 733646 h 2211572"/>
-                            <a:gd name="connsiteX5" fmla="*/ 53163 w 908842"/>
-                            <a:gd name="connsiteY5" fmla="*/ 861237 h 2211572"/>
-                            <a:gd name="connsiteX6" fmla="*/ 861237 w 908842"/>
-                            <a:gd name="connsiteY6" fmla="*/ 1148316 h 2211572"/>
-                            <a:gd name="connsiteX7" fmla="*/ 74428 w 908842"/>
-                            <a:gd name="connsiteY7" fmla="*/ 1275907 h 2211572"/>
-                            <a:gd name="connsiteX8" fmla="*/ 871870 w 908842"/>
-                            <a:gd name="connsiteY8" fmla="*/ 1541721 h 2211572"/>
-                            <a:gd name="connsiteX9" fmla="*/ 116958 w 908842"/>
-                            <a:gd name="connsiteY9" fmla="*/ 1701209 h 2211572"/>
-                            <a:gd name="connsiteX10" fmla="*/ 850605 w 908842"/>
-                            <a:gd name="connsiteY10" fmla="*/ 1860697 h 2211572"/>
-                            <a:gd name="connsiteX11" fmla="*/ 106325 w 908842"/>
-                            <a:gd name="connsiteY11" fmla="*/ 2020186 h 2211572"/>
-                            <a:gd name="connsiteX12" fmla="*/ 903768 w 908842"/>
-                            <a:gd name="connsiteY12" fmla="*/ 2147777 h 2211572"/>
-                            <a:gd name="connsiteX13" fmla="*/ 467833 w 908842"/>
-                            <a:gd name="connsiteY13" fmla="*/ 2211572 h 2211572"/>
-                            <a:gd name="connsiteX0" fmla="*/ 797441 w 866311"/>
-                            <a:gd name="connsiteY0" fmla="*/ 0 h 2211572"/>
-                            <a:gd name="connsiteX1" fmla="*/ 53162 w 866311"/>
-                            <a:gd name="connsiteY1" fmla="*/ 116957 h 2211572"/>
-                            <a:gd name="connsiteX2" fmla="*/ 797441 w 866311"/>
-                            <a:gd name="connsiteY2" fmla="*/ 340242 h 2211572"/>
-                            <a:gd name="connsiteX3" fmla="*/ 0 w 866311"/>
-                            <a:gd name="connsiteY3" fmla="*/ 489097 h 2211572"/>
-                            <a:gd name="connsiteX4" fmla="*/ 797441 w 866311"/>
-                            <a:gd name="connsiteY4" fmla="*/ 733646 h 2211572"/>
-                            <a:gd name="connsiteX5" fmla="*/ 10632 w 866311"/>
-                            <a:gd name="connsiteY5" fmla="*/ 861237 h 2211572"/>
-                            <a:gd name="connsiteX6" fmla="*/ 818706 w 866311"/>
-                            <a:gd name="connsiteY6" fmla="*/ 1148316 h 2211572"/>
-                            <a:gd name="connsiteX7" fmla="*/ 31897 w 866311"/>
-                            <a:gd name="connsiteY7" fmla="*/ 1275907 h 2211572"/>
-                            <a:gd name="connsiteX8" fmla="*/ 829339 w 866311"/>
-                            <a:gd name="connsiteY8" fmla="*/ 1541721 h 2211572"/>
-                            <a:gd name="connsiteX9" fmla="*/ 74427 w 866311"/>
-                            <a:gd name="connsiteY9" fmla="*/ 1701209 h 2211572"/>
-                            <a:gd name="connsiteX10" fmla="*/ 808074 w 866311"/>
-                            <a:gd name="connsiteY10" fmla="*/ 1860697 h 2211572"/>
-                            <a:gd name="connsiteX11" fmla="*/ 63794 w 866311"/>
-                            <a:gd name="connsiteY11" fmla="*/ 2020186 h 2211572"/>
-                            <a:gd name="connsiteX12" fmla="*/ 861237 w 866311"/>
-                            <a:gd name="connsiteY12" fmla="*/ 2147777 h 2211572"/>
-                            <a:gd name="connsiteX13" fmla="*/ 425302 w 866311"/>
-                            <a:gd name="connsiteY13" fmla="*/ 2211572 h 2211572"/>
-                            <a:gd name="connsiteX0" fmla="*/ 786821 w 855691"/>
-                            <a:gd name="connsiteY0" fmla="*/ 0 h 2211572"/>
-                            <a:gd name="connsiteX1" fmla="*/ 42542 w 855691"/>
-                            <a:gd name="connsiteY1" fmla="*/ 116957 h 2211572"/>
-                            <a:gd name="connsiteX2" fmla="*/ 786821 w 855691"/>
-                            <a:gd name="connsiteY2" fmla="*/ 340242 h 2211572"/>
-                            <a:gd name="connsiteX3" fmla="*/ 31910 w 855691"/>
-                            <a:gd name="connsiteY3" fmla="*/ 499730 h 2211572"/>
-                            <a:gd name="connsiteX4" fmla="*/ 786821 w 855691"/>
-                            <a:gd name="connsiteY4" fmla="*/ 733646 h 2211572"/>
-                            <a:gd name="connsiteX5" fmla="*/ 12 w 855691"/>
-                            <a:gd name="connsiteY5" fmla="*/ 861237 h 2211572"/>
-                            <a:gd name="connsiteX6" fmla="*/ 808086 w 855691"/>
-                            <a:gd name="connsiteY6" fmla="*/ 1148316 h 2211572"/>
-                            <a:gd name="connsiteX7" fmla="*/ 21277 w 855691"/>
-                            <a:gd name="connsiteY7" fmla="*/ 1275907 h 2211572"/>
-                            <a:gd name="connsiteX8" fmla="*/ 818719 w 855691"/>
-                            <a:gd name="connsiteY8" fmla="*/ 1541721 h 2211572"/>
-                            <a:gd name="connsiteX9" fmla="*/ 63807 w 855691"/>
-                            <a:gd name="connsiteY9" fmla="*/ 1701209 h 2211572"/>
-                            <a:gd name="connsiteX10" fmla="*/ 797454 w 855691"/>
-                            <a:gd name="connsiteY10" fmla="*/ 1860697 h 2211572"/>
-                            <a:gd name="connsiteX11" fmla="*/ 53174 w 855691"/>
-                            <a:gd name="connsiteY11" fmla="*/ 2020186 h 2211572"/>
-                            <a:gd name="connsiteX12" fmla="*/ 850617 w 855691"/>
-                            <a:gd name="connsiteY12" fmla="*/ 2147777 h 2211572"/>
-                            <a:gd name="connsiteX13" fmla="*/ 414682 w 855691"/>
-                            <a:gd name="connsiteY13" fmla="*/ 2211572 h 2211572"/>
-                            <a:gd name="connsiteX0" fmla="*/ 765547 w 834417"/>
-                            <a:gd name="connsiteY0" fmla="*/ 0 h 2211572"/>
-                            <a:gd name="connsiteX1" fmla="*/ 21268 w 834417"/>
-                            <a:gd name="connsiteY1" fmla="*/ 116957 h 2211572"/>
-                            <a:gd name="connsiteX2" fmla="*/ 765547 w 834417"/>
-                            <a:gd name="connsiteY2" fmla="*/ 340242 h 2211572"/>
-                            <a:gd name="connsiteX3" fmla="*/ 10636 w 834417"/>
-                            <a:gd name="connsiteY3" fmla="*/ 499730 h 2211572"/>
-                            <a:gd name="connsiteX4" fmla="*/ 765547 w 834417"/>
-                            <a:gd name="connsiteY4" fmla="*/ 733646 h 2211572"/>
-                            <a:gd name="connsiteX5" fmla="*/ 10635 w 834417"/>
-                            <a:gd name="connsiteY5" fmla="*/ 871870 h 2211572"/>
-                            <a:gd name="connsiteX6" fmla="*/ 786812 w 834417"/>
-                            <a:gd name="connsiteY6" fmla="*/ 1148316 h 2211572"/>
-                            <a:gd name="connsiteX7" fmla="*/ 3 w 834417"/>
-                            <a:gd name="connsiteY7" fmla="*/ 1275907 h 2211572"/>
-                            <a:gd name="connsiteX8" fmla="*/ 797445 w 834417"/>
-                            <a:gd name="connsiteY8" fmla="*/ 1541721 h 2211572"/>
-                            <a:gd name="connsiteX9" fmla="*/ 42533 w 834417"/>
-                            <a:gd name="connsiteY9" fmla="*/ 1701209 h 2211572"/>
-                            <a:gd name="connsiteX10" fmla="*/ 776180 w 834417"/>
-                            <a:gd name="connsiteY10" fmla="*/ 1860697 h 2211572"/>
-                            <a:gd name="connsiteX11" fmla="*/ 31900 w 834417"/>
-                            <a:gd name="connsiteY11" fmla="*/ 2020186 h 2211572"/>
-                            <a:gd name="connsiteX12" fmla="*/ 829343 w 834417"/>
-                            <a:gd name="connsiteY12" fmla="*/ 2147777 h 2211572"/>
-                            <a:gd name="connsiteX13" fmla="*/ 393408 w 834417"/>
-                            <a:gd name="connsiteY13" fmla="*/ 2211572 h 2211572"/>
-                            <a:gd name="connsiteX0" fmla="*/ 754925 w 823795"/>
-                            <a:gd name="connsiteY0" fmla="*/ 0 h 2211572"/>
-                            <a:gd name="connsiteX1" fmla="*/ 10646 w 823795"/>
-                            <a:gd name="connsiteY1" fmla="*/ 116957 h 2211572"/>
-                            <a:gd name="connsiteX2" fmla="*/ 754925 w 823795"/>
-                            <a:gd name="connsiteY2" fmla="*/ 340242 h 2211572"/>
-                            <a:gd name="connsiteX3" fmla="*/ 14 w 823795"/>
-                            <a:gd name="connsiteY3" fmla="*/ 499730 h 2211572"/>
-                            <a:gd name="connsiteX4" fmla="*/ 754925 w 823795"/>
-                            <a:gd name="connsiteY4" fmla="*/ 733646 h 2211572"/>
-                            <a:gd name="connsiteX5" fmla="*/ 13 w 823795"/>
-                            <a:gd name="connsiteY5" fmla="*/ 871870 h 2211572"/>
-                            <a:gd name="connsiteX6" fmla="*/ 776190 w 823795"/>
-                            <a:gd name="connsiteY6" fmla="*/ 1148316 h 2211572"/>
-                            <a:gd name="connsiteX7" fmla="*/ 10646 w 823795"/>
-                            <a:gd name="connsiteY7" fmla="*/ 1286539 h 2211572"/>
-                            <a:gd name="connsiteX8" fmla="*/ 786823 w 823795"/>
-                            <a:gd name="connsiteY8" fmla="*/ 1541721 h 2211572"/>
-                            <a:gd name="connsiteX9" fmla="*/ 31911 w 823795"/>
-                            <a:gd name="connsiteY9" fmla="*/ 1701209 h 2211572"/>
-                            <a:gd name="connsiteX10" fmla="*/ 765558 w 823795"/>
-                            <a:gd name="connsiteY10" fmla="*/ 1860697 h 2211572"/>
-                            <a:gd name="connsiteX11" fmla="*/ 21278 w 823795"/>
-                            <a:gd name="connsiteY11" fmla="*/ 2020186 h 2211572"/>
-                            <a:gd name="connsiteX12" fmla="*/ 818721 w 823795"/>
-                            <a:gd name="connsiteY12" fmla="*/ 2147777 h 2211572"/>
-                            <a:gd name="connsiteX13" fmla="*/ 382786 w 823795"/>
-                            <a:gd name="connsiteY13" fmla="*/ 2211572 h 2211572"/>
-                            <a:gd name="connsiteX0" fmla="*/ 754925 w 823795"/>
-                            <a:gd name="connsiteY0" fmla="*/ 0 h 2211572"/>
-                            <a:gd name="connsiteX1" fmla="*/ 10646 w 823795"/>
-                            <a:gd name="connsiteY1" fmla="*/ 116957 h 2211572"/>
-                            <a:gd name="connsiteX2" fmla="*/ 754925 w 823795"/>
-                            <a:gd name="connsiteY2" fmla="*/ 340242 h 2211572"/>
-                            <a:gd name="connsiteX3" fmla="*/ 14 w 823795"/>
-                            <a:gd name="connsiteY3" fmla="*/ 467832 h 2211572"/>
-                            <a:gd name="connsiteX4" fmla="*/ 754925 w 823795"/>
-                            <a:gd name="connsiteY4" fmla="*/ 733646 h 2211572"/>
-                            <a:gd name="connsiteX5" fmla="*/ 13 w 823795"/>
-                            <a:gd name="connsiteY5" fmla="*/ 871870 h 2211572"/>
-                            <a:gd name="connsiteX6" fmla="*/ 776190 w 823795"/>
-                            <a:gd name="connsiteY6" fmla="*/ 1148316 h 2211572"/>
-                            <a:gd name="connsiteX7" fmla="*/ 10646 w 823795"/>
-                            <a:gd name="connsiteY7" fmla="*/ 1286539 h 2211572"/>
-                            <a:gd name="connsiteX8" fmla="*/ 786823 w 823795"/>
-                            <a:gd name="connsiteY8" fmla="*/ 1541721 h 2211572"/>
-                            <a:gd name="connsiteX9" fmla="*/ 31911 w 823795"/>
-                            <a:gd name="connsiteY9" fmla="*/ 1701209 h 2211572"/>
-                            <a:gd name="connsiteX10" fmla="*/ 765558 w 823795"/>
-                            <a:gd name="connsiteY10" fmla="*/ 1860697 h 2211572"/>
-                            <a:gd name="connsiteX11" fmla="*/ 21278 w 823795"/>
-                            <a:gd name="connsiteY11" fmla="*/ 2020186 h 2211572"/>
-                            <a:gd name="connsiteX12" fmla="*/ 818721 w 823795"/>
-                            <a:gd name="connsiteY12" fmla="*/ 2147777 h 2211572"/>
-                            <a:gd name="connsiteX13" fmla="*/ 382786 w 823795"/>
-                            <a:gd name="connsiteY13" fmla="*/ 2211572 h 2211572"/>
-                            <a:gd name="connsiteX0" fmla="*/ 754925 w 823795"/>
-                            <a:gd name="connsiteY0" fmla="*/ 0 h 2211572"/>
-                            <a:gd name="connsiteX1" fmla="*/ 10646 w 823795"/>
-                            <a:gd name="connsiteY1" fmla="*/ 116957 h 2211572"/>
-                            <a:gd name="connsiteX2" fmla="*/ 754925 w 823795"/>
-                            <a:gd name="connsiteY2" fmla="*/ 340242 h 2211572"/>
-                            <a:gd name="connsiteX3" fmla="*/ 14 w 823795"/>
-                            <a:gd name="connsiteY3" fmla="*/ 467832 h 2211572"/>
-                            <a:gd name="connsiteX4" fmla="*/ 754925 w 823795"/>
-                            <a:gd name="connsiteY4" fmla="*/ 733646 h 2211572"/>
-                            <a:gd name="connsiteX5" fmla="*/ 13 w 823795"/>
-                            <a:gd name="connsiteY5" fmla="*/ 797442 h 2211572"/>
-                            <a:gd name="connsiteX6" fmla="*/ 776190 w 823795"/>
-                            <a:gd name="connsiteY6" fmla="*/ 1148316 h 2211572"/>
-                            <a:gd name="connsiteX7" fmla="*/ 10646 w 823795"/>
-                            <a:gd name="connsiteY7" fmla="*/ 1286539 h 2211572"/>
-                            <a:gd name="connsiteX8" fmla="*/ 786823 w 823795"/>
-                            <a:gd name="connsiteY8" fmla="*/ 1541721 h 2211572"/>
-                            <a:gd name="connsiteX9" fmla="*/ 31911 w 823795"/>
-                            <a:gd name="connsiteY9" fmla="*/ 1701209 h 2211572"/>
-                            <a:gd name="connsiteX10" fmla="*/ 765558 w 823795"/>
-                            <a:gd name="connsiteY10" fmla="*/ 1860697 h 2211572"/>
-                            <a:gd name="connsiteX11" fmla="*/ 21278 w 823795"/>
-                            <a:gd name="connsiteY11" fmla="*/ 2020186 h 2211572"/>
-                            <a:gd name="connsiteX12" fmla="*/ 818721 w 823795"/>
-                            <a:gd name="connsiteY12" fmla="*/ 2147777 h 2211572"/>
-                            <a:gd name="connsiteX13" fmla="*/ 382786 w 823795"/>
-                            <a:gd name="connsiteY13" fmla="*/ 2211572 h 2211572"/>
-                            <a:gd name="connsiteX0" fmla="*/ 754925 w 823795"/>
-                            <a:gd name="connsiteY0" fmla="*/ 0 h 2211572"/>
-                            <a:gd name="connsiteX1" fmla="*/ 10646 w 823795"/>
-                            <a:gd name="connsiteY1" fmla="*/ 116957 h 2211572"/>
-                            <a:gd name="connsiteX2" fmla="*/ 754925 w 823795"/>
-                            <a:gd name="connsiteY2" fmla="*/ 340242 h 2211572"/>
-                            <a:gd name="connsiteX3" fmla="*/ 14 w 823795"/>
-                            <a:gd name="connsiteY3" fmla="*/ 467832 h 2211572"/>
-                            <a:gd name="connsiteX4" fmla="*/ 754925 w 823795"/>
-                            <a:gd name="connsiteY4" fmla="*/ 733646 h 2211572"/>
-                            <a:gd name="connsiteX5" fmla="*/ 13 w 823795"/>
-                            <a:gd name="connsiteY5" fmla="*/ 797442 h 2211572"/>
-                            <a:gd name="connsiteX6" fmla="*/ 776190 w 823795"/>
-                            <a:gd name="connsiteY6" fmla="*/ 1148316 h 2211572"/>
-                            <a:gd name="connsiteX7" fmla="*/ 10646 w 823795"/>
-                            <a:gd name="connsiteY7" fmla="*/ 1201478 h 2211572"/>
-                            <a:gd name="connsiteX8" fmla="*/ 786823 w 823795"/>
-                            <a:gd name="connsiteY8" fmla="*/ 1541721 h 2211572"/>
-                            <a:gd name="connsiteX9" fmla="*/ 31911 w 823795"/>
-                            <a:gd name="connsiteY9" fmla="*/ 1701209 h 2211572"/>
-                            <a:gd name="connsiteX10" fmla="*/ 765558 w 823795"/>
-                            <a:gd name="connsiteY10" fmla="*/ 1860697 h 2211572"/>
-                            <a:gd name="connsiteX11" fmla="*/ 21278 w 823795"/>
-                            <a:gd name="connsiteY11" fmla="*/ 2020186 h 2211572"/>
-                            <a:gd name="connsiteX12" fmla="*/ 818721 w 823795"/>
-                            <a:gd name="connsiteY12" fmla="*/ 2147777 h 2211572"/>
-                            <a:gd name="connsiteX13" fmla="*/ 382786 w 823795"/>
-                            <a:gd name="connsiteY13" fmla="*/ 2211572 h 2211572"/>
-                            <a:gd name="connsiteX0" fmla="*/ 754925 w 823795"/>
-                            <a:gd name="connsiteY0" fmla="*/ 0 h 2211572"/>
-                            <a:gd name="connsiteX1" fmla="*/ 10646 w 823795"/>
-                            <a:gd name="connsiteY1" fmla="*/ 116957 h 2211572"/>
-                            <a:gd name="connsiteX2" fmla="*/ 754925 w 823795"/>
-                            <a:gd name="connsiteY2" fmla="*/ 340242 h 2211572"/>
-                            <a:gd name="connsiteX3" fmla="*/ 14 w 823795"/>
-                            <a:gd name="connsiteY3" fmla="*/ 467832 h 2211572"/>
-                            <a:gd name="connsiteX4" fmla="*/ 754925 w 823795"/>
-                            <a:gd name="connsiteY4" fmla="*/ 733646 h 2211572"/>
-                            <a:gd name="connsiteX5" fmla="*/ 13 w 823795"/>
-                            <a:gd name="connsiteY5" fmla="*/ 797442 h 2211572"/>
-                            <a:gd name="connsiteX6" fmla="*/ 776190 w 823795"/>
-                            <a:gd name="connsiteY6" fmla="*/ 1148316 h 2211572"/>
-                            <a:gd name="connsiteX7" fmla="*/ 10646 w 823795"/>
-                            <a:gd name="connsiteY7" fmla="*/ 1201478 h 2211572"/>
-                            <a:gd name="connsiteX8" fmla="*/ 786823 w 823795"/>
-                            <a:gd name="connsiteY8" fmla="*/ 1541721 h 2211572"/>
-                            <a:gd name="connsiteX9" fmla="*/ 31911 w 823795"/>
-                            <a:gd name="connsiteY9" fmla="*/ 1605516 h 2211572"/>
-                            <a:gd name="connsiteX10" fmla="*/ 765558 w 823795"/>
-                            <a:gd name="connsiteY10" fmla="*/ 1860697 h 2211572"/>
-                            <a:gd name="connsiteX11" fmla="*/ 21278 w 823795"/>
-                            <a:gd name="connsiteY11" fmla="*/ 2020186 h 2211572"/>
-                            <a:gd name="connsiteX12" fmla="*/ 818721 w 823795"/>
-                            <a:gd name="connsiteY12" fmla="*/ 2147777 h 2211572"/>
-                            <a:gd name="connsiteX13" fmla="*/ 382786 w 823795"/>
-                            <a:gd name="connsiteY13" fmla="*/ 2211572 h 2211572"/>
-                            <a:gd name="connsiteX0" fmla="*/ 754925 w 823795"/>
-                            <a:gd name="connsiteY0" fmla="*/ 0 h 2211572"/>
-                            <a:gd name="connsiteX1" fmla="*/ 10646 w 823795"/>
-                            <a:gd name="connsiteY1" fmla="*/ 116957 h 2211572"/>
-                            <a:gd name="connsiteX2" fmla="*/ 754925 w 823795"/>
-                            <a:gd name="connsiteY2" fmla="*/ 340242 h 2211572"/>
-                            <a:gd name="connsiteX3" fmla="*/ 14 w 823795"/>
-                            <a:gd name="connsiteY3" fmla="*/ 467832 h 2211572"/>
-                            <a:gd name="connsiteX4" fmla="*/ 754925 w 823795"/>
-                            <a:gd name="connsiteY4" fmla="*/ 733646 h 2211572"/>
-                            <a:gd name="connsiteX5" fmla="*/ 13 w 823795"/>
-                            <a:gd name="connsiteY5" fmla="*/ 797442 h 2211572"/>
-                            <a:gd name="connsiteX6" fmla="*/ 776190 w 823795"/>
-                            <a:gd name="connsiteY6" fmla="*/ 1148316 h 2211572"/>
-                            <a:gd name="connsiteX7" fmla="*/ 10646 w 823795"/>
-                            <a:gd name="connsiteY7" fmla="*/ 1201478 h 2211572"/>
-                            <a:gd name="connsiteX8" fmla="*/ 786823 w 823795"/>
-                            <a:gd name="connsiteY8" fmla="*/ 1541721 h 2211572"/>
-                            <a:gd name="connsiteX9" fmla="*/ 31911 w 823795"/>
-                            <a:gd name="connsiteY9" fmla="*/ 1605516 h 2211572"/>
-                            <a:gd name="connsiteX10" fmla="*/ 765558 w 823795"/>
-                            <a:gd name="connsiteY10" fmla="*/ 1860697 h 2211572"/>
-                            <a:gd name="connsiteX11" fmla="*/ 21278 w 823795"/>
-                            <a:gd name="connsiteY11" fmla="*/ 1924493 h 2211572"/>
-                            <a:gd name="connsiteX12" fmla="*/ 818721 w 823795"/>
-                            <a:gd name="connsiteY12" fmla="*/ 2147777 h 2211572"/>
-                            <a:gd name="connsiteX13" fmla="*/ 382786 w 823795"/>
-                            <a:gd name="connsiteY13" fmla="*/ 2211572 h 2211572"/>
-                            <a:gd name="connsiteX0" fmla="*/ 754925 w 823795"/>
-                            <a:gd name="connsiteY0" fmla="*/ 0 h 2211572"/>
-                            <a:gd name="connsiteX1" fmla="*/ 10646 w 823795"/>
-                            <a:gd name="connsiteY1" fmla="*/ 116957 h 2211572"/>
-                            <a:gd name="connsiteX2" fmla="*/ 776190 w 823795"/>
-                            <a:gd name="connsiteY2" fmla="*/ 276447 h 2211572"/>
-                            <a:gd name="connsiteX3" fmla="*/ 14 w 823795"/>
-                            <a:gd name="connsiteY3" fmla="*/ 467832 h 2211572"/>
-                            <a:gd name="connsiteX4" fmla="*/ 754925 w 823795"/>
-                            <a:gd name="connsiteY4" fmla="*/ 733646 h 2211572"/>
-                            <a:gd name="connsiteX5" fmla="*/ 13 w 823795"/>
-                            <a:gd name="connsiteY5" fmla="*/ 797442 h 2211572"/>
-                            <a:gd name="connsiteX6" fmla="*/ 776190 w 823795"/>
-                            <a:gd name="connsiteY6" fmla="*/ 1148316 h 2211572"/>
-                            <a:gd name="connsiteX7" fmla="*/ 10646 w 823795"/>
-                            <a:gd name="connsiteY7" fmla="*/ 1201478 h 2211572"/>
-                            <a:gd name="connsiteX8" fmla="*/ 786823 w 823795"/>
-                            <a:gd name="connsiteY8" fmla="*/ 1541721 h 2211572"/>
-                            <a:gd name="connsiteX9" fmla="*/ 31911 w 823795"/>
-                            <a:gd name="connsiteY9" fmla="*/ 1605516 h 2211572"/>
-                            <a:gd name="connsiteX10" fmla="*/ 765558 w 823795"/>
-                            <a:gd name="connsiteY10" fmla="*/ 1860697 h 2211572"/>
-                            <a:gd name="connsiteX11" fmla="*/ 21278 w 823795"/>
-                            <a:gd name="connsiteY11" fmla="*/ 1924493 h 2211572"/>
-                            <a:gd name="connsiteX12" fmla="*/ 818721 w 823795"/>
-                            <a:gd name="connsiteY12" fmla="*/ 2147777 h 2211572"/>
-                            <a:gd name="connsiteX13" fmla="*/ 382786 w 823795"/>
-                            <a:gd name="connsiteY13" fmla="*/ 2211572 h 2211572"/>
-                            <a:gd name="connsiteX0" fmla="*/ 754912 w 823782"/>
-                            <a:gd name="connsiteY0" fmla="*/ 0 h 2211572"/>
-                            <a:gd name="connsiteX1" fmla="*/ 10633 w 823782"/>
-                            <a:gd name="connsiteY1" fmla="*/ 116957 h 2211572"/>
-                            <a:gd name="connsiteX2" fmla="*/ 776177 w 823782"/>
-                            <a:gd name="connsiteY2" fmla="*/ 276447 h 2211572"/>
-                            <a:gd name="connsiteX3" fmla="*/ 1 w 823782"/>
-                            <a:gd name="connsiteY3" fmla="*/ 467832 h 2211572"/>
-                            <a:gd name="connsiteX4" fmla="*/ 776177 w 823782"/>
-                            <a:gd name="connsiteY4" fmla="*/ 659218 h 2211572"/>
-                            <a:gd name="connsiteX5" fmla="*/ 0 w 823782"/>
-                            <a:gd name="connsiteY5" fmla="*/ 797442 h 2211572"/>
-                            <a:gd name="connsiteX6" fmla="*/ 776177 w 823782"/>
-                            <a:gd name="connsiteY6" fmla="*/ 1148316 h 2211572"/>
-                            <a:gd name="connsiteX7" fmla="*/ 10633 w 823782"/>
-                            <a:gd name="connsiteY7" fmla="*/ 1201478 h 2211572"/>
-                            <a:gd name="connsiteX8" fmla="*/ 786810 w 823782"/>
-                            <a:gd name="connsiteY8" fmla="*/ 1541721 h 2211572"/>
-                            <a:gd name="connsiteX9" fmla="*/ 31898 w 823782"/>
-                            <a:gd name="connsiteY9" fmla="*/ 1605516 h 2211572"/>
-                            <a:gd name="connsiteX10" fmla="*/ 765545 w 823782"/>
-                            <a:gd name="connsiteY10" fmla="*/ 1860697 h 2211572"/>
-                            <a:gd name="connsiteX11" fmla="*/ 21265 w 823782"/>
-                            <a:gd name="connsiteY11" fmla="*/ 1924493 h 2211572"/>
-                            <a:gd name="connsiteX12" fmla="*/ 818708 w 823782"/>
-                            <a:gd name="connsiteY12" fmla="*/ 2147777 h 2211572"/>
-                            <a:gd name="connsiteX13" fmla="*/ 382773 w 823782"/>
-                            <a:gd name="connsiteY13" fmla="*/ 2211572 h 2211572"/>
-                            <a:gd name="connsiteX0" fmla="*/ 754938 w 823808"/>
-                            <a:gd name="connsiteY0" fmla="*/ 0 h 2211572"/>
-                            <a:gd name="connsiteX1" fmla="*/ 10659 w 823808"/>
-                            <a:gd name="connsiteY1" fmla="*/ 116957 h 2211572"/>
-                            <a:gd name="connsiteX2" fmla="*/ 776203 w 823808"/>
-                            <a:gd name="connsiteY2" fmla="*/ 276447 h 2211572"/>
-                            <a:gd name="connsiteX3" fmla="*/ 27 w 823808"/>
-                            <a:gd name="connsiteY3" fmla="*/ 467832 h 2211572"/>
-                            <a:gd name="connsiteX4" fmla="*/ 776203 w 823808"/>
-                            <a:gd name="connsiteY4" fmla="*/ 659218 h 2211572"/>
-                            <a:gd name="connsiteX5" fmla="*/ 26 w 823808"/>
-                            <a:gd name="connsiteY5" fmla="*/ 797442 h 2211572"/>
-                            <a:gd name="connsiteX6" fmla="*/ 808101 w 823808"/>
-                            <a:gd name="connsiteY6" fmla="*/ 1020725 h 2211572"/>
-                            <a:gd name="connsiteX7" fmla="*/ 10659 w 823808"/>
-                            <a:gd name="connsiteY7" fmla="*/ 1201478 h 2211572"/>
-                            <a:gd name="connsiteX8" fmla="*/ 786836 w 823808"/>
-                            <a:gd name="connsiteY8" fmla="*/ 1541721 h 2211572"/>
-                            <a:gd name="connsiteX9" fmla="*/ 31924 w 823808"/>
-                            <a:gd name="connsiteY9" fmla="*/ 1605516 h 2211572"/>
-                            <a:gd name="connsiteX10" fmla="*/ 765571 w 823808"/>
-                            <a:gd name="connsiteY10" fmla="*/ 1860697 h 2211572"/>
-                            <a:gd name="connsiteX11" fmla="*/ 21291 w 823808"/>
-                            <a:gd name="connsiteY11" fmla="*/ 1924493 h 2211572"/>
-                            <a:gd name="connsiteX12" fmla="*/ 818734 w 823808"/>
-                            <a:gd name="connsiteY12" fmla="*/ 2147777 h 2211572"/>
-                            <a:gd name="connsiteX13" fmla="*/ 382799 w 823808"/>
-                            <a:gd name="connsiteY13" fmla="*/ 2211572 h 2211572"/>
-                            <a:gd name="connsiteX0" fmla="*/ 754938 w 823808"/>
-                            <a:gd name="connsiteY0" fmla="*/ 0 h 2211572"/>
-                            <a:gd name="connsiteX1" fmla="*/ 10659 w 823808"/>
-                            <a:gd name="connsiteY1" fmla="*/ 116957 h 2211572"/>
-                            <a:gd name="connsiteX2" fmla="*/ 776203 w 823808"/>
-                            <a:gd name="connsiteY2" fmla="*/ 276447 h 2211572"/>
-                            <a:gd name="connsiteX3" fmla="*/ 27 w 823808"/>
-                            <a:gd name="connsiteY3" fmla="*/ 467832 h 2211572"/>
-                            <a:gd name="connsiteX4" fmla="*/ 776203 w 823808"/>
-                            <a:gd name="connsiteY4" fmla="*/ 659218 h 2211572"/>
-                            <a:gd name="connsiteX5" fmla="*/ 26 w 823808"/>
-                            <a:gd name="connsiteY5" fmla="*/ 797442 h 2211572"/>
-                            <a:gd name="connsiteX6" fmla="*/ 808101 w 823808"/>
-                            <a:gd name="connsiteY6" fmla="*/ 1020725 h 2211572"/>
-                            <a:gd name="connsiteX7" fmla="*/ 10659 w 823808"/>
-                            <a:gd name="connsiteY7" fmla="*/ 1201478 h 2211572"/>
-                            <a:gd name="connsiteX8" fmla="*/ 797469 w 823808"/>
-                            <a:gd name="connsiteY8" fmla="*/ 1414130 h 2211572"/>
-                            <a:gd name="connsiteX9" fmla="*/ 31924 w 823808"/>
-                            <a:gd name="connsiteY9" fmla="*/ 1605516 h 2211572"/>
-                            <a:gd name="connsiteX10" fmla="*/ 765571 w 823808"/>
-                            <a:gd name="connsiteY10" fmla="*/ 1860697 h 2211572"/>
-                            <a:gd name="connsiteX11" fmla="*/ 21291 w 823808"/>
-                            <a:gd name="connsiteY11" fmla="*/ 1924493 h 2211572"/>
-                            <a:gd name="connsiteX12" fmla="*/ 818734 w 823808"/>
-                            <a:gd name="connsiteY12" fmla="*/ 2147777 h 2211572"/>
-                            <a:gd name="connsiteX13" fmla="*/ 382799 w 823808"/>
-                            <a:gd name="connsiteY13" fmla="*/ 2211572 h 2211572"/>
-                            <a:gd name="connsiteX0" fmla="*/ 754938 w 823808"/>
-                            <a:gd name="connsiteY0" fmla="*/ 0 h 2211572"/>
-                            <a:gd name="connsiteX1" fmla="*/ 10659 w 823808"/>
-                            <a:gd name="connsiteY1" fmla="*/ 116957 h 2211572"/>
-                            <a:gd name="connsiteX2" fmla="*/ 776203 w 823808"/>
-                            <a:gd name="connsiteY2" fmla="*/ 276447 h 2211572"/>
-                            <a:gd name="connsiteX3" fmla="*/ 27 w 823808"/>
-                            <a:gd name="connsiteY3" fmla="*/ 467832 h 2211572"/>
-                            <a:gd name="connsiteX4" fmla="*/ 776203 w 823808"/>
-                            <a:gd name="connsiteY4" fmla="*/ 659218 h 2211572"/>
-                            <a:gd name="connsiteX5" fmla="*/ 26 w 823808"/>
-                            <a:gd name="connsiteY5" fmla="*/ 797442 h 2211572"/>
-                            <a:gd name="connsiteX6" fmla="*/ 808101 w 823808"/>
-                            <a:gd name="connsiteY6" fmla="*/ 1020725 h 2211572"/>
-                            <a:gd name="connsiteX7" fmla="*/ 10659 w 823808"/>
-                            <a:gd name="connsiteY7" fmla="*/ 1201478 h 2211572"/>
-                            <a:gd name="connsiteX8" fmla="*/ 797469 w 823808"/>
-                            <a:gd name="connsiteY8" fmla="*/ 1414130 h 2211572"/>
-                            <a:gd name="connsiteX9" fmla="*/ 31924 w 823808"/>
-                            <a:gd name="connsiteY9" fmla="*/ 1605516 h 2211572"/>
-                            <a:gd name="connsiteX10" fmla="*/ 797469 w 823808"/>
-                            <a:gd name="connsiteY10" fmla="*/ 1786269 h 2211572"/>
-                            <a:gd name="connsiteX11" fmla="*/ 21291 w 823808"/>
-                            <a:gd name="connsiteY11" fmla="*/ 1924493 h 2211572"/>
-                            <a:gd name="connsiteX12" fmla="*/ 818734 w 823808"/>
-                            <a:gd name="connsiteY12" fmla="*/ 2147777 h 2211572"/>
-                            <a:gd name="connsiteX13" fmla="*/ 382799 w 823808"/>
-                            <a:gd name="connsiteY13" fmla="*/ 2211572 h 2211572"/>
-                            <a:gd name="connsiteX0" fmla="*/ 754938 w 823808"/>
-                            <a:gd name="connsiteY0" fmla="*/ 0 h 2211572"/>
-                            <a:gd name="connsiteX1" fmla="*/ 10659 w 823808"/>
-                            <a:gd name="connsiteY1" fmla="*/ 116957 h 2211572"/>
-                            <a:gd name="connsiteX2" fmla="*/ 776203 w 823808"/>
-                            <a:gd name="connsiteY2" fmla="*/ 276447 h 2211572"/>
-                            <a:gd name="connsiteX3" fmla="*/ 27 w 823808"/>
-                            <a:gd name="connsiteY3" fmla="*/ 467832 h 2211572"/>
-                            <a:gd name="connsiteX4" fmla="*/ 776203 w 823808"/>
-                            <a:gd name="connsiteY4" fmla="*/ 659218 h 2211572"/>
-                            <a:gd name="connsiteX5" fmla="*/ 26 w 823808"/>
-                            <a:gd name="connsiteY5" fmla="*/ 797442 h 2211572"/>
-                            <a:gd name="connsiteX6" fmla="*/ 808101 w 823808"/>
-                            <a:gd name="connsiteY6" fmla="*/ 1020725 h 2211572"/>
-                            <a:gd name="connsiteX7" fmla="*/ 10659 w 823808"/>
-                            <a:gd name="connsiteY7" fmla="*/ 1201478 h 2211572"/>
-                            <a:gd name="connsiteX8" fmla="*/ 797469 w 823808"/>
-                            <a:gd name="connsiteY8" fmla="*/ 1414130 h 2211572"/>
-                            <a:gd name="connsiteX9" fmla="*/ 31924 w 823808"/>
-                            <a:gd name="connsiteY9" fmla="*/ 1605516 h 2211572"/>
-                            <a:gd name="connsiteX10" fmla="*/ 797469 w 823808"/>
-                            <a:gd name="connsiteY10" fmla="*/ 1786269 h 2211572"/>
-                            <a:gd name="connsiteX11" fmla="*/ 21291 w 823808"/>
-                            <a:gd name="connsiteY11" fmla="*/ 1924493 h 2211572"/>
-                            <a:gd name="connsiteX12" fmla="*/ 818734 w 823808"/>
-                            <a:gd name="connsiteY12" fmla="*/ 2062717 h 2211572"/>
-                            <a:gd name="connsiteX13" fmla="*/ 382799 w 823808"/>
-                            <a:gd name="connsiteY13" fmla="*/ 2211572 h 2211572"/>
-                            <a:gd name="connsiteX0" fmla="*/ 754938 w 818734"/>
-                            <a:gd name="connsiteY0" fmla="*/ 0 h 2062717"/>
-                            <a:gd name="connsiteX1" fmla="*/ 10659 w 818734"/>
-                            <a:gd name="connsiteY1" fmla="*/ 116957 h 2062717"/>
-                            <a:gd name="connsiteX2" fmla="*/ 776203 w 818734"/>
-                            <a:gd name="connsiteY2" fmla="*/ 276447 h 2062717"/>
-                            <a:gd name="connsiteX3" fmla="*/ 27 w 818734"/>
-                            <a:gd name="connsiteY3" fmla="*/ 467832 h 2062717"/>
-                            <a:gd name="connsiteX4" fmla="*/ 776203 w 818734"/>
-                            <a:gd name="connsiteY4" fmla="*/ 659218 h 2062717"/>
-                            <a:gd name="connsiteX5" fmla="*/ 26 w 818734"/>
-                            <a:gd name="connsiteY5" fmla="*/ 797442 h 2062717"/>
-                            <a:gd name="connsiteX6" fmla="*/ 808101 w 818734"/>
-                            <a:gd name="connsiteY6" fmla="*/ 1020725 h 2062717"/>
-                            <a:gd name="connsiteX7" fmla="*/ 10659 w 818734"/>
-                            <a:gd name="connsiteY7" fmla="*/ 1201478 h 2062717"/>
-                            <a:gd name="connsiteX8" fmla="*/ 797469 w 818734"/>
-                            <a:gd name="connsiteY8" fmla="*/ 1414130 h 2062717"/>
-                            <a:gd name="connsiteX9" fmla="*/ 31924 w 818734"/>
-                            <a:gd name="connsiteY9" fmla="*/ 1605516 h 2062717"/>
-                            <a:gd name="connsiteX10" fmla="*/ 797469 w 818734"/>
-                            <a:gd name="connsiteY10" fmla="*/ 1786269 h 2062717"/>
-                            <a:gd name="connsiteX11" fmla="*/ 21291 w 818734"/>
-                            <a:gd name="connsiteY11" fmla="*/ 1924493 h 2062717"/>
-                            <a:gd name="connsiteX12" fmla="*/ 818734 w 818734"/>
-                            <a:gd name="connsiteY12" fmla="*/ 2062717 h 2062717"/>
-                            <a:gd name="connsiteX0" fmla="*/ 754938 w 808103"/>
-                            <a:gd name="connsiteY0" fmla="*/ 0 h 1924492"/>
-                            <a:gd name="connsiteX1" fmla="*/ 10659 w 808103"/>
-                            <a:gd name="connsiteY1" fmla="*/ 116957 h 1924492"/>
-                            <a:gd name="connsiteX2" fmla="*/ 776203 w 808103"/>
-                            <a:gd name="connsiteY2" fmla="*/ 276447 h 1924492"/>
-                            <a:gd name="connsiteX3" fmla="*/ 27 w 808103"/>
-                            <a:gd name="connsiteY3" fmla="*/ 467832 h 1924492"/>
-                            <a:gd name="connsiteX4" fmla="*/ 776203 w 808103"/>
-                            <a:gd name="connsiteY4" fmla="*/ 659218 h 1924492"/>
-                            <a:gd name="connsiteX5" fmla="*/ 26 w 808103"/>
-                            <a:gd name="connsiteY5" fmla="*/ 797442 h 1924492"/>
-                            <a:gd name="connsiteX6" fmla="*/ 808101 w 808103"/>
-                            <a:gd name="connsiteY6" fmla="*/ 1020725 h 1924492"/>
-                            <a:gd name="connsiteX7" fmla="*/ 10659 w 808103"/>
-                            <a:gd name="connsiteY7" fmla="*/ 1201478 h 1924492"/>
-                            <a:gd name="connsiteX8" fmla="*/ 797469 w 808103"/>
-                            <a:gd name="connsiteY8" fmla="*/ 1414130 h 1924492"/>
-                            <a:gd name="connsiteX9" fmla="*/ 31924 w 808103"/>
-                            <a:gd name="connsiteY9" fmla="*/ 1605516 h 1924492"/>
-                            <a:gd name="connsiteX10" fmla="*/ 797469 w 808103"/>
-                            <a:gd name="connsiteY10" fmla="*/ 1786269 h 1924492"/>
-                            <a:gd name="connsiteX11" fmla="*/ 21291 w 808103"/>
-                            <a:gd name="connsiteY11" fmla="*/ 1924493 h 1924492"/>
-                            <a:gd name="connsiteX0" fmla="*/ 754938 w 808103"/>
-                            <a:gd name="connsiteY0" fmla="*/ 0 h 1786269"/>
-                            <a:gd name="connsiteX1" fmla="*/ 10659 w 808103"/>
-                            <a:gd name="connsiteY1" fmla="*/ 116957 h 1786269"/>
-                            <a:gd name="connsiteX2" fmla="*/ 776203 w 808103"/>
-                            <a:gd name="connsiteY2" fmla="*/ 276447 h 1786269"/>
-                            <a:gd name="connsiteX3" fmla="*/ 27 w 808103"/>
-                            <a:gd name="connsiteY3" fmla="*/ 467832 h 1786269"/>
-                            <a:gd name="connsiteX4" fmla="*/ 776203 w 808103"/>
-                            <a:gd name="connsiteY4" fmla="*/ 659218 h 1786269"/>
-                            <a:gd name="connsiteX5" fmla="*/ 26 w 808103"/>
-                            <a:gd name="connsiteY5" fmla="*/ 797442 h 1786269"/>
-                            <a:gd name="connsiteX6" fmla="*/ 808101 w 808103"/>
-                            <a:gd name="connsiteY6" fmla="*/ 1020725 h 1786269"/>
-                            <a:gd name="connsiteX7" fmla="*/ 10659 w 808103"/>
-                            <a:gd name="connsiteY7" fmla="*/ 1201478 h 1786269"/>
-                            <a:gd name="connsiteX8" fmla="*/ 797469 w 808103"/>
-                            <a:gd name="connsiteY8" fmla="*/ 1414130 h 1786269"/>
-                            <a:gd name="connsiteX9" fmla="*/ 31924 w 808103"/>
-                            <a:gd name="connsiteY9" fmla="*/ 1605516 h 1786269"/>
-                            <a:gd name="connsiteX10" fmla="*/ 797469 w 808103"/>
-                            <a:gd name="connsiteY10" fmla="*/ 1786269 h 1786269"/>
-                            <a:gd name="connsiteX0" fmla="*/ 754938 w 808103"/>
-                            <a:gd name="connsiteY0" fmla="*/ 0 h 1605516"/>
-                            <a:gd name="connsiteX1" fmla="*/ 10659 w 808103"/>
-                            <a:gd name="connsiteY1" fmla="*/ 116957 h 1605516"/>
-                            <a:gd name="connsiteX2" fmla="*/ 776203 w 808103"/>
-                            <a:gd name="connsiteY2" fmla="*/ 276447 h 1605516"/>
-                            <a:gd name="connsiteX3" fmla="*/ 27 w 808103"/>
-                            <a:gd name="connsiteY3" fmla="*/ 467832 h 1605516"/>
-                            <a:gd name="connsiteX4" fmla="*/ 776203 w 808103"/>
-                            <a:gd name="connsiteY4" fmla="*/ 659218 h 1605516"/>
-                            <a:gd name="connsiteX5" fmla="*/ 26 w 808103"/>
-                            <a:gd name="connsiteY5" fmla="*/ 797442 h 1605516"/>
-                            <a:gd name="connsiteX6" fmla="*/ 808101 w 808103"/>
-                            <a:gd name="connsiteY6" fmla="*/ 1020725 h 1605516"/>
-                            <a:gd name="connsiteX7" fmla="*/ 10659 w 808103"/>
-                            <a:gd name="connsiteY7" fmla="*/ 1201478 h 1605516"/>
-                            <a:gd name="connsiteX8" fmla="*/ 797469 w 808103"/>
-                            <a:gd name="connsiteY8" fmla="*/ 1414130 h 1605516"/>
-                            <a:gd name="connsiteX9" fmla="*/ 31924 w 808103"/>
-                            <a:gd name="connsiteY9" fmla="*/ 1605516 h 1605516"/>
-                            <a:gd name="connsiteX0" fmla="*/ 754938 w 808103"/>
-                            <a:gd name="connsiteY0" fmla="*/ 0 h 1567126"/>
-                            <a:gd name="connsiteX1" fmla="*/ 10659 w 808103"/>
-                            <a:gd name="connsiteY1" fmla="*/ 116957 h 1567126"/>
-                            <a:gd name="connsiteX2" fmla="*/ 776203 w 808103"/>
-                            <a:gd name="connsiteY2" fmla="*/ 276447 h 1567126"/>
-                            <a:gd name="connsiteX3" fmla="*/ 27 w 808103"/>
-                            <a:gd name="connsiteY3" fmla="*/ 467832 h 1567126"/>
-                            <a:gd name="connsiteX4" fmla="*/ 776203 w 808103"/>
-                            <a:gd name="connsiteY4" fmla="*/ 659218 h 1567126"/>
-                            <a:gd name="connsiteX5" fmla="*/ 26 w 808103"/>
-                            <a:gd name="connsiteY5" fmla="*/ 797442 h 1567126"/>
-                            <a:gd name="connsiteX6" fmla="*/ 808101 w 808103"/>
-                            <a:gd name="connsiteY6" fmla="*/ 1020725 h 1567126"/>
-                            <a:gd name="connsiteX7" fmla="*/ 10659 w 808103"/>
-                            <a:gd name="connsiteY7" fmla="*/ 1201478 h 1567126"/>
-                            <a:gd name="connsiteX8" fmla="*/ 797469 w 808103"/>
-                            <a:gd name="connsiteY8" fmla="*/ 1414130 h 1567126"/>
-                            <a:gd name="connsiteX9" fmla="*/ 328663 w 808103"/>
-                            <a:gd name="connsiteY9" fmla="*/ 1567126 h 1567126"/>
-                          </a:gdLst>
-                          <a:ahLst/>
-                          <a:cxnLst>
-                            <a:cxn ang="0">
-                              <a:pos x="connsiteX0" y="connsiteY0"/>
-                            </a:cxn>
-                            <a:cxn ang="0">
-                              <a:pos x="connsiteX1" y="connsiteY1"/>
-                            </a:cxn>
-                            <a:cxn ang="0">
-                              <a:pos x="connsiteX2" y="connsiteY2"/>
-                            </a:cxn>
-                            <a:cxn ang="0">
-                              <a:pos x="connsiteX3" y="connsiteY3"/>
-                            </a:cxn>
-                            <a:cxn ang="0">
-                              <a:pos x="connsiteX4" y="connsiteY4"/>
-                            </a:cxn>
-                            <a:cxn ang="0">
-                              <a:pos x="connsiteX5" y="connsiteY5"/>
-                            </a:cxn>
-                            <a:cxn ang="0">
-                              <a:pos x="connsiteX6" y="connsiteY6"/>
-                            </a:cxn>
-                            <a:cxn ang="0">
-                              <a:pos x="connsiteX7" y="connsiteY7"/>
-                            </a:cxn>
-                            <a:cxn ang="0">
-                              <a:pos x="connsiteX8" y="connsiteY8"/>
-                            </a:cxn>
-                            <a:cxn ang="0">
-                              <a:pos x="connsiteX9" y="connsiteY9"/>
-                            </a:cxn>
-                          </a:cxnLst>
-                          <a:rect l="l" t="t" r="r" b="b"/>
-                          <a:pathLst>
-                            <a:path w="808103" h="1567126">
-                              <a:moveTo>
-                                <a:pt x="754938" y="0"/>
-                              </a:moveTo>
-                              <a:cubicBezTo>
-                                <a:pt x="334952" y="24809"/>
-                                <a:pt x="7115" y="70883"/>
-                                <a:pt x="10659" y="116957"/>
-                              </a:cubicBezTo>
-                              <a:cubicBezTo>
-                                <a:pt x="14203" y="163031"/>
-                                <a:pt x="777975" y="217968"/>
-                                <a:pt x="776203" y="276447"/>
-                              </a:cubicBezTo>
-                              <a:cubicBezTo>
-                                <a:pt x="774431" y="334926"/>
-                                <a:pt x="27" y="404037"/>
-                                <a:pt x="27" y="467832"/>
-                              </a:cubicBezTo>
-                              <a:cubicBezTo>
-                                <a:pt x="27" y="531627"/>
-                                <a:pt x="776203" y="604283"/>
-                                <a:pt x="776203" y="659218"/>
-                              </a:cubicBezTo>
-                              <a:cubicBezTo>
-                                <a:pt x="776203" y="714153"/>
-                                <a:pt x="-5290" y="737191"/>
-                                <a:pt x="26" y="797442"/>
-                              </a:cubicBezTo>
-                              <a:cubicBezTo>
-                                <a:pt x="5342" y="857693"/>
-                                <a:pt x="806329" y="953386"/>
-                                <a:pt x="808101" y="1020725"/>
-                              </a:cubicBezTo>
-                              <a:cubicBezTo>
-                                <a:pt x="809873" y="1088064"/>
-                                <a:pt x="12431" y="1135911"/>
-                                <a:pt x="10659" y="1201478"/>
-                              </a:cubicBezTo>
-                              <a:cubicBezTo>
-                                <a:pt x="8887" y="1267045"/>
-                                <a:pt x="744468" y="1353189"/>
-                                <a:pt x="797469" y="1414130"/>
-                              </a:cubicBezTo>
-                              <a:cubicBezTo>
-                                <a:pt x="850470" y="1475071"/>
-                                <a:pt x="328663" y="1505103"/>
-                                <a:pt x="328663" y="1567126"/>
-                              </a:cubicBezTo>
-                            </a:path>
-                          </a:pathLst>
-                        </a:custGeom>
-                        <a:noFill/>
-                        <a:ln w="57150">
-                          <a:solidFill>
-                            <a:schemeClr val="tx1"/>
-                          </a:solidFill>
-                        </a:ln>
-                      </p:spPr>
-                      <p:style>
-                        <a:lnRef idx="2">
-                          <a:schemeClr val="accent1">
-                            <a:shade val="50000"/>
-                          </a:schemeClr>
-                        </a:lnRef>
-                        <a:fillRef idx="1">
-                          <a:schemeClr val="accent1"/>
-                        </a:fillRef>
-                        <a:effectRef idx="0">
-                          <a:schemeClr val="accent1"/>
-                        </a:effectRef>
-                        <a:fontRef idx="minor">
-                          <a:schemeClr val="lt1"/>
-                        </a:fontRef>
-                      </p:style>
-                      <p:txBody>
-                        <a:bodyPr rtlCol="0" anchor="ctr"/>
-                        <a:lstStyle/>
-                        <a:p>
-                          <a:pPr algn="ctr"/>
-                          <a:endParaRPr lang="en-US"/>
-                        </a:p>
-                      </p:txBody>
-                    </p:sp>
-                    <p:grpSp>
-                      <p:nvGrpSpPr>
-                        <p:cNvPr id="86" name="Group 85"/>
-                        <p:cNvGrpSpPr/>
-                        <p:nvPr/>
-                      </p:nvGrpSpPr>
-                      <p:grpSpPr>
-                        <a:xfrm>
-                          <a:off x="4541395" y="2918076"/>
-                          <a:ext cx="2411306" cy="536926"/>
-                          <a:chOff x="3296829" y="2514428"/>
-                          <a:chExt cx="4074473" cy="969566"/>
-                        </a:xfrm>
-                      </p:grpSpPr>
-                      <p:sp>
-                        <p:nvSpPr>
-                          <p:cNvPr id="90" name="Freeform 89"/>
-                          <p:cNvSpPr/>
-                          <p:nvPr/>
-                        </p:nvSpPr>
-                        <p:spPr>
-                          <a:xfrm>
-                            <a:off x="3296829" y="2837615"/>
-                            <a:ext cx="4074473" cy="646379"/>
-                          </a:xfrm>
-                          <a:custGeom>
-                            <a:avLst/>
-                            <a:gdLst>
-                              <a:gd name="connsiteX0" fmla="*/ 0 w 4918364"/>
-                              <a:gd name="connsiteY0" fmla="*/ 41564 h 457200"/>
-                              <a:gd name="connsiteX1" fmla="*/ 0 w 4918364"/>
-                              <a:gd name="connsiteY1" fmla="*/ 457200 h 457200"/>
-                              <a:gd name="connsiteX2" fmla="*/ 4904509 w 4918364"/>
-                              <a:gd name="connsiteY2" fmla="*/ 457200 h 457200"/>
-                              <a:gd name="connsiteX3" fmla="*/ 4918364 w 4918364"/>
-                              <a:gd name="connsiteY3" fmla="*/ 0 h 457200"/>
-                              <a:gd name="connsiteX4" fmla="*/ 0 w 4918364"/>
-                              <a:gd name="connsiteY4" fmla="*/ 41564 h 457200"/>
-                              <a:gd name="connsiteX0" fmla="*/ 0 w 4918364"/>
-                              <a:gd name="connsiteY0" fmla="*/ 41564 h 619007"/>
-                              <a:gd name="connsiteX1" fmla="*/ 0 w 4918364"/>
-                              <a:gd name="connsiteY1" fmla="*/ 457200 h 619007"/>
-                              <a:gd name="connsiteX2" fmla="*/ 4904509 w 4918364"/>
-                              <a:gd name="connsiteY2" fmla="*/ 457200 h 619007"/>
-                              <a:gd name="connsiteX3" fmla="*/ 4918364 w 4918364"/>
-                              <a:gd name="connsiteY3" fmla="*/ 0 h 619007"/>
-                              <a:gd name="connsiteX4" fmla="*/ 0 w 4918364"/>
-                              <a:gd name="connsiteY4" fmla="*/ 41564 h 619007"/>
-                              <a:gd name="connsiteX0" fmla="*/ 0 w 4918364"/>
-                              <a:gd name="connsiteY0" fmla="*/ 41564 h 827957"/>
-                              <a:gd name="connsiteX1" fmla="*/ 0 w 4918364"/>
-                              <a:gd name="connsiteY1" fmla="*/ 457200 h 827957"/>
-                              <a:gd name="connsiteX2" fmla="*/ 4904509 w 4918364"/>
-                              <a:gd name="connsiteY2" fmla="*/ 457200 h 827957"/>
-                              <a:gd name="connsiteX3" fmla="*/ 4918364 w 4918364"/>
-                              <a:gd name="connsiteY3" fmla="*/ 0 h 827957"/>
-                              <a:gd name="connsiteX4" fmla="*/ 0 w 4918364"/>
-                              <a:gd name="connsiteY4" fmla="*/ 41564 h 827957"/>
-                              <a:gd name="connsiteX0" fmla="*/ 0 w 4918364"/>
-                              <a:gd name="connsiteY0" fmla="*/ 41564 h 847649"/>
-                              <a:gd name="connsiteX1" fmla="*/ 0 w 4918364"/>
-                              <a:gd name="connsiteY1" fmla="*/ 457200 h 847649"/>
-                              <a:gd name="connsiteX2" fmla="*/ 4904509 w 4918364"/>
-                              <a:gd name="connsiteY2" fmla="*/ 457200 h 847649"/>
-                              <a:gd name="connsiteX3" fmla="*/ 4918364 w 4918364"/>
-                              <a:gd name="connsiteY3" fmla="*/ 0 h 847649"/>
-                              <a:gd name="connsiteX4" fmla="*/ 0 w 4918364"/>
-                              <a:gd name="connsiteY4" fmla="*/ 41564 h 847649"/>
-                              <a:gd name="connsiteX0" fmla="*/ 0 w 4918364"/>
-                              <a:gd name="connsiteY0" fmla="*/ 41564 h 757382"/>
-                              <a:gd name="connsiteX1" fmla="*/ 0 w 4918364"/>
-                              <a:gd name="connsiteY1" fmla="*/ 457200 h 757382"/>
-                              <a:gd name="connsiteX2" fmla="*/ 1053715 w 4918364"/>
-                              <a:gd name="connsiteY2" fmla="*/ 757382 h 757382"/>
-                              <a:gd name="connsiteX3" fmla="*/ 4904509 w 4918364"/>
-                              <a:gd name="connsiteY3" fmla="*/ 457200 h 757382"/>
-                              <a:gd name="connsiteX4" fmla="*/ 4918364 w 4918364"/>
-                              <a:gd name="connsiteY4" fmla="*/ 0 h 757382"/>
-                              <a:gd name="connsiteX5" fmla="*/ 0 w 4918364"/>
-                              <a:gd name="connsiteY5" fmla="*/ 41564 h 757382"/>
-                              <a:gd name="connsiteX0" fmla="*/ 0 w 4918364"/>
-                              <a:gd name="connsiteY0" fmla="*/ 41564 h 757382"/>
-                              <a:gd name="connsiteX1" fmla="*/ 0 w 4918364"/>
-                              <a:gd name="connsiteY1" fmla="*/ 457200 h 757382"/>
-                              <a:gd name="connsiteX2" fmla="*/ 1053715 w 4918364"/>
-                              <a:gd name="connsiteY2" fmla="*/ 757382 h 757382"/>
-                              <a:gd name="connsiteX3" fmla="*/ 4904509 w 4918364"/>
-                              <a:gd name="connsiteY3" fmla="*/ 457200 h 757382"/>
-                              <a:gd name="connsiteX4" fmla="*/ 4918364 w 4918364"/>
-                              <a:gd name="connsiteY4" fmla="*/ 0 h 757382"/>
-                              <a:gd name="connsiteX5" fmla="*/ 0 w 4918364"/>
-                              <a:gd name="connsiteY5" fmla="*/ 41564 h 757382"/>
-                              <a:gd name="connsiteX0" fmla="*/ 0 w 4918364"/>
-                              <a:gd name="connsiteY0" fmla="*/ 41564 h 757382"/>
-                              <a:gd name="connsiteX1" fmla="*/ 0 w 4918364"/>
-                              <a:gd name="connsiteY1" fmla="*/ 457200 h 757382"/>
-                              <a:gd name="connsiteX2" fmla="*/ 1053715 w 4918364"/>
-                              <a:gd name="connsiteY2" fmla="*/ 757382 h 757382"/>
-                              <a:gd name="connsiteX3" fmla="*/ 4904509 w 4918364"/>
-                              <a:gd name="connsiteY3" fmla="*/ 457200 h 757382"/>
-                              <a:gd name="connsiteX4" fmla="*/ 4918364 w 4918364"/>
-                              <a:gd name="connsiteY4" fmla="*/ 0 h 757382"/>
-                              <a:gd name="connsiteX5" fmla="*/ 0 w 4918364"/>
-                              <a:gd name="connsiteY5" fmla="*/ 41564 h 757382"/>
-                              <a:gd name="connsiteX0" fmla="*/ 0 w 4918364"/>
-                              <a:gd name="connsiteY0" fmla="*/ 41564 h 758982"/>
-                              <a:gd name="connsiteX1" fmla="*/ 0 w 4918364"/>
-                              <a:gd name="connsiteY1" fmla="*/ 457200 h 758982"/>
-                              <a:gd name="connsiteX2" fmla="*/ 1053715 w 4918364"/>
-                              <a:gd name="connsiteY2" fmla="*/ 757382 h 758982"/>
-                              <a:gd name="connsiteX3" fmla="*/ 4118649 w 4918364"/>
-                              <a:gd name="connsiteY3" fmla="*/ 571115 h 758982"/>
-                              <a:gd name="connsiteX4" fmla="*/ 4904509 w 4918364"/>
-                              <a:gd name="connsiteY4" fmla="*/ 457200 h 758982"/>
-                              <a:gd name="connsiteX5" fmla="*/ 4918364 w 4918364"/>
-                              <a:gd name="connsiteY5" fmla="*/ 0 h 758982"/>
-                              <a:gd name="connsiteX6" fmla="*/ 0 w 4918364"/>
-                              <a:gd name="connsiteY6" fmla="*/ 41564 h 758982"/>
-                              <a:gd name="connsiteX0" fmla="*/ 0 w 4918364"/>
-                              <a:gd name="connsiteY0" fmla="*/ 41564 h 824144"/>
-                              <a:gd name="connsiteX1" fmla="*/ 0 w 4918364"/>
-                              <a:gd name="connsiteY1" fmla="*/ 457200 h 824144"/>
-                              <a:gd name="connsiteX2" fmla="*/ 1053715 w 4918364"/>
-                              <a:gd name="connsiteY2" fmla="*/ 757382 h 824144"/>
-                              <a:gd name="connsiteX3" fmla="*/ 3568316 w 4918364"/>
-                              <a:gd name="connsiteY3" fmla="*/ 808182 h 824144"/>
-                              <a:gd name="connsiteX4" fmla="*/ 4904509 w 4918364"/>
-                              <a:gd name="connsiteY4" fmla="*/ 457200 h 824144"/>
-                              <a:gd name="connsiteX5" fmla="*/ 4918364 w 4918364"/>
-                              <a:gd name="connsiteY5" fmla="*/ 0 h 824144"/>
-                              <a:gd name="connsiteX6" fmla="*/ 0 w 4918364"/>
-                              <a:gd name="connsiteY6" fmla="*/ 41564 h 824144"/>
-                              <a:gd name="connsiteX0" fmla="*/ 0 w 4918364"/>
-                              <a:gd name="connsiteY0" fmla="*/ 41564 h 824144"/>
-                              <a:gd name="connsiteX1" fmla="*/ 0 w 4918364"/>
-                              <a:gd name="connsiteY1" fmla="*/ 457200 h 824144"/>
-                              <a:gd name="connsiteX2" fmla="*/ 1053715 w 4918364"/>
-                              <a:gd name="connsiteY2" fmla="*/ 757382 h 824144"/>
-                              <a:gd name="connsiteX3" fmla="*/ 3568316 w 4918364"/>
-                              <a:gd name="connsiteY3" fmla="*/ 808182 h 824144"/>
-                              <a:gd name="connsiteX4" fmla="*/ 4904509 w 4918364"/>
-                              <a:gd name="connsiteY4" fmla="*/ 457200 h 824144"/>
-                              <a:gd name="connsiteX5" fmla="*/ 4918364 w 4918364"/>
-                              <a:gd name="connsiteY5" fmla="*/ 0 h 824144"/>
-                              <a:gd name="connsiteX6" fmla="*/ 0 w 4918364"/>
-                              <a:gd name="connsiteY6" fmla="*/ 41564 h 824144"/>
-                              <a:gd name="connsiteX0" fmla="*/ 0 w 4918364"/>
-                              <a:gd name="connsiteY0" fmla="*/ 41564 h 824144"/>
-                              <a:gd name="connsiteX1" fmla="*/ 0 w 4918364"/>
-                              <a:gd name="connsiteY1" fmla="*/ 457200 h 824144"/>
-                              <a:gd name="connsiteX2" fmla="*/ 1053715 w 4918364"/>
-                              <a:gd name="connsiteY2" fmla="*/ 757382 h 824144"/>
-                              <a:gd name="connsiteX3" fmla="*/ 3568316 w 4918364"/>
-                              <a:gd name="connsiteY3" fmla="*/ 808182 h 824144"/>
-                              <a:gd name="connsiteX4" fmla="*/ 4904509 w 4918364"/>
-                              <a:gd name="connsiteY4" fmla="*/ 457200 h 824144"/>
-                              <a:gd name="connsiteX5" fmla="*/ 4918364 w 4918364"/>
-                              <a:gd name="connsiteY5" fmla="*/ 0 h 824144"/>
-                              <a:gd name="connsiteX6" fmla="*/ 0 w 4918364"/>
-                              <a:gd name="connsiteY6" fmla="*/ 41564 h 824144"/>
-                              <a:gd name="connsiteX0" fmla="*/ 0 w 4918364"/>
-                              <a:gd name="connsiteY0" fmla="*/ 41564 h 836166"/>
-                              <a:gd name="connsiteX1" fmla="*/ 0 w 4918364"/>
-                              <a:gd name="connsiteY1" fmla="*/ 457200 h 836166"/>
-                              <a:gd name="connsiteX2" fmla="*/ 1053715 w 4918364"/>
-                              <a:gd name="connsiteY2" fmla="*/ 757382 h 836166"/>
-                              <a:gd name="connsiteX3" fmla="*/ 2052782 w 4918364"/>
-                              <a:gd name="connsiteY3" fmla="*/ 808182 h 836166"/>
-                              <a:gd name="connsiteX4" fmla="*/ 3568316 w 4918364"/>
-                              <a:gd name="connsiteY4" fmla="*/ 808182 h 836166"/>
-                              <a:gd name="connsiteX5" fmla="*/ 4904509 w 4918364"/>
-                              <a:gd name="connsiteY5" fmla="*/ 457200 h 836166"/>
-                              <a:gd name="connsiteX6" fmla="*/ 4918364 w 4918364"/>
-                              <a:gd name="connsiteY6" fmla="*/ 0 h 836166"/>
-                              <a:gd name="connsiteX7" fmla="*/ 0 w 4918364"/>
-                              <a:gd name="connsiteY7" fmla="*/ 41564 h 836166"/>
-                              <a:gd name="connsiteX0" fmla="*/ 0 w 4918364"/>
-                              <a:gd name="connsiteY0" fmla="*/ 41564 h 842048"/>
-                              <a:gd name="connsiteX1" fmla="*/ 0 w 4918364"/>
-                              <a:gd name="connsiteY1" fmla="*/ 457200 h 842048"/>
-                              <a:gd name="connsiteX2" fmla="*/ 1053715 w 4918364"/>
-                              <a:gd name="connsiteY2" fmla="*/ 757382 h 842048"/>
-                              <a:gd name="connsiteX3" fmla="*/ 2433782 w 4918364"/>
-                              <a:gd name="connsiteY3" fmla="*/ 842048 h 842048"/>
-                              <a:gd name="connsiteX4" fmla="*/ 3568316 w 4918364"/>
-                              <a:gd name="connsiteY4" fmla="*/ 808182 h 842048"/>
-                              <a:gd name="connsiteX5" fmla="*/ 4904509 w 4918364"/>
-                              <a:gd name="connsiteY5" fmla="*/ 457200 h 842048"/>
-                              <a:gd name="connsiteX6" fmla="*/ 4918364 w 4918364"/>
-                              <a:gd name="connsiteY6" fmla="*/ 0 h 842048"/>
-                              <a:gd name="connsiteX7" fmla="*/ 0 w 4918364"/>
-                              <a:gd name="connsiteY7" fmla="*/ 41564 h 842048"/>
-                              <a:gd name="connsiteX0" fmla="*/ 0 w 4904509"/>
-                              <a:gd name="connsiteY0" fmla="*/ 41564 h 842048"/>
-                              <a:gd name="connsiteX1" fmla="*/ 0 w 4904509"/>
-                              <a:gd name="connsiteY1" fmla="*/ 457200 h 842048"/>
-                              <a:gd name="connsiteX2" fmla="*/ 1053715 w 4904509"/>
-                              <a:gd name="connsiteY2" fmla="*/ 757382 h 842048"/>
-                              <a:gd name="connsiteX3" fmla="*/ 2433782 w 4904509"/>
-                              <a:gd name="connsiteY3" fmla="*/ 842048 h 842048"/>
-                              <a:gd name="connsiteX4" fmla="*/ 3568316 w 4904509"/>
-                              <a:gd name="connsiteY4" fmla="*/ 808182 h 842048"/>
-                              <a:gd name="connsiteX5" fmla="*/ 4904509 w 4904509"/>
-                              <a:gd name="connsiteY5" fmla="*/ 457200 h 842048"/>
-                              <a:gd name="connsiteX6" fmla="*/ 4901430 w 4904509"/>
-                              <a:gd name="connsiteY6" fmla="*/ 0 h 842048"/>
-                              <a:gd name="connsiteX7" fmla="*/ 0 w 4904509"/>
-                              <a:gd name="connsiteY7" fmla="*/ 41564 h 842048"/>
-                              <a:gd name="connsiteX0" fmla="*/ 0 w 4904509"/>
-                              <a:gd name="connsiteY0" fmla="*/ 41564 h 842048"/>
-                              <a:gd name="connsiteX1" fmla="*/ 0 w 4904509"/>
-                              <a:gd name="connsiteY1" fmla="*/ 457200 h 842048"/>
-                              <a:gd name="connsiteX2" fmla="*/ 1053715 w 4904509"/>
-                              <a:gd name="connsiteY2" fmla="*/ 757382 h 842048"/>
-                              <a:gd name="connsiteX3" fmla="*/ 2433782 w 4904509"/>
-                              <a:gd name="connsiteY3" fmla="*/ 842048 h 842048"/>
-                              <a:gd name="connsiteX4" fmla="*/ 3568316 w 4904509"/>
-                              <a:gd name="connsiteY4" fmla="*/ 808182 h 842048"/>
-                              <a:gd name="connsiteX5" fmla="*/ 4904509 w 4904509"/>
-                              <a:gd name="connsiteY5" fmla="*/ 465667 h 842048"/>
-                              <a:gd name="connsiteX6" fmla="*/ 4901430 w 4904509"/>
-                              <a:gd name="connsiteY6" fmla="*/ 0 h 842048"/>
-                              <a:gd name="connsiteX7" fmla="*/ 0 w 4904509"/>
-                              <a:gd name="connsiteY7" fmla="*/ 41564 h 842048"/>
-                            </a:gdLst>
-                            <a:ahLst/>
-                            <a:cxnLst>
-                              <a:cxn ang="0">
-                                <a:pos x="connsiteX0" y="connsiteY0"/>
-                              </a:cxn>
-                              <a:cxn ang="0">
-                                <a:pos x="connsiteX1" y="connsiteY1"/>
-                              </a:cxn>
-                              <a:cxn ang="0">
-                                <a:pos x="connsiteX2" y="connsiteY2"/>
-                              </a:cxn>
-                              <a:cxn ang="0">
-                                <a:pos x="connsiteX3" y="connsiteY3"/>
-                              </a:cxn>
-                              <a:cxn ang="0">
-                                <a:pos x="connsiteX4" y="connsiteY4"/>
-                              </a:cxn>
-                              <a:cxn ang="0">
-                                <a:pos x="connsiteX5" y="connsiteY5"/>
-                              </a:cxn>
-                              <a:cxn ang="0">
-                                <a:pos x="connsiteX6" y="connsiteY6"/>
-                              </a:cxn>
-                              <a:cxn ang="0">
-                                <a:pos x="connsiteX7" y="connsiteY7"/>
-                              </a:cxn>
-                            </a:cxnLst>
-                            <a:rect l="l" t="t" r="r" b="b"/>
-                            <a:pathLst>
-                              <a:path w="4904509" h="842048">
-                                <a:moveTo>
-                                  <a:pt x="0" y="41564"/>
-                                </a:moveTo>
-                                <a:lnTo>
-                                  <a:pt x="0" y="457200"/>
-                                </a:lnTo>
-                                <a:cubicBezTo>
-                                  <a:pt x="175619" y="576503"/>
-                                  <a:pt x="210897" y="655783"/>
-                                  <a:pt x="1053715" y="757382"/>
-                                </a:cubicBezTo>
-                                <a:cubicBezTo>
-                                  <a:pt x="1395845" y="815879"/>
-                                  <a:pt x="2014682" y="833581"/>
-                                  <a:pt x="2433782" y="842048"/>
-                                </a:cubicBezTo>
-                                <a:lnTo>
-                                  <a:pt x="3568316" y="808182"/>
-                                </a:lnTo>
-                                <a:cubicBezTo>
-                                  <a:pt x="4201648" y="783552"/>
-                                  <a:pt x="4822023" y="594719"/>
-                                  <a:pt x="4904509" y="465667"/>
-                                </a:cubicBezTo>
-                                <a:cubicBezTo>
-                                  <a:pt x="4903483" y="313267"/>
-                                  <a:pt x="4902456" y="152400"/>
-                                  <a:pt x="4901430" y="0"/>
-                                </a:cubicBezTo>
-                                <a:lnTo>
-                                  <a:pt x="0" y="41564"/>
-                                </a:lnTo>
-                                <a:close/>
-                              </a:path>
-                            </a:pathLst>
-                          </a:custGeom>
-                          <a:solidFill>
-                            <a:srgbClr val="C00000"/>
-                          </a:solidFill>
-                          <a:ln>
-                            <a:solidFill>
-                              <a:schemeClr val="tx1"/>
-                            </a:solidFill>
-                          </a:ln>
-                        </p:spPr>
-                        <p:style>
-                          <a:lnRef idx="2">
-                            <a:schemeClr val="accent1">
-                              <a:shade val="50000"/>
-                            </a:schemeClr>
-                          </a:lnRef>
-                          <a:fillRef idx="1">
-                            <a:schemeClr val="accent1"/>
-                          </a:fillRef>
-                          <a:effectRef idx="0">
-                            <a:schemeClr val="accent1"/>
-                          </a:effectRef>
-                          <a:fontRef idx="minor">
-                            <a:schemeClr val="lt1"/>
-                          </a:fontRef>
-                        </p:style>
-                        <p:txBody>
-                          <a:bodyPr rtlCol="0" anchor="ctr"/>
-                          <a:lstStyle/>
-                          <a:p>
-                            <a:pPr algn="ctr"/>
-                            <a:endParaRPr lang="en-US"/>
-                          </a:p>
-                        </p:txBody>
-                      </p:sp>
-                      <p:sp>
-                        <p:nvSpPr>
-                          <p:cNvPr id="91" name="Oval 90"/>
-                          <p:cNvSpPr/>
-                          <p:nvPr/>
-                        </p:nvSpPr>
-                        <p:spPr>
-                          <a:xfrm>
-                            <a:off x="3296832" y="2514428"/>
-                            <a:ext cx="4062962" cy="638112"/>
-                          </a:xfrm>
-                          <a:prstGeom prst="ellipse">
-                            <a:avLst/>
-                          </a:prstGeom>
-                          <a:solidFill>
-                            <a:srgbClr val="FF0000"/>
-                          </a:solidFill>
-                          <a:ln>
-                            <a:solidFill>
-                              <a:schemeClr val="tx1"/>
-                            </a:solidFill>
-                          </a:ln>
-                        </p:spPr>
-                        <p:style>
-                          <a:lnRef idx="2">
-                            <a:schemeClr val="accent1">
-                              <a:shade val="50000"/>
-                            </a:schemeClr>
-                          </a:lnRef>
-                          <a:fillRef idx="1">
-                            <a:schemeClr val="accent1"/>
-                          </a:fillRef>
-                          <a:effectRef idx="0">
-                            <a:schemeClr val="accent1"/>
-                          </a:effectRef>
-                          <a:fontRef idx="minor">
-                            <a:schemeClr val="lt1"/>
-                          </a:fontRef>
-                        </p:style>
-                        <p:txBody>
-                          <a:bodyPr rtlCol="0" anchor="ctr"/>
-                          <a:lstStyle/>
-                          <a:p>
-                            <a:pPr algn="ctr"/>
-                            <a:endParaRPr lang="en-US"/>
-                          </a:p>
-                        </p:txBody>
-                      </p:sp>
-                    </p:grpSp>
-                    <p:sp>
-                      <p:nvSpPr>
-                        <p:cNvPr id="87" name="Freeform 86"/>
-                        <p:cNvSpPr/>
-                        <p:nvPr/>
-                      </p:nvSpPr>
-                      <p:spPr>
-                        <a:xfrm>
-                          <a:off x="5380202" y="530984"/>
-                          <a:ext cx="603613" cy="2591463"/>
-                        </a:xfrm>
-                        <a:custGeom>
-                          <a:avLst/>
-                          <a:gdLst>
-                            <a:gd name="connsiteX0" fmla="*/ 839972 w 906872"/>
-                            <a:gd name="connsiteY0" fmla="*/ 0 h 2211572"/>
-                            <a:gd name="connsiteX1" fmla="*/ 0 w 906872"/>
-                            <a:gd name="connsiteY1" fmla="*/ 106325 h 2211572"/>
-                            <a:gd name="connsiteX2" fmla="*/ 839972 w 906872"/>
-                            <a:gd name="connsiteY2" fmla="*/ 340242 h 2211572"/>
-                            <a:gd name="connsiteX3" fmla="*/ 42531 w 906872"/>
-                            <a:gd name="connsiteY3" fmla="*/ 489097 h 2211572"/>
-                            <a:gd name="connsiteX4" fmla="*/ 839972 w 906872"/>
-                            <a:gd name="connsiteY4" fmla="*/ 733646 h 2211572"/>
-                            <a:gd name="connsiteX5" fmla="*/ 53163 w 906872"/>
-                            <a:gd name="connsiteY5" fmla="*/ 861237 h 2211572"/>
-                            <a:gd name="connsiteX6" fmla="*/ 861237 w 906872"/>
-                            <a:gd name="connsiteY6" fmla="*/ 1148316 h 2211572"/>
-                            <a:gd name="connsiteX7" fmla="*/ 74428 w 906872"/>
-                            <a:gd name="connsiteY7" fmla="*/ 1275907 h 2211572"/>
-                            <a:gd name="connsiteX8" fmla="*/ 871870 w 906872"/>
-                            <a:gd name="connsiteY8" fmla="*/ 1541721 h 2211572"/>
-                            <a:gd name="connsiteX9" fmla="*/ 116958 w 906872"/>
-                            <a:gd name="connsiteY9" fmla="*/ 1701209 h 2211572"/>
-                            <a:gd name="connsiteX10" fmla="*/ 850605 w 906872"/>
-                            <a:gd name="connsiteY10" fmla="*/ 1860697 h 2211572"/>
-                            <a:gd name="connsiteX11" fmla="*/ 191386 w 906872"/>
-                            <a:gd name="connsiteY11" fmla="*/ 2009553 h 2211572"/>
-                            <a:gd name="connsiteX12" fmla="*/ 903768 w 906872"/>
-                            <a:gd name="connsiteY12" fmla="*/ 2147777 h 2211572"/>
-                            <a:gd name="connsiteX13" fmla="*/ 467833 w 906872"/>
-                            <a:gd name="connsiteY13" fmla="*/ 2211572 h 2211572"/>
-                            <a:gd name="connsiteX0" fmla="*/ 839972 w 908842"/>
-                            <a:gd name="connsiteY0" fmla="*/ 0 h 2211572"/>
-                            <a:gd name="connsiteX1" fmla="*/ 0 w 908842"/>
-                            <a:gd name="connsiteY1" fmla="*/ 106325 h 2211572"/>
-                            <a:gd name="connsiteX2" fmla="*/ 839972 w 908842"/>
-                            <a:gd name="connsiteY2" fmla="*/ 340242 h 2211572"/>
-                            <a:gd name="connsiteX3" fmla="*/ 42531 w 908842"/>
-                            <a:gd name="connsiteY3" fmla="*/ 489097 h 2211572"/>
-                            <a:gd name="connsiteX4" fmla="*/ 839972 w 908842"/>
-                            <a:gd name="connsiteY4" fmla="*/ 733646 h 2211572"/>
-                            <a:gd name="connsiteX5" fmla="*/ 53163 w 908842"/>
-                            <a:gd name="connsiteY5" fmla="*/ 861237 h 2211572"/>
-                            <a:gd name="connsiteX6" fmla="*/ 861237 w 908842"/>
-                            <a:gd name="connsiteY6" fmla="*/ 1148316 h 2211572"/>
-                            <a:gd name="connsiteX7" fmla="*/ 74428 w 908842"/>
-                            <a:gd name="connsiteY7" fmla="*/ 1275907 h 2211572"/>
-                            <a:gd name="connsiteX8" fmla="*/ 871870 w 908842"/>
-                            <a:gd name="connsiteY8" fmla="*/ 1541721 h 2211572"/>
-                            <a:gd name="connsiteX9" fmla="*/ 116958 w 908842"/>
-                            <a:gd name="connsiteY9" fmla="*/ 1701209 h 2211572"/>
-                            <a:gd name="connsiteX10" fmla="*/ 850605 w 908842"/>
-                            <a:gd name="connsiteY10" fmla="*/ 1860697 h 2211572"/>
-                            <a:gd name="connsiteX11" fmla="*/ 106325 w 908842"/>
-                            <a:gd name="connsiteY11" fmla="*/ 2020186 h 2211572"/>
-                            <a:gd name="connsiteX12" fmla="*/ 903768 w 908842"/>
-                            <a:gd name="connsiteY12" fmla="*/ 2147777 h 2211572"/>
-                            <a:gd name="connsiteX13" fmla="*/ 467833 w 908842"/>
-                            <a:gd name="connsiteY13" fmla="*/ 2211572 h 2211572"/>
-                            <a:gd name="connsiteX0" fmla="*/ 797441 w 866311"/>
-                            <a:gd name="connsiteY0" fmla="*/ 0 h 2211572"/>
-                            <a:gd name="connsiteX1" fmla="*/ 53162 w 866311"/>
-                            <a:gd name="connsiteY1" fmla="*/ 116957 h 2211572"/>
-                            <a:gd name="connsiteX2" fmla="*/ 797441 w 866311"/>
-                            <a:gd name="connsiteY2" fmla="*/ 340242 h 2211572"/>
-                            <a:gd name="connsiteX3" fmla="*/ 0 w 866311"/>
-                            <a:gd name="connsiteY3" fmla="*/ 489097 h 2211572"/>
-                            <a:gd name="connsiteX4" fmla="*/ 797441 w 866311"/>
-                            <a:gd name="connsiteY4" fmla="*/ 733646 h 2211572"/>
-                            <a:gd name="connsiteX5" fmla="*/ 10632 w 866311"/>
-                            <a:gd name="connsiteY5" fmla="*/ 861237 h 2211572"/>
-                            <a:gd name="connsiteX6" fmla="*/ 818706 w 866311"/>
-                            <a:gd name="connsiteY6" fmla="*/ 1148316 h 2211572"/>
-                            <a:gd name="connsiteX7" fmla="*/ 31897 w 866311"/>
-                            <a:gd name="connsiteY7" fmla="*/ 1275907 h 2211572"/>
-                            <a:gd name="connsiteX8" fmla="*/ 829339 w 866311"/>
-                            <a:gd name="connsiteY8" fmla="*/ 1541721 h 2211572"/>
-                            <a:gd name="connsiteX9" fmla="*/ 74427 w 866311"/>
-                            <a:gd name="connsiteY9" fmla="*/ 1701209 h 2211572"/>
-                            <a:gd name="connsiteX10" fmla="*/ 808074 w 866311"/>
-                            <a:gd name="connsiteY10" fmla="*/ 1860697 h 2211572"/>
-                            <a:gd name="connsiteX11" fmla="*/ 63794 w 866311"/>
-                            <a:gd name="connsiteY11" fmla="*/ 2020186 h 2211572"/>
-                            <a:gd name="connsiteX12" fmla="*/ 861237 w 866311"/>
-                            <a:gd name="connsiteY12" fmla="*/ 2147777 h 2211572"/>
-                            <a:gd name="connsiteX13" fmla="*/ 425302 w 866311"/>
-                            <a:gd name="connsiteY13" fmla="*/ 2211572 h 2211572"/>
-                            <a:gd name="connsiteX0" fmla="*/ 786821 w 855691"/>
-                            <a:gd name="connsiteY0" fmla="*/ 0 h 2211572"/>
-                            <a:gd name="connsiteX1" fmla="*/ 42542 w 855691"/>
-                            <a:gd name="connsiteY1" fmla="*/ 116957 h 2211572"/>
-                            <a:gd name="connsiteX2" fmla="*/ 786821 w 855691"/>
-                            <a:gd name="connsiteY2" fmla="*/ 340242 h 2211572"/>
-                            <a:gd name="connsiteX3" fmla="*/ 31910 w 855691"/>
-                            <a:gd name="connsiteY3" fmla="*/ 499730 h 2211572"/>
-                            <a:gd name="connsiteX4" fmla="*/ 786821 w 855691"/>
-                            <a:gd name="connsiteY4" fmla="*/ 733646 h 2211572"/>
-                            <a:gd name="connsiteX5" fmla="*/ 12 w 855691"/>
-                            <a:gd name="connsiteY5" fmla="*/ 861237 h 2211572"/>
-                            <a:gd name="connsiteX6" fmla="*/ 808086 w 855691"/>
-                            <a:gd name="connsiteY6" fmla="*/ 1148316 h 2211572"/>
-                            <a:gd name="connsiteX7" fmla="*/ 21277 w 855691"/>
-                            <a:gd name="connsiteY7" fmla="*/ 1275907 h 2211572"/>
-                            <a:gd name="connsiteX8" fmla="*/ 818719 w 855691"/>
-                            <a:gd name="connsiteY8" fmla="*/ 1541721 h 2211572"/>
-                            <a:gd name="connsiteX9" fmla="*/ 63807 w 855691"/>
-                            <a:gd name="connsiteY9" fmla="*/ 1701209 h 2211572"/>
-                            <a:gd name="connsiteX10" fmla="*/ 797454 w 855691"/>
-                            <a:gd name="connsiteY10" fmla="*/ 1860697 h 2211572"/>
-                            <a:gd name="connsiteX11" fmla="*/ 53174 w 855691"/>
-                            <a:gd name="connsiteY11" fmla="*/ 2020186 h 2211572"/>
-                            <a:gd name="connsiteX12" fmla="*/ 850617 w 855691"/>
-                            <a:gd name="connsiteY12" fmla="*/ 2147777 h 2211572"/>
-                            <a:gd name="connsiteX13" fmla="*/ 414682 w 855691"/>
-                            <a:gd name="connsiteY13" fmla="*/ 2211572 h 2211572"/>
-                            <a:gd name="connsiteX0" fmla="*/ 765547 w 834417"/>
-                            <a:gd name="connsiteY0" fmla="*/ 0 h 2211572"/>
-                            <a:gd name="connsiteX1" fmla="*/ 21268 w 834417"/>
-                            <a:gd name="connsiteY1" fmla="*/ 116957 h 2211572"/>
-                            <a:gd name="connsiteX2" fmla="*/ 765547 w 834417"/>
-                            <a:gd name="connsiteY2" fmla="*/ 340242 h 2211572"/>
-                            <a:gd name="connsiteX3" fmla="*/ 10636 w 834417"/>
-                            <a:gd name="connsiteY3" fmla="*/ 499730 h 2211572"/>
-                            <a:gd name="connsiteX4" fmla="*/ 765547 w 834417"/>
-                            <a:gd name="connsiteY4" fmla="*/ 733646 h 2211572"/>
-                            <a:gd name="connsiteX5" fmla="*/ 10635 w 834417"/>
-                            <a:gd name="connsiteY5" fmla="*/ 871870 h 2211572"/>
-                            <a:gd name="connsiteX6" fmla="*/ 786812 w 834417"/>
-                            <a:gd name="connsiteY6" fmla="*/ 1148316 h 2211572"/>
-                            <a:gd name="connsiteX7" fmla="*/ 3 w 834417"/>
-                            <a:gd name="connsiteY7" fmla="*/ 1275907 h 2211572"/>
-                            <a:gd name="connsiteX8" fmla="*/ 797445 w 834417"/>
-                            <a:gd name="connsiteY8" fmla="*/ 1541721 h 2211572"/>
-                            <a:gd name="connsiteX9" fmla="*/ 42533 w 834417"/>
-                            <a:gd name="connsiteY9" fmla="*/ 1701209 h 2211572"/>
-                            <a:gd name="connsiteX10" fmla="*/ 776180 w 834417"/>
-                            <a:gd name="connsiteY10" fmla="*/ 1860697 h 2211572"/>
-                            <a:gd name="connsiteX11" fmla="*/ 31900 w 834417"/>
-                            <a:gd name="connsiteY11" fmla="*/ 2020186 h 2211572"/>
-                            <a:gd name="connsiteX12" fmla="*/ 829343 w 834417"/>
-                            <a:gd name="connsiteY12" fmla="*/ 2147777 h 2211572"/>
-                            <a:gd name="connsiteX13" fmla="*/ 393408 w 834417"/>
-                            <a:gd name="connsiteY13" fmla="*/ 2211572 h 2211572"/>
-                            <a:gd name="connsiteX0" fmla="*/ 754925 w 823795"/>
-                            <a:gd name="connsiteY0" fmla="*/ 0 h 2211572"/>
-                            <a:gd name="connsiteX1" fmla="*/ 10646 w 823795"/>
-                            <a:gd name="connsiteY1" fmla="*/ 116957 h 2211572"/>
-                            <a:gd name="connsiteX2" fmla="*/ 754925 w 823795"/>
-                            <a:gd name="connsiteY2" fmla="*/ 340242 h 2211572"/>
-                            <a:gd name="connsiteX3" fmla="*/ 14 w 823795"/>
-                            <a:gd name="connsiteY3" fmla="*/ 499730 h 2211572"/>
-                            <a:gd name="connsiteX4" fmla="*/ 754925 w 823795"/>
-                            <a:gd name="connsiteY4" fmla="*/ 733646 h 2211572"/>
-                            <a:gd name="connsiteX5" fmla="*/ 13 w 823795"/>
-                            <a:gd name="connsiteY5" fmla="*/ 871870 h 2211572"/>
-                            <a:gd name="connsiteX6" fmla="*/ 776190 w 823795"/>
-                            <a:gd name="connsiteY6" fmla="*/ 1148316 h 2211572"/>
-                            <a:gd name="connsiteX7" fmla="*/ 10646 w 823795"/>
-                            <a:gd name="connsiteY7" fmla="*/ 1286539 h 2211572"/>
-                            <a:gd name="connsiteX8" fmla="*/ 786823 w 823795"/>
-                            <a:gd name="connsiteY8" fmla="*/ 1541721 h 2211572"/>
-                            <a:gd name="connsiteX9" fmla="*/ 31911 w 823795"/>
-                            <a:gd name="connsiteY9" fmla="*/ 1701209 h 2211572"/>
-                            <a:gd name="connsiteX10" fmla="*/ 765558 w 823795"/>
-                            <a:gd name="connsiteY10" fmla="*/ 1860697 h 2211572"/>
-                            <a:gd name="connsiteX11" fmla="*/ 21278 w 823795"/>
-                            <a:gd name="connsiteY11" fmla="*/ 2020186 h 2211572"/>
-                            <a:gd name="connsiteX12" fmla="*/ 818721 w 823795"/>
-                            <a:gd name="connsiteY12" fmla="*/ 2147777 h 2211572"/>
-                            <a:gd name="connsiteX13" fmla="*/ 382786 w 823795"/>
-                            <a:gd name="connsiteY13" fmla="*/ 2211572 h 2211572"/>
-                            <a:gd name="connsiteX0" fmla="*/ 754925 w 823795"/>
-                            <a:gd name="connsiteY0" fmla="*/ 0 h 2211572"/>
-                            <a:gd name="connsiteX1" fmla="*/ 10646 w 823795"/>
-                            <a:gd name="connsiteY1" fmla="*/ 116957 h 2211572"/>
-                            <a:gd name="connsiteX2" fmla="*/ 754925 w 823795"/>
-                            <a:gd name="connsiteY2" fmla="*/ 340242 h 2211572"/>
-                            <a:gd name="connsiteX3" fmla="*/ 14 w 823795"/>
-                            <a:gd name="connsiteY3" fmla="*/ 467832 h 2211572"/>
-                            <a:gd name="connsiteX4" fmla="*/ 754925 w 823795"/>
-                            <a:gd name="connsiteY4" fmla="*/ 733646 h 2211572"/>
-                            <a:gd name="connsiteX5" fmla="*/ 13 w 823795"/>
-                            <a:gd name="connsiteY5" fmla="*/ 871870 h 2211572"/>
-                            <a:gd name="connsiteX6" fmla="*/ 776190 w 823795"/>
-                            <a:gd name="connsiteY6" fmla="*/ 1148316 h 2211572"/>
-                            <a:gd name="connsiteX7" fmla="*/ 10646 w 823795"/>
-                            <a:gd name="connsiteY7" fmla="*/ 1286539 h 2211572"/>
-                            <a:gd name="connsiteX8" fmla="*/ 786823 w 823795"/>
-                            <a:gd name="connsiteY8" fmla="*/ 1541721 h 2211572"/>
-                            <a:gd name="connsiteX9" fmla="*/ 31911 w 823795"/>
-                            <a:gd name="connsiteY9" fmla="*/ 1701209 h 2211572"/>
-                            <a:gd name="connsiteX10" fmla="*/ 765558 w 823795"/>
-                            <a:gd name="connsiteY10" fmla="*/ 1860697 h 2211572"/>
-                            <a:gd name="connsiteX11" fmla="*/ 21278 w 823795"/>
-                            <a:gd name="connsiteY11" fmla="*/ 2020186 h 2211572"/>
-                            <a:gd name="connsiteX12" fmla="*/ 818721 w 823795"/>
-                            <a:gd name="connsiteY12" fmla="*/ 2147777 h 2211572"/>
-                            <a:gd name="connsiteX13" fmla="*/ 382786 w 823795"/>
-                            <a:gd name="connsiteY13" fmla="*/ 2211572 h 2211572"/>
-                            <a:gd name="connsiteX0" fmla="*/ 754925 w 823795"/>
-                            <a:gd name="connsiteY0" fmla="*/ 0 h 2211572"/>
-                            <a:gd name="connsiteX1" fmla="*/ 10646 w 823795"/>
-                            <a:gd name="connsiteY1" fmla="*/ 116957 h 2211572"/>
-                            <a:gd name="connsiteX2" fmla="*/ 754925 w 823795"/>
-                            <a:gd name="connsiteY2" fmla="*/ 340242 h 2211572"/>
-                            <a:gd name="connsiteX3" fmla="*/ 14 w 823795"/>
-                            <a:gd name="connsiteY3" fmla="*/ 467832 h 2211572"/>
-                            <a:gd name="connsiteX4" fmla="*/ 754925 w 823795"/>
-                            <a:gd name="connsiteY4" fmla="*/ 733646 h 2211572"/>
-                            <a:gd name="connsiteX5" fmla="*/ 13 w 823795"/>
-                            <a:gd name="connsiteY5" fmla="*/ 797442 h 2211572"/>
-                            <a:gd name="connsiteX6" fmla="*/ 776190 w 823795"/>
-                            <a:gd name="connsiteY6" fmla="*/ 1148316 h 2211572"/>
-                            <a:gd name="connsiteX7" fmla="*/ 10646 w 823795"/>
-                            <a:gd name="connsiteY7" fmla="*/ 1286539 h 2211572"/>
-                            <a:gd name="connsiteX8" fmla="*/ 786823 w 823795"/>
-                            <a:gd name="connsiteY8" fmla="*/ 1541721 h 2211572"/>
-                            <a:gd name="connsiteX9" fmla="*/ 31911 w 823795"/>
-                            <a:gd name="connsiteY9" fmla="*/ 1701209 h 2211572"/>
-                            <a:gd name="connsiteX10" fmla="*/ 765558 w 823795"/>
-                            <a:gd name="connsiteY10" fmla="*/ 1860697 h 2211572"/>
-                            <a:gd name="connsiteX11" fmla="*/ 21278 w 823795"/>
-                            <a:gd name="connsiteY11" fmla="*/ 2020186 h 2211572"/>
-                            <a:gd name="connsiteX12" fmla="*/ 818721 w 823795"/>
-                            <a:gd name="connsiteY12" fmla="*/ 2147777 h 2211572"/>
-                            <a:gd name="connsiteX13" fmla="*/ 382786 w 823795"/>
-                            <a:gd name="connsiteY13" fmla="*/ 2211572 h 2211572"/>
-                            <a:gd name="connsiteX0" fmla="*/ 754925 w 823795"/>
-                            <a:gd name="connsiteY0" fmla="*/ 0 h 2211572"/>
-                            <a:gd name="connsiteX1" fmla="*/ 10646 w 823795"/>
-                            <a:gd name="connsiteY1" fmla="*/ 116957 h 2211572"/>
-                            <a:gd name="connsiteX2" fmla="*/ 754925 w 823795"/>
-                            <a:gd name="connsiteY2" fmla="*/ 340242 h 2211572"/>
-                            <a:gd name="connsiteX3" fmla="*/ 14 w 823795"/>
-                            <a:gd name="connsiteY3" fmla="*/ 467832 h 2211572"/>
-                            <a:gd name="connsiteX4" fmla="*/ 754925 w 823795"/>
-                            <a:gd name="connsiteY4" fmla="*/ 733646 h 2211572"/>
-                            <a:gd name="connsiteX5" fmla="*/ 13 w 823795"/>
-                            <a:gd name="connsiteY5" fmla="*/ 797442 h 2211572"/>
-                            <a:gd name="connsiteX6" fmla="*/ 776190 w 823795"/>
-                            <a:gd name="connsiteY6" fmla="*/ 1148316 h 2211572"/>
-                            <a:gd name="connsiteX7" fmla="*/ 10646 w 823795"/>
-                            <a:gd name="connsiteY7" fmla="*/ 1201478 h 2211572"/>
-                            <a:gd name="connsiteX8" fmla="*/ 786823 w 823795"/>
-                            <a:gd name="connsiteY8" fmla="*/ 1541721 h 2211572"/>
-                            <a:gd name="connsiteX9" fmla="*/ 31911 w 823795"/>
-                            <a:gd name="connsiteY9" fmla="*/ 1701209 h 2211572"/>
-                            <a:gd name="connsiteX10" fmla="*/ 765558 w 823795"/>
-                            <a:gd name="connsiteY10" fmla="*/ 1860697 h 2211572"/>
-                            <a:gd name="connsiteX11" fmla="*/ 21278 w 823795"/>
-                            <a:gd name="connsiteY11" fmla="*/ 2020186 h 2211572"/>
-                            <a:gd name="connsiteX12" fmla="*/ 818721 w 823795"/>
-                            <a:gd name="connsiteY12" fmla="*/ 2147777 h 2211572"/>
-                            <a:gd name="connsiteX13" fmla="*/ 382786 w 823795"/>
-                            <a:gd name="connsiteY13" fmla="*/ 2211572 h 2211572"/>
-                            <a:gd name="connsiteX0" fmla="*/ 754925 w 823795"/>
-                            <a:gd name="connsiteY0" fmla="*/ 0 h 2211572"/>
-                            <a:gd name="connsiteX1" fmla="*/ 10646 w 823795"/>
-                            <a:gd name="connsiteY1" fmla="*/ 116957 h 2211572"/>
-                            <a:gd name="connsiteX2" fmla="*/ 754925 w 823795"/>
-                            <a:gd name="connsiteY2" fmla="*/ 340242 h 2211572"/>
-                            <a:gd name="connsiteX3" fmla="*/ 14 w 823795"/>
-                            <a:gd name="connsiteY3" fmla="*/ 467832 h 2211572"/>
-                            <a:gd name="connsiteX4" fmla="*/ 754925 w 823795"/>
-                            <a:gd name="connsiteY4" fmla="*/ 733646 h 2211572"/>
-                            <a:gd name="connsiteX5" fmla="*/ 13 w 823795"/>
-                            <a:gd name="connsiteY5" fmla="*/ 797442 h 2211572"/>
-                            <a:gd name="connsiteX6" fmla="*/ 776190 w 823795"/>
-                            <a:gd name="connsiteY6" fmla="*/ 1148316 h 2211572"/>
-                            <a:gd name="connsiteX7" fmla="*/ 10646 w 823795"/>
-                            <a:gd name="connsiteY7" fmla="*/ 1201478 h 2211572"/>
-                            <a:gd name="connsiteX8" fmla="*/ 786823 w 823795"/>
-                            <a:gd name="connsiteY8" fmla="*/ 1541721 h 2211572"/>
-                            <a:gd name="connsiteX9" fmla="*/ 31911 w 823795"/>
-                            <a:gd name="connsiteY9" fmla="*/ 1605516 h 2211572"/>
-                            <a:gd name="connsiteX10" fmla="*/ 765558 w 823795"/>
-                            <a:gd name="connsiteY10" fmla="*/ 1860697 h 2211572"/>
-                            <a:gd name="connsiteX11" fmla="*/ 21278 w 823795"/>
-                            <a:gd name="connsiteY11" fmla="*/ 2020186 h 2211572"/>
-                            <a:gd name="connsiteX12" fmla="*/ 818721 w 823795"/>
-                            <a:gd name="connsiteY12" fmla="*/ 2147777 h 2211572"/>
-                            <a:gd name="connsiteX13" fmla="*/ 382786 w 823795"/>
-                            <a:gd name="connsiteY13" fmla="*/ 2211572 h 2211572"/>
-                            <a:gd name="connsiteX0" fmla="*/ 754925 w 823795"/>
-                            <a:gd name="connsiteY0" fmla="*/ 0 h 2211572"/>
-                            <a:gd name="connsiteX1" fmla="*/ 10646 w 823795"/>
-                            <a:gd name="connsiteY1" fmla="*/ 116957 h 2211572"/>
-                            <a:gd name="connsiteX2" fmla="*/ 754925 w 823795"/>
-                            <a:gd name="connsiteY2" fmla="*/ 340242 h 2211572"/>
-                            <a:gd name="connsiteX3" fmla="*/ 14 w 823795"/>
-                            <a:gd name="connsiteY3" fmla="*/ 467832 h 2211572"/>
-                            <a:gd name="connsiteX4" fmla="*/ 754925 w 823795"/>
-                            <a:gd name="connsiteY4" fmla="*/ 733646 h 2211572"/>
-                            <a:gd name="connsiteX5" fmla="*/ 13 w 823795"/>
-                            <a:gd name="connsiteY5" fmla="*/ 797442 h 2211572"/>
-                            <a:gd name="connsiteX6" fmla="*/ 776190 w 823795"/>
-                            <a:gd name="connsiteY6" fmla="*/ 1148316 h 2211572"/>
-                            <a:gd name="connsiteX7" fmla="*/ 10646 w 823795"/>
-                            <a:gd name="connsiteY7" fmla="*/ 1201478 h 2211572"/>
-                            <a:gd name="connsiteX8" fmla="*/ 786823 w 823795"/>
-                            <a:gd name="connsiteY8" fmla="*/ 1541721 h 2211572"/>
-                            <a:gd name="connsiteX9" fmla="*/ 31911 w 823795"/>
-                            <a:gd name="connsiteY9" fmla="*/ 1605516 h 2211572"/>
-                            <a:gd name="connsiteX10" fmla="*/ 765558 w 823795"/>
-                            <a:gd name="connsiteY10" fmla="*/ 1860697 h 2211572"/>
-                            <a:gd name="connsiteX11" fmla="*/ 21278 w 823795"/>
-                            <a:gd name="connsiteY11" fmla="*/ 1924493 h 2211572"/>
-                            <a:gd name="connsiteX12" fmla="*/ 818721 w 823795"/>
-                            <a:gd name="connsiteY12" fmla="*/ 2147777 h 2211572"/>
-                            <a:gd name="connsiteX13" fmla="*/ 382786 w 823795"/>
-                            <a:gd name="connsiteY13" fmla="*/ 2211572 h 2211572"/>
-                            <a:gd name="connsiteX0" fmla="*/ 754925 w 823795"/>
-                            <a:gd name="connsiteY0" fmla="*/ 0 h 2211572"/>
-                            <a:gd name="connsiteX1" fmla="*/ 10646 w 823795"/>
-                            <a:gd name="connsiteY1" fmla="*/ 116957 h 2211572"/>
-                            <a:gd name="connsiteX2" fmla="*/ 776190 w 823795"/>
-                            <a:gd name="connsiteY2" fmla="*/ 276447 h 2211572"/>
-                            <a:gd name="connsiteX3" fmla="*/ 14 w 823795"/>
-                            <a:gd name="connsiteY3" fmla="*/ 467832 h 2211572"/>
-                            <a:gd name="connsiteX4" fmla="*/ 754925 w 823795"/>
-                            <a:gd name="connsiteY4" fmla="*/ 733646 h 2211572"/>
-                            <a:gd name="connsiteX5" fmla="*/ 13 w 823795"/>
-                            <a:gd name="connsiteY5" fmla="*/ 797442 h 2211572"/>
-                            <a:gd name="connsiteX6" fmla="*/ 776190 w 823795"/>
-                            <a:gd name="connsiteY6" fmla="*/ 1148316 h 2211572"/>
-                            <a:gd name="connsiteX7" fmla="*/ 10646 w 823795"/>
-                            <a:gd name="connsiteY7" fmla="*/ 1201478 h 2211572"/>
-                            <a:gd name="connsiteX8" fmla="*/ 786823 w 823795"/>
-                            <a:gd name="connsiteY8" fmla="*/ 1541721 h 2211572"/>
-                            <a:gd name="connsiteX9" fmla="*/ 31911 w 823795"/>
-                            <a:gd name="connsiteY9" fmla="*/ 1605516 h 2211572"/>
-                            <a:gd name="connsiteX10" fmla="*/ 765558 w 823795"/>
-                            <a:gd name="connsiteY10" fmla="*/ 1860697 h 2211572"/>
-                            <a:gd name="connsiteX11" fmla="*/ 21278 w 823795"/>
-                            <a:gd name="connsiteY11" fmla="*/ 1924493 h 2211572"/>
-                            <a:gd name="connsiteX12" fmla="*/ 818721 w 823795"/>
-                            <a:gd name="connsiteY12" fmla="*/ 2147777 h 2211572"/>
-                            <a:gd name="connsiteX13" fmla="*/ 382786 w 823795"/>
-                            <a:gd name="connsiteY13" fmla="*/ 2211572 h 2211572"/>
-                            <a:gd name="connsiteX0" fmla="*/ 754912 w 823782"/>
-                            <a:gd name="connsiteY0" fmla="*/ 0 h 2211572"/>
-                            <a:gd name="connsiteX1" fmla="*/ 10633 w 823782"/>
-                            <a:gd name="connsiteY1" fmla="*/ 116957 h 2211572"/>
-                            <a:gd name="connsiteX2" fmla="*/ 776177 w 823782"/>
-                            <a:gd name="connsiteY2" fmla="*/ 276447 h 2211572"/>
-                            <a:gd name="connsiteX3" fmla="*/ 1 w 823782"/>
-                            <a:gd name="connsiteY3" fmla="*/ 467832 h 2211572"/>
-                            <a:gd name="connsiteX4" fmla="*/ 776177 w 823782"/>
-                            <a:gd name="connsiteY4" fmla="*/ 659218 h 2211572"/>
-                            <a:gd name="connsiteX5" fmla="*/ 0 w 823782"/>
-                            <a:gd name="connsiteY5" fmla="*/ 797442 h 2211572"/>
-                            <a:gd name="connsiteX6" fmla="*/ 776177 w 823782"/>
-                            <a:gd name="connsiteY6" fmla="*/ 1148316 h 2211572"/>
-                            <a:gd name="connsiteX7" fmla="*/ 10633 w 823782"/>
-                            <a:gd name="connsiteY7" fmla="*/ 1201478 h 2211572"/>
-                            <a:gd name="connsiteX8" fmla="*/ 786810 w 823782"/>
-                            <a:gd name="connsiteY8" fmla="*/ 1541721 h 2211572"/>
-                            <a:gd name="connsiteX9" fmla="*/ 31898 w 823782"/>
-                            <a:gd name="connsiteY9" fmla="*/ 1605516 h 2211572"/>
-                            <a:gd name="connsiteX10" fmla="*/ 765545 w 823782"/>
-                            <a:gd name="connsiteY10" fmla="*/ 1860697 h 2211572"/>
-                            <a:gd name="connsiteX11" fmla="*/ 21265 w 823782"/>
-                            <a:gd name="connsiteY11" fmla="*/ 1924493 h 2211572"/>
-                            <a:gd name="connsiteX12" fmla="*/ 818708 w 823782"/>
-                            <a:gd name="connsiteY12" fmla="*/ 2147777 h 2211572"/>
-                            <a:gd name="connsiteX13" fmla="*/ 382773 w 823782"/>
-                            <a:gd name="connsiteY13" fmla="*/ 2211572 h 2211572"/>
-                            <a:gd name="connsiteX0" fmla="*/ 754938 w 823808"/>
-                            <a:gd name="connsiteY0" fmla="*/ 0 h 2211572"/>
-                            <a:gd name="connsiteX1" fmla="*/ 10659 w 823808"/>
-                            <a:gd name="connsiteY1" fmla="*/ 116957 h 2211572"/>
-                            <a:gd name="connsiteX2" fmla="*/ 776203 w 823808"/>
-                            <a:gd name="connsiteY2" fmla="*/ 276447 h 2211572"/>
-                            <a:gd name="connsiteX3" fmla="*/ 27 w 823808"/>
-                            <a:gd name="connsiteY3" fmla="*/ 467832 h 2211572"/>
-                            <a:gd name="connsiteX4" fmla="*/ 776203 w 823808"/>
-                            <a:gd name="connsiteY4" fmla="*/ 659218 h 2211572"/>
-                            <a:gd name="connsiteX5" fmla="*/ 26 w 823808"/>
-                            <a:gd name="connsiteY5" fmla="*/ 797442 h 2211572"/>
-                            <a:gd name="connsiteX6" fmla="*/ 808101 w 823808"/>
-                            <a:gd name="connsiteY6" fmla="*/ 1020725 h 2211572"/>
-                            <a:gd name="connsiteX7" fmla="*/ 10659 w 823808"/>
-                            <a:gd name="connsiteY7" fmla="*/ 1201478 h 2211572"/>
-                            <a:gd name="connsiteX8" fmla="*/ 786836 w 823808"/>
-                            <a:gd name="connsiteY8" fmla="*/ 1541721 h 2211572"/>
-                            <a:gd name="connsiteX9" fmla="*/ 31924 w 823808"/>
-                            <a:gd name="connsiteY9" fmla="*/ 1605516 h 2211572"/>
-                            <a:gd name="connsiteX10" fmla="*/ 765571 w 823808"/>
-                            <a:gd name="connsiteY10" fmla="*/ 1860697 h 2211572"/>
-                            <a:gd name="connsiteX11" fmla="*/ 21291 w 823808"/>
-                            <a:gd name="connsiteY11" fmla="*/ 1924493 h 2211572"/>
-                            <a:gd name="connsiteX12" fmla="*/ 818734 w 823808"/>
-                            <a:gd name="connsiteY12" fmla="*/ 2147777 h 2211572"/>
-                            <a:gd name="connsiteX13" fmla="*/ 382799 w 823808"/>
-                            <a:gd name="connsiteY13" fmla="*/ 2211572 h 2211572"/>
-                            <a:gd name="connsiteX0" fmla="*/ 754938 w 823808"/>
-                            <a:gd name="connsiteY0" fmla="*/ 0 h 2211572"/>
-                            <a:gd name="connsiteX1" fmla="*/ 10659 w 823808"/>
-                            <a:gd name="connsiteY1" fmla="*/ 116957 h 2211572"/>
-                            <a:gd name="connsiteX2" fmla="*/ 776203 w 823808"/>
-                            <a:gd name="connsiteY2" fmla="*/ 276447 h 2211572"/>
-                            <a:gd name="connsiteX3" fmla="*/ 27 w 823808"/>
-                            <a:gd name="connsiteY3" fmla="*/ 467832 h 2211572"/>
-                            <a:gd name="connsiteX4" fmla="*/ 776203 w 823808"/>
-                            <a:gd name="connsiteY4" fmla="*/ 659218 h 2211572"/>
-                            <a:gd name="connsiteX5" fmla="*/ 26 w 823808"/>
-                            <a:gd name="connsiteY5" fmla="*/ 797442 h 2211572"/>
-                            <a:gd name="connsiteX6" fmla="*/ 808101 w 823808"/>
-                            <a:gd name="connsiteY6" fmla="*/ 1020725 h 2211572"/>
-                            <a:gd name="connsiteX7" fmla="*/ 10659 w 823808"/>
-                            <a:gd name="connsiteY7" fmla="*/ 1201478 h 2211572"/>
-                            <a:gd name="connsiteX8" fmla="*/ 797469 w 823808"/>
-                            <a:gd name="connsiteY8" fmla="*/ 1414130 h 2211572"/>
-                            <a:gd name="connsiteX9" fmla="*/ 31924 w 823808"/>
-                            <a:gd name="connsiteY9" fmla="*/ 1605516 h 2211572"/>
-                            <a:gd name="connsiteX10" fmla="*/ 765571 w 823808"/>
-                            <a:gd name="connsiteY10" fmla="*/ 1860697 h 2211572"/>
-                            <a:gd name="connsiteX11" fmla="*/ 21291 w 823808"/>
-                            <a:gd name="connsiteY11" fmla="*/ 1924493 h 2211572"/>
-                            <a:gd name="connsiteX12" fmla="*/ 818734 w 823808"/>
-                            <a:gd name="connsiteY12" fmla="*/ 2147777 h 2211572"/>
-                            <a:gd name="connsiteX13" fmla="*/ 382799 w 823808"/>
-                            <a:gd name="connsiteY13" fmla="*/ 2211572 h 2211572"/>
-                            <a:gd name="connsiteX0" fmla="*/ 754938 w 823808"/>
-                            <a:gd name="connsiteY0" fmla="*/ 0 h 2211572"/>
-                            <a:gd name="connsiteX1" fmla="*/ 10659 w 823808"/>
-                            <a:gd name="connsiteY1" fmla="*/ 116957 h 2211572"/>
-                            <a:gd name="connsiteX2" fmla="*/ 776203 w 823808"/>
-                            <a:gd name="connsiteY2" fmla="*/ 276447 h 2211572"/>
-                            <a:gd name="connsiteX3" fmla="*/ 27 w 823808"/>
-                            <a:gd name="connsiteY3" fmla="*/ 467832 h 2211572"/>
-                            <a:gd name="connsiteX4" fmla="*/ 776203 w 823808"/>
-                            <a:gd name="connsiteY4" fmla="*/ 659218 h 2211572"/>
-                            <a:gd name="connsiteX5" fmla="*/ 26 w 823808"/>
-                            <a:gd name="connsiteY5" fmla="*/ 797442 h 2211572"/>
-                            <a:gd name="connsiteX6" fmla="*/ 808101 w 823808"/>
-                            <a:gd name="connsiteY6" fmla="*/ 1020725 h 2211572"/>
-                            <a:gd name="connsiteX7" fmla="*/ 10659 w 823808"/>
-                            <a:gd name="connsiteY7" fmla="*/ 1201478 h 2211572"/>
-                            <a:gd name="connsiteX8" fmla="*/ 797469 w 823808"/>
-                            <a:gd name="connsiteY8" fmla="*/ 1414130 h 2211572"/>
-                            <a:gd name="connsiteX9" fmla="*/ 31924 w 823808"/>
-                            <a:gd name="connsiteY9" fmla="*/ 1605516 h 2211572"/>
-                            <a:gd name="connsiteX10" fmla="*/ 797469 w 823808"/>
-                            <a:gd name="connsiteY10" fmla="*/ 1786269 h 2211572"/>
-                            <a:gd name="connsiteX11" fmla="*/ 21291 w 823808"/>
-                            <a:gd name="connsiteY11" fmla="*/ 1924493 h 2211572"/>
-                            <a:gd name="connsiteX12" fmla="*/ 818734 w 823808"/>
-                            <a:gd name="connsiteY12" fmla="*/ 2147777 h 2211572"/>
-                            <a:gd name="connsiteX13" fmla="*/ 382799 w 823808"/>
-                            <a:gd name="connsiteY13" fmla="*/ 2211572 h 2211572"/>
-                            <a:gd name="connsiteX0" fmla="*/ 754938 w 823808"/>
-                            <a:gd name="connsiteY0" fmla="*/ 0 h 2211572"/>
-                            <a:gd name="connsiteX1" fmla="*/ 10659 w 823808"/>
-                            <a:gd name="connsiteY1" fmla="*/ 116957 h 2211572"/>
-                            <a:gd name="connsiteX2" fmla="*/ 776203 w 823808"/>
-                            <a:gd name="connsiteY2" fmla="*/ 276447 h 2211572"/>
-                            <a:gd name="connsiteX3" fmla="*/ 27 w 823808"/>
-                            <a:gd name="connsiteY3" fmla="*/ 467832 h 2211572"/>
-                            <a:gd name="connsiteX4" fmla="*/ 776203 w 823808"/>
-                            <a:gd name="connsiteY4" fmla="*/ 659218 h 2211572"/>
-                            <a:gd name="connsiteX5" fmla="*/ 26 w 823808"/>
-                            <a:gd name="connsiteY5" fmla="*/ 797442 h 2211572"/>
-                            <a:gd name="connsiteX6" fmla="*/ 808101 w 823808"/>
-                            <a:gd name="connsiteY6" fmla="*/ 1020725 h 2211572"/>
-                            <a:gd name="connsiteX7" fmla="*/ 10659 w 823808"/>
-                            <a:gd name="connsiteY7" fmla="*/ 1201478 h 2211572"/>
-                            <a:gd name="connsiteX8" fmla="*/ 797469 w 823808"/>
-                            <a:gd name="connsiteY8" fmla="*/ 1414130 h 2211572"/>
-                            <a:gd name="connsiteX9" fmla="*/ 31924 w 823808"/>
-                            <a:gd name="connsiteY9" fmla="*/ 1605516 h 2211572"/>
-                            <a:gd name="connsiteX10" fmla="*/ 797469 w 823808"/>
-                            <a:gd name="connsiteY10" fmla="*/ 1786269 h 2211572"/>
-                            <a:gd name="connsiteX11" fmla="*/ 21291 w 823808"/>
-                            <a:gd name="connsiteY11" fmla="*/ 1924493 h 2211572"/>
-                            <a:gd name="connsiteX12" fmla="*/ 818734 w 823808"/>
-                            <a:gd name="connsiteY12" fmla="*/ 2062717 h 2211572"/>
-                            <a:gd name="connsiteX13" fmla="*/ 382799 w 823808"/>
-                            <a:gd name="connsiteY13" fmla="*/ 2211572 h 2211572"/>
-                          </a:gdLst>
-                          <a:ahLst/>
-                          <a:cxnLst>
-                            <a:cxn ang="0">
-                              <a:pos x="connsiteX0" y="connsiteY0"/>
-                            </a:cxn>
-                            <a:cxn ang="0">
-                              <a:pos x="connsiteX1" y="connsiteY1"/>
-                            </a:cxn>
-                            <a:cxn ang="0">
-                              <a:pos x="connsiteX2" y="connsiteY2"/>
-                            </a:cxn>
-                            <a:cxn ang="0">
-                              <a:pos x="connsiteX3" y="connsiteY3"/>
-                            </a:cxn>
-                            <a:cxn ang="0">
-                              <a:pos x="connsiteX4" y="connsiteY4"/>
-                            </a:cxn>
-                            <a:cxn ang="0">
-                              <a:pos x="connsiteX5" y="connsiteY5"/>
-                            </a:cxn>
-                            <a:cxn ang="0">
-                              <a:pos x="connsiteX6" y="connsiteY6"/>
-                            </a:cxn>
-                            <a:cxn ang="0">
-                              <a:pos x="connsiteX7" y="connsiteY7"/>
-                            </a:cxn>
-                            <a:cxn ang="0">
-                              <a:pos x="connsiteX8" y="connsiteY8"/>
-                            </a:cxn>
-                            <a:cxn ang="0">
-                              <a:pos x="connsiteX9" y="connsiteY9"/>
-                            </a:cxn>
-                            <a:cxn ang="0">
-                              <a:pos x="connsiteX10" y="connsiteY10"/>
-                            </a:cxn>
-                            <a:cxn ang="0">
-                              <a:pos x="connsiteX11" y="connsiteY11"/>
-                            </a:cxn>
-                            <a:cxn ang="0">
-                              <a:pos x="connsiteX12" y="connsiteY12"/>
-                            </a:cxn>
-                            <a:cxn ang="0">
-                              <a:pos x="connsiteX13" y="connsiteY13"/>
-                            </a:cxn>
-                          </a:cxnLst>
-                          <a:rect l="l" t="t" r="r" b="b"/>
-                          <a:pathLst>
-                            <a:path w="823808" h="2211572">
-                              <a:moveTo>
-                                <a:pt x="754938" y="0"/>
-                              </a:moveTo>
-                              <a:cubicBezTo>
-                                <a:pt x="334952" y="24809"/>
-                                <a:pt x="7115" y="70883"/>
-                                <a:pt x="10659" y="116957"/>
-                              </a:cubicBezTo>
-                              <a:cubicBezTo>
-                                <a:pt x="14203" y="163031"/>
-                                <a:pt x="777975" y="217968"/>
-                                <a:pt x="776203" y="276447"/>
-                              </a:cubicBezTo>
-                              <a:cubicBezTo>
-                                <a:pt x="774431" y="334926"/>
-                                <a:pt x="27" y="404037"/>
-                                <a:pt x="27" y="467832"/>
-                              </a:cubicBezTo>
-                              <a:cubicBezTo>
-                                <a:pt x="27" y="531627"/>
-                                <a:pt x="776203" y="604283"/>
-                                <a:pt x="776203" y="659218"/>
-                              </a:cubicBezTo>
-                              <a:cubicBezTo>
-                                <a:pt x="776203" y="714153"/>
-                                <a:pt x="-5290" y="737191"/>
-                                <a:pt x="26" y="797442"/>
-                              </a:cubicBezTo>
-                              <a:cubicBezTo>
-                                <a:pt x="5342" y="857693"/>
-                                <a:pt x="806329" y="953386"/>
-                                <a:pt x="808101" y="1020725"/>
-                              </a:cubicBezTo>
-                              <a:cubicBezTo>
-                                <a:pt x="809873" y="1088064"/>
-                                <a:pt x="12431" y="1135911"/>
-                                <a:pt x="10659" y="1201478"/>
-                              </a:cubicBezTo>
-                              <a:cubicBezTo>
-                                <a:pt x="8887" y="1267045"/>
-                                <a:pt x="793925" y="1346790"/>
-                                <a:pt x="797469" y="1414130"/>
-                              </a:cubicBezTo>
-                              <a:cubicBezTo>
-                                <a:pt x="801013" y="1481470"/>
-                                <a:pt x="31924" y="1543493"/>
-                                <a:pt x="31924" y="1605516"/>
-                              </a:cubicBezTo>
-                              <a:cubicBezTo>
-                                <a:pt x="31924" y="1667539"/>
-                                <a:pt x="799241" y="1733106"/>
-                                <a:pt x="797469" y="1786269"/>
-                              </a:cubicBezTo>
-                              <a:cubicBezTo>
-                                <a:pt x="795697" y="1839432"/>
-                                <a:pt x="17747" y="1878418"/>
-                                <a:pt x="21291" y="1924493"/>
-                              </a:cubicBezTo>
-                              <a:cubicBezTo>
-                                <a:pt x="24835" y="1970568"/>
-                                <a:pt x="758483" y="2014871"/>
-                                <a:pt x="818734" y="2062717"/>
-                              </a:cubicBezTo>
-                              <a:cubicBezTo>
-                                <a:pt x="878985" y="2110563"/>
-                                <a:pt x="382799" y="2211572"/>
-                                <a:pt x="382799" y="2211572"/>
-                              </a:cubicBezTo>
-                            </a:path>
-                          </a:pathLst>
-                        </a:custGeom>
-                        <a:noFill/>
-                        <a:ln w="57150">
-                          <a:solidFill>
-                            <a:schemeClr val="tx1"/>
-                          </a:solidFill>
-                        </a:ln>
-                      </p:spPr>
-                      <p:style>
-                        <a:lnRef idx="2">
-                          <a:schemeClr val="accent1">
-                            <a:shade val="50000"/>
-                          </a:schemeClr>
-                        </a:lnRef>
-                        <a:fillRef idx="1">
-                          <a:schemeClr val="accent1"/>
-                        </a:fillRef>
-                        <a:effectRef idx="0">
-                          <a:schemeClr val="accent1"/>
-                        </a:effectRef>
-                        <a:fontRef idx="minor">
-                          <a:schemeClr val="lt1"/>
-                        </a:fontRef>
-                      </p:style>
-                      <p:txBody>
-                        <a:bodyPr rtlCol="0" anchor="ctr"/>
-                        <a:lstStyle/>
-                        <a:p>
-                          <a:pPr algn="ctr"/>
-                          <a:endParaRPr lang="en-US"/>
-                        </a:p>
-                      </p:txBody>
-                    </p:sp>
-                  </p:grpSp>
-                  <p:cxnSp>
-                    <p:nvCxnSpPr>
-                      <p:cNvPr id="79" name="Straight Arrow Connector 78"/>
-                      <p:cNvCxnSpPr/>
-                      <p:nvPr/>
-                    </p:nvCxnSpPr>
-                    <p:spPr>
-                      <a:xfrm>
-                        <a:off x="2517730" y="3013103"/>
-                        <a:ext cx="0" cy="2733982"/>
-                      </a:xfrm>
-                      <a:prstGeom prst="straightConnector1">
-                        <a:avLst/>
-                      </a:prstGeom>
-                      <a:ln w="28575">
-                        <a:solidFill>
-                          <a:schemeClr val="tx1"/>
-                        </a:solidFill>
-                        <a:tailEnd type="triangle"/>
-                      </a:ln>
-                    </p:spPr>
-                    <p:style>
-                      <a:lnRef idx="1">
-                        <a:schemeClr val="accent1"/>
-                      </a:lnRef>
-                      <a:fillRef idx="0">
-                        <a:schemeClr val="accent1"/>
-                      </a:fillRef>
-                      <a:effectRef idx="0">
-                        <a:schemeClr val="accent1"/>
-                      </a:effectRef>
-                      <a:fontRef idx="minor">
-                        <a:schemeClr val="tx1"/>
-                      </a:fontRef>
-                    </p:style>
-                  </p:cxnSp>
-                  <p:cxnSp>
-                    <p:nvCxnSpPr>
-                      <p:cNvPr id="80" name="Straight Connector 79"/>
-                      <p:cNvCxnSpPr/>
-                      <p:nvPr/>
-                    </p:nvCxnSpPr>
-                    <p:spPr>
-                      <a:xfrm>
-                        <a:off x="2361789" y="4513865"/>
-                        <a:ext cx="155944" cy="0"/>
-                      </a:xfrm>
-                      <a:prstGeom prst="line">
-                        <a:avLst/>
-                      </a:prstGeom>
-                      <a:ln w="28575">
-                        <a:solidFill>
-                          <a:schemeClr val="tx1"/>
-                        </a:solidFill>
-                      </a:ln>
-                    </p:spPr>
-                    <p:style>
-                      <a:lnRef idx="1">
-                        <a:schemeClr val="accent1"/>
-                      </a:lnRef>
-                      <a:fillRef idx="0">
-                        <a:schemeClr val="accent1"/>
-                      </a:fillRef>
-                      <a:effectRef idx="0">
-                        <a:schemeClr val="accent1"/>
-                      </a:effectRef>
-                      <a:fontRef idx="minor">
-                        <a:schemeClr val="tx1"/>
-                      </a:fontRef>
-                    </p:style>
-                  </p:cxnSp>
-                  <mc:AlternateContent xmlns:mc="http://schemas.openxmlformats.org/markup-compatibility/2006" xmlns:a14="http://schemas.microsoft.com/office/drawing/2010/main">
-                    <mc:Choice Requires="a14">
-                      <p:sp>
-                        <p:nvSpPr>
-                          <p:cNvPr id="81" name="TextBox 80"/>
-                          <p:cNvSpPr txBox="1"/>
-                          <p:nvPr/>
-                        </p:nvSpPr>
-                        <p:spPr>
-                          <a:xfrm>
-                            <a:off x="2185672" y="4397897"/>
-                            <a:ext cx="160300" cy="246221"/>
-                          </a:xfrm>
-                          <a:prstGeom prst="rect">
-                            <a:avLst/>
-                          </a:prstGeom>
-                          <a:noFill/>
-                        </p:spPr>
-                        <p:txBody>
-                          <a:bodyPr wrap="none" lIns="0" tIns="0" rIns="0" bIns="0" rtlCol="0">
-                            <a:spAutoFit/>
-                          </a:bodyPr>
-                          <a:lstStyle/>
-                          <a:p>
-                            <a:pPr/>
-                            <a14:m>
-                              <m:oMathPara xmlns:m="http://schemas.openxmlformats.org/officeDocument/2006/math">
-                                <m:oMathParaPr>
-                                  <m:jc m:val="centerGroup"/>
-                                </m:oMathParaPr>
-                                <m:oMath xmlns:m="http://schemas.openxmlformats.org/officeDocument/2006/math">
-                                  <m:r>
-                                    <a:rPr lang="en-CA" sz="1600" b="0" i="1" smtClean="0">
-                                      <a:latin typeface="Cambria Math" charset="0"/>
-                                    </a:rPr>
-                                    <m:t>0</m:t>
-                                  </m:r>
-                                </m:oMath>
-                              </m:oMathPara>
-                            </a14:m>
-                            <a:endParaRPr lang="en-US" sz="1600" dirty="0"/>
-                          </a:p>
-                        </p:txBody>
-                      </p:sp>
-                    </mc:Choice>
-                    <mc:Fallback xmlns="">
-                      <p:sp>
-                        <p:nvSpPr>
-                          <p:cNvPr id="81" name="TextBox 80"/>
-                          <p:cNvSpPr txBox="1">
-                            <a:spLocks noRot="1" noChangeAspect="1" noMove="1" noResize="1" noEditPoints="1" noAdjustHandles="1" noChangeArrowheads="1" noChangeShapeType="1" noTextEdit="1"/>
-                          </p:cNvSpPr>
-                          <p:nvPr/>
-                        </p:nvSpPr>
-                        <p:spPr>
-                          <a:xfrm>
-                            <a:off x="2185672" y="4397897"/>
-                            <a:ext cx="160300" cy="246221"/>
-                          </a:xfrm>
-                          <a:prstGeom prst="rect">
-                            <a:avLst/>
-                          </a:prstGeom>
-                          <a:blipFill rotWithShape="0">
-                            <a:blip r:embed="rId10"/>
-                            <a:stretch>
-                              <a:fillRect l="-30769" r="-30769" b="-7317"/>
-                            </a:stretch>
-                          </a:blipFill>
-                        </p:spPr>
-                        <p:txBody>
-                          <a:bodyPr/>
-                          <a:lstStyle/>
-                          <a:p>
-                            <a:r>
-                              <a:rPr lang="en-US">
-                                <a:noFill/>
-                              </a:rPr>
-                              <a:t> </a:t>
-                            </a:r>
-                          </a:p>
-                        </p:txBody>
-                      </p:sp>
-                    </mc:Fallback>
-                  </mc:AlternateContent>
-                  <mc:AlternateContent xmlns:mc="http://schemas.openxmlformats.org/markup-compatibility/2006" xmlns:a14="http://schemas.microsoft.com/office/drawing/2010/main">
-                    <mc:Choice Requires="a14">
-                      <p:sp>
-                        <p:nvSpPr>
-                          <p:cNvPr id="82" name="TextBox 81"/>
-                          <p:cNvSpPr txBox="1"/>
-                          <p:nvPr/>
-                        </p:nvSpPr>
-                        <p:spPr>
-                          <a:xfrm>
-                            <a:off x="2241731" y="5659851"/>
-                            <a:ext cx="161711" cy="246221"/>
-                          </a:xfrm>
-                          <a:prstGeom prst="rect">
-                            <a:avLst/>
-                          </a:prstGeom>
-                          <a:noFill/>
-                        </p:spPr>
-                        <p:txBody>
-                          <a:bodyPr wrap="none" lIns="0" tIns="0" rIns="0" bIns="0" rtlCol="0">
-                            <a:spAutoFit/>
-                          </a:bodyPr>
-                          <a:lstStyle/>
-                          <a:p>
-                            <a:pPr/>
-                            <a14:m>
-                              <m:oMathPara xmlns:m="http://schemas.openxmlformats.org/officeDocument/2006/math">
-                                <m:oMathParaPr>
-                                  <m:jc m:val="centerGroup"/>
-                                </m:oMathParaPr>
-                                <m:oMath xmlns:m="http://schemas.openxmlformats.org/officeDocument/2006/math">
-                                  <m:r>
-                                    <a:rPr lang="en-CA" sz="1600" b="0" i="1" smtClean="0">
-                                      <a:latin typeface="Cambria Math" charset="0"/>
-                                    </a:rPr>
-                                    <m:t>𝑥</m:t>
-                                  </m:r>
-                                </m:oMath>
-                              </m:oMathPara>
-                            </a14:m>
-                            <a:endParaRPr lang="en-US" sz="1600" dirty="0"/>
-                          </a:p>
-                        </p:txBody>
-                      </p:sp>
-                    </mc:Choice>
-                    <mc:Fallback xmlns="">
-                      <p:sp>
-                        <p:nvSpPr>
-                          <p:cNvPr id="82" name="TextBox 81"/>
-                          <p:cNvSpPr txBox="1">
-                            <a:spLocks noRot="1" noChangeAspect="1" noMove="1" noResize="1" noEditPoints="1" noAdjustHandles="1" noChangeArrowheads="1" noChangeShapeType="1" noTextEdit="1"/>
-                          </p:cNvSpPr>
-                          <p:nvPr/>
-                        </p:nvSpPr>
-                        <p:spPr>
-                          <a:xfrm>
-                            <a:off x="2241731" y="5659851"/>
-                            <a:ext cx="161711" cy="246221"/>
-                          </a:xfrm>
-                          <a:prstGeom prst="rect">
-                            <a:avLst/>
-                          </a:prstGeom>
-                          <a:blipFill rotWithShape="0">
-                            <a:blip r:embed="rId11"/>
-                            <a:stretch>
-                              <a:fillRect l="-14815" r="-14815"/>
-                            </a:stretch>
-                          </a:blipFill>
-                        </p:spPr>
-                        <p:txBody>
-                          <a:bodyPr/>
-                          <a:lstStyle/>
-                          <a:p>
-                            <a:r>
-                              <a:rPr lang="en-US">
-                                <a:noFill/>
-                              </a:rPr>
-                              <a:t> </a:t>
-                            </a:r>
-                          </a:p>
-                        </p:txBody>
-                      </p:sp>
-                    </mc:Fallback>
-                  </mc:AlternateContent>
-                  <p:cxnSp>
-                    <p:nvCxnSpPr>
-                      <p:cNvPr id="83" name="Straight Arrow Connector 82"/>
-                      <p:cNvCxnSpPr/>
-                      <p:nvPr/>
-                    </p:nvCxnSpPr>
-                    <p:spPr>
-                      <a:xfrm>
-                        <a:off x="4768808" y="5068172"/>
-                        <a:ext cx="0" cy="700339"/>
-                      </a:xfrm>
-                      <a:prstGeom prst="straightConnector1">
-                        <a:avLst/>
-                      </a:prstGeom>
-                      <a:ln w="28575">
-                        <a:solidFill>
-                          <a:schemeClr val="tx1"/>
-                        </a:solidFill>
-                        <a:headEnd type="triangle"/>
-                        <a:tailEnd type="triangle"/>
-                      </a:ln>
-                    </p:spPr>
-                    <p:style>
-                      <a:lnRef idx="1">
-                        <a:schemeClr val="accent1"/>
-                      </a:lnRef>
-                      <a:fillRef idx="0">
-                        <a:schemeClr val="accent1"/>
-                      </a:fillRef>
-                      <a:effectRef idx="0">
-                        <a:schemeClr val="accent1"/>
-                      </a:effectRef>
-                      <a:fontRef idx="minor">
-                        <a:schemeClr val="tx1"/>
-                      </a:fontRef>
-                    </p:style>
-                  </p:cxnSp>
-                  <mc:AlternateContent xmlns:mc="http://schemas.openxmlformats.org/markup-compatibility/2006" xmlns:a14="http://schemas.microsoft.com/office/drawing/2010/main">
-                    <mc:Choice Requires="a14">
-                      <p:sp>
-                        <p:nvSpPr>
-                          <p:cNvPr id="84" name="TextBox 83"/>
-                          <p:cNvSpPr txBox="1"/>
-                          <p:nvPr/>
-                        </p:nvSpPr>
-                        <p:spPr>
-                          <a:xfrm>
-                            <a:off x="4841492" y="5295230"/>
-                            <a:ext cx="429605" cy="246221"/>
-                          </a:xfrm>
-                          <a:prstGeom prst="rect">
-                            <a:avLst/>
-                          </a:prstGeom>
-                          <a:noFill/>
-                        </p:spPr>
-                        <p:txBody>
-                          <a:bodyPr wrap="square" lIns="0" tIns="0" rIns="0" bIns="0" rtlCol="0">
-                            <a:spAutoFit/>
-                          </a:bodyPr>
-                          <a:lstStyle/>
-                          <a:p>
-                            <a:pPr/>
-                            <a14:m>
-                              <m:oMathPara xmlns:m="http://schemas.openxmlformats.org/officeDocument/2006/math">
-                                <m:oMathParaPr>
-                                  <m:jc m:val="centerGroup"/>
-                                </m:oMathParaPr>
-                                <m:oMath xmlns:m="http://schemas.openxmlformats.org/officeDocument/2006/math">
-                                  <m:r>
-                                    <a:rPr lang="en-CA" sz="1600" b="0" i="1" smtClean="0">
-                                      <a:latin typeface="Cambria Math" charset="0"/>
-                                    </a:rPr>
-                                    <m:t>0.</m:t>
-                                  </m:r>
-                                  <m:r>
-                                    <a:rPr lang="en-CA" sz="1600" i="1" smtClean="0">
-                                      <a:latin typeface="Cambria Math" charset="0"/>
-                                    </a:rPr>
-                                    <m:t>3</m:t>
-                                  </m:r>
-                                  <m:r>
-                                    <a:rPr lang="en-CA" sz="1600" b="0" i="1" smtClean="0">
-                                      <a:latin typeface="Cambria Math" charset="0"/>
-                                    </a:rPr>
-                                    <m:t>5 </m:t>
-                                  </m:r>
-                                  <m:r>
-                                    <m:rPr>
-                                      <m:nor/>
-                                    </m:rPr>
-                                    <a:rPr lang="en-CA" sz="1600" b="0" i="0" smtClean="0">
-                                      <a:latin typeface="Cambria Math" charset="0"/>
-                                    </a:rPr>
-                                    <m:t>m</m:t>
-                                  </m:r>
-                                </m:oMath>
-                              </m:oMathPara>
-                            </a14:m>
-                            <a:endParaRPr lang="en-US" sz="1600" dirty="0"/>
-                          </a:p>
-                        </p:txBody>
-                      </p:sp>
-                    </mc:Choice>
-                    <mc:Fallback xmlns="">
-                      <p:sp>
-                        <p:nvSpPr>
-                          <p:cNvPr id="84" name="TextBox 83"/>
-                          <p:cNvSpPr txBox="1">
-                            <a:spLocks noRot="1" noChangeAspect="1" noMove="1" noResize="1" noEditPoints="1" noAdjustHandles="1" noChangeArrowheads="1" noChangeShapeType="1" noTextEdit="1"/>
-                          </p:cNvSpPr>
-                          <p:nvPr/>
-                        </p:nvSpPr>
-                        <p:spPr>
-                          <a:xfrm>
-                            <a:off x="4841492" y="5295230"/>
-                            <a:ext cx="429605" cy="246221"/>
-                          </a:xfrm>
-                          <a:prstGeom prst="rect">
-                            <a:avLst/>
-                          </a:prstGeom>
-                          <a:blipFill rotWithShape="0">
-                            <a:blip r:embed="rId12"/>
-                            <a:stretch>
-                              <a:fillRect l="-16901" t="-139024" r="-49296" b="-170732"/>
-                            </a:stretch>
-                          </a:blipFill>
-                        </p:spPr>
-                        <p:txBody>
-                          <a:bodyPr/>
-                          <a:lstStyle/>
-                          <a:p>
-                            <a:r>
-                              <a:rPr lang="en-US">
-                                <a:noFill/>
-                              </a:rPr>
-                              <a:t> </a:t>
-                            </a:r>
-                          </a:p>
-                        </p:txBody>
-                      </p:sp>
-                    </mc:Fallback>
-                  </mc:AlternateContent>
-                </p:grpSp>
-                <mc:AlternateContent xmlns:mc="http://schemas.openxmlformats.org/markup-compatibility/2006" xmlns:a14="http://schemas.microsoft.com/office/drawing/2010/main">
-                  <mc:Choice Requires="a14">
-                    <p:sp>
-                      <p:nvSpPr>
-                        <p:cNvPr id="109" name="Rectangle 108"/>
-                        <p:cNvSpPr/>
-                        <p:nvPr/>
-                      </p:nvSpPr>
-                      <p:spPr>
-                        <a:xfrm>
-                          <a:off x="1603300" y="4621030"/>
-                          <a:ext cx="684849" cy="623713"/>
-                        </a:xfrm>
-                        <a:prstGeom prst="rect">
-                          <a:avLst/>
-                        </a:prstGeom>
-                        <a:solidFill>
-                          <a:schemeClr val="bg2">
-                            <a:lumMod val="90000"/>
-                          </a:schemeClr>
-                        </a:solidFill>
-                        <a:ln>
-                          <a:solidFill>
-                            <a:schemeClr val="tx1"/>
-                          </a:solidFill>
-                        </a:ln>
-                      </p:spPr>
-                      <p:style>
-                        <a:lnRef idx="2">
-                          <a:schemeClr val="accent1">
-                            <a:shade val="50000"/>
-                          </a:schemeClr>
-                        </a:lnRef>
-                        <a:fillRef idx="1">
-                          <a:schemeClr val="accent1"/>
-                        </a:fillRef>
-                        <a:effectRef idx="0">
-                          <a:schemeClr val="accent1"/>
-                        </a:effectRef>
-                        <a:fontRef idx="minor">
-                          <a:schemeClr val="lt1"/>
-                        </a:fontRef>
-                      </p:style>
-                      <p:txBody>
-                        <a:bodyPr rtlCol="0" anchor="ctr"/>
-                        <a:lstStyle/>
-                        <a:p>
-                          <a:pPr algn="ctr"/>
-                          <a14:m>
-                            <m:oMathPara xmlns:m="http://schemas.openxmlformats.org/officeDocument/2006/math">
-                              <m:oMathParaPr>
-                                <m:jc m:val="centerGroup"/>
-                              </m:oMathParaPr>
-                              <m:oMath xmlns:m="http://schemas.openxmlformats.org/officeDocument/2006/math">
-                                <m:r>
-                                  <a:rPr lang="en-CA" sz="1600" b="0" i="1" smtClean="0">
-                                    <a:solidFill>
-                                      <a:sysClr val="windowText" lastClr="000000"/>
-                                    </a:solidFill>
-                                    <a:latin typeface="Cambria Math" charset="0"/>
-                                  </a:rPr>
-                                  <m:t>30 </m:t>
-                                </m:r>
-                                <m:r>
-                                  <m:rPr>
-                                    <m:nor/>
-                                  </m:rPr>
-                                  <a:rPr lang="en-CA" sz="1600" b="0" i="0" smtClean="0">
-                                    <a:solidFill>
-                                      <a:sysClr val="windowText" lastClr="000000"/>
-                                    </a:solidFill>
-                                    <a:latin typeface="Cambria Math" charset="0"/>
-                                  </a:rPr>
-                                  <m:t>kg</m:t>
-                                </m:r>
-                              </m:oMath>
-                            </m:oMathPara>
-                          </a14:m>
-                          <a:endParaRPr lang="en-US" sz="1600" dirty="0">
-                            <a:solidFill>
-                              <a:sysClr val="windowText" lastClr="000000"/>
-                            </a:solidFill>
-                          </a:endParaRPr>
-                        </a:p>
-                      </p:txBody>
-                    </p:sp>
-                  </mc:Choice>
-                  <mc:Fallback xmlns="">
-                    <p:sp>
-                      <p:nvSpPr>
-                        <p:cNvPr id="109" name="Rectangle 108"/>
-                        <p:cNvSpPr>
-                          <a:spLocks noRot="1" noChangeAspect="1" noMove="1" noResize="1" noEditPoints="1" noAdjustHandles="1" noChangeArrowheads="1" noChangeShapeType="1" noTextEdit="1"/>
-                        </p:cNvSpPr>
-                        <p:nvPr/>
-                      </p:nvSpPr>
-                      <p:spPr>
-                        <a:xfrm>
-                          <a:off x="1603300" y="4621030"/>
-                          <a:ext cx="684849" cy="623713"/>
-                        </a:xfrm>
-                        <a:prstGeom prst="rect">
-                          <a:avLst/>
-                        </a:prstGeom>
-                        <a:blipFill rotWithShape="0">
-                          <a:blip r:embed="rId13"/>
-                          <a:stretch>
-                            <a:fillRect t="-24038" b="-37500"/>
-                          </a:stretch>
-                        </a:blipFill>
-                        <a:ln>
-                          <a:solidFill>
-                            <a:schemeClr val="tx1"/>
-                          </a:solidFill>
-                        </a:ln>
-                      </p:spPr>
-                      <p:txBody>
-                        <a:bodyPr/>
-                        <a:lstStyle/>
-                        <a:p>
-                          <a:r>
-                            <a:rPr lang="en-US">
-                              <a:noFill/>
-                            </a:rPr>
-                            <a:t> </a:t>
-                          </a:r>
-                        </a:p>
-                      </p:txBody>
-                    </p:sp>
-                  </mc:Fallback>
-                </mc:AlternateContent>
-              </p:grpSp>
-            </p:grpSp>
-          </p:grpSp>
-        </p:grpSp>
-        <p:sp>
-          <p:nvSpPr>
-            <p:cNvPr id="118" name="Oval 117"/>
-            <p:cNvSpPr/>
-            <p:nvPr/>
-          </p:nvSpPr>
-          <p:spPr>
-            <a:xfrm>
-              <a:off x="4961405" y="5231526"/>
-              <a:ext cx="177209" cy="168001"/>
-            </a:xfrm>
-            <a:prstGeom prst="ellipse">
-              <a:avLst/>
-            </a:prstGeom>
-            <a:solidFill>
-              <a:schemeClr val="tx1"/>
-            </a:solidFill>
-            <a:ln>
-              <a:solidFill>
-                <a:schemeClr val="tx1"/>
-              </a:solidFill>
-            </a:ln>
-          </p:spPr>
-          <p:style>
-            <a:lnRef idx="2">
-              <a:schemeClr val="accent1">
-                <a:shade val="50000"/>
-              </a:schemeClr>
-            </a:lnRef>
-            <a:fillRef idx="1">
-              <a:schemeClr val="accent1"/>
-            </a:fillRef>
-            <a:effectRef idx="0">
-              <a:schemeClr val="accent1"/>
-            </a:effectRef>
-            <a:fontRef idx="minor">
-              <a:schemeClr val="lt1"/>
-            </a:fontRef>
-          </p:style>
-          <p:txBody>
-            <a:bodyPr rtlCol="0" anchor="ctr"/>
-            <a:lstStyle/>
-            <a:p>
-              <a:pPr algn="ctr"/>
-              <a:endParaRPr lang="en-US"/>
-            </a:p>
-          </p:txBody>
-        </p:sp>
-        <p:cxnSp>
-          <p:nvCxnSpPr>
-            <p:cNvPr id="120" name="Straight Arrow Connector 119"/>
-            <p:cNvCxnSpPr>
-              <a:stCxn id="118" idx="4"/>
-            </p:cNvCxnSpPr>
-            <p:nvPr/>
-          </p:nvCxnSpPr>
-          <p:spPr>
-            <a:xfrm flipH="1">
-              <a:off x="5050009" y="5399527"/>
-              <a:ext cx="1" cy="966583"/>
-            </a:xfrm>
-            <a:prstGeom prst="straightConnector1">
-              <a:avLst/>
-            </a:prstGeom>
-            <a:ln w="28575">
-              <a:solidFill>
-                <a:schemeClr val="tx1"/>
-              </a:solidFill>
-              <a:tailEnd type="triangle"/>
-            </a:ln>
-          </p:spPr>
-          <p:style>
-            <a:lnRef idx="1">
-              <a:schemeClr val="accent1"/>
-            </a:lnRef>
-            <a:fillRef idx="0">
-              <a:schemeClr val="accent1"/>
-            </a:fillRef>
-            <a:effectRef idx="0">
-              <a:schemeClr val="accent1"/>
-            </a:effectRef>
-            <a:fontRef idx="minor">
-              <a:schemeClr val="tx1"/>
-            </a:fontRef>
-          </p:style>
-        </p:cxnSp>
-        <p:cxnSp>
-          <p:nvCxnSpPr>
-            <p:cNvPr id="121" name="Straight Arrow Connector 120"/>
-            <p:cNvCxnSpPr/>
-            <p:nvPr/>
-          </p:nvCxnSpPr>
-          <p:spPr>
-            <a:xfrm flipV="1">
-              <a:off x="4998584" y="4569397"/>
-              <a:ext cx="279" cy="739042"/>
-            </a:xfrm>
-            <a:prstGeom prst="straightConnector1">
-              <a:avLst/>
-            </a:prstGeom>
-            <a:ln w="28575">
-              <a:solidFill>
-                <a:schemeClr val="tx1"/>
-              </a:solidFill>
-              <a:tailEnd type="triangle"/>
-            </a:ln>
-          </p:spPr>
-          <p:style>
-            <a:lnRef idx="1">
-              <a:schemeClr val="accent1"/>
-            </a:lnRef>
-            <a:fillRef idx="0">
-              <a:schemeClr val="accent1"/>
-            </a:fillRef>
-            <a:effectRef idx="0">
-              <a:schemeClr val="accent1"/>
-            </a:effectRef>
-            <a:fontRef idx="minor">
-              <a:schemeClr val="tx1"/>
-            </a:fontRef>
-          </p:style>
-        </p:cxnSp>
-        <p:cxnSp>
-          <p:nvCxnSpPr>
-            <p:cNvPr id="123" name="Straight Arrow Connector 122"/>
-            <p:cNvCxnSpPr/>
-            <p:nvPr/>
-          </p:nvCxnSpPr>
-          <p:spPr>
-            <a:xfrm flipV="1">
-              <a:off x="5080104" y="4387701"/>
-              <a:ext cx="0" cy="900000"/>
-            </a:xfrm>
-            <a:prstGeom prst="straightConnector1">
-              <a:avLst/>
-            </a:prstGeom>
-            <a:ln w="28575">
-              <a:solidFill>
-                <a:schemeClr val="tx1"/>
-              </a:solidFill>
-              <a:tailEnd type="triangle"/>
-            </a:ln>
-          </p:spPr>
-          <p:style>
-            <a:lnRef idx="1">
-              <a:schemeClr val="accent1"/>
-            </a:lnRef>
-            <a:fillRef idx="0">
-              <a:schemeClr val="accent1"/>
-            </a:fillRef>
-            <a:effectRef idx="0">
-              <a:schemeClr val="accent1"/>
-            </a:effectRef>
-            <a:fontRef idx="minor">
-              <a:schemeClr val="tx1"/>
-            </a:fontRef>
-          </p:style>
-        </p:cxnSp>
-        <mc:AlternateContent xmlns:mc="http://schemas.openxmlformats.org/markup-compatibility/2006" xmlns:a14="http://schemas.microsoft.com/office/drawing/2010/main">
-          <mc:Choice Requires="a14">
-            <p:sp>
-              <p:nvSpPr>
-                <p:cNvPr id="126" name="TextBox 125"/>
-                <p:cNvSpPr txBox="1"/>
-                <p:nvPr/>
-              </p:nvSpPr>
-              <p:spPr>
-                <a:xfrm>
-                  <a:off x="4573607" y="4782888"/>
-                  <a:ext cx="387798" cy="344005"/>
-                </a:xfrm>
-                <a:prstGeom prst="rect">
-                  <a:avLst/>
-                </a:prstGeom>
-                <a:noFill/>
-              </p:spPr>
-              <p:txBody>
-                <a:bodyPr wrap="none" lIns="0" tIns="0" rIns="0" bIns="0" rtlCol="0">
-                  <a:spAutoFit/>
-                </a:bodyPr>
-                <a:lstStyle/>
-                <a:p>
-                  <a:pPr/>
-                  <a14:m>
-                    <m:oMathPara xmlns:m="http://schemas.openxmlformats.org/officeDocument/2006/math">
-                      <m:oMathParaPr>
-                        <m:jc m:val="centerGroup"/>
-                      </m:oMathParaPr>
-                      <m:oMath xmlns:m="http://schemas.openxmlformats.org/officeDocument/2006/math">
-                        <m:sSub>
-                          <m:sSubPr>
-                            <m:ctrlPr>
-                              <a:rPr lang="en-CA" b="0" i="1" smtClean="0">
-                                <a:latin typeface="Cambria Math" charset="0"/>
-                              </a:rPr>
-                            </m:ctrlPr>
-                          </m:sSubPr>
-                          <m:e>
-                            <m:sSub>
-                              <m:sSubPr>
-                                <m:ctrlPr>
-                                  <a:rPr lang="en-CA" b="0" i="1" smtClean="0">
-                                    <a:latin typeface="Cambria Math" charset="0"/>
-                                  </a:rPr>
-                                </m:ctrlPr>
-                              </m:sSubPr>
-                              <m:e>
-                                <m:acc>
-                                  <m:accPr>
-                                    <m:chr m:val="⃗"/>
-                                    <m:ctrlPr>
-                                      <a:rPr lang="en-US" i="1" smtClean="0">
-                                        <a:latin typeface="Cambria Math" charset="0"/>
-                                      </a:rPr>
-                                    </m:ctrlPr>
-                                  </m:accPr>
-                                  <m:e>
-                                    <m:r>
-                                      <a:rPr lang="en-CA" b="0" i="1" smtClean="0">
-                                        <a:latin typeface="Cambria Math" charset="0"/>
-                                      </a:rPr>
-                                      <m:t>𝐹</m:t>
-                                    </m:r>
-                                  </m:e>
-                                </m:acc>
-                              </m:e>
-                              <m:sub>
-                                <m:r>
-                                  <a:rPr lang="en-CA" b="0" i="1" smtClean="0">
-                                    <a:latin typeface="Cambria Math" charset="0"/>
-                                  </a:rPr>
-                                  <m:t>𝑘</m:t>
-                                </m:r>
-                              </m:sub>
-                            </m:sSub>
-                          </m:e>
-                          <m:sub>
-                            <m:r>
-                              <a:rPr lang="en-CA" b="0" i="1" smtClean="0">
-                                <a:latin typeface="Cambria Math" charset="0"/>
-                              </a:rPr>
-                              <m:t>1</m:t>
-                            </m:r>
-                          </m:sub>
-                        </m:sSub>
-                      </m:oMath>
-                    </m:oMathPara>
-                  </a14:m>
-                  <a:endParaRPr lang="en-US" dirty="0"/>
-                </a:p>
-              </p:txBody>
-            </p:sp>
-          </mc:Choice>
-          <mc:Fallback xmlns="">
-            <p:sp>
-              <p:nvSpPr>
-                <p:cNvPr id="126" name="TextBox 125"/>
-                <p:cNvSpPr txBox="1">
-                  <a:spLocks noRot="1" noChangeAspect="1" noMove="1" noResize="1" noEditPoints="1" noAdjustHandles="1" noChangeArrowheads="1" noChangeShapeType="1" noTextEdit="1"/>
-                </p:cNvSpPr>
-                <p:nvPr/>
-              </p:nvSpPr>
-              <p:spPr>
-                <a:xfrm>
-                  <a:off x="4573607" y="4782888"/>
-                  <a:ext cx="387798" cy="344005"/>
-                </a:xfrm>
-                <a:prstGeom prst="rect">
-                  <a:avLst/>
-                </a:prstGeom>
-                <a:blipFill rotWithShape="0">
-                  <a:blip r:embed="rId14"/>
-                  <a:stretch>
-                    <a:fillRect l="-12500" t="-32143" r="-39063" b="-16071"/>
-                  </a:stretch>
-                </a:blipFill>
-              </p:spPr>
-              <p:txBody>
-                <a:bodyPr/>
-                <a:lstStyle/>
-                <a:p>
-                  <a:r>
-                    <a:rPr lang="en-US">
-                      <a:noFill/>
-                    </a:rPr>
-                    <a:t> </a:t>
-                  </a:r>
-                </a:p>
-              </p:txBody>
-            </p:sp>
-          </mc:Fallback>
-        </mc:AlternateContent>
-        <mc:AlternateContent xmlns:mc="http://schemas.openxmlformats.org/markup-compatibility/2006" xmlns:a14="http://schemas.microsoft.com/office/drawing/2010/main">
-          <mc:Choice Requires="a14">
-            <p:sp>
-              <p:nvSpPr>
-                <p:cNvPr id="127" name="TextBox 126"/>
-                <p:cNvSpPr txBox="1"/>
-                <p:nvPr/>
-              </p:nvSpPr>
-              <p:spPr>
-                <a:xfrm>
-                  <a:off x="5161144" y="4782888"/>
-                  <a:ext cx="393121" cy="344005"/>
-                </a:xfrm>
-                <a:prstGeom prst="rect">
-                  <a:avLst/>
-                </a:prstGeom>
-                <a:noFill/>
-              </p:spPr>
-              <p:txBody>
-                <a:bodyPr wrap="none" lIns="0" tIns="0" rIns="0" bIns="0" rtlCol="0">
-                  <a:spAutoFit/>
-                </a:bodyPr>
-                <a:lstStyle/>
-                <a:p>
-                  <a:pPr/>
-                  <a14:m>
-                    <m:oMathPara xmlns:m="http://schemas.openxmlformats.org/officeDocument/2006/math">
-                      <m:oMathParaPr>
-                        <m:jc m:val="centerGroup"/>
-                      </m:oMathParaPr>
-                      <m:oMath xmlns:m="http://schemas.openxmlformats.org/officeDocument/2006/math">
-                        <m:sSub>
-                          <m:sSubPr>
-                            <m:ctrlPr>
-                              <a:rPr lang="en-CA" b="0" i="1" smtClean="0">
-                                <a:latin typeface="Cambria Math" charset="0"/>
-                              </a:rPr>
-                            </m:ctrlPr>
-                          </m:sSubPr>
-                          <m:e>
-                            <m:sSub>
-                              <m:sSubPr>
-                                <m:ctrlPr>
-                                  <a:rPr lang="en-CA" b="0" i="1" smtClean="0">
-                                    <a:latin typeface="Cambria Math" charset="0"/>
-                                  </a:rPr>
-                                </m:ctrlPr>
-                              </m:sSubPr>
-                              <m:e>
-                                <m:acc>
-                                  <m:accPr>
-                                    <m:chr m:val="⃗"/>
-                                    <m:ctrlPr>
-                                      <a:rPr lang="en-US" i="1" smtClean="0">
-                                        <a:latin typeface="Cambria Math" charset="0"/>
-                                      </a:rPr>
-                                    </m:ctrlPr>
-                                  </m:accPr>
-                                  <m:e>
-                                    <m:r>
-                                      <a:rPr lang="en-CA" b="0" i="1" smtClean="0">
-                                        <a:latin typeface="Cambria Math" charset="0"/>
-                                      </a:rPr>
-                                      <m:t>𝐹</m:t>
-                                    </m:r>
-                                  </m:e>
-                                </m:acc>
-                              </m:e>
-                              <m:sub>
-                                <m:r>
-                                  <a:rPr lang="en-CA" b="0" i="1" smtClean="0">
-                                    <a:latin typeface="Cambria Math" charset="0"/>
-                                  </a:rPr>
-                                  <m:t>𝑘</m:t>
-                                </m:r>
-                              </m:sub>
-                            </m:sSub>
-                          </m:e>
-                          <m:sub>
-                            <m:r>
-                              <a:rPr lang="en-CA" b="0" i="1" smtClean="0">
-                                <a:latin typeface="Cambria Math" charset="0"/>
-                              </a:rPr>
-                              <m:t>2</m:t>
-                            </m:r>
-                          </m:sub>
-                        </m:sSub>
-                      </m:oMath>
-                    </m:oMathPara>
-                  </a14:m>
-                  <a:endParaRPr lang="en-US" dirty="0"/>
-                </a:p>
-              </p:txBody>
-            </p:sp>
-          </mc:Choice>
-          <mc:Fallback xmlns="">
-            <p:sp>
-              <p:nvSpPr>
-                <p:cNvPr id="127" name="TextBox 126"/>
-                <p:cNvSpPr txBox="1">
-                  <a:spLocks noRot="1" noChangeAspect="1" noMove="1" noResize="1" noEditPoints="1" noAdjustHandles="1" noChangeArrowheads="1" noChangeShapeType="1" noTextEdit="1"/>
-                </p:cNvSpPr>
-                <p:nvPr/>
-              </p:nvSpPr>
-              <p:spPr>
-                <a:xfrm>
-                  <a:off x="5161144" y="4782888"/>
-                  <a:ext cx="393121" cy="344005"/>
-                </a:xfrm>
-                <a:prstGeom prst="rect">
-                  <a:avLst/>
-                </a:prstGeom>
-                <a:blipFill rotWithShape="0">
-                  <a:blip r:embed="rId15"/>
-                  <a:stretch>
-                    <a:fillRect l="-12500" t="-32143" r="-37500" b="-16071"/>
-                  </a:stretch>
-                </a:blipFill>
-              </p:spPr>
-              <p:txBody>
-                <a:bodyPr/>
-                <a:lstStyle/>
-                <a:p>
-                  <a:r>
-                    <a:rPr lang="en-US">
-                      <a:noFill/>
-                    </a:rPr>
-                    <a:t> </a:t>
-                  </a:r>
-                </a:p>
-              </p:txBody>
-            </p:sp>
-          </mc:Fallback>
-        </mc:AlternateContent>
-        <mc:AlternateContent xmlns:mc="http://schemas.openxmlformats.org/markup-compatibility/2006" xmlns:a14="http://schemas.microsoft.com/office/drawing/2010/main">
-          <mc:Choice Requires="a14">
-            <p:sp>
-              <p:nvSpPr>
-                <p:cNvPr id="129" name="TextBox 128"/>
-                <p:cNvSpPr txBox="1"/>
-                <p:nvPr/>
-              </p:nvSpPr>
-              <p:spPr>
-                <a:xfrm>
-                  <a:off x="5112180" y="5660536"/>
-                  <a:ext cx="262058" cy="339517"/>
-                </a:xfrm>
-                <a:prstGeom prst="rect">
-                  <a:avLst/>
-                </a:prstGeom>
-                <a:noFill/>
-              </p:spPr>
-              <p:txBody>
-                <a:bodyPr wrap="none" lIns="0" tIns="0" rIns="0" bIns="0" rtlCol="0">
-                  <a:spAutoFit/>
-                </a:bodyPr>
-                <a:lstStyle/>
-                <a:p>
-                  <a:pPr/>
-                  <a14:m>
-                    <m:oMathPara xmlns:m="http://schemas.openxmlformats.org/officeDocument/2006/math">
-                      <m:oMathParaPr>
-                        <m:jc m:val="centerGroup"/>
-                      </m:oMathParaPr>
-                      <m:oMath xmlns:m="http://schemas.openxmlformats.org/officeDocument/2006/math">
-                        <m:sSub>
-                          <m:sSubPr>
-                            <m:ctrlPr>
-                              <a:rPr lang="en-CA" b="0" i="1" smtClean="0">
-                                <a:latin typeface="Cambria Math" charset="0"/>
-                              </a:rPr>
-                            </m:ctrlPr>
-                          </m:sSubPr>
-                          <m:e>
-                            <m:acc>
-                              <m:accPr>
-                                <m:chr m:val="⃗"/>
-                                <m:ctrlPr>
-                                  <a:rPr lang="en-US" i="1" smtClean="0">
-                                    <a:latin typeface="Cambria Math" charset="0"/>
-                                  </a:rPr>
-                                </m:ctrlPr>
-                              </m:accPr>
-                              <m:e>
-                                <m:r>
-                                  <a:rPr lang="en-CA" b="0" i="1" smtClean="0">
-                                    <a:latin typeface="Cambria Math" charset="0"/>
-                                  </a:rPr>
-                                  <m:t>𝐹</m:t>
-                                </m:r>
-                              </m:e>
-                            </m:acc>
-                          </m:e>
-                          <m:sub>
-                            <m:r>
-                              <a:rPr lang="en-CA" b="0" i="1" smtClean="0">
-                                <a:latin typeface="Cambria Math" charset="0"/>
-                              </a:rPr>
-                              <m:t>𝑔</m:t>
-                            </m:r>
-                          </m:sub>
-                        </m:sSub>
-                      </m:oMath>
-                    </m:oMathPara>
-                  </a14:m>
-                  <a:endParaRPr lang="en-US" dirty="0"/>
-                </a:p>
-              </p:txBody>
-            </p:sp>
-          </mc:Choice>
-          <mc:Fallback xmlns="">
-            <p:sp>
-              <p:nvSpPr>
-                <p:cNvPr id="129" name="TextBox 128"/>
-                <p:cNvSpPr txBox="1">
-                  <a:spLocks noRot="1" noChangeAspect="1" noMove="1" noResize="1" noEditPoints="1" noAdjustHandles="1" noChangeArrowheads="1" noChangeShapeType="1" noTextEdit="1"/>
-                </p:cNvSpPr>
-                <p:nvPr/>
-              </p:nvSpPr>
-              <p:spPr>
-                <a:xfrm>
-                  <a:off x="5112180" y="5660536"/>
-                  <a:ext cx="262058" cy="339517"/>
-                </a:xfrm>
-                <a:prstGeom prst="rect">
-                  <a:avLst/>
-                </a:prstGeom>
-                <a:blipFill rotWithShape="0">
-                  <a:blip r:embed="rId16"/>
-                  <a:stretch>
-                    <a:fillRect l="-20930" t="-32727" r="-72093" b="-18182"/>
                   </a:stretch>
                 </a:blipFill>
               </p:spPr>
@@ -35927,7 +32363,7 @@
               <p:nvPr/>
             </p:nvPicPr>
             <p:blipFill rotWithShape="1">
-              <a:blip r:embed="rId17">
+              <a:blip r:embed="rId5">
                 <a:extLst>
                   <a:ext uri="{28A0092B-C50C-407E-A947-70E740481C1C}">
                     <a14:useLocalDpi xmlns:a14="http://schemas.microsoft.com/office/drawing/2010/main" val="0"/>
@@ -35948,8 +32384,8 @@
             </p:spPr>
           </p:pic>
         </p:grpSp>
-        <mc:AlternateContent xmlns:mc="http://schemas.openxmlformats.org/markup-compatibility/2006">
-          <mc:Choice xmlns:a14="http://schemas.microsoft.com/office/drawing/2010/main" Requires="a14">
+        <mc:AlternateContent xmlns:mc="http://schemas.openxmlformats.org/markup-compatibility/2006" xmlns:a14="http://schemas.microsoft.com/office/drawing/2010/main">
+          <mc:Choice Requires="a14">
             <p:sp>
               <p:nvSpPr>
                 <p:cNvPr id="2" name="TextBox 1"/>
@@ -36012,7 +32448,7 @@
               </p:txBody>
             </p:sp>
           </mc:Choice>
-          <mc:Fallback>
+          <mc:Fallback xmlns="">
             <p:sp>
               <p:nvSpPr>
                 <p:cNvPr id="2" name="TextBox 1"/>
@@ -36051,8 +32487,8 @@
             </p:sp>
           </mc:Fallback>
         </mc:AlternateContent>
-        <mc:AlternateContent xmlns:mc="http://schemas.openxmlformats.org/markup-compatibility/2006">
-          <mc:Choice xmlns:a14="http://schemas.microsoft.com/office/drawing/2010/main" Requires="a14">
+        <mc:AlternateContent xmlns:mc="http://schemas.openxmlformats.org/markup-compatibility/2006" xmlns:a14="http://schemas.microsoft.com/office/drawing/2010/main">
+          <mc:Choice Requires="a14">
             <p:sp>
               <p:nvSpPr>
                 <p:cNvPr id="69" name="TextBox 68"/>
@@ -36115,7 +32551,7 @@
               </p:txBody>
             </p:sp>
           </mc:Choice>
-          <mc:Fallback>
+          <mc:Fallback xmlns="">
             <p:sp>
               <p:nvSpPr>
                 <p:cNvPr id="69" name="TextBox 68"/>
@@ -36136,6 +32572,3721 @@
                   <a:blip r:embed="rId19"/>
                   <a:stretch>
                     <a:fillRect/>
+                  </a:stretch>
+                </a:blipFill>
+              </p:spPr>
+              <p:txBody>
+                <a:bodyPr/>
+                <a:lstStyle/>
+                <a:p>
+                  <a:r>
+                    <a:rPr lang="en-US">
+                      <a:noFill/>
+                    </a:rPr>
+                    <a:t> </a:t>
+                  </a:r>
+                </a:p>
+              </p:txBody>
+            </p:sp>
+          </mc:Fallback>
+        </mc:AlternateContent>
+      </p:grpSp>
+      <p:grpSp>
+        <p:nvGrpSpPr>
+          <p:cNvPr id="6" name="Group 5"/>
+          <p:cNvGrpSpPr/>
+          <p:nvPr/>
+        </p:nvGrpSpPr>
+        <p:grpSpPr>
+          <a:xfrm>
+            <a:off x="112605" y="3527813"/>
+            <a:ext cx="5441660" cy="2913324"/>
+            <a:chOff x="112605" y="3527813"/>
+            <a:chExt cx="5441660" cy="2913324"/>
+          </a:xfrm>
+        </p:grpSpPr>
+        <p:grpSp>
+          <p:nvGrpSpPr>
+            <p:cNvPr id="130" name="Group 129"/>
+            <p:cNvGrpSpPr/>
+            <p:nvPr/>
+          </p:nvGrpSpPr>
+          <p:grpSpPr>
+            <a:xfrm>
+              <a:off x="112605" y="3527813"/>
+              <a:ext cx="5441660" cy="2913324"/>
+              <a:chOff x="112605" y="3527813"/>
+              <a:chExt cx="5441660" cy="2913324"/>
+            </a:xfrm>
+          </p:grpSpPr>
+          <p:grpSp>
+            <p:nvGrpSpPr>
+              <p:cNvPr id="117" name="Group 116"/>
+              <p:cNvGrpSpPr/>
+              <p:nvPr/>
+            </p:nvGrpSpPr>
+            <p:grpSpPr>
+              <a:xfrm>
+                <a:off x="112605" y="3527813"/>
+                <a:ext cx="3715484" cy="2913324"/>
+                <a:chOff x="70077" y="3527813"/>
+                <a:chExt cx="3715484" cy="2913324"/>
+              </a:xfrm>
+            </p:grpSpPr>
+            <p:cxnSp>
+              <p:nvCxnSpPr>
+                <p:cNvPr id="107" name="Straight Arrow Connector 106"/>
+                <p:cNvCxnSpPr/>
+                <p:nvPr/>
+              </p:nvCxnSpPr>
+              <p:spPr>
+                <a:xfrm flipH="1">
+                  <a:off x="3052433" y="5047230"/>
+                  <a:ext cx="0" cy="1260000"/>
+                </a:xfrm>
+                <a:prstGeom prst="straightConnector1">
+                  <a:avLst/>
+                </a:prstGeom>
+                <a:ln w="28575">
+                  <a:solidFill>
+                    <a:schemeClr val="tx1"/>
+                  </a:solidFill>
+                  <a:headEnd type="triangle"/>
+                  <a:tailEnd type="triangle"/>
+                </a:ln>
+              </p:spPr>
+              <p:style>
+                <a:lnRef idx="1">
+                  <a:schemeClr val="accent1"/>
+                </a:lnRef>
+                <a:fillRef idx="0">
+                  <a:schemeClr val="accent1"/>
+                </a:fillRef>
+                <a:effectRef idx="0">
+                  <a:schemeClr val="accent1"/>
+                </a:effectRef>
+                <a:fontRef idx="minor">
+                  <a:schemeClr val="tx1"/>
+                </a:fontRef>
+              </p:style>
+            </p:cxnSp>
+            <p:grpSp>
+              <p:nvGrpSpPr>
+                <p:cNvPr id="116" name="Group 115"/>
+                <p:cNvGrpSpPr/>
+                <p:nvPr/>
+              </p:nvGrpSpPr>
+              <p:grpSpPr>
+                <a:xfrm>
+                  <a:off x="70077" y="3527813"/>
+                  <a:ext cx="3715484" cy="2913324"/>
+                  <a:chOff x="70077" y="3527813"/>
+                  <a:chExt cx="3715484" cy="2913324"/>
+                </a:xfrm>
+              </p:grpSpPr>
+              <p:cxnSp>
+                <p:nvCxnSpPr>
+                  <p:cNvPr id="101" name="Straight Connector 100"/>
+                  <p:cNvCxnSpPr/>
+                  <p:nvPr/>
+                </p:nvCxnSpPr>
+                <p:spPr>
+                  <a:xfrm>
+                    <a:off x="866931" y="5293028"/>
+                    <a:ext cx="155944" cy="0"/>
+                  </a:xfrm>
+                  <a:prstGeom prst="line">
+                    <a:avLst/>
+                  </a:prstGeom>
+                  <a:ln w="28575">
+                    <a:solidFill>
+                      <a:schemeClr val="tx1"/>
+                    </a:solidFill>
+                  </a:ln>
+                </p:spPr>
+                <p:style>
+                  <a:lnRef idx="1">
+                    <a:schemeClr val="accent1"/>
+                  </a:lnRef>
+                  <a:fillRef idx="0">
+                    <a:schemeClr val="accent1"/>
+                  </a:fillRef>
+                  <a:effectRef idx="0">
+                    <a:schemeClr val="accent1"/>
+                  </a:effectRef>
+                  <a:fontRef idx="minor">
+                    <a:schemeClr val="tx1"/>
+                  </a:fontRef>
+                </p:style>
+              </p:cxnSp>
+              <mc:AlternateContent xmlns:mc="http://schemas.openxmlformats.org/markup-compatibility/2006" xmlns:a14="http://schemas.microsoft.com/office/drawing/2010/main">
+                <mc:Choice Requires="a14">
+                  <p:sp>
+                    <p:nvSpPr>
+                      <p:cNvPr id="102" name="TextBox 101"/>
+                      <p:cNvSpPr txBox="1"/>
+                      <p:nvPr/>
+                    </p:nvSpPr>
+                    <p:spPr>
+                      <a:xfrm>
+                        <a:off x="669550" y="5177060"/>
+                        <a:ext cx="248594" cy="246221"/>
+                      </a:xfrm>
+                      <a:prstGeom prst="rect">
+                        <a:avLst/>
+                      </a:prstGeom>
+                      <a:noFill/>
+                    </p:spPr>
+                    <p:txBody>
+                      <a:bodyPr wrap="none" lIns="0" tIns="0" rIns="0" bIns="0" rtlCol="0">
+                        <a:spAutoFit/>
+                      </a:bodyPr>
+                      <a:lstStyle/>
+                      <a:p>
+                        <a:pPr/>
+                        <a14:m>
+                          <m:oMathPara xmlns:m="http://schemas.openxmlformats.org/officeDocument/2006/math">
+                            <m:oMathParaPr>
+                              <m:jc m:val="centerGroup"/>
+                            </m:oMathParaPr>
+                            <m:oMath xmlns:m="http://schemas.openxmlformats.org/officeDocument/2006/math">
+                              <m:sSub>
+                                <m:sSubPr>
+                                  <m:ctrlPr>
+                                    <a:rPr lang="en-CA" sz="1600" b="0" i="1" smtClean="0">
+                                      <a:latin typeface="Cambria Math" charset="0"/>
+                                    </a:rPr>
+                                  </m:ctrlPr>
+                                </m:sSubPr>
+                                <m:e>
+                                  <m:r>
+                                    <a:rPr lang="en-CA" sz="1600" b="0" i="1" smtClean="0">
+                                      <a:latin typeface="Cambria Math" charset="0"/>
+                                    </a:rPr>
+                                    <m:t>𝑥</m:t>
+                                  </m:r>
+                                </m:e>
+                                <m:sub>
+                                  <m:r>
+                                    <a:rPr lang="en-CA" sz="1600" b="0" i="1" smtClean="0">
+                                      <a:latin typeface="Cambria Math" charset="0"/>
+                                    </a:rPr>
+                                    <m:t>0</m:t>
+                                  </m:r>
+                                </m:sub>
+                              </m:sSub>
+                            </m:oMath>
+                          </m:oMathPara>
+                        </a14:m>
+                        <a:endParaRPr lang="en-US" sz="1600" dirty="0"/>
+                      </a:p>
+                    </p:txBody>
+                  </p:sp>
+                </mc:Choice>
+                <mc:Fallback xmlns="">
+                  <p:sp>
+                    <p:nvSpPr>
+                      <p:cNvPr id="102" name="TextBox 101"/>
+                      <p:cNvSpPr txBox="1">
+                        <a:spLocks noRot="1" noChangeAspect="1" noMove="1" noResize="1" noEditPoints="1" noAdjustHandles="1" noChangeArrowheads="1" noChangeShapeType="1" noTextEdit="1"/>
+                      </p:cNvSpPr>
+                      <p:nvPr/>
+                    </p:nvSpPr>
+                    <p:spPr>
+                      <a:xfrm>
+                        <a:off x="669550" y="5177060"/>
+                        <a:ext cx="248594" cy="246221"/>
+                      </a:xfrm>
+                      <a:prstGeom prst="rect">
+                        <a:avLst/>
+                      </a:prstGeom>
+                      <a:blipFill rotWithShape="0">
+                        <a:blip r:embed="rId20"/>
+                        <a:stretch>
+                          <a:fillRect l="-12195" r="-7317" b="-12195"/>
+                        </a:stretch>
+                      </a:blipFill>
+                    </p:spPr>
+                    <p:txBody>
+                      <a:bodyPr/>
+                      <a:lstStyle/>
+                      <a:p>
+                        <a:r>
+                          <a:rPr lang="en-US">
+                            <a:noFill/>
+                          </a:rPr>
+                          <a:t> </a:t>
+                        </a:r>
+                      </a:p>
+                    </p:txBody>
+                  </p:sp>
+                </mc:Fallback>
+              </mc:AlternateContent>
+              <p:grpSp>
+                <p:nvGrpSpPr>
+                  <p:cNvPr id="115" name="Group 114"/>
+                  <p:cNvGrpSpPr/>
+                  <p:nvPr/>
+                </p:nvGrpSpPr>
+                <p:grpSpPr>
+                  <a:xfrm>
+                    <a:off x="70077" y="3527813"/>
+                    <a:ext cx="3715484" cy="2913324"/>
+                    <a:chOff x="70077" y="3527813"/>
+                    <a:chExt cx="3715484" cy="2913324"/>
+                  </a:xfrm>
+                </p:grpSpPr>
+                <p:cxnSp>
+                  <p:nvCxnSpPr>
+                    <p:cNvPr id="92" name="Straight Arrow Connector 91"/>
+                    <p:cNvCxnSpPr/>
+                    <p:nvPr/>
+                  </p:nvCxnSpPr>
+                  <p:spPr>
+                    <a:xfrm>
+                      <a:off x="402413" y="3549240"/>
+                      <a:ext cx="0" cy="2733982"/>
+                    </a:xfrm>
+                    <a:prstGeom prst="straightConnector1">
+                      <a:avLst/>
+                    </a:prstGeom>
+                    <a:ln w="28575">
+                      <a:solidFill>
+                        <a:schemeClr val="tx1"/>
+                      </a:solidFill>
+                      <a:tailEnd type="triangle"/>
+                    </a:ln>
+                  </p:spPr>
+                  <p:style>
+                    <a:lnRef idx="1">
+                      <a:schemeClr val="accent1"/>
+                    </a:lnRef>
+                    <a:fillRef idx="0">
+                      <a:schemeClr val="accent1"/>
+                    </a:fillRef>
+                    <a:effectRef idx="0">
+                      <a:schemeClr val="accent1"/>
+                    </a:effectRef>
+                    <a:fontRef idx="minor">
+                      <a:schemeClr val="tx1"/>
+                    </a:fontRef>
+                  </p:style>
+                </p:cxnSp>
+                <p:cxnSp>
+                  <p:nvCxnSpPr>
+                    <p:cNvPr id="93" name="Straight Connector 92"/>
+                    <p:cNvCxnSpPr/>
+                    <p:nvPr/>
+                  </p:nvCxnSpPr>
+                  <p:spPr>
+                    <a:xfrm>
+                      <a:off x="246467" y="5296306"/>
+                      <a:ext cx="155944" cy="0"/>
+                    </a:xfrm>
+                    <a:prstGeom prst="line">
+                      <a:avLst/>
+                    </a:prstGeom>
+                    <a:ln w="28575">
+                      <a:solidFill>
+                        <a:schemeClr val="tx1"/>
+                      </a:solidFill>
+                    </a:ln>
+                  </p:spPr>
+                  <p:style>
+                    <a:lnRef idx="1">
+                      <a:schemeClr val="accent1"/>
+                    </a:lnRef>
+                    <a:fillRef idx="0">
+                      <a:schemeClr val="accent1"/>
+                    </a:fillRef>
+                    <a:effectRef idx="0">
+                      <a:schemeClr val="accent1"/>
+                    </a:effectRef>
+                    <a:fontRef idx="minor">
+                      <a:schemeClr val="tx1"/>
+                    </a:fontRef>
+                  </p:style>
+                </p:cxnSp>
+                <mc:AlternateContent xmlns:mc="http://schemas.openxmlformats.org/markup-compatibility/2006" xmlns:a14="http://schemas.microsoft.com/office/drawing/2010/main">
+                  <mc:Choice Requires="a14">
+                    <p:sp>
+                      <p:nvSpPr>
+                        <p:cNvPr id="94" name="TextBox 93"/>
+                        <p:cNvSpPr txBox="1"/>
+                        <p:nvPr/>
+                      </p:nvSpPr>
+                      <p:spPr>
+                        <a:xfrm>
+                          <a:off x="70350" y="5180338"/>
+                          <a:ext cx="160300" cy="246221"/>
+                        </a:xfrm>
+                        <a:prstGeom prst="rect">
+                          <a:avLst/>
+                        </a:prstGeom>
+                        <a:noFill/>
+                      </p:spPr>
+                      <p:txBody>
+                        <a:bodyPr wrap="none" lIns="0" tIns="0" rIns="0" bIns="0" rtlCol="0">
+                          <a:spAutoFit/>
+                        </a:bodyPr>
+                        <a:lstStyle/>
+                        <a:p>
+                          <a:pPr/>
+                          <a14:m>
+                            <m:oMathPara xmlns:m="http://schemas.openxmlformats.org/officeDocument/2006/math">
+                              <m:oMathParaPr>
+                                <m:jc m:val="centerGroup"/>
+                              </m:oMathParaPr>
+                              <m:oMath xmlns:m="http://schemas.openxmlformats.org/officeDocument/2006/math">
+                                <m:r>
+                                  <a:rPr lang="en-CA" sz="1600" b="0" i="1" smtClean="0">
+                                    <a:latin typeface="Cambria Math" charset="0"/>
+                                  </a:rPr>
+                                  <m:t>0</m:t>
+                                </m:r>
+                              </m:oMath>
+                            </m:oMathPara>
+                          </a14:m>
+                          <a:endParaRPr lang="en-US" sz="1600" dirty="0"/>
+                        </a:p>
+                      </p:txBody>
+                    </p:sp>
+                  </mc:Choice>
+                  <mc:Fallback xmlns="">
+                    <p:sp>
+                      <p:nvSpPr>
+                        <p:cNvPr id="94" name="TextBox 93"/>
+                        <p:cNvSpPr txBox="1">
+                          <a:spLocks noRot="1" noChangeAspect="1" noMove="1" noResize="1" noEditPoints="1" noAdjustHandles="1" noChangeArrowheads="1" noChangeShapeType="1" noTextEdit="1"/>
+                        </p:cNvSpPr>
+                        <p:nvPr/>
+                      </p:nvSpPr>
+                      <p:spPr>
+                        <a:xfrm>
+                          <a:off x="70350" y="5180338"/>
+                          <a:ext cx="160300" cy="246221"/>
+                        </a:xfrm>
+                        <a:prstGeom prst="rect">
+                          <a:avLst/>
+                        </a:prstGeom>
+                        <a:blipFill rotWithShape="0">
+                          <a:blip r:embed="rId6"/>
+                          <a:stretch>
+                            <a:fillRect l="-30769" r="-30769" b="-10000"/>
+                          </a:stretch>
+                        </a:blipFill>
+                      </p:spPr>
+                      <p:txBody>
+                        <a:bodyPr/>
+                        <a:lstStyle/>
+                        <a:p>
+                          <a:r>
+                            <a:rPr lang="en-US">
+                              <a:noFill/>
+                            </a:rPr>
+                            <a:t> </a:t>
+                          </a:r>
+                        </a:p>
+                      </p:txBody>
+                    </p:sp>
+                  </mc:Fallback>
+                </mc:AlternateContent>
+                <mc:AlternateContent xmlns:mc="http://schemas.openxmlformats.org/markup-compatibility/2006" xmlns:a14="http://schemas.microsoft.com/office/drawing/2010/main">
+                  <mc:Choice Requires="a14">
+                    <p:sp>
+                      <p:nvSpPr>
+                        <p:cNvPr id="95" name="TextBox 94"/>
+                        <p:cNvSpPr txBox="1"/>
+                        <p:nvPr/>
+                      </p:nvSpPr>
+                      <p:spPr>
+                        <a:xfrm>
+                          <a:off x="126414" y="6181814"/>
+                          <a:ext cx="208390" cy="246221"/>
+                        </a:xfrm>
+                        <a:prstGeom prst="rect">
+                          <a:avLst/>
+                        </a:prstGeom>
+                        <a:noFill/>
+                      </p:spPr>
+                      <p:txBody>
+                        <a:bodyPr wrap="none" lIns="0" tIns="0" rIns="0" bIns="0" rtlCol="0">
+                          <a:spAutoFit/>
+                        </a:bodyPr>
+                        <a:lstStyle/>
+                        <a:p>
+                          <a:pPr/>
+                          <a14:m>
+                            <m:oMathPara xmlns:m="http://schemas.openxmlformats.org/officeDocument/2006/math">
+                              <m:oMathParaPr>
+                                <m:jc m:val="centerGroup"/>
+                              </m:oMathParaPr>
+                              <m:oMath xmlns:m="http://schemas.openxmlformats.org/officeDocument/2006/math">
+                                <m:r>
+                                  <a:rPr lang="en-CA" sz="1600" b="0" i="1" smtClean="0">
+                                    <a:latin typeface="Cambria Math" charset="0"/>
+                                  </a:rPr>
+                                  <m:t>𝑥</m:t>
+                                </m:r>
+                                <m:r>
+                                  <a:rPr lang="en-CA" sz="1600" b="0" i="1" smtClean="0">
+                                    <a:latin typeface="Cambria Math" charset="0"/>
+                                  </a:rPr>
+                                  <m:t>′</m:t>
+                                </m:r>
+                              </m:oMath>
+                            </m:oMathPara>
+                          </a14:m>
+                          <a:endParaRPr lang="en-US" sz="1600" dirty="0"/>
+                        </a:p>
+                      </p:txBody>
+                    </p:sp>
+                  </mc:Choice>
+                  <mc:Fallback xmlns="">
+                    <p:sp>
+                      <p:nvSpPr>
+                        <p:cNvPr id="95" name="TextBox 94"/>
+                        <p:cNvSpPr txBox="1">
+                          <a:spLocks noRot="1" noChangeAspect="1" noMove="1" noResize="1" noEditPoints="1" noAdjustHandles="1" noChangeArrowheads="1" noChangeShapeType="1" noTextEdit="1"/>
+                        </p:cNvSpPr>
+                        <p:nvPr/>
+                      </p:nvSpPr>
+                      <p:spPr>
+                        <a:xfrm>
+                          <a:off x="126414" y="6181814"/>
+                          <a:ext cx="208390" cy="246221"/>
+                        </a:xfrm>
+                        <a:prstGeom prst="rect">
+                          <a:avLst/>
+                        </a:prstGeom>
+                        <a:blipFill rotWithShape="0">
+                          <a:blip r:embed="rId7"/>
+                          <a:stretch>
+                            <a:fillRect l="-26471" t="-2500" r="-29412" b="-10000"/>
+                          </a:stretch>
+                        </a:blipFill>
+                      </p:spPr>
+                      <p:txBody>
+                        <a:bodyPr/>
+                        <a:lstStyle/>
+                        <a:p>
+                          <a:r>
+                            <a:rPr lang="en-US">
+                              <a:noFill/>
+                            </a:rPr>
+                            <a:t> </a:t>
+                          </a:r>
+                        </a:p>
+                      </p:txBody>
+                    </p:sp>
+                  </mc:Fallback>
+                </mc:AlternateContent>
+                <p:cxnSp>
+                  <p:nvCxnSpPr>
+                    <p:cNvPr id="100" name="Straight Connector 99"/>
+                    <p:cNvCxnSpPr/>
+                    <p:nvPr/>
+                  </p:nvCxnSpPr>
+                  <p:spPr>
+                    <a:xfrm>
+                      <a:off x="240767" y="5592723"/>
+                      <a:ext cx="155944" cy="0"/>
+                    </a:xfrm>
+                    <a:prstGeom prst="line">
+                      <a:avLst/>
+                    </a:prstGeom>
+                    <a:ln w="28575">
+                      <a:solidFill>
+                        <a:schemeClr val="tx1"/>
+                      </a:solidFill>
+                    </a:ln>
+                  </p:spPr>
+                  <p:style>
+                    <a:lnRef idx="1">
+                      <a:schemeClr val="accent1"/>
+                    </a:lnRef>
+                    <a:fillRef idx="0">
+                      <a:schemeClr val="accent1"/>
+                    </a:fillRef>
+                    <a:effectRef idx="0">
+                      <a:schemeClr val="accent1"/>
+                    </a:effectRef>
+                    <a:fontRef idx="minor">
+                      <a:schemeClr val="tx1"/>
+                    </a:fontRef>
+                  </p:style>
+                </p:cxnSp>
+                <mc:AlternateContent xmlns:mc="http://schemas.openxmlformats.org/markup-compatibility/2006" xmlns:a14="http://schemas.microsoft.com/office/drawing/2010/main">
+                  <mc:Choice Requires="a14">
+                    <p:sp>
+                      <p:nvSpPr>
+                        <p:cNvPr id="103" name="TextBox 102"/>
+                        <p:cNvSpPr txBox="1"/>
+                        <p:nvPr/>
+                      </p:nvSpPr>
+                      <p:spPr>
+                        <a:xfrm>
+                          <a:off x="70077" y="5475323"/>
+                          <a:ext cx="178318" cy="246221"/>
+                        </a:xfrm>
+                        <a:prstGeom prst="rect">
+                          <a:avLst/>
+                        </a:prstGeom>
+                        <a:noFill/>
+                      </p:spPr>
+                      <p:txBody>
+                        <a:bodyPr wrap="none" lIns="0" tIns="0" rIns="0" bIns="0" rtlCol="0">
+                          <a:spAutoFit/>
+                        </a:bodyPr>
+                        <a:lstStyle/>
+                        <a:p>
+                          <a:pPr/>
+                          <a14:m>
+                            <m:oMathPara xmlns:m="http://schemas.openxmlformats.org/officeDocument/2006/math">
+                              <m:oMathParaPr>
+                                <m:jc m:val="centerGroup"/>
+                              </m:oMathParaPr>
+                              <m:oMath xmlns:m="http://schemas.openxmlformats.org/officeDocument/2006/math">
+                                <m:r>
+                                  <a:rPr lang="en-CA" sz="1600" b="0" i="1" smtClean="0">
+                                    <a:latin typeface="Cambria Math" charset="0"/>
+                                  </a:rPr>
+                                  <m:t>𝐴</m:t>
+                                </m:r>
+                              </m:oMath>
+                            </m:oMathPara>
+                          </a14:m>
+                          <a:endParaRPr lang="en-US" sz="1600" dirty="0"/>
+                        </a:p>
+                      </p:txBody>
+                    </p:sp>
+                  </mc:Choice>
+                  <mc:Fallback xmlns="">
+                    <p:sp>
+                      <p:nvSpPr>
+                        <p:cNvPr id="103" name="TextBox 102"/>
+                        <p:cNvSpPr txBox="1">
+                          <a:spLocks noRot="1" noChangeAspect="1" noMove="1" noResize="1" noEditPoints="1" noAdjustHandles="1" noChangeArrowheads="1" noChangeShapeType="1" noTextEdit="1"/>
+                        </p:cNvSpPr>
+                        <p:nvPr/>
+                      </p:nvSpPr>
+                      <p:spPr>
+                        <a:xfrm>
+                          <a:off x="70077" y="5475323"/>
+                          <a:ext cx="178318" cy="246221"/>
+                        </a:xfrm>
+                        <a:prstGeom prst="rect">
+                          <a:avLst/>
+                        </a:prstGeom>
+                        <a:blipFill rotWithShape="0">
+                          <a:blip r:embed="rId8"/>
+                          <a:stretch>
+                            <a:fillRect l="-23333" r="-23333" b="-4878"/>
+                          </a:stretch>
+                        </a:blipFill>
+                      </p:spPr>
+                      <p:txBody>
+                        <a:bodyPr/>
+                        <a:lstStyle/>
+                        <a:p>
+                          <a:r>
+                            <a:rPr lang="en-US">
+                              <a:noFill/>
+                            </a:rPr>
+                            <a:t> </a:t>
+                          </a:r>
+                        </a:p>
+                      </p:txBody>
+                    </p:sp>
+                  </mc:Fallback>
+                </mc:AlternateContent>
+                <p:cxnSp>
+                  <p:nvCxnSpPr>
+                    <p:cNvPr id="104" name="Straight Connector 103"/>
+                    <p:cNvCxnSpPr/>
+                    <p:nvPr/>
+                  </p:nvCxnSpPr>
+                  <p:spPr>
+                    <a:xfrm>
+                      <a:off x="362056" y="5590469"/>
+                      <a:ext cx="2921216" cy="2254"/>
+                    </a:xfrm>
+                    <a:prstGeom prst="line">
+                      <a:avLst/>
+                    </a:prstGeom>
+                    <a:ln w="28575">
+                      <a:solidFill>
+                        <a:schemeClr val="tx1"/>
+                      </a:solidFill>
+                      <a:prstDash val="sysDash"/>
+                    </a:ln>
+                  </p:spPr>
+                  <p:style>
+                    <a:lnRef idx="1">
+                      <a:schemeClr val="accent1"/>
+                    </a:lnRef>
+                    <a:fillRef idx="0">
+                      <a:schemeClr val="accent1"/>
+                    </a:fillRef>
+                    <a:effectRef idx="0">
+                      <a:schemeClr val="accent1"/>
+                    </a:effectRef>
+                    <a:fontRef idx="minor">
+                      <a:schemeClr val="tx1"/>
+                    </a:fontRef>
+                  </p:style>
+                </p:cxnSp>
+                <mc:AlternateContent xmlns:mc="http://schemas.openxmlformats.org/markup-compatibility/2006">
+                  <mc:Choice xmlns:a14="http://schemas.microsoft.com/office/drawing/2010/main" Requires="a14">
+                    <p:sp>
+                      <p:nvSpPr>
+                        <p:cNvPr id="108" name="TextBox 107"/>
+                        <p:cNvSpPr txBox="1"/>
+                        <p:nvPr/>
+                      </p:nvSpPr>
+                      <p:spPr>
+                        <a:xfrm>
+                          <a:off x="2427554" y="5738916"/>
+                          <a:ext cx="468408" cy="246221"/>
+                        </a:xfrm>
+                        <a:prstGeom prst="rect">
+                          <a:avLst/>
+                        </a:prstGeom>
+                        <a:noFill/>
+                      </p:spPr>
+                      <p:txBody>
+                        <a:bodyPr wrap="square" lIns="0" tIns="0" rIns="0" bIns="0" rtlCol="0">
+                          <a:spAutoFit/>
+                        </a:bodyPr>
+                        <a:lstStyle/>
+                        <a:p>
+                          <a:pPr/>
+                          <a14:m>
+                            <m:oMathPara xmlns:m="http://schemas.openxmlformats.org/officeDocument/2006/math">
+                              <m:oMathParaPr>
+                                <m:jc m:val="centerGroup"/>
+                              </m:oMathParaPr>
+                              <m:oMath xmlns:m="http://schemas.openxmlformats.org/officeDocument/2006/math">
+                                <m:r>
+                                  <a:rPr lang="en-CA" sz="1600" b="0" i="1" smtClean="0">
+                                    <a:latin typeface="Cambria Math" charset="0"/>
+                                  </a:rPr>
+                                  <m:t>0.50 </m:t>
+                                </m:r>
+                                <m:r>
+                                  <m:rPr>
+                                    <m:nor/>
+                                  </m:rPr>
+                                  <a:rPr lang="en-CA" sz="1600" b="0" i="0" smtClean="0">
+                                    <a:latin typeface="Cambria Math" charset="0"/>
+                                  </a:rPr>
+                                  <m:t>m</m:t>
+                                </m:r>
+                              </m:oMath>
+                            </m:oMathPara>
+                          </a14:m>
+                          <a:endParaRPr lang="en-US" sz="1600" dirty="0"/>
+                        </a:p>
+                      </p:txBody>
+                    </p:sp>
+                  </mc:Choice>
+                  <mc:Fallback>
+                    <p:sp>
+                      <p:nvSpPr>
+                        <p:cNvPr id="108" name="TextBox 107"/>
+                        <p:cNvSpPr txBox="1">
+                          <a:spLocks noRot="1" noChangeAspect="1" noMove="1" noResize="1" noEditPoints="1" noAdjustHandles="1" noChangeArrowheads="1" noChangeShapeType="1" noTextEdit="1"/>
+                        </p:cNvSpPr>
+                        <p:nvPr/>
+                      </p:nvSpPr>
+                      <p:spPr>
+                        <a:xfrm>
+                          <a:off x="2427554" y="5738916"/>
+                          <a:ext cx="468408" cy="246221"/>
+                        </a:xfrm>
+                        <a:prstGeom prst="rect">
+                          <a:avLst/>
+                        </a:prstGeom>
+                        <a:blipFill rotWithShape="0">
+                          <a:blip r:embed="rId21"/>
+                          <a:stretch>
+                            <a:fillRect l="-15584" t="-139024" r="-37662" b="-170732"/>
+                          </a:stretch>
+                        </a:blipFill>
+                      </p:spPr>
+                      <p:txBody>
+                        <a:bodyPr/>
+                        <a:lstStyle/>
+                        <a:p>
+                          <a:r>
+                            <a:rPr lang="en-US">
+                              <a:noFill/>
+                            </a:rPr>
+                            <a:t> </a:t>
+                          </a:r>
+                        </a:p>
+                      </p:txBody>
+                    </p:sp>
+                  </mc:Fallback>
+                </mc:AlternateContent>
+                <p:grpSp>
+                  <p:nvGrpSpPr>
+                    <p:cNvPr id="111" name="Group 110"/>
+                    <p:cNvGrpSpPr/>
+                    <p:nvPr/>
+                  </p:nvGrpSpPr>
+                  <p:grpSpPr>
+                    <a:xfrm>
+                      <a:off x="700136" y="3527813"/>
+                      <a:ext cx="3085425" cy="2913324"/>
+                      <a:chOff x="700136" y="3527813"/>
+                      <a:chExt cx="3085425" cy="2913324"/>
+                    </a:xfrm>
+                  </p:grpSpPr>
+                  <p:grpSp>
+                    <p:nvGrpSpPr>
+                      <p:cNvPr id="77" name="Group 76"/>
+                      <p:cNvGrpSpPr/>
+                      <p:nvPr/>
+                    </p:nvGrpSpPr>
+                    <p:grpSpPr>
+                      <a:xfrm>
+                        <a:off x="700136" y="3527813"/>
+                        <a:ext cx="3085425" cy="2913324"/>
+                        <a:chOff x="2185672" y="2992748"/>
+                        <a:chExt cx="3085425" cy="2913324"/>
+                      </a:xfrm>
+                    </p:grpSpPr>
+                    <p:grpSp>
+                      <p:nvGrpSpPr>
+                        <p:cNvPr id="78" name="Group 77"/>
+                        <p:cNvGrpSpPr/>
+                        <p:nvPr/>
+                      </p:nvGrpSpPr>
+                      <p:grpSpPr>
+                        <a:xfrm>
+                          <a:off x="2699502" y="2992748"/>
+                          <a:ext cx="1513600" cy="2733983"/>
+                          <a:chOff x="4541395" y="530984"/>
+                          <a:chExt cx="2411306" cy="4132224"/>
+                        </a:xfrm>
+                      </p:grpSpPr>
+                      <p:sp>
+                        <p:nvSpPr>
+                          <p:cNvPr id="85" name="Freeform 84"/>
+                          <p:cNvSpPr/>
+                          <p:nvPr/>
+                        </p:nvSpPr>
+                        <p:spPr>
+                          <a:xfrm>
+                            <a:off x="5380200" y="3425898"/>
+                            <a:ext cx="592107" cy="1237310"/>
+                          </a:xfrm>
+                          <a:custGeom>
+                            <a:avLst/>
+                            <a:gdLst>
+                              <a:gd name="connsiteX0" fmla="*/ 839972 w 906872"/>
+                              <a:gd name="connsiteY0" fmla="*/ 0 h 2211572"/>
+                              <a:gd name="connsiteX1" fmla="*/ 0 w 906872"/>
+                              <a:gd name="connsiteY1" fmla="*/ 106325 h 2211572"/>
+                              <a:gd name="connsiteX2" fmla="*/ 839972 w 906872"/>
+                              <a:gd name="connsiteY2" fmla="*/ 340242 h 2211572"/>
+                              <a:gd name="connsiteX3" fmla="*/ 42531 w 906872"/>
+                              <a:gd name="connsiteY3" fmla="*/ 489097 h 2211572"/>
+                              <a:gd name="connsiteX4" fmla="*/ 839972 w 906872"/>
+                              <a:gd name="connsiteY4" fmla="*/ 733646 h 2211572"/>
+                              <a:gd name="connsiteX5" fmla="*/ 53163 w 906872"/>
+                              <a:gd name="connsiteY5" fmla="*/ 861237 h 2211572"/>
+                              <a:gd name="connsiteX6" fmla="*/ 861237 w 906872"/>
+                              <a:gd name="connsiteY6" fmla="*/ 1148316 h 2211572"/>
+                              <a:gd name="connsiteX7" fmla="*/ 74428 w 906872"/>
+                              <a:gd name="connsiteY7" fmla="*/ 1275907 h 2211572"/>
+                              <a:gd name="connsiteX8" fmla="*/ 871870 w 906872"/>
+                              <a:gd name="connsiteY8" fmla="*/ 1541721 h 2211572"/>
+                              <a:gd name="connsiteX9" fmla="*/ 116958 w 906872"/>
+                              <a:gd name="connsiteY9" fmla="*/ 1701209 h 2211572"/>
+                              <a:gd name="connsiteX10" fmla="*/ 850605 w 906872"/>
+                              <a:gd name="connsiteY10" fmla="*/ 1860697 h 2211572"/>
+                              <a:gd name="connsiteX11" fmla="*/ 191386 w 906872"/>
+                              <a:gd name="connsiteY11" fmla="*/ 2009553 h 2211572"/>
+                              <a:gd name="connsiteX12" fmla="*/ 903768 w 906872"/>
+                              <a:gd name="connsiteY12" fmla="*/ 2147777 h 2211572"/>
+                              <a:gd name="connsiteX13" fmla="*/ 467833 w 906872"/>
+                              <a:gd name="connsiteY13" fmla="*/ 2211572 h 2211572"/>
+                              <a:gd name="connsiteX0" fmla="*/ 839972 w 908842"/>
+                              <a:gd name="connsiteY0" fmla="*/ 0 h 2211572"/>
+                              <a:gd name="connsiteX1" fmla="*/ 0 w 908842"/>
+                              <a:gd name="connsiteY1" fmla="*/ 106325 h 2211572"/>
+                              <a:gd name="connsiteX2" fmla="*/ 839972 w 908842"/>
+                              <a:gd name="connsiteY2" fmla="*/ 340242 h 2211572"/>
+                              <a:gd name="connsiteX3" fmla="*/ 42531 w 908842"/>
+                              <a:gd name="connsiteY3" fmla="*/ 489097 h 2211572"/>
+                              <a:gd name="connsiteX4" fmla="*/ 839972 w 908842"/>
+                              <a:gd name="connsiteY4" fmla="*/ 733646 h 2211572"/>
+                              <a:gd name="connsiteX5" fmla="*/ 53163 w 908842"/>
+                              <a:gd name="connsiteY5" fmla="*/ 861237 h 2211572"/>
+                              <a:gd name="connsiteX6" fmla="*/ 861237 w 908842"/>
+                              <a:gd name="connsiteY6" fmla="*/ 1148316 h 2211572"/>
+                              <a:gd name="connsiteX7" fmla="*/ 74428 w 908842"/>
+                              <a:gd name="connsiteY7" fmla="*/ 1275907 h 2211572"/>
+                              <a:gd name="connsiteX8" fmla="*/ 871870 w 908842"/>
+                              <a:gd name="connsiteY8" fmla="*/ 1541721 h 2211572"/>
+                              <a:gd name="connsiteX9" fmla="*/ 116958 w 908842"/>
+                              <a:gd name="connsiteY9" fmla="*/ 1701209 h 2211572"/>
+                              <a:gd name="connsiteX10" fmla="*/ 850605 w 908842"/>
+                              <a:gd name="connsiteY10" fmla="*/ 1860697 h 2211572"/>
+                              <a:gd name="connsiteX11" fmla="*/ 106325 w 908842"/>
+                              <a:gd name="connsiteY11" fmla="*/ 2020186 h 2211572"/>
+                              <a:gd name="connsiteX12" fmla="*/ 903768 w 908842"/>
+                              <a:gd name="connsiteY12" fmla="*/ 2147777 h 2211572"/>
+                              <a:gd name="connsiteX13" fmla="*/ 467833 w 908842"/>
+                              <a:gd name="connsiteY13" fmla="*/ 2211572 h 2211572"/>
+                              <a:gd name="connsiteX0" fmla="*/ 797441 w 866311"/>
+                              <a:gd name="connsiteY0" fmla="*/ 0 h 2211572"/>
+                              <a:gd name="connsiteX1" fmla="*/ 53162 w 866311"/>
+                              <a:gd name="connsiteY1" fmla="*/ 116957 h 2211572"/>
+                              <a:gd name="connsiteX2" fmla="*/ 797441 w 866311"/>
+                              <a:gd name="connsiteY2" fmla="*/ 340242 h 2211572"/>
+                              <a:gd name="connsiteX3" fmla="*/ 0 w 866311"/>
+                              <a:gd name="connsiteY3" fmla="*/ 489097 h 2211572"/>
+                              <a:gd name="connsiteX4" fmla="*/ 797441 w 866311"/>
+                              <a:gd name="connsiteY4" fmla="*/ 733646 h 2211572"/>
+                              <a:gd name="connsiteX5" fmla="*/ 10632 w 866311"/>
+                              <a:gd name="connsiteY5" fmla="*/ 861237 h 2211572"/>
+                              <a:gd name="connsiteX6" fmla="*/ 818706 w 866311"/>
+                              <a:gd name="connsiteY6" fmla="*/ 1148316 h 2211572"/>
+                              <a:gd name="connsiteX7" fmla="*/ 31897 w 866311"/>
+                              <a:gd name="connsiteY7" fmla="*/ 1275907 h 2211572"/>
+                              <a:gd name="connsiteX8" fmla="*/ 829339 w 866311"/>
+                              <a:gd name="connsiteY8" fmla="*/ 1541721 h 2211572"/>
+                              <a:gd name="connsiteX9" fmla="*/ 74427 w 866311"/>
+                              <a:gd name="connsiteY9" fmla="*/ 1701209 h 2211572"/>
+                              <a:gd name="connsiteX10" fmla="*/ 808074 w 866311"/>
+                              <a:gd name="connsiteY10" fmla="*/ 1860697 h 2211572"/>
+                              <a:gd name="connsiteX11" fmla="*/ 63794 w 866311"/>
+                              <a:gd name="connsiteY11" fmla="*/ 2020186 h 2211572"/>
+                              <a:gd name="connsiteX12" fmla="*/ 861237 w 866311"/>
+                              <a:gd name="connsiteY12" fmla="*/ 2147777 h 2211572"/>
+                              <a:gd name="connsiteX13" fmla="*/ 425302 w 866311"/>
+                              <a:gd name="connsiteY13" fmla="*/ 2211572 h 2211572"/>
+                              <a:gd name="connsiteX0" fmla="*/ 786821 w 855691"/>
+                              <a:gd name="connsiteY0" fmla="*/ 0 h 2211572"/>
+                              <a:gd name="connsiteX1" fmla="*/ 42542 w 855691"/>
+                              <a:gd name="connsiteY1" fmla="*/ 116957 h 2211572"/>
+                              <a:gd name="connsiteX2" fmla="*/ 786821 w 855691"/>
+                              <a:gd name="connsiteY2" fmla="*/ 340242 h 2211572"/>
+                              <a:gd name="connsiteX3" fmla="*/ 31910 w 855691"/>
+                              <a:gd name="connsiteY3" fmla="*/ 499730 h 2211572"/>
+                              <a:gd name="connsiteX4" fmla="*/ 786821 w 855691"/>
+                              <a:gd name="connsiteY4" fmla="*/ 733646 h 2211572"/>
+                              <a:gd name="connsiteX5" fmla="*/ 12 w 855691"/>
+                              <a:gd name="connsiteY5" fmla="*/ 861237 h 2211572"/>
+                              <a:gd name="connsiteX6" fmla="*/ 808086 w 855691"/>
+                              <a:gd name="connsiteY6" fmla="*/ 1148316 h 2211572"/>
+                              <a:gd name="connsiteX7" fmla="*/ 21277 w 855691"/>
+                              <a:gd name="connsiteY7" fmla="*/ 1275907 h 2211572"/>
+                              <a:gd name="connsiteX8" fmla="*/ 818719 w 855691"/>
+                              <a:gd name="connsiteY8" fmla="*/ 1541721 h 2211572"/>
+                              <a:gd name="connsiteX9" fmla="*/ 63807 w 855691"/>
+                              <a:gd name="connsiteY9" fmla="*/ 1701209 h 2211572"/>
+                              <a:gd name="connsiteX10" fmla="*/ 797454 w 855691"/>
+                              <a:gd name="connsiteY10" fmla="*/ 1860697 h 2211572"/>
+                              <a:gd name="connsiteX11" fmla="*/ 53174 w 855691"/>
+                              <a:gd name="connsiteY11" fmla="*/ 2020186 h 2211572"/>
+                              <a:gd name="connsiteX12" fmla="*/ 850617 w 855691"/>
+                              <a:gd name="connsiteY12" fmla="*/ 2147777 h 2211572"/>
+                              <a:gd name="connsiteX13" fmla="*/ 414682 w 855691"/>
+                              <a:gd name="connsiteY13" fmla="*/ 2211572 h 2211572"/>
+                              <a:gd name="connsiteX0" fmla="*/ 765547 w 834417"/>
+                              <a:gd name="connsiteY0" fmla="*/ 0 h 2211572"/>
+                              <a:gd name="connsiteX1" fmla="*/ 21268 w 834417"/>
+                              <a:gd name="connsiteY1" fmla="*/ 116957 h 2211572"/>
+                              <a:gd name="connsiteX2" fmla="*/ 765547 w 834417"/>
+                              <a:gd name="connsiteY2" fmla="*/ 340242 h 2211572"/>
+                              <a:gd name="connsiteX3" fmla="*/ 10636 w 834417"/>
+                              <a:gd name="connsiteY3" fmla="*/ 499730 h 2211572"/>
+                              <a:gd name="connsiteX4" fmla="*/ 765547 w 834417"/>
+                              <a:gd name="connsiteY4" fmla="*/ 733646 h 2211572"/>
+                              <a:gd name="connsiteX5" fmla="*/ 10635 w 834417"/>
+                              <a:gd name="connsiteY5" fmla="*/ 871870 h 2211572"/>
+                              <a:gd name="connsiteX6" fmla="*/ 786812 w 834417"/>
+                              <a:gd name="connsiteY6" fmla="*/ 1148316 h 2211572"/>
+                              <a:gd name="connsiteX7" fmla="*/ 3 w 834417"/>
+                              <a:gd name="connsiteY7" fmla="*/ 1275907 h 2211572"/>
+                              <a:gd name="connsiteX8" fmla="*/ 797445 w 834417"/>
+                              <a:gd name="connsiteY8" fmla="*/ 1541721 h 2211572"/>
+                              <a:gd name="connsiteX9" fmla="*/ 42533 w 834417"/>
+                              <a:gd name="connsiteY9" fmla="*/ 1701209 h 2211572"/>
+                              <a:gd name="connsiteX10" fmla="*/ 776180 w 834417"/>
+                              <a:gd name="connsiteY10" fmla="*/ 1860697 h 2211572"/>
+                              <a:gd name="connsiteX11" fmla="*/ 31900 w 834417"/>
+                              <a:gd name="connsiteY11" fmla="*/ 2020186 h 2211572"/>
+                              <a:gd name="connsiteX12" fmla="*/ 829343 w 834417"/>
+                              <a:gd name="connsiteY12" fmla="*/ 2147777 h 2211572"/>
+                              <a:gd name="connsiteX13" fmla="*/ 393408 w 834417"/>
+                              <a:gd name="connsiteY13" fmla="*/ 2211572 h 2211572"/>
+                              <a:gd name="connsiteX0" fmla="*/ 754925 w 823795"/>
+                              <a:gd name="connsiteY0" fmla="*/ 0 h 2211572"/>
+                              <a:gd name="connsiteX1" fmla="*/ 10646 w 823795"/>
+                              <a:gd name="connsiteY1" fmla="*/ 116957 h 2211572"/>
+                              <a:gd name="connsiteX2" fmla="*/ 754925 w 823795"/>
+                              <a:gd name="connsiteY2" fmla="*/ 340242 h 2211572"/>
+                              <a:gd name="connsiteX3" fmla="*/ 14 w 823795"/>
+                              <a:gd name="connsiteY3" fmla="*/ 499730 h 2211572"/>
+                              <a:gd name="connsiteX4" fmla="*/ 754925 w 823795"/>
+                              <a:gd name="connsiteY4" fmla="*/ 733646 h 2211572"/>
+                              <a:gd name="connsiteX5" fmla="*/ 13 w 823795"/>
+                              <a:gd name="connsiteY5" fmla="*/ 871870 h 2211572"/>
+                              <a:gd name="connsiteX6" fmla="*/ 776190 w 823795"/>
+                              <a:gd name="connsiteY6" fmla="*/ 1148316 h 2211572"/>
+                              <a:gd name="connsiteX7" fmla="*/ 10646 w 823795"/>
+                              <a:gd name="connsiteY7" fmla="*/ 1286539 h 2211572"/>
+                              <a:gd name="connsiteX8" fmla="*/ 786823 w 823795"/>
+                              <a:gd name="connsiteY8" fmla="*/ 1541721 h 2211572"/>
+                              <a:gd name="connsiteX9" fmla="*/ 31911 w 823795"/>
+                              <a:gd name="connsiteY9" fmla="*/ 1701209 h 2211572"/>
+                              <a:gd name="connsiteX10" fmla="*/ 765558 w 823795"/>
+                              <a:gd name="connsiteY10" fmla="*/ 1860697 h 2211572"/>
+                              <a:gd name="connsiteX11" fmla="*/ 21278 w 823795"/>
+                              <a:gd name="connsiteY11" fmla="*/ 2020186 h 2211572"/>
+                              <a:gd name="connsiteX12" fmla="*/ 818721 w 823795"/>
+                              <a:gd name="connsiteY12" fmla="*/ 2147777 h 2211572"/>
+                              <a:gd name="connsiteX13" fmla="*/ 382786 w 823795"/>
+                              <a:gd name="connsiteY13" fmla="*/ 2211572 h 2211572"/>
+                              <a:gd name="connsiteX0" fmla="*/ 754925 w 823795"/>
+                              <a:gd name="connsiteY0" fmla="*/ 0 h 2211572"/>
+                              <a:gd name="connsiteX1" fmla="*/ 10646 w 823795"/>
+                              <a:gd name="connsiteY1" fmla="*/ 116957 h 2211572"/>
+                              <a:gd name="connsiteX2" fmla="*/ 754925 w 823795"/>
+                              <a:gd name="connsiteY2" fmla="*/ 340242 h 2211572"/>
+                              <a:gd name="connsiteX3" fmla="*/ 14 w 823795"/>
+                              <a:gd name="connsiteY3" fmla="*/ 467832 h 2211572"/>
+                              <a:gd name="connsiteX4" fmla="*/ 754925 w 823795"/>
+                              <a:gd name="connsiteY4" fmla="*/ 733646 h 2211572"/>
+                              <a:gd name="connsiteX5" fmla="*/ 13 w 823795"/>
+                              <a:gd name="connsiteY5" fmla="*/ 871870 h 2211572"/>
+                              <a:gd name="connsiteX6" fmla="*/ 776190 w 823795"/>
+                              <a:gd name="connsiteY6" fmla="*/ 1148316 h 2211572"/>
+                              <a:gd name="connsiteX7" fmla="*/ 10646 w 823795"/>
+                              <a:gd name="connsiteY7" fmla="*/ 1286539 h 2211572"/>
+                              <a:gd name="connsiteX8" fmla="*/ 786823 w 823795"/>
+                              <a:gd name="connsiteY8" fmla="*/ 1541721 h 2211572"/>
+                              <a:gd name="connsiteX9" fmla="*/ 31911 w 823795"/>
+                              <a:gd name="connsiteY9" fmla="*/ 1701209 h 2211572"/>
+                              <a:gd name="connsiteX10" fmla="*/ 765558 w 823795"/>
+                              <a:gd name="connsiteY10" fmla="*/ 1860697 h 2211572"/>
+                              <a:gd name="connsiteX11" fmla="*/ 21278 w 823795"/>
+                              <a:gd name="connsiteY11" fmla="*/ 2020186 h 2211572"/>
+                              <a:gd name="connsiteX12" fmla="*/ 818721 w 823795"/>
+                              <a:gd name="connsiteY12" fmla="*/ 2147777 h 2211572"/>
+                              <a:gd name="connsiteX13" fmla="*/ 382786 w 823795"/>
+                              <a:gd name="connsiteY13" fmla="*/ 2211572 h 2211572"/>
+                              <a:gd name="connsiteX0" fmla="*/ 754925 w 823795"/>
+                              <a:gd name="connsiteY0" fmla="*/ 0 h 2211572"/>
+                              <a:gd name="connsiteX1" fmla="*/ 10646 w 823795"/>
+                              <a:gd name="connsiteY1" fmla="*/ 116957 h 2211572"/>
+                              <a:gd name="connsiteX2" fmla="*/ 754925 w 823795"/>
+                              <a:gd name="connsiteY2" fmla="*/ 340242 h 2211572"/>
+                              <a:gd name="connsiteX3" fmla="*/ 14 w 823795"/>
+                              <a:gd name="connsiteY3" fmla="*/ 467832 h 2211572"/>
+                              <a:gd name="connsiteX4" fmla="*/ 754925 w 823795"/>
+                              <a:gd name="connsiteY4" fmla="*/ 733646 h 2211572"/>
+                              <a:gd name="connsiteX5" fmla="*/ 13 w 823795"/>
+                              <a:gd name="connsiteY5" fmla="*/ 797442 h 2211572"/>
+                              <a:gd name="connsiteX6" fmla="*/ 776190 w 823795"/>
+                              <a:gd name="connsiteY6" fmla="*/ 1148316 h 2211572"/>
+                              <a:gd name="connsiteX7" fmla="*/ 10646 w 823795"/>
+                              <a:gd name="connsiteY7" fmla="*/ 1286539 h 2211572"/>
+                              <a:gd name="connsiteX8" fmla="*/ 786823 w 823795"/>
+                              <a:gd name="connsiteY8" fmla="*/ 1541721 h 2211572"/>
+                              <a:gd name="connsiteX9" fmla="*/ 31911 w 823795"/>
+                              <a:gd name="connsiteY9" fmla="*/ 1701209 h 2211572"/>
+                              <a:gd name="connsiteX10" fmla="*/ 765558 w 823795"/>
+                              <a:gd name="connsiteY10" fmla="*/ 1860697 h 2211572"/>
+                              <a:gd name="connsiteX11" fmla="*/ 21278 w 823795"/>
+                              <a:gd name="connsiteY11" fmla="*/ 2020186 h 2211572"/>
+                              <a:gd name="connsiteX12" fmla="*/ 818721 w 823795"/>
+                              <a:gd name="connsiteY12" fmla="*/ 2147777 h 2211572"/>
+                              <a:gd name="connsiteX13" fmla="*/ 382786 w 823795"/>
+                              <a:gd name="connsiteY13" fmla="*/ 2211572 h 2211572"/>
+                              <a:gd name="connsiteX0" fmla="*/ 754925 w 823795"/>
+                              <a:gd name="connsiteY0" fmla="*/ 0 h 2211572"/>
+                              <a:gd name="connsiteX1" fmla="*/ 10646 w 823795"/>
+                              <a:gd name="connsiteY1" fmla="*/ 116957 h 2211572"/>
+                              <a:gd name="connsiteX2" fmla="*/ 754925 w 823795"/>
+                              <a:gd name="connsiteY2" fmla="*/ 340242 h 2211572"/>
+                              <a:gd name="connsiteX3" fmla="*/ 14 w 823795"/>
+                              <a:gd name="connsiteY3" fmla="*/ 467832 h 2211572"/>
+                              <a:gd name="connsiteX4" fmla="*/ 754925 w 823795"/>
+                              <a:gd name="connsiteY4" fmla="*/ 733646 h 2211572"/>
+                              <a:gd name="connsiteX5" fmla="*/ 13 w 823795"/>
+                              <a:gd name="connsiteY5" fmla="*/ 797442 h 2211572"/>
+                              <a:gd name="connsiteX6" fmla="*/ 776190 w 823795"/>
+                              <a:gd name="connsiteY6" fmla="*/ 1148316 h 2211572"/>
+                              <a:gd name="connsiteX7" fmla="*/ 10646 w 823795"/>
+                              <a:gd name="connsiteY7" fmla="*/ 1201478 h 2211572"/>
+                              <a:gd name="connsiteX8" fmla="*/ 786823 w 823795"/>
+                              <a:gd name="connsiteY8" fmla="*/ 1541721 h 2211572"/>
+                              <a:gd name="connsiteX9" fmla="*/ 31911 w 823795"/>
+                              <a:gd name="connsiteY9" fmla="*/ 1701209 h 2211572"/>
+                              <a:gd name="connsiteX10" fmla="*/ 765558 w 823795"/>
+                              <a:gd name="connsiteY10" fmla="*/ 1860697 h 2211572"/>
+                              <a:gd name="connsiteX11" fmla="*/ 21278 w 823795"/>
+                              <a:gd name="connsiteY11" fmla="*/ 2020186 h 2211572"/>
+                              <a:gd name="connsiteX12" fmla="*/ 818721 w 823795"/>
+                              <a:gd name="connsiteY12" fmla="*/ 2147777 h 2211572"/>
+                              <a:gd name="connsiteX13" fmla="*/ 382786 w 823795"/>
+                              <a:gd name="connsiteY13" fmla="*/ 2211572 h 2211572"/>
+                              <a:gd name="connsiteX0" fmla="*/ 754925 w 823795"/>
+                              <a:gd name="connsiteY0" fmla="*/ 0 h 2211572"/>
+                              <a:gd name="connsiteX1" fmla="*/ 10646 w 823795"/>
+                              <a:gd name="connsiteY1" fmla="*/ 116957 h 2211572"/>
+                              <a:gd name="connsiteX2" fmla="*/ 754925 w 823795"/>
+                              <a:gd name="connsiteY2" fmla="*/ 340242 h 2211572"/>
+                              <a:gd name="connsiteX3" fmla="*/ 14 w 823795"/>
+                              <a:gd name="connsiteY3" fmla="*/ 467832 h 2211572"/>
+                              <a:gd name="connsiteX4" fmla="*/ 754925 w 823795"/>
+                              <a:gd name="connsiteY4" fmla="*/ 733646 h 2211572"/>
+                              <a:gd name="connsiteX5" fmla="*/ 13 w 823795"/>
+                              <a:gd name="connsiteY5" fmla="*/ 797442 h 2211572"/>
+                              <a:gd name="connsiteX6" fmla="*/ 776190 w 823795"/>
+                              <a:gd name="connsiteY6" fmla="*/ 1148316 h 2211572"/>
+                              <a:gd name="connsiteX7" fmla="*/ 10646 w 823795"/>
+                              <a:gd name="connsiteY7" fmla="*/ 1201478 h 2211572"/>
+                              <a:gd name="connsiteX8" fmla="*/ 786823 w 823795"/>
+                              <a:gd name="connsiteY8" fmla="*/ 1541721 h 2211572"/>
+                              <a:gd name="connsiteX9" fmla="*/ 31911 w 823795"/>
+                              <a:gd name="connsiteY9" fmla="*/ 1605516 h 2211572"/>
+                              <a:gd name="connsiteX10" fmla="*/ 765558 w 823795"/>
+                              <a:gd name="connsiteY10" fmla="*/ 1860697 h 2211572"/>
+                              <a:gd name="connsiteX11" fmla="*/ 21278 w 823795"/>
+                              <a:gd name="connsiteY11" fmla="*/ 2020186 h 2211572"/>
+                              <a:gd name="connsiteX12" fmla="*/ 818721 w 823795"/>
+                              <a:gd name="connsiteY12" fmla="*/ 2147777 h 2211572"/>
+                              <a:gd name="connsiteX13" fmla="*/ 382786 w 823795"/>
+                              <a:gd name="connsiteY13" fmla="*/ 2211572 h 2211572"/>
+                              <a:gd name="connsiteX0" fmla="*/ 754925 w 823795"/>
+                              <a:gd name="connsiteY0" fmla="*/ 0 h 2211572"/>
+                              <a:gd name="connsiteX1" fmla="*/ 10646 w 823795"/>
+                              <a:gd name="connsiteY1" fmla="*/ 116957 h 2211572"/>
+                              <a:gd name="connsiteX2" fmla="*/ 754925 w 823795"/>
+                              <a:gd name="connsiteY2" fmla="*/ 340242 h 2211572"/>
+                              <a:gd name="connsiteX3" fmla="*/ 14 w 823795"/>
+                              <a:gd name="connsiteY3" fmla="*/ 467832 h 2211572"/>
+                              <a:gd name="connsiteX4" fmla="*/ 754925 w 823795"/>
+                              <a:gd name="connsiteY4" fmla="*/ 733646 h 2211572"/>
+                              <a:gd name="connsiteX5" fmla="*/ 13 w 823795"/>
+                              <a:gd name="connsiteY5" fmla="*/ 797442 h 2211572"/>
+                              <a:gd name="connsiteX6" fmla="*/ 776190 w 823795"/>
+                              <a:gd name="connsiteY6" fmla="*/ 1148316 h 2211572"/>
+                              <a:gd name="connsiteX7" fmla="*/ 10646 w 823795"/>
+                              <a:gd name="connsiteY7" fmla="*/ 1201478 h 2211572"/>
+                              <a:gd name="connsiteX8" fmla="*/ 786823 w 823795"/>
+                              <a:gd name="connsiteY8" fmla="*/ 1541721 h 2211572"/>
+                              <a:gd name="connsiteX9" fmla="*/ 31911 w 823795"/>
+                              <a:gd name="connsiteY9" fmla="*/ 1605516 h 2211572"/>
+                              <a:gd name="connsiteX10" fmla="*/ 765558 w 823795"/>
+                              <a:gd name="connsiteY10" fmla="*/ 1860697 h 2211572"/>
+                              <a:gd name="connsiteX11" fmla="*/ 21278 w 823795"/>
+                              <a:gd name="connsiteY11" fmla="*/ 1924493 h 2211572"/>
+                              <a:gd name="connsiteX12" fmla="*/ 818721 w 823795"/>
+                              <a:gd name="connsiteY12" fmla="*/ 2147777 h 2211572"/>
+                              <a:gd name="connsiteX13" fmla="*/ 382786 w 823795"/>
+                              <a:gd name="connsiteY13" fmla="*/ 2211572 h 2211572"/>
+                              <a:gd name="connsiteX0" fmla="*/ 754925 w 823795"/>
+                              <a:gd name="connsiteY0" fmla="*/ 0 h 2211572"/>
+                              <a:gd name="connsiteX1" fmla="*/ 10646 w 823795"/>
+                              <a:gd name="connsiteY1" fmla="*/ 116957 h 2211572"/>
+                              <a:gd name="connsiteX2" fmla="*/ 776190 w 823795"/>
+                              <a:gd name="connsiteY2" fmla="*/ 276447 h 2211572"/>
+                              <a:gd name="connsiteX3" fmla="*/ 14 w 823795"/>
+                              <a:gd name="connsiteY3" fmla="*/ 467832 h 2211572"/>
+                              <a:gd name="connsiteX4" fmla="*/ 754925 w 823795"/>
+                              <a:gd name="connsiteY4" fmla="*/ 733646 h 2211572"/>
+                              <a:gd name="connsiteX5" fmla="*/ 13 w 823795"/>
+                              <a:gd name="connsiteY5" fmla="*/ 797442 h 2211572"/>
+                              <a:gd name="connsiteX6" fmla="*/ 776190 w 823795"/>
+                              <a:gd name="connsiteY6" fmla="*/ 1148316 h 2211572"/>
+                              <a:gd name="connsiteX7" fmla="*/ 10646 w 823795"/>
+                              <a:gd name="connsiteY7" fmla="*/ 1201478 h 2211572"/>
+                              <a:gd name="connsiteX8" fmla="*/ 786823 w 823795"/>
+                              <a:gd name="connsiteY8" fmla="*/ 1541721 h 2211572"/>
+                              <a:gd name="connsiteX9" fmla="*/ 31911 w 823795"/>
+                              <a:gd name="connsiteY9" fmla="*/ 1605516 h 2211572"/>
+                              <a:gd name="connsiteX10" fmla="*/ 765558 w 823795"/>
+                              <a:gd name="connsiteY10" fmla="*/ 1860697 h 2211572"/>
+                              <a:gd name="connsiteX11" fmla="*/ 21278 w 823795"/>
+                              <a:gd name="connsiteY11" fmla="*/ 1924493 h 2211572"/>
+                              <a:gd name="connsiteX12" fmla="*/ 818721 w 823795"/>
+                              <a:gd name="connsiteY12" fmla="*/ 2147777 h 2211572"/>
+                              <a:gd name="connsiteX13" fmla="*/ 382786 w 823795"/>
+                              <a:gd name="connsiteY13" fmla="*/ 2211572 h 2211572"/>
+                              <a:gd name="connsiteX0" fmla="*/ 754912 w 823782"/>
+                              <a:gd name="connsiteY0" fmla="*/ 0 h 2211572"/>
+                              <a:gd name="connsiteX1" fmla="*/ 10633 w 823782"/>
+                              <a:gd name="connsiteY1" fmla="*/ 116957 h 2211572"/>
+                              <a:gd name="connsiteX2" fmla="*/ 776177 w 823782"/>
+                              <a:gd name="connsiteY2" fmla="*/ 276447 h 2211572"/>
+                              <a:gd name="connsiteX3" fmla="*/ 1 w 823782"/>
+                              <a:gd name="connsiteY3" fmla="*/ 467832 h 2211572"/>
+                              <a:gd name="connsiteX4" fmla="*/ 776177 w 823782"/>
+                              <a:gd name="connsiteY4" fmla="*/ 659218 h 2211572"/>
+                              <a:gd name="connsiteX5" fmla="*/ 0 w 823782"/>
+                              <a:gd name="connsiteY5" fmla="*/ 797442 h 2211572"/>
+                              <a:gd name="connsiteX6" fmla="*/ 776177 w 823782"/>
+                              <a:gd name="connsiteY6" fmla="*/ 1148316 h 2211572"/>
+                              <a:gd name="connsiteX7" fmla="*/ 10633 w 823782"/>
+                              <a:gd name="connsiteY7" fmla="*/ 1201478 h 2211572"/>
+                              <a:gd name="connsiteX8" fmla="*/ 786810 w 823782"/>
+                              <a:gd name="connsiteY8" fmla="*/ 1541721 h 2211572"/>
+                              <a:gd name="connsiteX9" fmla="*/ 31898 w 823782"/>
+                              <a:gd name="connsiteY9" fmla="*/ 1605516 h 2211572"/>
+                              <a:gd name="connsiteX10" fmla="*/ 765545 w 823782"/>
+                              <a:gd name="connsiteY10" fmla="*/ 1860697 h 2211572"/>
+                              <a:gd name="connsiteX11" fmla="*/ 21265 w 823782"/>
+                              <a:gd name="connsiteY11" fmla="*/ 1924493 h 2211572"/>
+                              <a:gd name="connsiteX12" fmla="*/ 818708 w 823782"/>
+                              <a:gd name="connsiteY12" fmla="*/ 2147777 h 2211572"/>
+                              <a:gd name="connsiteX13" fmla="*/ 382773 w 823782"/>
+                              <a:gd name="connsiteY13" fmla="*/ 2211572 h 2211572"/>
+                              <a:gd name="connsiteX0" fmla="*/ 754938 w 823808"/>
+                              <a:gd name="connsiteY0" fmla="*/ 0 h 2211572"/>
+                              <a:gd name="connsiteX1" fmla="*/ 10659 w 823808"/>
+                              <a:gd name="connsiteY1" fmla="*/ 116957 h 2211572"/>
+                              <a:gd name="connsiteX2" fmla="*/ 776203 w 823808"/>
+                              <a:gd name="connsiteY2" fmla="*/ 276447 h 2211572"/>
+                              <a:gd name="connsiteX3" fmla="*/ 27 w 823808"/>
+                              <a:gd name="connsiteY3" fmla="*/ 467832 h 2211572"/>
+                              <a:gd name="connsiteX4" fmla="*/ 776203 w 823808"/>
+                              <a:gd name="connsiteY4" fmla="*/ 659218 h 2211572"/>
+                              <a:gd name="connsiteX5" fmla="*/ 26 w 823808"/>
+                              <a:gd name="connsiteY5" fmla="*/ 797442 h 2211572"/>
+                              <a:gd name="connsiteX6" fmla="*/ 808101 w 823808"/>
+                              <a:gd name="connsiteY6" fmla="*/ 1020725 h 2211572"/>
+                              <a:gd name="connsiteX7" fmla="*/ 10659 w 823808"/>
+                              <a:gd name="connsiteY7" fmla="*/ 1201478 h 2211572"/>
+                              <a:gd name="connsiteX8" fmla="*/ 786836 w 823808"/>
+                              <a:gd name="connsiteY8" fmla="*/ 1541721 h 2211572"/>
+                              <a:gd name="connsiteX9" fmla="*/ 31924 w 823808"/>
+                              <a:gd name="connsiteY9" fmla="*/ 1605516 h 2211572"/>
+                              <a:gd name="connsiteX10" fmla="*/ 765571 w 823808"/>
+                              <a:gd name="connsiteY10" fmla="*/ 1860697 h 2211572"/>
+                              <a:gd name="connsiteX11" fmla="*/ 21291 w 823808"/>
+                              <a:gd name="connsiteY11" fmla="*/ 1924493 h 2211572"/>
+                              <a:gd name="connsiteX12" fmla="*/ 818734 w 823808"/>
+                              <a:gd name="connsiteY12" fmla="*/ 2147777 h 2211572"/>
+                              <a:gd name="connsiteX13" fmla="*/ 382799 w 823808"/>
+                              <a:gd name="connsiteY13" fmla="*/ 2211572 h 2211572"/>
+                              <a:gd name="connsiteX0" fmla="*/ 754938 w 823808"/>
+                              <a:gd name="connsiteY0" fmla="*/ 0 h 2211572"/>
+                              <a:gd name="connsiteX1" fmla="*/ 10659 w 823808"/>
+                              <a:gd name="connsiteY1" fmla="*/ 116957 h 2211572"/>
+                              <a:gd name="connsiteX2" fmla="*/ 776203 w 823808"/>
+                              <a:gd name="connsiteY2" fmla="*/ 276447 h 2211572"/>
+                              <a:gd name="connsiteX3" fmla="*/ 27 w 823808"/>
+                              <a:gd name="connsiteY3" fmla="*/ 467832 h 2211572"/>
+                              <a:gd name="connsiteX4" fmla="*/ 776203 w 823808"/>
+                              <a:gd name="connsiteY4" fmla="*/ 659218 h 2211572"/>
+                              <a:gd name="connsiteX5" fmla="*/ 26 w 823808"/>
+                              <a:gd name="connsiteY5" fmla="*/ 797442 h 2211572"/>
+                              <a:gd name="connsiteX6" fmla="*/ 808101 w 823808"/>
+                              <a:gd name="connsiteY6" fmla="*/ 1020725 h 2211572"/>
+                              <a:gd name="connsiteX7" fmla="*/ 10659 w 823808"/>
+                              <a:gd name="connsiteY7" fmla="*/ 1201478 h 2211572"/>
+                              <a:gd name="connsiteX8" fmla="*/ 797469 w 823808"/>
+                              <a:gd name="connsiteY8" fmla="*/ 1414130 h 2211572"/>
+                              <a:gd name="connsiteX9" fmla="*/ 31924 w 823808"/>
+                              <a:gd name="connsiteY9" fmla="*/ 1605516 h 2211572"/>
+                              <a:gd name="connsiteX10" fmla="*/ 765571 w 823808"/>
+                              <a:gd name="connsiteY10" fmla="*/ 1860697 h 2211572"/>
+                              <a:gd name="connsiteX11" fmla="*/ 21291 w 823808"/>
+                              <a:gd name="connsiteY11" fmla="*/ 1924493 h 2211572"/>
+                              <a:gd name="connsiteX12" fmla="*/ 818734 w 823808"/>
+                              <a:gd name="connsiteY12" fmla="*/ 2147777 h 2211572"/>
+                              <a:gd name="connsiteX13" fmla="*/ 382799 w 823808"/>
+                              <a:gd name="connsiteY13" fmla="*/ 2211572 h 2211572"/>
+                              <a:gd name="connsiteX0" fmla="*/ 754938 w 823808"/>
+                              <a:gd name="connsiteY0" fmla="*/ 0 h 2211572"/>
+                              <a:gd name="connsiteX1" fmla="*/ 10659 w 823808"/>
+                              <a:gd name="connsiteY1" fmla="*/ 116957 h 2211572"/>
+                              <a:gd name="connsiteX2" fmla="*/ 776203 w 823808"/>
+                              <a:gd name="connsiteY2" fmla="*/ 276447 h 2211572"/>
+                              <a:gd name="connsiteX3" fmla="*/ 27 w 823808"/>
+                              <a:gd name="connsiteY3" fmla="*/ 467832 h 2211572"/>
+                              <a:gd name="connsiteX4" fmla="*/ 776203 w 823808"/>
+                              <a:gd name="connsiteY4" fmla="*/ 659218 h 2211572"/>
+                              <a:gd name="connsiteX5" fmla="*/ 26 w 823808"/>
+                              <a:gd name="connsiteY5" fmla="*/ 797442 h 2211572"/>
+                              <a:gd name="connsiteX6" fmla="*/ 808101 w 823808"/>
+                              <a:gd name="connsiteY6" fmla="*/ 1020725 h 2211572"/>
+                              <a:gd name="connsiteX7" fmla="*/ 10659 w 823808"/>
+                              <a:gd name="connsiteY7" fmla="*/ 1201478 h 2211572"/>
+                              <a:gd name="connsiteX8" fmla="*/ 797469 w 823808"/>
+                              <a:gd name="connsiteY8" fmla="*/ 1414130 h 2211572"/>
+                              <a:gd name="connsiteX9" fmla="*/ 31924 w 823808"/>
+                              <a:gd name="connsiteY9" fmla="*/ 1605516 h 2211572"/>
+                              <a:gd name="connsiteX10" fmla="*/ 797469 w 823808"/>
+                              <a:gd name="connsiteY10" fmla="*/ 1786269 h 2211572"/>
+                              <a:gd name="connsiteX11" fmla="*/ 21291 w 823808"/>
+                              <a:gd name="connsiteY11" fmla="*/ 1924493 h 2211572"/>
+                              <a:gd name="connsiteX12" fmla="*/ 818734 w 823808"/>
+                              <a:gd name="connsiteY12" fmla="*/ 2147777 h 2211572"/>
+                              <a:gd name="connsiteX13" fmla="*/ 382799 w 823808"/>
+                              <a:gd name="connsiteY13" fmla="*/ 2211572 h 2211572"/>
+                              <a:gd name="connsiteX0" fmla="*/ 754938 w 823808"/>
+                              <a:gd name="connsiteY0" fmla="*/ 0 h 2211572"/>
+                              <a:gd name="connsiteX1" fmla="*/ 10659 w 823808"/>
+                              <a:gd name="connsiteY1" fmla="*/ 116957 h 2211572"/>
+                              <a:gd name="connsiteX2" fmla="*/ 776203 w 823808"/>
+                              <a:gd name="connsiteY2" fmla="*/ 276447 h 2211572"/>
+                              <a:gd name="connsiteX3" fmla="*/ 27 w 823808"/>
+                              <a:gd name="connsiteY3" fmla="*/ 467832 h 2211572"/>
+                              <a:gd name="connsiteX4" fmla="*/ 776203 w 823808"/>
+                              <a:gd name="connsiteY4" fmla="*/ 659218 h 2211572"/>
+                              <a:gd name="connsiteX5" fmla="*/ 26 w 823808"/>
+                              <a:gd name="connsiteY5" fmla="*/ 797442 h 2211572"/>
+                              <a:gd name="connsiteX6" fmla="*/ 808101 w 823808"/>
+                              <a:gd name="connsiteY6" fmla="*/ 1020725 h 2211572"/>
+                              <a:gd name="connsiteX7" fmla="*/ 10659 w 823808"/>
+                              <a:gd name="connsiteY7" fmla="*/ 1201478 h 2211572"/>
+                              <a:gd name="connsiteX8" fmla="*/ 797469 w 823808"/>
+                              <a:gd name="connsiteY8" fmla="*/ 1414130 h 2211572"/>
+                              <a:gd name="connsiteX9" fmla="*/ 31924 w 823808"/>
+                              <a:gd name="connsiteY9" fmla="*/ 1605516 h 2211572"/>
+                              <a:gd name="connsiteX10" fmla="*/ 797469 w 823808"/>
+                              <a:gd name="connsiteY10" fmla="*/ 1786269 h 2211572"/>
+                              <a:gd name="connsiteX11" fmla="*/ 21291 w 823808"/>
+                              <a:gd name="connsiteY11" fmla="*/ 1924493 h 2211572"/>
+                              <a:gd name="connsiteX12" fmla="*/ 818734 w 823808"/>
+                              <a:gd name="connsiteY12" fmla="*/ 2062717 h 2211572"/>
+                              <a:gd name="connsiteX13" fmla="*/ 382799 w 823808"/>
+                              <a:gd name="connsiteY13" fmla="*/ 2211572 h 2211572"/>
+                              <a:gd name="connsiteX0" fmla="*/ 754938 w 818734"/>
+                              <a:gd name="connsiteY0" fmla="*/ 0 h 2062717"/>
+                              <a:gd name="connsiteX1" fmla="*/ 10659 w 818734"/>
+                              <a:gd name="connsiteY1" fmla="*/ 116957 h 2062717"/>
+                              <a:gd name="connsiteX2" fmla="*/ 776203 w 818734"/>
+                              <a:gd name="connsiteY2" fmla="*/ 276447 h 2062717"/>
+                              <a:gd name="connsiteX3" fmla="*/ 27 w 818734"/>
+                              <a:gd name="connsiteY3" fmla="*/ 467832 h 2062717"/>
+                              <a:gd name="connsiteX4" fmla="*/ 776203 w 818734"/>
+                              <a:gd name="connsiteY4" fmla="*/ 659218 h 2062717"/>
+                              <a:gd name="connsiteX5" fmla="*/ 26 w 818734"/>
+                              <a:gd name="connsiteY5" fmla="*/ 797442 h 2062717"/>
+                              <a:gd name="connsiteX6" fmla="*/ 808101 w 818734"/>
+                              <a:gd name="connsiteY6" fmla="*/ 1020725 h 2062717"/>
+                              <a:gd name="connsiteX7" fmla="*/ 10659 w 818734"/>
+                              <a:gd name="connsiteY7" fmla="*/ 1201478 h 2062717"/>
+                              <a:gd name="connsiteX8" fmla="*/ 797469 w 818734"/>
+                              <a:gd name="connsiteY8" fmla="*/ 1414130 h 2062717"/>
+                              <a:gd name="connsiteX9" fmla="*/ 31924 w 818734"/>
+                              <a:gd name="connsiteY9" fmla="*/ 1605516 h 2062717"/>
+                              <a:gd name="connsiteX10" fmla="*/ 797469 w 818734"/>
+                              <a:gd name="connsiteY10" fmla="*/ 1786269 h 2062717"/>
+                              <a:gd name="connsiteX11" fmla="*/ 21291 w 818734"/>
+                              <a:gd name="connsiteY11" fmla="*/ 1924493 h 2062717"/>
+                              <a:gd name="connsiteX12" fmla="*/ 818734 w 818734"/>
+                              <a:gd name="connsiteY12" fmla="*/ 2062717 h 2062717"/>
+                              <a:gd name="connsiteX0" fmla="*/ 754938 w 808103"/>
+                              <a:gd name="connsiteY0" fmla="*/ 0 h 1924492"/>
+                              <a:gd name="connsiteX1" fmla="*/ 10659 w 808103"/>
+                              <a:gd name="connsiteY1" fmla="*/ 116957 h 1924492"/>
+                              <a:gd name="connsiteX2" fmla="*/ 776203 w 808103"/>
+                              <a:gd name="connsiteY2" fmla="*/ 276447 h 1924492"/>
+                              <a:gd name="connsiteX3" fmla="*/ 27 w 808103"/>
+                              <a:gd name="connsiteY3" fmla="*/ 467832 h 1924492"/>
+                              <a:gd name="connsiteX4" fmla="*/ 776203 w 808103"/>
+                              <a:gd name="connsiteY4" fmla="*/ 659218 h 1924492"/>
+                              <a:gd name="connsiteX5" fmla="*/ 26 w 808103"/>
+                              <a:gd name="connsiteY5" fmla="*/ 797442 h 1924492"/>
+                              <a:gd name="connsiteX6" fmla="*/ 808101 w 808103"/>
+                              <a:gd name="connsiteY6" fmla="*/ 1020725 h 1924492"/>
+                              <a:gd name="connsiteX7" fmla="*/ 10659 w 808103"/>
+                              <a:gd name="connsiteY7" fmla="*/ 1201478 h 1924492"/>
+                              <a:gd name="connsiteX8" fmla="*/ 797469 w 808103"/>
+                              <a:gd name="connsiteY8" fmla="*/ 1414130 h 1924492"/>
+                              <a:gd name="connsiteX9" fmla="*/ 31924 w 808103"/>
+                              <a:gd name="connsiteY9" fmla="*/ 1605516 h 1924492"/>
+                              <a:gd name="connsiteX10" fmla="*/ 797469 w 808103"/>
+                              <a:gd name="connsiteY10" fmla="*/ 1786269 h 1924492"/>
+                              <a:gd name="connsiteX11" fmla="*/ 21291 w 808103"/>
+                              <a:gd name="connsiteY11" fmla="*/ 1924493 h 1924492"/>
+                              <a:gd name="connsiteX0" fmla="*/ 754938 w 808103"/>
+                              <a:gd name="connsiteY0" fmla="*/ 0 h 1786269"/>
+                              <a:gd name="connsiteX1" fmla="*/ 10659 w 808103"/>
+                              <a:gd name="connsiteY1" fmla="*/ 116957 h 1786269"/>
+                              <a:gd name="connsiteX2" fmla="*/ 776203 w 808103"/>
+                              <a:gd name="connsiteY2" fmla="*/ 276447 h 1786269"/>
+                              <a:gd name="connsiteX3" fmla="*/ 27 w 808103"/>
+                              <a:gd name="connsiteY3" fmla="*/ 467832 h 1786269"/>
+                              <a:gd name="connsiteX4" fmla="*/ 776203 w 808103"/>
+                              <a:gd name="connsiteY4" fmla="*/ 659218 h 1786269"/>
+                              <a:gd name="connsiteX5" fmla="*/ 26 w 808103"/>
+                              <a:gd name="connsiteY5" fmla="*/ 797442 h 1786269"/>
+                              <a:gd name="connsiteX6" fmla="*/ 808101 w 808103"/>
+                              <a:gd name="connsiteY6" fmla="*/ 1020725 h 1786269"/>
+                              <a:gd name="connsiteX7" fmla="*/ 10659 w 808103"/>
+                              <a:gd name="connsiteY7" fmla="*/ 1201478 h 1786269"/>
+                              <a:gd name="connsiteX8" fmla="*/ 797469 w 808103"/>
+                              <a:gd name="connsiteY8" fmla="*/ 1414130 h 1786269"/>
+                              <a:gd name="connsiteX9" fmla="*/ 31924 w 808103"/>
+                              <a:gd name="connsiteY9" fmla="*/ 1605516 h 1786269"/>
+                              <a:gd name="connsiteX10" fmla="*/ 797469 w 808103"/>
+                              <a:gd name="connsiteY10" fmla="*/ 1786269 h 1786269"/>
+                              <a:gd name="connsiteX0" fmla="*/ 754938 w 808103"/>
+                              <a:gd name="connsiteY0" fmla="*/ 0 h 1605516"/>
+                              <a:gd name="connsiteX1" fmla="*/ 10659 w 808103"/>
+                              <a:gd name="connsiteY1" fmla="*/ 116957 h 1605516"/>
+                              <a:gd name="connsiteX2" fmla="*/ 776203 w 808103"/>
+                              <a:gd name="connsiteY2" fmla="*/ 276447 h 1605516"/>
+                              <a:gd name="connsiteX3" fmla="*/ 27 w 808103"/>
+                              <a:gd name="connsiteY3" fmla="*/ 467832 h 1605516"/>
+                              <a:gd name="connsiteX4" fmla="*/ 776203 w 808103"/>
+                              <a:gd name="connsiteY4" fmla="*/ 659218 h 1605516"/>
+                              <a:gd name="connsiteX5" fmla="*/ 26 w 808103"/>
+                              <a:gd name="connsiteY5" fmla="*/ 797442 h 1605516"/>
+                              <a:gd name="connsiteX6" fmla="*/ 808101 w 808103"/>
+                              <a:gd name="connsiteY6" fmla="*/ 1020725 h 1605516"/>
+                              <a:gd name="connsiteX7" fmla="*/ 10659 w 808103"/>
+                              <a:gd name="connsiteY7" fmla="*/ 1201478 h 1605516"/>
+                              <a:gd name="connsiteX8" fmla="*/ 797469 w 808103"/>
+                              <a:gd name="connsiteY8" fmla="*/ 1414130 h 1605516"/>
+                              <a:gd name="connsiteX9" fmla="*/ 31924 w 808103"/>
+                              <a:gd name="connsiteY9" fmla="*/ 1605516 h 1605516"/>
+                              <a:gd name="connsiteX0" fmla="*/ 754938 w 808103"/>
+                              <a:gd name="connsiteY0" fmla="*/ 0 h 1567126"/>
+                              <a:gd name="connsiteX1" fmla="*/ 10659 w 808103"/>
+                              <a:gd name="connsiteY1" fmla="*/ 116957 h 1567126"/>
+                              <a:gd name="connsiteX2" fmla="*/ 776203 w 808103"/>
+                              <a:gd name="connsiteY2" fmla="*/ 276447 h 1567126"/>
+                              <a:gd name="connsiteX3" fmla="*/ 27 w 808103"/>
+                              <a:gd name="connsiteY3" fmla="*/ 467832 h 1567126"/>
+                              <a:gd name="connsiteX4" fmla="*/ 776203 w 808103"/>
+                              <a:gd name="connsiteY4" fmla="*/ 659218 h 1567126"/>
+                              <a:gd name="connsiteX5" fmla="*/ 26 w 808103"/>
+                              <a:gd name="connsiteY5" fmla="*/ 797442 h 1567126"/>
+                              <a:gd name="connsiteX6" fmla="*/ 808101 w 808103"/>
+                              <a:gd name="connsiteY6" fmla="*/ 1020725 h 1567126"/>
+                              <a:gd name="connsiteX7" fmla="*/ 10659 w 808103"/>
+                              <a:gd name="connsiteY7" fmla="*/ 1201478 h 1567126"/>
+                              <a:gd name="connsiteX8" fmla="*/ 797469 w 808103"/>
+                              <a:gd name="connsiteY8" fmla="*/ 1414130 h 1567126"/>
+                              <a:gd name="connsiteX9" fmla="*/ 328663 w 808103"/>
+                              <a:gd name="connsiteY9" fmla="*/ 1567126 h 1567126"/>
+                            </a:gdLst>
+                            <a:ahLst/>
+                            <a:cxnLst>
+                              <a:cxn ang="0">
+                                <a:pos x="connsiteX0" y="connsiteY0"/>
+                              </a:cxn>
+                              <a:cxn ang="0">
+                                <a:pos x="connsiteX1" y="connsiteY1"/>
+                              </a:cxn>
+                              <a:cxn ang="0">
+                                <a:pos x="connsiteX2" y="connsiteY2"/>
+                              </a:cxn>
+                              <a:cxn ang="0">
+                                <a:pos x="connsiteX3" y="connsiteY3"/>
+                              </a:cxn>
+                              <a:cxn ang="0">
+                                <a:pos x="connsiteX4" y="connsiteY4"/>
+                              </a:cxn>
+                              <a:cxn ang="0">
+                                <a:pos x="connsiteX5" y="connsiteY5"/>
+                              </a:cxn>
+                              <a:cxn ang="0">
+                                <a:pos x="connsiteX6" y="connsiteY6"/>
+                              </a:cxn>
+                              <a:cxn ang="0">
+                                <a:pos x="connsiteX7" y="connsiteY7"/>
+                              </a:cxn>
+                              <a:cxn ang="0">
+                                <a:pos x="connsiteX8" y="connsiteY8"/>
+                              </a:cxn>
+                              <a:cxn ang="0">
+                                <a:pos x="connsiteX9" y="connsiteY9"/>
+                              </a:cxn>
+                            </a:cxnLst>
+                            <a:rect l="l" t="t" r="r" b="b"/>
+                            <a:pathLst>
+                              <a:path w="808103" h="1567126">
+                                <a:moveTo>
+                                  <a:pt x="754938" y="0"/>
+                                </a:moveTo>
+                                <a:cubicBezTo>
+                                  <a:pt x="334952" y="24809"/>
+                                  <a:pt x="7115" y="70883"/>
+                                  <a:pt x="10659" y="116957"/>
+                                </a:cubicBezTo>
+                                <a:cubicBezTo>
+                                  <a:pt x="14203" y="163031"/>
+                                  <a:pt x="777975" y="217968"/>
+                                  <a:pt x="776203" y="276447"/>
+                                </a:cubicBezTo>
+                                <a:cubicBezTo>
+                                  <a:pt x="774431" y="334926"/>
+                                  <a:pt x="27" y="404037"/>
+                                  <a:pt x="27" y="467832"/>
+                                </a:cubicBezTo>
+                                <a:cubicBezTo>
+                                  <a:pt x="27" y="531627"/>
+                                  <a:pt x="776203" y="604283"/>
+                                  <a:pt x="776203" y="659218"/>
+                                </a:cubicBezTo>
+                                <a:cubicBezTo>
+                                  <a:pt x="776203" y="714153"/>
+                                  <a:pt x="-5290" y="737191"/>
+                                  <a:pt x="26" y="797442"/>
+                                </a:cubicBezTo>
+                                <a:cubicBezTo>
+                                  <a:pt x="5342" y="857693"/>
+                                  <a:pt x="806329" y="953386"/>
+                                  <a:pt x="808101" y="1020725"/>
+                                </a:cubicBezTo>
+                                <a:cubicBezTo>
+                                  <a:pt x="809873" y="1088064"/>
+                                  <a:pt x="12431" y="1135911"/>
+                                  <a:pt x="10659" y="1201478"/>
+                                </a:cubicBezTo>
+                                <a:cubicBezTo>
+                                  <a:pt x="8887" y="1267045"/>
+                                  <a:pt x="744468" y="1353189"/>
+                                  <a:pt x="797469" y="1414130"/>
+                                </a:cubicBezTo>
+                                <a:cubicBezTo>
+                                  <a:pt x="850470" y="1475071"/>
+                                  <a:pt x="328663" y="1505103"/>
+                                  <a:pt x="328663" y="1567126"/>
+                                </a:cubicBezTo>
+                              </a:path>
+                            </a:pathLst>
+                          </a:custGeom>
+                          <a:noFill/>
+                          <a:ln w="57150">
+                            <a:solidFill>
+                              <a:schemeClr val="tx1"/>
+                            </a:solidFill>
+                          </a:ln>
+                        </p:spPr>
+                        <p:style>
+                          <a:lnRef idx="2">
+                            <a:schemeClr val="accent1">
+                              <a:shade val="50000"/>
+                            </a:schemeClr>
+                          </a:lnRef>
+                          <a:fillRef idx="1">
+                            <a:schemeClr val="accent1"/>
+                          </a:fillRef>
+                          <a:effectRef idx="0">
+                            <a:schemeClr val="accent1"/>
+                          </a:effectRef>
+                          <a:fontRef idx="minor">
+                            <a:schemeClr val="lt1"/>
+                          </a:fontRef>
+                        </p:style>
+                        <p:txBody>
+                          <a:bodyPr rtlCol="0" anchor="ctr"/>
+                          <a:lstStyle/>
+                          <a:p>
+                            <a:pPr algn="ctr"/>
+                            <a:endParaRPr lang="en-US"/>
+                          </a:p>
+                        </p:txBody>
+                      </p:sp>
+                      <p:grpSp>
+                        <p:nvGrpSpPr>
+                          <p:cNvPr id="86" name="Group 85"/>
+                          <p:cNvGrpSpPr/>
+                          <p:nvPr/>
+                        </p:nvGrpSpPr>
+                        <p:grpSpPr>
+                          <a:xfrm>
+                            <a:off x="4541395" y="2918076"/>
+                            <a:ext cx="2411306" cy="536926"/>
+                            <a:chOff x="3296829" y="2514428"/>
+                            <a:chExt cx="4074473" cy="969566"/>
+                          </a:xfrm>
+                        </p:grpSpPr>
+                        <p:sp>
+                          <p:nvSpPr>
+                            <p:cNvPr id="90" name="Freeform 89"/>
+                            <p:cNvSpPr/>
+                            <p:nvPr/>
+                          </p:nvSpPr>
+                          <p:spPr>
+                            <a:xfrm>
+                              <a:off x="3296829" y="2837615"/>
+                              <a:ext cx="4074473" cy="646379"/>
+                            </a:xfrm>
+                            <a:custGeom>
+                              <a:avLst/>
+                              <a:gdLst>
+                                <a:gd name="connsiteX0" fmla="*/ 0 w 4918364"/>
+                                <a:gd name="connsiteY0" fmla="*/ 41564 h 457200"/>
+                                <a:gd name="connsiteX1" fmla="*/ 0 w 4918364"/>
+                                <a:gd name="connsiteY1" fmla="*/ 457200 h 457200"/>
+                                <a:gd name="connsiteX2" fmla="*/ 4904509 w 4918364"/>
+                                <a:gd name="connsiteY2" fmla="*/ 457200 h 457200"/>
+                                <a:gd name="connsiteX3" fmla="*/ 4918364 w 4918364"/>
+                                <a:gd name="connsiteY3" fmla="*/ 0 h 457200"/>
+                                <a:gd name="connsiteX4" fmla="*/ 0 w 4918364"/>
+                                <a:gd name="connsiteY4" fmla="*/ 41564 h 457200"/>
+                                <a:gd name="connsiteX0" fmla="*/ 0 w 4918364"/>
+                                <a:gd name="connsiteY0" fmla="*/ 41564 h 619007"/>
+                                <a:gd name="connsiteX1" fmla="*/ 0 w 4918364"/>
+                                <a:gd name="connsiteY1" fmla="*/ 457200 h 619007"/>
+                                <a:gd name="connsiteX2" fmla="*/ 4904509 w 4918364"/>
+                                <a:gd name="connsiteY2" fmla="*/ 457200 h 619007"/>
+                                <a:gd name="connsiteX3" fmla="*/ 4918364 w 4918364"/>
+                                <a:gd name="connsiteY3" fmla="*/ 0 h 619007"/>
+                                <a:gd name="connsiteX4" fmla="*/ 0 w 4918364"/>
+                                <a:gd name="connsiteY4" fmla="*/ 41564 h 619007"/>
+                                <a:gd name="connsiteX0" fmla="*/ 0 w 4918364"/>
+                                <a:gd name="connsiteY0" fmla="*/ 41564 h 827957"/>
+                                <a:gd name="connsiteX1" fmla="*/ 0 w 4918364"/>
+                                <a:gd name="connsiteY1" fmla="*/ 457200 h 827957"/>
+                                <a:gd name="connsiteX2" fmla="*/ 4904509 w 4918364"/>
+                                <a:gd name="connsiteY2" fmla="*/ 457200 h 827957"/>
+                                <a:gd name="connsiteX3" fmla="*/ 4918364 w 4918364"/>
+                                <a:gd name="connsiteY3" fmla="*/ 0 h 827957"/>
+                                <a:gd name="connsiteX4" fmla="*/ 0 w 4918364"/>
+                                <a:gd name="connsiteY4" fmla="*/ 41564 h 827957"/>
+                                <a:gd name="connsiteX0" fmla="*/ 0 w 4918364"/>
+                                <a:gd name="connsiteY0" fmla="*/ 41564 h 847649"/>
+                                <a:gd name="connsiteX1" fmla="*/ 0 w 4918364"/>
+                                <a:gd name="connsiteY1" fmla="*/ 457200 h 847649"/>
+                                <a:gd name="connsiteX2" fmla="*/ 4904509 w 4918364"/>
+                                <a:gd name="connsiteY2" fmla="*/ 457200 h 847649"/>
+                                <a:gd name="connsiteX3" fmla="*/ 4918364 w 4918364"/>
+                                <a:gd name="connsiteY3" fmla="*/ 0 h 847649"/>
+                                <a:gd name="connsiteX4" fmla="*/ 0 w 4918364"/>
+                                <a:gd name="connsiteY4" fmla="*/ 41564 h 847649"/>
+                                <a:gd name="connsiteX0" fmla="*/ 0 w 4918364"/>
+                                <a:gd name="connsiteY0" fmla="*/ 41564 h 757382"/>
+                                <a:gd name="connsiteX1" fmla="*/ 0 w 4918364"/>
+                                <a:gd name="connsiteY1" fmla="*/ 457200 h 757382"/>
+                                <a:gd name="connsiteX2" fmla="*/ 1053715 w 4918364"/>
+                                <a:gd name="connsiteY2" fmla="*/ 757382 h 757382"/>
+                                <a:gd name="connsiteX3" fmla="*/ 4904509 w 4918364"/>
+                                <a:gd name="connsiteY3" fmla="*/ 457200 h 757382"/>
+                                <a:gd name="connsiteX4" fmla="*/ 4918364 w 4918364"/>
+                                <a:gd name="connsiteY4" fmla="*/ 0 h 757382"/>
+                                <a:gd name="connsiteX5" fmla="*/ 0 w 4918364"/>
+                                <a:gd name="connsiteY5" fmla="*/ 41564 h 757382"/>
+                                <a:gd name="connsiteX0" fmla="*/ 0 w 4918364"/>
+                                <a:gd name="connsiteY0" fmla="*/ 41564 h 757382"/>
+                                <a:gd name="connsiteX1" fmla="*/ 0 w 4918364"/>
+                                <a:gd name="connsiteY1" fmla="*/ 457200 h 757382"/>
+                                <a:gd name="connsiteX2" fmla="*/ 1053715 w 4918364"/>
+                                <a:gd name="connsiteY2" fmla="*/ 757382 h 757382"/>
+                                <a:gd name="connsiteX3" fmla="*/ 4904509 w 4918364"/>
+                                <a:gd name="connsiteY3" fmla="*/ 457200 h 757382"/>
+                                <a:gd name="connsiteX4" fmla="*/ 4918364 w 4918364"/>
+                                <a:gd name="connsiteY4" fmla="*/ 0 h 757382"/>
+                                <a:gd name="connsiteX5" fmla="*/ 0 w 4918364"/>
+                                <a:gd name="connsiteY5" fmla="*/ 41564 h 757382"/>
+                                <a:gd name="connsiteX0" fmla="*/ 0 w 4918364"/>
+                                <a:gd name="connsiteY0" fmla="*/ 41564 h 757382"/>
+                                <a:gd name="connsiteX1" fmla="*/ 0 w 4918364"/>
+                                <a:gd name="connsiteY1" fmla="*/ 457200 h 757382"/>
+                                <a:gd name="connsiteX2" fmla="*/ 1053715 w 4918364"/>
+                                <a:gd name="connsiteY2" fmla="*/ 757382 h 757382"/>
+                                <a:gd name="connsiteX3" fmla="*/ 4904509 w 4918364"/>
+                                <a:gd name="connsiteY3" fmla="*/ 457200 h 757382"/>
+                                <a:gd name="connsiteX4" fmla="*/ 4918364 w 4918364"/>
+                                <a:gd name="connsiteY4" fmla="*/ 0 h 757382"/>
+                                <a:gd name="connsiteX5" fmla="*/ 0 w 4918364"/>
+                                <a:gd name="connsiteY5" fmla="*/ 41564 h 757382"/>
+                                <a:gd name="connsiteX0" fmla="*/ 0 w 4918364"/>
+                                <a:gd name="connsiteY0" fmla="*/ 41564 h 758982"/>
+                                <a:gd name="connsiteX1" fmla="*/ 0 w 4918364"/>
+                                <a:gd name="connsiteY1" fmla="*/ 457200 h 758982"/>
+                                <a:gd name="connsiteX2" fmla="*/ 1053715 w 4918364"/>
+                                <a:gd name="connsiteY2" fmla="*/ 757382 h 758982"/>
+                                <a:gd name="connsiteX3" fmla="*/ 4118649 w 4918364"/>
+                                <a:gd name="connsiteY3" fmla="*/ 571115 h 758982"/>
+                                <a:gd name="connsiteX4" fmla="*/ 4904509 w 4918364"/>
+                                <a:gd name="connsiteY4" fmla="*/ 457200 h 758982"/>
+                                <a:gd name="connsiteX5" fmla="*/ 4918364 w 4918364"/>
+                                <a:gd name="connsiteY5" fmla="*/ 0 h 758982"/>
+                                <a:gd name="connsiteX6" fmla="*/ 0 w 4918364"/>
+                                <a:gd name="connsiteY6" fmla="*/ 41564 h 758982"/>
+                                <a:gd name="connsiteX0" fmla="*/ 0 w 4918364"/>
+                                <a:gd name="connsiteY0" fmla="*/ 41564 h 824144"/>
+                                <a:gd name="connsiteX1" fmla="*/ 0 w 4918364"/>
+                                <a:gd name="connsiteY1" fmla="*/ 457200 h 824144"/>
+                                <a:gd name="connsiteX2" fmla="*/ 1053715 w 4918364"/>
+                                <a:gd name="connsiteY2" fmla="*/ 757382 h 824144"/>
+                                <a:gd name="connsiteX3" fmla="*/ 3568316 w 4918364"/>
+                                <a:gd name="connsiteY3" fmla="*/ 808182 h 824144"/>
+                                <a:gd name="connsiteX4" fmla="*/ 4904509 w 4918364"/>
+                                <a:gd name="connsiteY4" fmla="*/ 457200 h 824144"/>
+                                <a:gd name="connsiteX5" fmla="*/ 4918364 w 4918364"/>
+                                <a:gd name="connsiteY5" fmla="*/ 0 h 824144"/>
+                                <a:gd name="connsiteX6" fmla="*/ 0 w 4918364"/>
+                                <a:gd name="connsiteY6" fmla="*/ 41564 h 824144"/>
+                                <a:gd name="connsiteX0" fmla="*/ 0 w 4918364"/>
+                                <a:gd name="connsiteY0" fmla="*/ 41564 h 824144"/>
+                                <a:gd name="connsiteX1" fmla="*/ 0 w 4918364"/>
+                                <a:gd name="connsiteY1" fmla="*/ 457200 h 824144"/>
+                                <a:gd name="connsiteX2" fmla="*/ 1053715 w 4918364"/>
+                                <a:gd name="connsiteY2" fmla="*/ 757382 h 824144"/>
+                                <a:gd name="connsiteX3" fmla="*/ 3568316 w 4918364"/>
+                                <a:gd name="connsiteY3" fmla="*/ 808182 h 824144"/>
+                                <a:gd name="connsiteX4" fmla="*/ 4904509 w 4918364"/>
+                                <a:gd name="connsiteY4" fmla="*/ 457200 h 824144"/>
+                                <a:gd name="connsiteX5" fmla="*/ 4918364 w 4918364"/>
+                                <a:gd name="connsiteY5" fmla="*/ 0 h 824144"/>
+                                <a:gd name="connsiteX6" fmla="*/ 0 w 4918364"/>
+                                <a:gd name="connsiteY6" fmla="*/ 41564 h 824144"/>
+                                <a:gd name="connsiteX0" fmla="*/ 0 w 4918364"/>
+                                <a:gd name="connsiteY0" fmla="*/ 41564 h 824144"/>
+                                <a:gd name="connsiteX1" fmla="*/ 0 w 4918364"/>
+                                <a:gd name="connsiteY1" fmla="*/ 457200 h 824144"/>
+                                <a:gd name="connsiteX2" fmla="*/ 1053715 w 4918364"/>
+                                <a:gd name="connsiteY2" fmla="*/ 757382 h 824144"/>
+                                <a:gd name="connsiteX3" fmla="*/ 3568316 w 4918364"/>
+                                <a:gd name="connsiteY3" fmla="*/ 808182 h 824144"/>
+                                <a:gd name="connsiteX4" fmla="*/ 4904509 w 4918364"/>
+                                <a:gd name="connsiteY4" fmla="*/ 457200 h 824144"/>
+                                <a:gd name="connsiteX5" fmla="*/ 4918364 w 4918364"/>
+                                <a:gd name="connsiteY5" fmla="*/ 0 h 824144"/>
+                                <a:gd name="connsiteX6" fmla="*/ 0 w 4918364"/>
+                                <a:gd name="connsiteY6" fmla="*/ 41564 h 824144"/>
+                                <a:gd name="connsiteX0" fmla="*/ 0 w 4918364"/>
+                                <a:gd name="connsiteY0" fmla="*/ 41564 h 836166"/>
+                                <a:gd name="connsiteX1" fmla="*/ 0 w 4918364"/>
+                                <a:gd name="connsiteY1" fmla="*/ 457200 h 836166"/>
+                                <a:gd name="connsiteX2" fmla="*/ 1053715 w 4918364"/>
+                                <a:gd name="connsiteY2" fmla="*/ 757382 h 836166"/>
+                                <a:gd name="connsiteX3" fmla="*/ 2052782 w 4918364"/>
+                                <a:gd name="connsiteY3" fmla="*/ 808182 h 836166"/>
+                                <a:gd name="connsiteX4" fmla="*/ 3568316 w 4918364"/>
+                                <a:gd name="connsiteY4" fmla="*/ 808182 h 836166"/>
+                                <a:gd name="connsiteX5" fmla="*/ 4904509 w 4918364"/>
+                                <a:gd name="connsiteY5" fmla="*/ 457200 h 836166"/>
+                                <a:gd name="connsiteX6" fmla="*/ 4918364 w 4918364"/>
+                                <a:gd name="connsiteY6" fmla="*/ 0 h 836166"/>
+                                <a:gd name="connsiteX7" fmla="*/ 0 w 4918364"/>
+                                <a:gd name="connsiteY7" fmla="*/ 41564 h 836166"/>
+                                <a:gd name="connsiteX0" fmla="*/ 0 w 4918364"/>
+                                <a:gd name="connsiteY0" fmla="*/ 41564 h 842048"/>
+                                <a:gd name="connsiteX1" fmla="*/ 0 w 4918364"/>
+                                <a:gd name="connsiteY1" fmla="*/ 457200 h 842048"/>
+                                <a:gd name="connsiteX2" fmla="*/ 1053715 w 4918364"/>
+                                <a:gd name="connsiteY2" fmla="*/ 757382 h 842048"/>
+                                <a:gd name="connsiteX3" fmla="*/ 2433782 w 4918364"/>
+                                <a:gd name="connsiteY3" fmla="*/ 842048 h 842048"/>
+                                <a:gd name="connsiteX4" fmla="*/ 3568316 w 4918364"/>
+                                <a:gd name="connsiteY4" fmla="*/ 808182 h 842048"/>
+                                <a:gd name="connsiteX5" fmla="*/ 4904509 w 4918364"/>
+                                <a:gd name="connsiteY5" fmla="*/ 457200 h 842048"/>
+                                <a:gd name="connsiteX6" fmla="*/ 4918364 w 4918364"/>
+                                <a:gd name="connsiteY6" fmla="*/ 0 h 842048"/>
+                                <a:gd name="connsiteX7" fmla="*/ 0 w 4918364"/>
+                                <a:gd name="connsiteY7" fmla="*/ 41564 h 842048"/>
+                                <a:gd name="connsiteX0" fmla="*/ 0 w 4904509"/>
+                                <a:gd name="connsiteY0" fmla="*/ 41564 h 842048"/>
+                                <a:gd name="connsiteX1" fmla="*/ 0 w 4904509"/>
+                                <a:gd name="connsiteY1" fmla="*/ 457200 h 842048"/>
+                                <a:gd name="connsiteX2" fmla="*/ 1053715 w 4904509"/>
+                                <a:gd name="connsiteY2" fmla="*/ 757382 h 842048"/>
+                                <a:gd name="connsiteX3" fmla="*/ 2433782 w 4904509"/>
+                                <a:gd name="connsiteY3" fmla="*/ 842048 h 842048"/>
+                                <a:gd name="connsiteX4" fmla="*/ 3568316 w 4904509"/>
+                                <a:gd name="connsiteY4" fmla="*/ 808182 h 842048"/>
+                                <a:gd name="connsiteX5" fmla="*/ 4904509 w 4904509"/>
+                                <a:gd name="connsiteY5" fmla="*/ 457200 h 842048"/>
+                                <a:gd name="connsiteX6" fmla="*/ 4901430 w 4904509"/>
+                                <a:gd name="connsiteY6" fmla="*/ 0 h 842048"/>
+                                <a:gd name="connsiteX7" fmla="*/ 0 w 4904509"/>
+                                <a:gd name="connsiteY7" fmla="*/ 41564 h 842048"/>
+                                <a:gd name="connsiteX0" fmla="*/ 0 w 4904509"/>
+                                <a:gd name="connsiteY0" fmla="*/ 41564 h 842048"/>
+                                <a:gd name="connsiteX1" fmla="*/ 0 w 4904509"/>
+                                <a:gd name="connsiteY1" fmla="*/ 457200 h 842048"/>
+                                <a:gd name="connsiteX2" fmla="*/ 1053715 w 4904509"/>
+                                <a:gd name="connsiteY2" fmla="*/ 757382 h 842048"/>
+                                <a:gd name="connsiteX3" fmla="*/ 2433782 w 4904509"/>
+                                <a:gd name="connsiteY3" fmla="*/ 842048 h 842048"/>
+                                <a:gd name="connsiteX4" fmla="*/ 3568316 w 4904509"/>
+                                <a:gd name="connsiteY4" fmla="*/ 808182 h 842048"/>
+                                <a:gd name="connsiteX5" fmla="*/ 4904509 w 4904509"/>
+                                <a:gd name="connsiteY5" fmla="*/ 465667 h 842048"/>
+                                <a:gd name="connsiteX6" fmla="*/ 4901430 w 4904509"/>
+                                <a:gd name="connsiteY6" fmla="*/ 0 h 842048"/>
+                                <a:gd name="connsiteX7" fmla="*/ 0 w 4904509"/>
+                                <a:gd name="connsiteY7" fmla="*/ 41564 h 842048"/>
+                              </a:gdLst>
+                              <a:ahLst/>
+                              <a:cxnLst>
+                                <a:cxn ang="0">
+                                  <a:pos x="connsiteX0" y="connsiteY0"/>
+                                </a:cxn>
+                                <a:cxn ang="0">
+                                  <a:pos x="connsiteX1" y="connsiteY1"/>
+                                </a:cxn>
+                                <a:cxn ang="0">
+                                  <a:pos x="connsiteX2" y="connsiteY2"/>
+                                </a:cxn>
+                                <a:cxn ang="0">
+                                  <a:pos x="connsiteX3" y="connsiteY3"/>
+                                </a:cxn>
+                                <a:cxn ang="0">
+                                  <a:pos x="connsiteX4" y="connsiteY4"/>
+                                </a:cxn>
+                                <a:cxn ang="0">
+                                  <a:pos x="connsiteX5" y="connsiteY5"/>
+                                </a:cxn>
+                                <a:cxn ang="0">
+                                  <a:pos x="connsiteX6" y="connsiteY6"/>
+                                </a:cxn>
+                                <a:cxn ang="0">
+                                  <a:pos x="connsiteX7" y="connsiteY7"/>
+                                </a:cxn>
+                              </a:cxnLst>
+                              <a:rect l="l" t="t" r="r" b="b"/>
+                              <a:pathLst>
+                                <a:path w="4904509" h="842048">
+                                  <a:moveTo>
+                                    <a:pt x="0" y="41564"/>
+                                  </a:moveTo>
+                                  <a:lnTo>
+                                    <a:pt x="0" y="457200"/>
+                                  </a:lnTo>
+                                  <a:cubicBezTo>
+                                    <a:pt x="175619" y="576503"/>
+                                    <a:pt x="210897" y="655783"/>
+                                    <a:pt x="1053715" y="757382"/>
+                                  </a:cubicBezTo>
+                                  <a:cubicBezTo>
+                                    <a:pt x="1395845" y="815879"/>
+                                    <a:pt x="2014682" y="833581"/>
+                                    <a:pt x="2433782" y="842048"/>
+                                  </a:cubicBezTo>
+                                  <a:lnTo>
+                                    <a:pt x="3568316" y="808182"/>
+                                  </a:lnTo>
+                                  <a:cubicBezTo>
+                                    <a:pt x="4201648" y="783552"/>
+                                    <a:pt x="4822023" y="594719"/>
+                                    <a:pt x="4904509" y="465667"/>
+                                  </a:cubicBezTo>
+                                  <a:cubicBezTo>
+                                    <a:pt x="4903483" y="313267"/>
+                                    <a:pt x="4902456" y="152400"/>
+                                    <a:pt x="4901430" y="0"/>
+                                  </a:cubicBezTo>
+                                  <a:lnTo>
+                                    <a:pt x="0" y="41564"/>
+                                  </a:lnTo>
+                                  <a:close/>
+                                </a:path>
+                              </a:pathLst>
+                            </a:custGeom>
+                            <a:solidFill>
+                              <a:srgbClr val="C00000"/>
+                            </a:solidFill>
+                            <a:ln>
+                              <a:solidFill>
+                                <a:schemeClr val="tx1"/>
+                              </a:solidFill>
+                            </a:ln>
+                          </p:spPr>
+                          <p:style>
+                            <a:lnRef idx="2">
+                              <a:schemeClr val="accent1">
+                                <a:shade val="50000"/>
+                              </a:schemeClr>
+                            </a:lnRef>
+                            <a:fillRef idx="1">
+                              <a:schemeClr val="accent1"/>
+                            </a:fillRef>
+                            <a:effectRef idx="0">
+                              <a:schemeClr val="accent1"/>
+                            </a:effectRef>
+                            <a:fontRef idx="minor">
+                              <a:schemeClr val="lt1"/>
+                            </a:fontRef>
+                          </p:style>
+                          <p:txBody>
+                            <a:bodyPr rtlCol="0" anchor="ctr"/>
+                            <a:lstStyle/>
+                            <a:p>
+                              <a:pPr algn="ctr"/>
+                              <a:endParaRPr lang="en-US"/>
+                            </a:p>
+                          </p:txBody>
+                        </p:sp>
+                        <p:sp>
+                          <p:nvSpPr>
+                            <p:cNvPr id="91" name="Oval 90"/>
+                            <p:cNvSpPr/>
+                            <p:nvPr/>
+                          </p:nvSpPr>
+                          <p:spPr>
+                            <a:xfrm>
+                              <a:off x="3296832" y="2514428"/>
+                              <a:ext cx="4062962" cy="638112"/>
+                            </a:xfrm>
+                            <a:prstGeom prst="ellipse">
+                              <a:avLst/>
+                            </a:prstGeom>
+                            <a:solidFill>
+                              <a:srgbClr val="FF0000"/>
+                            </a:solidFill>
+                            <a:ln>
+                              <a:solidFill>
+                                <a:schemeClr val="tx1"/>
+                              </a:solidFill>
+                            </a:ln>
+                          </p:spPr>
+                          <p:style>
+                            <a:lnRef idx="2">
+                              <a:schemeClr val="accent1">
+                                <a:shade val="50000"/>
+                              </a:schemeClr>
+                            </a:lnRef>
+                            <a:fillRef idx="1">
+                              <a:schemeClr val="accent1"/>
+                            </a:fillRef>
+                            <a:effectRef idx="0">
+                              <a:schemeClr val="accent1"/>
+                            </a:effectRef>
+                            <a:fontRef idx="minor">
+                              <a:schemeClr val="lt1"/>
+                            </a:fontRef>
+                          </p:style>
+                          <p:txBody>
+                            <a:bodyPr rtlCol="0" anchor="ctr"/>
+                            <a:lstStyle/>
+                            <a:p>
+                              <a:pPr algn="ctr"/>
+                              <a:endParaRPr lang="en-US"/>
+                            </a:p>
+                          </p:txBody>
+                        </p:sp>
+                      </p:grpSp>
+                      <p:sp>
+                        <p:nvSpPr>
+                          <p:cNvPr id="87" name="Freeform 86"/>
+                          <p:cNvSpPr/>
+                          <p:nvPr/>
+                        </p:nvSpPr>
+                        <p:spPr>
+                          <a:xfrm>
+                            <a:off x="5380202" y="530984"/>
+                            <a:ext cx="603613" cy="2591463"/>
+                          </a:xfrm>
+                          <a:custGeom>
+                            <a:avLst/>
+                            <a:gdLst>
+                              <a:gd name="connsiteX0" fmla="*/ 839972 w 906872"/>
+                              <a:gd name="connsiteY0" fmla="*/ 0 h 2211572"/>
+                              <a:gd name="connsiteX1" fmla="*/ 0 w 906872"/>
+                              <a:gd name="connsiteY1" fmla="*/ 106325 h 2211572"/>
+                              <a:gd name="connsiteX2" fmla="*/ 839972 w 906872"/>
+                              <a:gd name="connsiteY2" fmla="*/ 340242 h 2211572"/>
+                              <a:gd name="connsiteX3" fmla="*/ 42531 w 906872"/>
+                              <a:gd name="connsiteY3" fmla="*/ 489097 h 2211572"/>
+                              <a:gd name="connsiteX4" fmla="*/ 839972 w 906872"/>
+                              <a:gd name="connsiteY4" fmla="*/ 733646 h 2211572"/>
+                              <a:gd name="connsiteX5" fmla="*/ 53163 w 906872"/>
+                              <a:gd name="connsiteY5" fmla="*/ 861237 h 2211572"/>
+                              <a:gd name="connsiteX6" fmla="*/ 861237 w 906872"/>
+                              <a:gd name="connsiteY6" fmla="*/ 1148316 h 2211572"/>
+                              <a:gd name="connsiteX7" fmla="*/ 74428 w 906872"/>
+                              <a:gd name="connsiteY7" fmla="*/ 1275907 h 2211572"/>
+                              <a:gd name="connsiteX8" fmla="*/ 871870 w 906872"/>
+                              <a:gd name="connsiteY8" fmla="*/ 1541721 h 2211572"/>
+                              <a:gd name="connsiteX9" fmla="*/ 116958 w 906872"/>
+                              <a:gd name="connsiteY9" fmla="*/ 1701209 h 2211572"/>
+                              <a:gd name="connsiteX10" fmla="*/ 850605 w 906872"/>
+                              <a:gd name="connsiteY10" fmla="*/ 1860697 h 2211572"/>
+                              <a:gd name="connsiteX11" fmla="*/ 191386 w 906872"/>
+                              <a:gd name="connsiteY11" fmla="*/ 2009553 h 2211572"/>
+                              <a:gd name="connsiteX12" fmla="*/ 903768 w 906872"/>
+                              <a:gd name="connsiteY12" fmla="*/ 2147777 h 2211572"/>
+                              <a:gd name="connsiteX13" fmla="*/ 467833 w 906872"/>
+                              <a:gd name="connsiteY13" fmla="*/ 2211572 h 2211572"/>
+                              <a:gd name="connsiteX0" fmla="*/ 839972 w 908842"/>
+                              <a:gd name="connsiteY0" fmla="*/ 0 h 2211572"/>
+                              <a:gd name="connsiteX1" fmla="*/ 0 w 908842"/>
+                              <a:gd name="connsiteY1" fmla="*/ 106325 h 2211572"/>
+                              <a:gd name="connsiteX2" fmla="*/ 839972 w 908842"/>
+                              <a:gd name="connsiteY2" fmla="*/ 340242 h 2211572"/>
+                              <a:gd name="connsiteX3" fmla="*/ 42531 w 908842"/>
+                              <a:gd name="connsiteY3" fmla="*/ 489097 h 2211572"/>
+                              <a:gd name="connsiteX4" fmla="*/ 839972 w 908842"/>
+                              <a:gd name="connsiteY4" fmla="*/ 733646 h 2211572"/>
+                              <a:gd name="connsiteX5" fmla="*/ 53163 w 908842"/>
+                              <a:gd name="connsiteY5" fmla="*/ 861237 h 2211572"/>
+                              <a:gd name="connsiteX6" fmla="*/ 861237 w 908842"/>
+                              <a:gd name="connsiteY6" fmla="*/ 1148316 h 2211572"/>
+                              <a:gd name="connsiteX7" fmla="*/ 74428 w 908842"/>
+                              <a:gd name="connsiteY7" fmla="*/ 1275907 h 2211572"/>
+                              <a:gd name="connsiteX8" fmla="*/ 871870 w 908842"/>
+                              <a:gd name="connsiteY8" fmla="*/ 1541721 h 2211572"/>
+                              <a:gd name="connsiteX9" fmla="*/ 116958 w 908842"/>
+                              <a:gd name="connsiteY9" fmla="*/ 1701209 h 2211572"/>
+                              <a:gd name="connsiteX10" fmla="*/ 850605 w 908842"/>
+                              <a:gd name="connsiteY10" fmla="*/ 1860697 h 2211572"/>
+                              <a:gd name="connsiteX11" fmla="*/ 106325 w 908842"/>
+                              <a:gd name="connsiteY11" fmla="*/ 2020186 h 2211572"/>
+                              <a:gd name="connsiteX12" fmla="*/ 903768 w 908842"/>
+                              <a:gd name="connsiteY12" fmla="*/ 2147777 h 2211572"/>
+                              <a:gd name="connsiteX13" fmla="*/ 467833 w 908842"/>
+                              <a:gd name="connsiteY13" fmla="*/ 2211572 h 2211572"/>
+                              <a:gd name="connsiteX0" fmla="*/ 797441 w 866311"/>
+                              <a:gd name="connsiteY0" fmla="*/ 0 h 2211572"/>
+                              <a:gd name="connsiteX1" fmla="*/ 53162 w 866311"/>
+                              <a:gd name="connsiteY1" fmla="*/ 116957 h 2211572"/>
+                              <a:gd name="connsiteX2" fmla="*/ 797441 w 866311"/>
+                              <a:gd name="connsiteY2" fmla="*/ 340242 h 2211572"/>
+                              <a:gd name="connsiteX3" fmla="*/ 0 w 866311"/>
+                              <a:gd name="connsiteY3" fmla="*/ 489097 h 2211572"/>
+                              <a:gd name="connsiteX4" fmla="*/ 797441 w 866311"/>
+                              <a:gd name="connsiteY4" fmla="*/ 733646 h 2211572"/>
+                              <a:gd name="connsiteX5" fmla="*/ 10632 w 866311"/>
+                              <a:gd name="connsiteY5" fmla="*/ 861237 h 2211572"/>
+                              <a:gd name="connsiteX6" fmla="*/ 818706 w 866311"/>
+                              <a:gd name="connsiteY6" fmla="*/ 1148316 h 2211572"/>
+                              <a:gd name="connsiteX7" fmla="*/ 31897 w 866311"/>
+                              <a:gd name="connsiteY7" fmla="*/ 1275907 h 2211572"/>
+                              <a:gd name="connsiteX8" fmla="*/ 829339 w 866311"/>
+                              <a:gd name="connsiteY8" fmla="*/ 1541721 h 2211572"/>
+                              <a:gd name="connsiteX9" fmla="*/ 74427 w 866311"/>
+                              <a:gd name="connsiteY9" fmla="*/ 1701209 h 2211572"/>
+                              <a:gd name="connsiteX10" fmla="*/ 808074 w 866311"/>
+                              <a:gd name="connsiteY10" fmla="*/ 1860697 h 2211572"/>
+                              <a:gd name="connsiteX11" fmla="*/ 63794 w 866311"/>
+                              <a:gd name="connsiteY11" fmla="*/ 2020186 h 2211572"/>
+                              <a:gd name="connsiteX12" fmla="*/ 861237 w 866311"/>
+                              <a:gd name="connsiteY12" fmla="*/ 2147777 h 2211572"/>
+                              <a:gd name="connsiteX13" fmla="*/ 425302 w 866311"/>
+                              <a:gd name="connsiteY13" fmla="*/ 2211572 h 2211572"/>
+                              <a:gd name="connsiteX0" fmla="*/ 786821 w 855691"/>
+                              <a:gd name="connsiteY0" fmla="*/ 0 h 2211572"/>
+                              <a:gd name="connsiteX1" fmla="*/ 42542 w 855691"/>
+                              <a:gd name="connsiteY1" fmla="*/ 116957 h 2211572"/>
+                              <a:gd name="connsiteX2" fmla="*/ 786821 w 855691"/>
+                              <a:gd name="connsiteY2" fmla="*/ 340242 h 2211572"/>
+                              <a:gd name="connsiteX3" fmla="*/ 31910 w 855691"/>
+                              <a:gd name="connsiteY3" fmla="*/ 499730 h 2211572"/>
+                              <a:gd name="connsiteX4" fmla="*/ 786821 w 855691"/>
+                              <a:gd name="connsiteY4" fmla="*/ 733646 h 2211572"/>
+                              <a:gd name="connsiteX5" fmla="*/ 12 w 855691"/>
+                              <a:gd name="connsiteY5" fmla="*/ 861237 h 2211572"/>
+                              <a:gd name="connsiteX6" fmla="*/ 808086 w 855691"/>
+                              <a:gd name="connsiteY6" fmla="*/ 1148316 h 2211572"/>
+                              <a:gd name="connsiteX7" fmla="*/ 21277 w 855691"/>
+                              <a:gd name="connsiteY7" fmla="*/ 1275907 h 2211572"/>
+                              <a:gd name="connsiteX8" fmla="*/ 818719 w 855691"/>
+                              <a:gd name="connsiteY8" fmla="*/ 1541721 h 2211572"/>
+                              <a:gd name="connsiteX9" fmla="*/ 63807 w 855691"/>
+                              <a:gd name="connsiteY9" fmla="*/ 1701209 h 2211572"/>
+                              <a:gd name="connsiteX10" fmla="*/ 797454 w 855691"/>
+                              <a:gd name="connsiteY10" fmla="*/ 1860697 h 2211572"/>
+                              <a:gd name="connsiteX11" fmla="*/ 53174 w 855691"/>
+                              <a:gd name="connsiteY11" fmla="*/ 2020186 h 2211572"/>
+                              <a:gd name="connsiteX12" fmla="*/ 850617 w 855691"/>
+                              <a:gd name="connsiteY12" fmla="*/ 2147777 h 2211572"/>
+                              <a:gd name="connsiteX13" fmla="*/ 414682 w 855691"/>
+                              <a:gd name="connsiteY13" fmla="*/ 2211572 h 2211572"/>
+                              <a:gd name="connsiteX0" fmla="*/ 765547 w 834417"/>
+                              <a:gd name="connsiteY0" fmla="*/ 0 h 2211572"/>
+                              <a:gd name="connsiteX1" fmla="*/ 21268 w 834417"/>
+                              <a:gd name="connsiteY1" fmla="*/ 116957 h 2211572"/>
+                              <a:gd name="connsiteX2" fmla="*/ 765547 w 834417"/>
+                              <a:gd name="connsiteY2" fmla="*/ 340242 h 2211572"/>
+                              <a:gd name="connsiteX3" fmla="*/ 10636 w 834417"/>
+                              <a:gd name="connsiteY3" fmla="*/ 499730 h 2211572"/>
+                              <a:gd name="connsiteX4" fmla="*/ 765547 w 834417"/>
+                              <a:gd name="connsiteY4" fmla="*/ 733646 h 2211572"/>
+                              <a:gd name="connsiteX5" fmla="*/ 10635 w 834417"/>
+                              <a:gd name="connsiteY5" fmla="*/ 871870 h 2211572"/>
+                              <a:gd name="connsiteX6" fmla="*/ 786812 w 834417"/>
+                              <a:gd name="connsiteY6" fmla="*/ 1148316 h 2211572"/>
+                              <a:gd name="connsiteX7" fmla="*/ 3 w 834417"/>
+                              <a:gd name="connsiteY7" fmla="*/ 1275907 h 2211572"/>
+                              <a:gd name="connsiteX8" fmla="*/ 797445 w 834417"/>
+                              <a:gd name="connsiteY8" fmla="*/ 1541721 h 2211572"/>
+                              <a:gd name="connsiteX9" fmla="*/ 42533 w 834417"/>
+                              <a:gd name="connsiteY9" fmla="*/ 1701209 h 2211572"/>
+                              <a:gd name="connsiteX10" fmla="*/ 776180 w 834417"/>
+                              <a:gd name="connsiteY10" fmla="*/ 1860697 h 2211572"/>
+                              <a:gd name="connsiteX11" fmla="*/ 31900 w 834417"/>
+                              <a:gd name="connsiteY11" fmla="*/ 2020186 h 2211572"/>
+                              <a:gd name="connsiteX12" fmla="*/ 829343 w 834417"/>
+                              <a:gd name="connsiteY12" fmla="*/ 2147777 h 2211572"/>
+                              <a:gd name="connsiteX13" fmla="*/ 393408 w 834417"/>
+                              <a:gd name="connsiteY13" fmla="*/ 2211572 h 2211572"/>
+                              <a:gd name="connsiteX0" fmla="*/ 754925 w 823795"/>
+                              <a:gd name="connsiteY0" fmla="*/ 0 h 2211572"/>
+                              <a:gd name="connsiteX1" fmla="*/ 10646 w 823795"/>
+                              <a:gd name="connsiteY1" fmla="*/ 116957 h 2211572"/>
+                              <a:gd name="connsiteX2" fmla="*/ 754925 w 823795"/>
+                              <a:gd name="connsiteY2" fmla="*/ 340242 h 2211572"/>
+                              <a:gd name="connsiteX3" fmla="*/ 14 w 823795"/>
+                              <a:gd name="connsiteY3" fmla="*/ 499730 h 2211572"/>
+                              <a:gd name="connsiteX4" fmla="*/ 754925 w 823795"/>
+                              <a:gd name="connsiteY4" fmla="*/ 733646 h 2211572"/>
+                              <a:gd name="connsiteX5" fmla="*/ 13 w 823795"/>
+                              <a:gd name="connsiteY5" fmla="*/ 871870 h 2211572"/>
+                              <a:gd name="connsiteX6" fmla="*/ 776190 w 823795"/>
+                              <a:gd name="connsiteY6" fmla="*/ 1148316 h 2211572"/>
+                              <a:gd name="connsiteX7" fmla="*/ 10646 w 823795"/>
+                              <a:gd name="connsiteY7" fmla="*/ 1286539 h 2211572"/>
+                              <a:gd name="connsiteX8" fmla="*/ 786823 w 823795"/>
+                              <a:gd name="connsiteY8" fmla="*/ 1541721 h 2211572"/>
+                              <a:gd name="connsiteX9" fmla="*/ 31911 w 823795"/>
+                              <a:gd name="connsiteY9" fmla="*/ 1701209 h 2211572"/>
+                              <a:gd name="connsiteX10" fmla="*/ 765558 w 823795"/>
+                              <a:gd name="connsiteY10" fmla="*/ 1860697 h 2211572"/>
+                              <a:gd name="connsiteX11" fmla="*/ 21278 w 823795"/>
+                              <a:gd name="connsiteY11" fmla="*/ 2020186 h 2211572"/>
+                              <a:gd name="connsiteX12" fmla="*/ 818721 w 823795"/>
+                              <a:gd name="connsiteY12" fmla="*/ 2147777 h 2211572"/>
+                              <a:gd name="connsiteX13" fmla="*/ 382786 w 823795"/>
+                              <a:gd name="connsiteY13" fmla="*/ 2211572 h 2211572"/>
+                              <a:gd name="connsiteX0" fmla="*/ 754925 w 823795"/>
+                              <a:gd name="connsiteY0" fmla="*/ 0 h 2211572"/>
+                              <a:gd name="connsiteX1" fmla="*/ 10646 w 823795"/>
+                              <a:gd name="connsiteY1" fmla="*/ 116957 h 2211572"/>
+                              <a:gd name="connsiteX2" fmla="*/ 754925 w 823795"/>
+                              <a:gd name="connsiteY2" fmla="*/ 340242 h 2211572"/>
+                              <a:gd name="connsiteX3" fmla="*/ 14 w 823795"/>
+                              <a:gd name="connsiteY3" fmla="*/ 467832 h 2211572"/>
+                              <a:gd name="connsiteX4" fmla="*/ 754925 w 823795"/>
+                              <a:gd name="connsiteY4" fmla="*/ 733646 h 2211572"/>
+                              <a:gd name="connsiteX5" fmla="*/ 13 w 823795"/>
+                              <a:gd name="connsiteY5" fmla="*/ 871870 h 2211572"/>
+                              <a:gd name="connsiteX6" fmla="*/ 776190 w 823795"/>
+                              <a:gd name="connsiteY6" fmla="*/ 1148316 h 2211572"/>
+                              <a:gd name="connsiteX7" fmla="*/ 10646 w 823795"/>
+                              <a:gd name="connsiteY7" fmla="*/ 1286539 h 2211572"/>
+                              <a:gd name="connsiteX8" fmla="*/ 786823 w 823795"/>
+                              <a:gd name="connsiteY8" fmla="*/ 1541721 h 2211572"/>
+                              <a:gd name="connsiteX9" fmla="*/ 31911 w 823795"/>
+                              <a:gd name="connsiteY9" fmla="*/ 1701209 h 2211572"/>
+                              <a:gd name="connsiteX10" fmla="*/ 765558 w 823795"/>
+                              <a:gd name="connsiteY10" fmla="*/ 1860697 h 2211572"/>
+                              <a:gd name="connsiteX11" fmla="*/ 21278 w 823795"/>
+                              <a:gd name="connsiteY11" fmla="*/ 2020186 h 2211572"/>
+                              <a:gd name="connsiteX12" fmla="*/ 818721 w 823795"/>
+                              <a:gd name="connsiteY12" fmla="*/ 2147777 h 2211572"/>
+                              <a:gd name="connsiteX13" fmla="*/ 382786 w 823795"/>
+                              <a:gd name="connsiteY13" fmla="*/ 2211572 h 2211572"/>
+                              <a:gd name="connsiteX0" fmla="*/ 754925 w 823795"/>
+                              <a:gd name="connsiteY0" fmla="*/ 0 h 2211572"/>
+                              <a:gd name="connsiteX1" fmla="*/ 10646 w 823795"/>
+                              <a:gd name="connsiteY1" fmla="*/ 116957 h 2211572"/>
+                              <a:gd name="connsiteX2" fmla="*/ 754925 w 823795"/>
+                              <a:gd name="connsiteY2" fmla="*/ 340242 h 2211572"/>
+                              <a:gd name="connsiteX3" fmla="*/ 14 w 823795"/>
+                              <a:gd name="connsiteY3" fmla="*/ 467832 h 2211572"/>
+                              <a:gd name="connsiteX4" fmla="*/ 754925 w 823795"/>
+                              <a:gd name="connsiteY4" fmla="*/ 733646 h 2211572"/>
+                              <a:gd name="connsiteX5" fmla="*/ 13 w 823795"/>
+                              <a:gd name="connsiteY5" fmla="*/ 797442 h 2211572"/>
+                              <a:gd name="connsiteX6" fmla="*/ 776190 w 823795"/>
+                              <a:gd name="connsiteY6" fmla="*/ 1148316 h 2211572"/>
+                              <a:gd name="connsiteX7" fmla="*/ 10646 w 823795"/>
+                              <a:gd name="connsiteY7" fmla="*/ 1286539 h 2211572"/>
+                              <a:gd name="connsiteX8" fmla="*/ 786823 w 823795"/>
+                              <a:gd name="connsiteY8" fmla="*/ 1541721 h 2211572"/>
+                              <a:gd name="connsiteX9" fmla="*/ 31911 w 823795"/>
+                              <a:gd name="connsiteY9" fmla="*/ 1701209 h 2211572"/>
+                              <a:gd name="connsiteX10" fmla="*/ 765558 w 823795"/>
+                              <a:gd name="connsiteY10" fmla="*/ 1860697 h 2211572"/>
+                              <a:gd name="connsiteX11" fmla="*/ 21278 w 823795"/>
+                              <a:gd name="connsiteY11" fmla="*/ 2020186 h 2211572"/>
+                              <a:gd name="connsiteX12" fmla="*/ 818721 w 823795"/>
+                              <a:gd name="connsiteY12" fmla="*/ 2147777 h 2211572"/>
+                              <a:gd name="connsiteX13" fmla="*/ 382786 w 823795"/>
+                              <a:gd name="connsiteY13" fmla="*/ 2211572 h 2211572"/>
+                              <a:gd name="connsiteX0" fmla="*/ 754925 w 823795"/>
+                              <a:gd name="connsiteY0" fmla="*/ 0 h 2211572"/>
+                              <a:gd name="connsiteX1" fmla="*/ 10646 w 823795"/>
+                              <a:gd name="connsiteY1" fmla="*/ 116957 h 2211572"/>
+                              <a:gd name="connsiteX2" fmla="*/ 754925 w 823795"/>
+                              <a:gd name="connsiteY2" fmla="*/ 340242 h 2211572"/>
+                              <a:gd name="connsiteX3" fmla="*/ 14 w 823795"/>
+                              <a:gd name="connsiteY3" fmla="*/ 467832 h 2211572"/>
+                              <a:gd name="connsiteX4" fmla="*/ 754925 w 823795"/>
+                              <a:gd name="connsiteY4" fmla="*/ 733646 h 2211572"/>
+                              <a:gd name="connsiteX5" fmla="*/ 13 w 823795"/>
+                              <a:gd name="connsiteY5" fmla="*/ 797442 h 2211572"/>
+                              <a:gd name="connsiteX6" fmla="*/ 776190 w 823795"/>
+                              <a:gd name="connsiteY6" fmla="*/ 1148316 h 2211572"/>
+                              <a:gd name="connsiteX7" fmla="*/ 10646 w 823795"/>
+                              <a:gd name="connsiteY7" fmla="*/ 1201478 h 2211572"/>
+                              <a:gd name="connsiteX8" fmla="*/ 786823 w 823795"/>
+                              <a:gd name="connsiteY8" fmla="*/ 1541721 h 2211572"/>
+                              <a:gd name="connsiteX9" fmla="*/ 31911 w 823795"/>
+                              <a:gd name="connsiteY9" fmla="*/ 1701209 h 2211572"/>
+                              <a:gd name="connsiteX10" fmla="*/ 765558 w 823795"/>
+                              <a:gd name="connsiteY10" fmla="*/ 1860697 h 2211572"/>
+                              <a:gd name="connsiteX11" fmla="*/ 21278 w 823795"/>
+                              <a:gd name="connsiteY11" fmla="*/ 2020186 h 2211572"/>
+                              <a:gd name="connsiteX12" fmla="*/ 818721 w 823795"/>
+                              <a:gd name="connsiteY12" fmla="*/ 2147777 h 2211572"/>
+                              <a:gd name="connsiteX13" fmla="*/ 382786 w 823795"/>
+                              <a:gd name="connsiteY13" fmla="*/ 2211572 h 2211572"/>
+                              <a:gd name="connsiteX0" fmla="*/ 754925 w 823795"/>
+                              <a:gd name="connsiteY0" fmla="*/ 0 h 2211572"/>
+                              <a:gd name="connsiteX1" fmla="*/ 10646 w 823795"/>
+                              <a:gd name="connsiteY1" fmla="*/ 116957 h 2211572"/>
+                              <a:gd name="connsiteX2" fmla="*/ 754925 w 823795"/>
+                              <a:gd name="connsiteY2" fmla="*/ 340242 h 2211572"/>
+                              <a:gd name="connsiteX3" fmla="*/ 14 w 823795"/>
+                              <a:gd name="connsiteY3" fmla="*/ 467832 h 2211572"/>
+                              <a:gd name="connsiteX4" fmla="*/ 754925 w 823795"/>
+                              <a:gd name="connsiteY4" fmla="*/ 733646 h 2211572"/>
+                              <a:gd name="connsiteX5" fmla="*/ 13 w 823795"/>
+                              <a:gd name="connsiteY5" fmla="*/ 797442 h 2211572"/>
+                              <a:gd name="connsiteX6" fmla="*/ 776190 w 823795"/>
+                              <a:gd name="connsiteY6" fmla="*/ 1148316 h 2211572"/>
+                              <a:gd name="connsiteX7" fmla="*/ 10646 w 823795"/>
+                              <a:gd name="connsiteY7" fmla="*/ 1201478 h 2211572"/>
+                              <a:gd name="connsiteX8" fmla="*/ 786823 w 823795"/>
+                              <a:gd name="connsiteY8" fmla="*/ 1541721 h 2211572"/>
+                              <a:gd name="connsiteX9" fmla="*/ 31911 w 823795"/>
+                              <a:gd name="connsiteY9" fmla="*/ 1605516 h 2211572"/>
+                              <a:gd name="connsiteX10" fmla="*/ 765558 w 823795"/>
+                              <a:gd name="connsiteY10" fmla="*/ 1860697 h 2211572"/>
+                              <a:gd name="connsiteX11" fmla="*/ 21278 w 823795"/>
+                              <a:gd name="connsiteY11" fmla="*/ 2020186 h 2211572"/>
+                              <a:gd name="connsiteX12" fmla="*/ 818721 w 823795"/>
+                              <a:gd name="connsiteY12" fmla="*/ 2147777 h 2211572"/>
+                              <a:gd name="connsiteX13" fmla="*/ 382786 w 823795"/>
+                              <a:gd name="connsiteY13" fmla="*/ 2211572 h 2211572"/>
+                              <a:gd name="connsiteX0" fmla="*/ 754925 w 823795"/>
+                              <a:gd name="connsiteY0" fmla="*/ 0 h 2211572"/>
+                              <a:gd name="connsiteX1" fmla="*/ 10646 w 823795"/>
+                              <a:gd name="connsiteY1" fmla="*/ 116957 h 2211572"/>
+                              <a:gd name="connsiteX2" fmla="*/ 754925 w 823795"/>
+                              <a:gd name="connsiteY2" fmla="*/ 340242 h 2211572"/>
+                              <a:gd name="connsiteX3" fmla="*/ 14 w 823795"/>
+                              <a:gd name="connsiteY3" fmla="*/ 467832 h 2211572"/>
+                              <a:gd name="connsiteX4" fmla="*/ 754925 w 823795"/>
+                              <a:gd name="connsiteY4" fmla="*/ 733646 h 2211572"/>
+                              <a:gd name="connsiteX5" fmla="*/ 13 w 823795"/>
+                              <a:gd name="connsiteY5" fmla="*/ 797442 h 2211572"/>
+                              <a:gd name="connsiteX6" fmla="*/ 776190 w 823795"/>
+                              <a:gd name="connsiteY6" fmla="*/ 1148316 h 2211572"/>
+                              <a:gd name="connsiteX7" fmla="*/ 10646 w 823795"/>
+                              <a:gd name="connsiteY7" fmla="*/ 1201478 h 2211572"/>
+                              <a:gd name="connsiteX8" fmla="*/ 786823 w 823795"/>
+                              <a:gd name="connsiteY8" fmla="*/ 1541721 h 2211572"/>
+                              <a:gd name="connsiteX9" fmla="*/ 31911 w 823795"/>
+                              <a:gd name="connsiteY9" fmla="*/ 1605516 h 2211572"/>
+                              <a:gd name="connsiteX10" fmla="*/ 765558 w 823795"/>
+                              <a:gd name="connsiteY10" fmla="*/ 1860697 h 2211572"/>
+                              <a:gd name="connsiteX11" fmla="*/ 21278 w 823795"/>
+                              <a:gd name="connsiteY11" fmla="*/ 1924493 h 2211572"/>
+                              <a:gd name="connsiteX12" fmla="*/ 818721 w 823795"/>
+                              <a:gd name="connsiteY12" fmla="*/ 2147777 h 2211572"/>
+                              <a:gd name="connsiteX13" fmla="*/ 382786 w 823795"/>
+                              <a:gd name="connsiteY13" fmla="*/ 2211572 h 2211572"/>
+                              <a:gd name="connsiteX0" fmla="*/ 754925 w 823795"/>
+                              <a:gd name="connsiteY0" fmla="*/ 0 h 2211572"/>
+                              <a:gd name="connsiteX1" fmla="*/ 10646 w 823795"/>
+                              <a:gd name="connsiteY1" fmla="*/ 116957 h 2211572"/>
+                              <a:gd name="connsiteX2" fmla="*/ 776190 w 823795"/>
+                              <a:gd name="connsiteY2" fmla="*/ 276447 h 2211572"/>
+                              <a:gd name="connsiteX3" fmla="*/ 14 w 823795"/>
+                              <a:gd name="connsiteY3" fmla="*/ 467832 h 2211572"/>
+                              <a:gd name="connsiteX4" fmla="*/ 754925 w 823795"/>
+                              <a:gd name="connsiteY4" fmla="*/ 733646 h 2211572"/>
+                              <a:gd name="connsiteX5" fmla="*/ 13 w 823795"/>
+                              <a:gd name="connsiteY5" fmla="*/ 797442 h 2211572"/>
+                              <a:gd name="connsiteX6" fmla="*/ 776190 w 823795"/>
+                              <a:gd name="connsiteY6" fmla="*/ 1148316 h 2211572"/>
+                              <a:gd name="connsiteX7" fmla="*/ 10646 w 823795"/>
+                              <a:gd name="connsiteY7" fmla="*/ 1201478 h 2211572"/>
+                              <a:gd name="connsiteX8" fmla="*/ 786823 w 823795"/>
+                              <a:gd name="connsiteY8" fmla="*/ 1541721 h 2211572"/>
+                              <a:gd name="connsiteX9" fmla="*/ 31911 w 823795"/>
+                              <a:gd name="connsiteY9" fmla="*/ 1605516 h 2211572"/>
+                              <a:gd name="connsiteX10" fmla="*/ 765558 w 823795"/>
+                              <a:gd name="connsiteY10" fmla="*/ 1860697 h 2211572"/>
+                              <a:gd name="connsiteX11" fmla="*/ 21278 w 823795"/>
+                              <a:gd name="connsiteY11" fmla="*/ 1924493 h 2211572"/>
+                              <a:gd name="connsiteX12" fmla="*/ 818721 w 823795"/>
+                              <a:gd name="connsiteY12" fmla="*/ 2147777 h 2211572"/>
+                              <a:gd name="connsiteX13" fmla="*/ 382786 w 823795"/>
+                              <a:gd name="connsiteY13" fmla="*/ 2211572 h 2211572"/>
+                              <a:gd name="connsiteX0" fmla="*/ 754912 w 823782"/>
+                              <a:gd name="connsiteY0" fmla="*/ 0 h 2211572"/>
+                              <a:gd name="connsiteX1" fmla="*/ 10633 w 823782"/>
+                              <a:gd name="connsiteY1" fmla="*/ 116957 h 2211572"/>
+                              <a:gd name="connsiteX2" fmla="*/ 776177 w 823782"/>
+                              <a:gd name="connsiteY2" fmla="*/ 276447 h 2211572"/>
+                              <a:gd name="connsiteX3" fmla="*/ 1 w 823782"/>
+                              <a:gd name="connsiteY3" fmla="*/ 467832 h 2211572"/>
+                              <a:gd name="connsiteX4" fmla="*/ 776177 w 823782"/>
+                              <a:gd name="connsiteY4" fmla="*/ 659218 h 2211572"/>
+                              <a:gd name="connsiteX5" fmla="*/ 0 w 823782"/>
+                              <a:gd name="connsiteY5" fmla="*/ 797442 h 2211572"/>
+                              <a:gd name="connsiteX6" fmla="*/ 776177 w 823782"/>
+                              <a:gd name="connsiteY6" fmla="*/ 1148316 h 2211572"/>
+                              <a:gd name="connsiteX7" fmla="*/ 10633 w 823782"/>
+                              <a:gd name="connsiteY7" fmla="*/ 1201478 h 2211572"/>
+                              <a:gd name="connsiteX8" fmla="*/ 786810 w 823782"/>
+                              <a:gd name="connsiteY8" fmla="*/ 1541721 h 2211572"/>
+                              <a:gd name="connsiteX9" fmla="*/ 31898 w 823782"/>
+                              <a:gd name="connsiteY9" fmla="*/ 1605516 h 2211572"/>
+                              <a:gd name="connsiteX10" fmla="*/ 765545 w 823782"/>
+                              <a:gd name="connsiteY10" fmla="*/ 1860697 h 2211572"/>
+                              <a:gd name="connsiteX11" fmla="*/ 21265 w 823782"/>
+                              <a:gd name="connsiteY11" fmla="*/ 1924493 h 2211572"/>
+                              <a:gd name="connsiteX12" fmla="*/ 818708 w 823782"/>
+                              <a:gd name="connsiteY12" fmla="*/ 2147777 h 2211572"/>
+                              <a:gd name="connsiteX13" fmla="*/ 382773 w 823782"/>
+                              <a:gd name="connsiteY13" fmla="*/ 2211572 h 2211572"/>
+                              <a:gd name="connsiteX0" fmla="*/ 754938 w 823808"/>
+                              <a:gd name="connsiteY0" fmla="*/ 0 h 2211572"/>
+                              <a:gd name="connsiteX1" fmla="*/ 10659 w 823808"/>
+                              <a:gd name="connsiteY1" fmla="*/ 116957 h 2211572"/>
+                              <a:gd name="connsiteX2" fmla="*/ 776203 w 823808"/>
+                              <a:gd name="connsiteY2" fmla="*/ 276447 h 2211572"/>
+                              <a:gd name="connsiteX3" fmla="*/ 27 w 823808"/>
+                              <a:gd name="connsiteY3" fmla="*/ 467832 h 2211572"/>
+                              <a:gd name="connsiteX4" fmla="*/ 776203 w 823808"/>
+                              <a:gd name="connsiteY4" fmla="*/ 659218 h 2211572"/>
+                              <a:gd name="connsiteX5" fmla="*/ 26 w 823808"/>
+                              <a:gd name="connsiteY5" fmla="*/ 797442 h 2211572"/>
+                              <a:gd name="connsiteX6" fmla="*/ 808101 w 823808"/>
+                              <a:gd name="connsiteY6" fmla="*/ 1020725 h 2211572"/>
+                              <a:gd name="connsiteX7" fmla="*/ 10659 w 823808"/>
+                              <a:gd name="connsiteY7" fmla="*/ 1201478 h 2211572"/>
+                              <a:gd name="connsiteX8" fmla="*/ 786836 w 823808"/>
+                              <a:gd name="connsiteY8" fmla="*/ 1541721 h 2211572"/>
+                              <a:gd name="connsiteX9" fmla="*/ 31924 w 823808"/>
+                              <a:gd name="connsiteY9" fmla="*/ 1605516 h 2211572"/>
+                              <a:gd name="connsiteX10" fmla="*/ 765571 w 823808"/>
+                              <a:gd name="connsiteY10" fmla="*/ 1860697 h 2211572"/>
+                              <a:gd name="connsiteX11" fmla="*/ 21291 w 823808"/>
+                              <a:gd name="connsiteY11" fmla="*/ 1924493 h 2211572"/>
+                              <a:gd name="connsiteX12" fmla="*/ 818734 w 823808"/>
+                              <a:gd name="connsiteY12" fmla="*/ 2147777 h 2211572"/>
+                              <a:gd name="connsiteX13" fmla="*/ 382799 w 823808"/>
+                              <a:gd name="connsiteY13" fmla="*/ 2211572 h 2211572"/>
+                              <a:gd name="connsiteX0" fmla="*/ 754938 w 823808"/>
+                              <a:gd name="connsiteY0" fmla="*/ 0 h 2211572"/>
+                              <a:gd name="connsiteX1" fmla="*/ 10659 w 823808"/>
+                              <a:gd name="connsiteY1" fmla="*/ 116957 h 2211572"/>
+                              <a:gd name="connsiteX2" fmla="*/ 776203 w 823808"/>
+                              <a:gd name="connsiteY2" fmla="*/ 276447 h 2211572"/>
+                              <a:gd name="connsiteX3" fmla="*/ 27 w 823808"/>
+                              <a:gd name="connsiteY3" fmla="*/ 467832 h 2211572"/>
+                              <a:gd name="connsiteX4" fmla="*/ 776203 w 823808"/>
+                              <a:gd name="connsiteY4" fmla="*/ 659218 h 2211572"/>
+                              <a:gd name="connsiteX5" fmla="*/ 26 w 823808"/>
+                              <a:gd name="connsiteY5" fmla="*/ 797442 h 2211572"/>
+                              <a:gd name="connsiteX6" fmla="*/ 808101 w 823808"/>
+                              <a:gd name="connsiteY6" fmla="*/ 1020725 h 2211572"/>
+                              <a:gd name="connsiteX7" fmla="*/ 10659 w 823808"/>
+                              <a:gd name="connsiteY7" fmla="*/ 1201478 h 2211572"/>
+                              <a:gd name="connsiteX8" fmla="*/ 797469 w 823808"/>
+                              <a:gd name="connsiteY8" fmla="*/ 1414130 h 2211572"/>
+                              <a:gd name="connsiteX9" fmla="*/ 31924 w 823808"/>
+                              <a:gd name="connsiteY9" fmla="*/ 1605516 h 2211572"/>
+                              <a:gd name="connsiteX10" fmla="*/ 765571 w 823808"/>
+                              <a:gd name="connsiteY10" fmla="*/ 1860697 h 2211572"/>
+                              <a:gd name="connsiteX11" fmla="*/ 21291 w 823808"/>
+                              <a:gd name="connsiteY11" fmla="*/ 1924493 h 2211572"/>
+                              <a:gd name="connsiteX12" fmla="*/ 818734 w 823808"/>
+                              <a:gd name="connsiteY12" fmla="*/ 2147777 h 2211572"/>
+                              <a:gd name="connsiteX13" fmla="*/ 382799 w 823808"/>
+                              <a:gd name="connsiteY13" fmla="*/ 2211572 h 2211572"/>
+                              <a:gd name="connsiteX0" fmla="*/ 754938 w 823808"/>
+                              <a:gd name="connsiteY0" fmla="*/ 0 h 2211572"/>
+                              <a:gd name="connsiteX1" fmla="*/ 10659 w 823808"/>
+                              <a:gd name="connsiteY1" fmla="*/ 116957 h 2211572"/>
+                              <a:gd name="connsiteX2" fmla="*/ 776203 w 823808"/>
+                              <a:gd name="connsiteY2" fmla="*/ 276447 h 2211572"/>
+                              <a:gd name="connsiteX3" fmla="*/ 27 w 823808"/>
+                              <a:gd name="connsiteY3" fmla="*/ 467832 h 2211572"/>
+                              <a:gd name="connsiteX4" fmla="*/ 776203 w 823808"/>
+                              <a:gd name="connsiteY4" fmla="*/ 659218 h 2211572"/>
+                              <a:gd name="connsiteX5" fmla="*/ 26 w 823808"/>
+                              <a:gd name="connsiteY5" fmla="*/ 797442 h 2211572"/>
+                              <a:gd name="connsiteX6" fmla="*/ 808101 w 823808"/>
+                              <a:gd name="connsiteY6" fmla="*/ 1020725 h 2211572"/>
+                              <a:gd name="connsiteX7" fmla="*/ 10659 w 823808"/>
+                              <a:gd name="connsiteY7" fmla="*/ 1201478 h 2211572"/>
+                              <a:gd name="connsiteX8" fmla="*/ 797469 w 823808"/>
+                              <a:gd name="connsiteY8" fmla="*/ 1414130 h 2211572"/>
+                              <a:gd name="connsiteX9" fmla="*/ 31924 w 823808"/>
+                              <a:gd name="connsiteY9" fmla="*/ 1605516 h 2211572"/>
+                              <a:gd name="connsiteX10" fmla="*/ 797469 w 823808"/>
+                              <a:gd name="connsiteY10" fmla="*/ 1786269 h 2211572"/>
+                              <a:gd name="connsiteX11" fmla="*/ 21291 w 823808"/>
+                              <a:gd name="connsiteY11" fmla="*/ 1924493 h 2211572"/>
+                              <a:gd name="connsiteX12" fmla="*/ 818734 w 823808"/>
+                              <a:gd name="connsiteY12" fmla="*/ 2147777 h 2211572"/>
+                              <a:gd name="connsiteX13" fmla="*/ 382799 w 823808"/>
+                              <a:gd name="connsiteY13" fmla="*/ 2211572 h 2211572"/>
+                              <a:gd name="connsiteX0" fmla="*/ 754938 w 823808"/>
+                              <a:gd name="connsiteY0" fmla="*/ 0 h 2211572"/>
+                              <a:gd name="connsiteX1" fmla="*/ 10659 w 823808"/>
+                              <a:gd name="connsiteY1" fmla="*/ 116957 h 2211572"/>
+                              <a:gd name="connsiteX2" fmla="*/ 776203 w 823808"/>
+                              <a:gd name="connsiteY2" fmla="*/ 276447 h 2211572"/>
+                              <a:gd name="connsiteX3" fmla="*/ 27 w 823808"/>
+                              <a:gd name="connsiteY3" fmla="*/ 467832 h 2211572"/>
+                              <a:gd name="connsiteX4" fmla="*/ 776203 w 823808"/>
+                              <a:gd name="connsiteY4" fmla="*/ 659218 h 2211572"/>
+                              <a:gd name="connsiteX5" fmla="*/ 26 w 823808"/>
+                              <a:gd name="connsiteY5" fmla="*/ 797442 h 2211572"/>
+                              <a:gd name="connsiteX6" fmla="*/ 808101 w 823808"/>
+                              <a:gd name="connsiteY6" fmla="*/ 1020725 h 2211572"/>
+                              <a:gd name="connsiteX7" fmla="*/ 10659 w 823808"/>
+                              <a:gd name="connsiteY7" fmla="*/ 1201478 h 2211572"/>
+                              <a:gd name="connsiteX8" fmla="*/ 797469 w 823808"/>
+                              <a:gd name="connsiteY8" fmla="*/ 1414130 h 2211572"/>
+                              <a:gd name="connsiteX9" fmla="*/ 31924 w 823808"/>
+                              <a:gd name="connsiteY9" fmla="*/ 1605516 h 2211572"/>
+                              <a:gd name="connsiteX10" fmla="*/ 797469 w 823808"/>
+                              <a:gd name="connsiteY10" fmla="*/ 1786269 h 2211572"/>
+                              <a:gd name="connsiteX11" fmla="*/ 21291 w 823808"/>
+                              <a:gd name="connsiteY11" fmla="*/ 1924493 h 2211572"/>
+                              <a:gd name="connsiteX12" fmla="*/ 818734 w 823808"/>
+                              <a:gd name="connsiteY12" fmla="*/ 2062717 h 2211572"/>
+                              <a:gd name="connsiteX13" fmla="*/ 382799 w 823808"/>
+                              <a:gd name="connsiteY13" fmla="*/ 2211572 h 2211572"/>
+                            </a:gdLst>
+                            <a:ahLst/>
+                            <a:cxnLst>
+                              <a:cxn ang="0">
+                                <a:pos x="connsiteX0" y="connsiteY0"/>
+                              </a:cxn>
+                              <a:cxn ang="0">
+                                <a:pos x="connsiteX1" y="connsiteY1"/>
+                              </a:cxn>
+                              <a:cxn ang="0">
+                                <a:pos x="connsiteX2" y="connsiteY2"/>
+                              </a:cxn>
+                              <a:cxn ang="0">
+                                <a:pos x="connsiteX3" y="connsiteY3"/>
+                              </a:cxn>
+                              <a:cxn ang="0">
+                                <a:pos x="connsiteX4" y="connsiteY4"/>
+                              </a:cxn>
+                              <a:cxn ang="0">
+                                <a:pos x="connsiteX5" y="connsiteY5"/>
+                              </a:cxn>
+                              <a:cxn ang="0">
+                                <a:pos x="connsiteX6" y="connsiteY6"/>
+                              </a:cxn>
+                              <a:cxn ang="0">
+                                <a:pos x="connsiteX7" y="connsiteY7"/>
+                              </a:cxn>
+                              <a:cxn ang="0">
+                                <a:pos x="connsiteX8" y="connsiteY8"/>
+                              </a:cxn>
+                              <a:cxn ang="0">
+                                <a:pos x="connsiteX9" y="connsiteY9"/>
+                              </a:cxn>
+                              <a:cxn ang="0">
+                                <a:pos x="connsiteX10" y="connsiteY10"/>
+                              </a:cxn>
+                              <a:cxn ang="0">
+                                <a:pos x="connsiteX11" y="connsiteY11"/>
+                              </a:cxn>
+                              <a:cxn ang="0">
+                                <a:pos x="connsiteX12" y="connsiteY12"/>
+                              </a:cxn>
+                              <a:cxn ang="0">
+                                <a:pos x="connsiteX13" y="connsiteY13"/>
+                              </a:cxn>
+                            </a:cxnLst>
+                            <a:rect l="l" t="t" r="r" b="b"/>
+                            <a:pathLst>
+                              <a:path w="823808" h="2211572">
+                                <a:moveTo>
+                                  <a:pt x="754938" y="0"/>
+                                </a:moveTo>
+                                <a:cubicBezTo>
+                                  <a:pt x="334952" y="24809"/>
+                                  <a:pt x="7115" y="70883"/>
+                                  <a:pt x="10659" y="116957"/>
+                                </a:cubicBezTo>
+                                <a:cubicBezTo>
+                                  <a:pt x="14203" y="163031"/>
+                                  <a:pt x="777975" y="217968"/>
+                                  <a:pt x="776203" y="276447"/>
+                                </a:cubicBezTo>
+                                <a:cubicBezTo>
+                                  <a:pt x="774431" y="334926"/>
+                                  <a:pt x="27" y="404037"/>
+                                  <a:pt x="27" y="467832"/>
+                                </a:cubicBezTo>
+                                <a:cubicBezTo>
+                                  <a:pt x="27" y="531627"/>
+                                  <a:pt x="776203" y="604283"/>
+                                  <a:pt x="776203" y="659218"/>
+                                </a:cubicBezTo>
+                                <a:cubicBezTo>
+                                  <a:pt x="776203" y="714153"/>
+                                  <a:pt x="-5290" y="737191"/>
+                                  <a:pt x="26" y="797442"/>
+                                </a:cubicBezTo>
+                                <a:cubicBezTo>
+                                  <a:pt x="5342" y="857693"/>
+                                  <a:pt x="806329" y="953386"/>
+                                  <a:pt x="808101" y="1020725"/>
+                                </a:cubicBezTo>
+                                <a:cubicBezTo>
+                                  <a:pt x="809873" y="1088064"/>
+                                  <a:pt x="12431" y="1135911"/>
+                                  <a:pt x="10659" y="1201478"/>
+                                </a:cubicBezTo>
+                                <a:cubicBezTo>
+                                  <a:pt x="8887" y="1267045"/>
+                                  <a:pt x="793925" y="1346790"/>
+                                  <a:pt x="797469" y="1414130"/>
+                                </a:cubicBezTo>
+                                <a:cubicBezTo>
+                                  <a:pt x="801013" y="1481470"/>
+                                  <a:pt x="31924" y="1543493"/>
+                                  <a:pt x="31924" y="1605516"/>
+                                </a:cubicBezTo>
+                                <a:cubicBezTo>
+                                  <a:pt x="31924" y="1667539"/>
+                                  <a:pt x="799241" y="1733106"/>
+                                  <a:pt x="797469" y="1786269"/>
+                                </a:cubicBezTo>
+                                <a:cubicBezTo>
+                                  <a:pt x="795697" y="1839432"/>
+                                  <a:pt x="17747" y="1878418"/>
+                                  <a:pt x="21291" y="1924493"/>
+                                </a:cubicBezTo>
+                                <a:cubicBezTo>
+                                  <a:pt x="24835" y="1970568"/>
+                                  <a:pt x="758483" y="2014871"/>
+                                  <a:pt x="818734" y="2062717"/>
+                                </a:cubicBezTo>
+                                <a:cubicBezTo>
+                                  <a:pt x="878985" y="2110563"/>
+                                  <a:pt x="382799" y="2211572"/>
+                                  <a:pt x="382799" y="2211572"/>
+                                </a:cubicBezTo>
+                              </a:path>
+                            </a:pathLst>
+                          </a:custGeom>
+                          <a:noFill/>
+                          <a:ln w="57150">
+                            <a:solidFill>
+                              <a:schemeClr val="tx1"/>
+                            </a:solidFill>
+                          </a:ln>
+                        </p:spPr>
+                        <p:style>
+                          <a:lnRef idx="2">
+                            <a:schemeClr val="accent1">
+                              <a:shade val="50000"/>
+                            </a:schemeClr>
+                          </a:lnRef>
+                          <a:fillRef idx="1">
+                            <a:schemeClr val="accent1"/>
+                          </a:fillRef>
+                          <a:effectRef idx="0">
+                            <a:schemeClr val="accent1"/>
+                          </a:effectRef>
+                          <a:fontRef idx="minor">
+                            <a:schemeClr val="lt1"/>
+                          </a:fontRef>
+                        </p:style>
+                        <p:txBody>
+                          <a:bodyPr rtlCol="0" anchor="ctr"/>
+                          <a:lstStyle/>
+                          <a:p>
+                            <a:pPr algn="ctr"/>
+                            <a:endParaRPr lang="en-US"/>
+                          </a:p>
+                        </p:txBody>
+                      </p:sp>
+                    </p:grpSp>
+                    <p:cxnSp>
+                      <p:nvCxnSpPr>
+                        <p:cNvPr id="79" name="Straight Arrow Connector 78"/>
+                        <p:cNvCxnSpPr/>
+                        <p:nvPr/>
+                      </p:nvCxnSpPr>
+                      <p:spPr>
+                        <a:xfrm>
+                          <a:off x="2517730" y="3013103"/>
+                          <a:ext cx="0" cy="2733982"/>
+                        </a:xfrm>
+                        <a:prstGeom prst="straightConnector1">
+                          <a:avLst/>
+                        </a:prstGeom>
+                        <a:ln w="28575">
+                          <a:solidFill>
+                            <a:schemeClr val="tx1"/>
+                          </a:solidFill>
+                          <a:tailEnd type="triangle"/>
+                        </a:ln>
+                      </p:spPr>
+                      <p:style>
+                        <a:lnRef idx="1">
+                          <a:schemeClr val="accent1"/>
+                        </a:lnRef>
+                        <a:fillRef idx="0">
+                          <a:schemeClr val="accent1"/>
+                        </a:fillRef>
+                        <a:effectRef idx="0">
+                          <a:schemeClr val="accent1"/>
+                        </a:effectRef>
+                        <a:fontRef idx="minor">
+                          <a:schemeClr val="tx1"/>
+                        </a:fontRef>
+                      </p:style>
+                    </p:cxnSp>
+                    <p:cxnSp>
+                      <p:nvCxnSpPr>
+                        <p:cNvPr id="80" name="Straight Connector 79"/>
+                        <p:cNvCxnSpPr/>
+                        <p:nvPr/>
+                      </p:nvCxnSpPr>
+                      <p:spPr>
+                        <a:xfrm>
+                          <a:off x="2361789" y="4513865"/>
+                          <a:ext cx="155944" cy="0"/>
+                        </a:xfrm>
+                        <a:prstGeom prst="line">
+                          <a:avLst/>
+                        </a:prstGeom>
+                        <a:ln w="28575">
+                          <a:solidFill>
+                            <a:schemeClr val="tx1"/>
+                          </a:solidFill>
+                        </a:ln>
+                      </p:spPr>
+                      <p:style>
+                        <a:lnRef idx="1">
+                          <a:schemeClr val="accent1"/>
+                        </a:lnRef>
+                        <a:fillRef idx="0">
+                          <a:schemeClr val="accent1"/>
+                        </a:fillRef>
+                        <a:effectRef idx="0">
+                          <a:schemeClr val="accent1"/>
+                        </a:effectRef>
+                        <a:fontRef idx="minor">
+                          <a:schemeClr val="tx1"/>
+                        </a:fontRef>
+                      </p:style>
+                    </p:cxnSp>
+                    <mc:AlternateContent xmlns:mc="http://schemas.openxmlformats.org/markup-compatibility/2006" xmlns:a14="http://schemas.microsoft.com/office/drawing/2010/main">
+                      <mc:Choice Requires="a14">
+                        <p:sp>
+                          <p:nvSpPr>
+                            <p:cNvPr id="81" name="TextBox 80"/>
+                            <p:cNvSpPr txBox="1"/>
+                            <p:nvPr/>
+                          </p:nvSpPr>
+                          <p:spPr>
+                            <a:xfrm>
+                              <a:off x="2185672" y="4397897"/>
+                              <a:ext cx="160300" cy="246221"/>
+                            </a:xfrm>
+                            <a:prstGeom prst="rect">
+                              <a:avLst/>
+                            </a:prstGeom>
+                            <a:noFill/>
+                          </p:spPr>
+                          <p:txBody>
+                            <a:bodyPr wrap="none" lIns="0" tIns="0" rIns="0" bIns="0" rtlCol="0">
+                              <a:spAutoFit/>
+                            </a:bodyPr>
+                            <a:lstStyle/>
+                            <a:p>
+                              <a:pPr/>
+                              <a14:m>
+                                <m:oMathPara xmlns:m="http://schemas.openxmlformats.org/officeDocument/2006/math">
+                                  <m:oMathParaPr>
+                                    <m:jc m:val="centerGroup"/>
+                                  </m:oMathParaPr>
+                                  <m:oMath xmlns:m="http://schemas.openxmlformats.org/officeDocument/2006/math">
+                                    <m:r>
+                                      <a:rPr lang="en-CA" sz="1600" b="0" i="1" smtClean="0">
+                                        <a:latin typeface="Cambria Math" charset="0"/>
+                                      </a:rPr>
+                                      <m:t>0</m:t>
+                                    </m:r>
+                                  </m:oMath>
+                                </m:oMathPara>
+                              </a14:m>
+                              <a:endParaRPr lang="en-US" sz="1600" dirty="0"/>
+                            </a:p>
+                          </p:txBody>
+                        </p:sp>
+                      </mc:Choice>
+                      <mc:Fallback xmlns="">
+                        <p:sp>
+                          <p:nvSpPr>
+                            <p:cNvPr id="81" name="TextBox 80"/>
+                            <p:cNvSpPr txBox="1">
+                              <a:spLocks noRot="1" noChangeAspect="1" noMove="1" noResize="1" noEditPoints="1" noAdjustHandles="1" noChangeArrowheads="1" noChangeShapeType="1" noTextEdit="1"/>
+                            </p:cNvSpPr>
+                            <p:nvPr/>
+                          </p:nvSpPr>
+                          <p:spPr>
+                            <a:xfrm>
+                              <a:off x="2185672" y="4397897"/>
+                              <a:ext cx="160300" cy="246221"/>
+                            </a:xfrm>
+                            <a:prstGeom prst="rect">
+                              <a:avLst/>
+                            </a:prstGeom>
+                            <a:blipFill rotWithShape="0">
+                              <a:blip r:embed="rId10"/>
+                              <a:stretch>
+                                <a:fillRect l="-30769" r="-30769" b="-7317"/>
+                              </a:stretch>
+                            </a:blipFill>
+                          </p:spPr>
+                          <p:txBody>
+                            <a:bodyPr/>
+                            <a:lstStyle/>
+                            <a:p>
+                              <a:r>
+                                <a:rPr lang="en-US">
+                                  <a:noFill/>
+                                </a:rPr>
+                                <a:t> </a:t>
+                              </a:r>
+                            </a:p>
+                          </p:txBody>
+                        </p:sp>
+                      </mc:Fallback>
+                    </mc:AlternateContent>
+                    <mc:AlternateContent xmlns:mc="http://schemas.openxmlformats.org/markup-compatibility/2006" xmlns:a14="http://schemas.microsoft.com/office/drawing/2010/main">
+                      <mc:Choice Requires="a14">
+                        <p:sp>
+                          <p:nvSpPr>
+                            <p:cNvPr id="82" name="TextBox 81"/>
+                            <p:cNvSpPr txBox="1"/>
+                            <p:nvPr/>
+                          </p:nvSpPr>
+                          <p:spPr>
+                            <a:xfrm>
+                              <a:off x="2241731" y="5659851"/>
+                              <a:ext cx="161711" cy="246221"/>
+                            </a:xfrm>
+                            <a:prstGeom prst="rect">
+                              <a:avLst/>
+                            </a:prstGeom>
+                            <a:noFill/>
+                          </p:spPr>
+                          <p:txBody>
+                            <a:bodyPr wrap="none" lIns="0" tIns="0" rIns="0" bIns="0" rtlCol="0">
+                              <a:spAutoFit/>
+                            </a:bodyPr>
+                            <a:lstStyle/>
+                            <a:p>
+                              <a:pPr/>
+                              <a14:m>
+                                <m:oMathPara xmlns:m="http://schemas.openxmlformats.org/officeDocument/2006/math">
+                                  <m:oMathParaPr>
+                                    <m:jc m:val="centerGroup"/>
+                                  </m:oMathParaPr>
+                                  <m:oMath xmlns:m="http://schemas.openxmlformats.org/officeDocument/2006/math">
+                                    <m:r>
+                                      <a:rPr lang="en-CA" sz="1600" b="0" i="1" smtClean="0">
+                                        <a:latin typeface="Cambria Math" charset="0"/>
+                                      </a:rPr>
+                                      <m:t>𝑥</m:t>
+                                    </m:r>
+                                  </m:oMath>
+                                </m:oMathPara>
+                              </a14:m>
+                              <a:endParaRPr lang="en-US" sz="1600" dirty="0"/>
+                            </a:p>
+                          </p:txBody>
+                        </p:sp>
+                      </mc:Choice>
+                      <mc:Fallback xmlns="">
+                        <p:sp>
+                          <p:nvSpPr>
+                            <p:cNvPr id="82" name="TextBox 81"/>
+                            <p:cNvSpPr txBox="1">
+                              <a:spLocks noRot="1" noChangeAspect="1" noMove="1" noResize="1" noEditPoints="1" noAdjustHandles="1" noChangeArrowheads="1" noChangeShapeType="1" noTextEdit="1"/>
+                            </p:cNvSpPr>
+                            <p:nvPr/>
+                          </p:nvSpPr>
+                          <p:spPr>
+                            <a:xfrm>
+                              <a:off x="2241731" y="5659851"/>
+                              <a:ext cx="161711" cy="246221"/>
+                            </a:xfrm>
+                            <a:prstGeom prst="rect">
+                              <a:avLst/>
+                            </a:prstGeom>
+                            <a:blipFill rotWithShape="0">
+                              <a:blip r:embed="rId11"/>
+                              <a:stretch>
+                                <a:fillRect l="-14815" r="-14815"/>
+                              </a:stretch>
+                            </a:blipFill>
+                          </p:spPr>
+                          <p:txBody>
+                            <a:bodyPr/>
+                            <a:lstStyle/>
+                            <a:p>
+                              <a:r>
+                                <a:rPr lang="en-US">
+                                  <a:noFill/>
+                                </a:rPr>
+                                <a:t> </a:t>
+                              </a:r>
+                            </a:p>
+                          </p:txBody>
+                        </p:sp>
+                      </mc:Fallback>
+                    </mc:AlternateContent>
+                    <p:cxnSp>
+                      <p:nvCxnSpPr>
+                        <p:cNvPr id="83" name="Straight Arrow Connector 82"/>
+                        <p:cNvCxnSpPr/>
+                        <p:nvPr/>
+                      </p:nvCxnSpPr>
+                      <p:spPr>
+                        <a:xfrm>
+                          <a:off x="4768808" y="5068172"/>
+                          <a:ext cx="0" cy="700339"/>
+                        </a:xfrm>
+                        <a:prstGeom prst="straightConnector1">
+                          <a:avLst/>
+                        </a:prstGeom>
+                        <a:ln w="28575">
+                          <a:solidFill>
+                            <a:schemeClr val="tx1"/>
+                          </a:solidFill>
+                          <a:headEnd type="triangle"/>
+                          <a:tailEnd type="triangle"/>
+                        </a:ln>
+                      </p:spPr>
+                      <p:style>
+                        <a:lnRef idx="1">
+                          <a:schemeClr val="accent1"/>
+                        </a:lnRef>
+                        <a:fillRef idx="0">
+                          <a:schemeClr val="accent1"/>
+                        </a:fillRef>
+                        <a:effectRef idx="0">
+                          <a:schemeClr val="accent1"/>
+                        </a:effectRef>
+                        <a:fontRef idx="minor">
+                          <a:schemeClr val="tx1"/>
+                        </a:fontRef>
+                      </p:style>
+                    </p:cxnSp>
+                    <mc:AlternateContent xmlns:mc="http://schemas.openxmlformats.org/markup-compatibility/2006" xmlns:a14="http://schemas.microsoft.com/office/drawing/2010/main">
+                      <mc:Choice Requires="a14">
+                        <p:sp>
+                          <p:nvSpPr>
+                            <p:cNvPr id="84" name="TextBox 83"/>
+                            <p:cNvSpPr txBox="1"/>
+                            <p:nvPr/>
+                          </p:nvSpPr>
+                          <p:spPr>
+                            <a:xfrm>
+                              <a:off x="4841492" y="5295230"/>
+                              <a:ext cx="429605" cy="246221"/>
+                            </a:xfrm>
+                            <a:prstGeom prst="rect">
+                              <a:avLst/>
+                            </a:prstGeom>
+                            <a:noFill/>
+                          </p:spPr>
+                          <p:txBody>
+                            <a:bodyPr wrap="square" lIns="0" tIns="0" rIns="0" bIns="0" rtlCol="0">
+                              <a:spAutoFit/>
+                            </a:bodyPr>
+                            <a:lstStyle/>
+                            <a:p>
+                              <a:pPr/>
+                              <a14:m>
+                                <m:oMathPara xmlns:m="http://schemas.openxmlformats.org/officeDocument/2006/math">
+                                  <m:oMathParaPr>
+                                    <m:jc m:val="centerGroup"/>
+                                  </m:oMathParaPr>
+                                  <m:oMath xmlns:m="http://schemas.openxmlformats.org/officeDocument/2006/math">
+                                    <m:r>
+                                      <a:rPr lang="en-CA" sz="1600" b="0" i="1" smtClean="0">
+                                        <a:latin typeface="Cambria Math" charset="0"/>
+                                      </a:rPr>
+                                      <m:t>0.</m:t>
+                                    </m:r>
+                                    <m:r>
+                                      <a:rPr lang="en-CA" sz="1600" i="1" smtClean="0">
+                                        <a:latin typeface="Cambria Math" charset="0"/>
+                                      </a:rPr>
+                                      <m:t>3</m:t>
+                                    </m:r>
+                                    <m:r>
+                                      <a:rPr lang="en-CA" sz="1600" b="0" i="1" smtClean="0">
+                                        <a:latin typeface="Cambria Math" charset="0"/>
+                                      </a:rPr>
+                                      <m:t>5 </m:t>
+                                    </m:r>
+                                    <m:r>
+                                      <m:rPr>
+                                        <m:nor/>
+                                      </m:rPr>
+                                      <a:rPr lang="en-CA" sz="1600" b="0" i="0" smtClean="0">
+                                        <a:latin typeface="Cambria Math" charset="0"/>
+                                      </a:rPr>
+                                      <m:t>m</m:t>
+                                    </m:r>
+                                  </m:oMath>
+                                </m:oMathPara>
+                              </a14:m>
+                              <a:endParaRPr lang="en-US" sz="1600" dirty="0"/>
+                            </a:p>
+                          </p:txBody>
+                        </p:sp>
+                      </mc:Choice>
+                      <mc:Fallback xmlns="">
+                        <p:sp>
+                          <p:nvSpPr>
+                            <p:cNvPr id="84" name="TextBox 83"/>
+                            <p:cNvSpPr txBox="1">
+                              <a:spLocks noRot="1" noChangeAspect="1" noMove="1" noResize="1" noEditPoints="1" noAdjustHandles="1" noChangeArrowheads="1" noChangeShapeType="1" noTextEdit="1"/>
+                            </p:cNvSpPr>
+                            <p:nvPr/>
+                          </p:nvSpPr>
+                          <p:spPr>
+                            <a:xfrm>
+                              <a:off x="4841492" y="5295230"/>
+                              <a:ext cx="429605" cy="246221"/>
+                            </a:xfrm>
+                            <a:prstGeom prst="rect">
+                              <a:avLst/>
+                            </a:prstGeom>
+                            <a:blipFill rotWithShape="0">
+                              <a:blip r:embed="rId12"/>
+                              <a:stretch>
+                                <a:fillRect l="-16901" t="-139024" r="-49296" b="-170732"/>
+                              </a:stretch>
+                            </a:blipFill>
+                          </p:spPr>
+                          <p:txBody>
+                            <a:bodyPr/>
+                            <a:lstStyle/>
+                            <a:p>
+                              <a:r>
+                                <a:rPr lang="en-US">
+                                  <a:noFill/>
+                                </a:rPr>
+                                <a:t> </a:t>
+                              </a:r>
+                            </a:p>
+                          </p:txBody>
+                        </p:sp>
+                      </mc:Fallback>
+                    </mc:AlternateContent>
+                  </p:grpSp>
+                  <mc:AlternateContent xmlns:mc="http://schemas.openxmlformats.org/markup-compatibility/2006" xmlns:a14="http://schemas.microsoft.com/office/drawing/2010/main">
+                    <mc:Choice Requires="a14">
+                      <p:sp>
+                        <p:nvSpPr>
+                          <p:cNvPr id="109" name="Rectangle 108"/>
+                          <p:cNvSpPr/>
+                          <p:nvPr/>
+                        </p:nvSpPr>
+                        <p:spPr>
+                          <a:xfrm>
+                            <a:off x="1603300" y="4621030"/>
+                            <a:ext cx="684849" cy="623713"/>
+                          </a:xfrm>
+                          <a:prstGeom prst="rect">
+                            <a:avLst/>
+                          </a:prstGeom>
+                          <a:solidFill>
+                            <a:schemeClr val="bg2">
+                              <a:lumMod val="90000"/>
+                            </a:schemeClr>
+                          </a:solidFill>
+                          <a:ln>
+                            <a:solidFill>
+                              <a:schemeClr val="tx1"/>
+                            </a:solidFill>
+                          </a:ln>
+                        </p:spPr>
+                        <p:style>
+                          <a:lnRef idx="2">
+                            <a:schemeClr val="accent1">
+                              <a:shade val="50000"/>
+                            </a:schemeClr>
+                          </a:lnRef>
+                          <a:fillRef idx="1">
+                            <a:schemeClr val="accent1"/>
+                          </a:fillRef>
+                          <a:effectRef idx="0">
+                            <a:schemeClr val="accent1"/>
+                          </a:effectRef>
+                          <a:fontRef idx="minor">
+                            <a:schemeClr val="lt1"/>
+                          </a:fontRef>
+                        </p:style>
+                        <p:txBody>
+                          <a:bodyPr rtlCol="0" anchor="ctr"/>
+                          <a:lstStyle/>
+                          <a:p>
+                            <a:pPr algn="ctr"/>
+                            <a14:m>
+                              <m:oMathPara xmlns:m="http://schemas.openxmlformats.org/officeDocument/2006/math">
+                                <m:oMathParaPr>
+                                  <m:jc m:val="centerGroup"/>
+                                </m:oMathParaPr>
+                                <m:oMath xmlns:m="http://schemas.openxmlformats.org/officeDocument/2006/math">
+                                  <m:r>
+                                    <a:rPr lang="en-CA" sz="1600" b="0" i="1" smtClean="0">
+                                      <a:solidFill>
+                                        <a:sysClr val="windowText" lastClr="000000"/>
+                                      </a:solidFill>
+                                      <a:latin typeface="Cambria Math" charset="0"/>
+                                    </a:rPr>
+                                    <m:t>30 </m:t>
+                                  </m:r>
+                                  <m:r>
+                                    <m:rPr>
+                                      <m:nor/>
+                                    </m:rPr>
+                                    <a:rPr lang="en-CA" sz="1600" b="0" i="0" smtClean="0">
+                                      <a:solidFill>
+                                        <a:sysClr val="windowText" lastClr="000000"/>
+                                      </a:solidFill>
+                                      <a:latin typeface="Cambria Math" charset="0"/>
+                                    </a:rPr>
+                                    <m:t>kg</m:t>
+                                  </m:r>
+                                </m:oMath>
+                              </m:oMathPara>
+                            </a14:m>
+                            <a:endParaRPr lang="en-US" sz="1600" dirty="0">
+                              <a:solidFill>
+                                <a:sysClr val="windowText" lastClr="000000"/>
+                              </a:solidFill>
+                            </a:endParaRPr>
+                          </a:p>
+                        </p:txBody>
+                      </p:sp>
+                    </mc:Choice>
+                    <mc:Fallback xmlns="">
+                      <p:sp>
+                        <p:nvSpPr>
+                          <p:cNvPr id="109" name="Rectangle 108"/>
+                          <p:cNvSpPr>
+                            <a:spLocks noRot="1" noChangeAspect="1" noMove="1" noResize="1" noEditPoints="1" noAdjustHandles="1" noChangeArrowheads="1" noChangeShapeType="1" noTextEdit="1"/>
+                          </p:cNvSpPr>
+                          <p:nvPr/>
+                        </p:nvSpPr>
+                        <p:spPr>
+                          <a:xfrm>
+                            <a:off x="1603300" y="4621030"/>
+                            <a:ext cx="684849" cy="623713"/>
+                          </a:xfrm>
+                          <a:prstGeom prst="rect">
+                            <a:avLst/>
+                          </a:prstGeom>
+                          <a:blipFill rotWithShape="0">
+                            <a:blip r:embed="rId13"/>
+                            <a:stretch>
+                              <a:fillRect t="-24038" b="-37500"/>
+                            </a:stretch>
+                          </a:blipFill>
+                          <a:ln>
+                            <a:solidFill>
+                              <a:schemeClr val="tx1"/>
+                            </a:solidFill>
+                          </a:ln>
+                        </p:spPr>
+                        <p:txBody>
+                          <a:bodyPr/>
+                          <a:lstStyle/>
+                          <a:p>
+                            <a:r>
+                              <a:rPr lang="en-US">
+                                <a:noFill/>
+                              </a:rPr>
+                              <a:t> </a:t>
+                            </a:r>
+                          </a:p>
+                        </p:txBody>
+                      </p:sp>
+                    </mc:Fallback>
+                  </mc:AlternateContent>
+                </p:grpSp>
+              </p:grpSp>
+            </p:grpSp>
+          </p:grpSp>
+          <p:sp>
+            <p:nvSpPr>
+              <p:cNvPr id="118" name="Oval 117"/>
+              <p:cNvSpPr/>
+              <p:nvPr/>
+            </p:nvSpPr>
+            <p:spPr>
+              <a:xfrm>
+                <a:off x="4961405" y="5231526"/>
+                <a:ext cx="177209" cy="168001"/>
+              </a:xfrm>
+              <a:prstGeom prst="ellipse">
+                <a:avLst/>
+              </a:prstGeom>
+              <a:solidFill>
+                <a:schemeClr val="tx1"/>
+              </a:solidFill>
+              <a:ln>
+                <a:solidFill>
+                  <a:schemeClr val="tx1"/>
+                </a:solidFill>
+              </a:ln>
+            </p:spPr>
+            <p:style>
+              <a:lnRef idx="2">
+                <a:schemeClr val="accent1">
+                  <a:shade val="50000"/>
+                </a:schemeClr>
+              </a:lnRef>
+              <a:fillRef idx="1">
+                <a:schemeClr val="accent1"/>
+              </a:fillRef>
+              <a:effectRef idx="0">
+                <a:schemeClr val="accent1"/>
+              </a:effectRef>
+              <a:fontRef idx="minor">
+                <a:schemeClr val="lt1"/>
+              </a:fontRef>
+            </p:style>
+            <p:txBody>
+              <a:bodyPr rtlCol="0" anchor="ctr"/>
+              <a:lstStyle/>
+              <a:p>
+                <a:pPr algn="ctr"/>
+                <a:endParaRPr lang="en-US"/>
+              </a:p>
+            </p:txBody>
+          </p:sp>
+          <p:cxnSp>
+            <p:nvCxnSpPr>
+              <p:cNvPr id="120" name="Straight Arrow Connector 119"/>
+              <p:cNvCxnSpPr>
+                <a:stCxn id="118" idx="4"/>
+              </p:cNvCxnSpPr>
+              <p:nvPr/>
+            </p:nvCxnSpPr>
+            <p:spPr>
+              <a:xfrm flipH="1">
+                <a:off x="5050009" y="5399527"/>
+                <a:ext cx="1" cy="966583"/>
+              </a:xfrm>
+              <a:prstGeom prst="straightConnector1">
+                <a:avLst/>
+              </a:prstGeom>
+              <a:ln w="28575">
+                <a:solidFill>
+                  <a:schemeClr val="tx1"/>
+                </a:solidFill>
+                <a:tailEnd type="triangle"/>
+              </a:ln>
+            </p:spPr>
+            <p:style>
+              <a:lnRef idx="1">
+                <a:schemeClr val="accent1"/>
+              </a:lnRef>
+              <a:fillRef idx="0">
+                <a:schemeClr val="accent1"/>
+              </a:fillRef>
+              <a:effectRef idx="0">
+                <a:schemeClr val="accent1"/>
+              </a:effectRef>
+              <a:fontRef idx="minor">
+                <a:schemeClr val="tx1"/>
+              </a:fontRef>
+            </p:style>
+          </p:cxnSp>
+          <p:cxnSp>
+            <p:nvCxnSpPr>
+              <p:cNvPr id="121" name="Straight Arrow Connector 120"/>
+              <p:cNvCxnSpPr/>
+              <p:nvPr/>
+            </p:nvCxnSpPr>
+            <p:spPr>
+              <a:xfrm flipV="1">
+                <a:off x="4998584" y="4569397"/>
+                <a:ext cx="279" cy="739042"/>
+              </a:xfrm>
+              <a:prstGeom prst="straightConnector1">
+                <a:avLst/>
+              </a:prstGeom>
+              <a:ln w="28575">
+                <a:solidFill>
+                  <a:schemeClr val="tx1"/>
+                </a:solidFill>
+                <a:tailEnd type="triangle"/>
+              </a:ln>
+            </p:spPr>
+            <p:style>
+              <a:lnRef idx="1">
+                <a:schemeClr val="accent1"/>
+              </a:lnRef>
+              <a:fillRef idx="0">
+                <a:schemeClr val="accent1"/>
+              </a:fillRef>
+              <a:effectRef idx="0">
+                <a:schemeClr val="accent1"/>
+              </a:effectRef>
+              <a:fontRef idx="minor">
+                <a:schemeClr val="tx1"/>
+              </a:fontRef>
+            </p:style>
+          </p:cxnSp>
+          <p:cxnSp>
+            <p:nvCxnSpPr>
+              <p:cNvPr id="123" name="Straight Arrow Connector 122"/>
+              <p:cNvCxnSpPr/>
+              <p:nvPr/>
+            </p:nvCxnSpPr>
+            <p:spPr>
+              <a:xfrm flipV="1">
+                <a:off x="5080104" y="4387701"/>
+                <a:ext cx="0" cy="900000"/>
+              </a:xfrm>
+              <a:prstGeom prst="straightConnector1">
+                <a:avLst/>
+              </a:prstGeom>
+              <a:ln w="28575">
+                <a:solidFill>
+                  <a:schemeClr val="tx1"/>
+                </a:solidFill>
+                <a:tailEnd type="triangle"/>
+              </a:ln>
+            </p:spPr>
+            <p:style>
+              <a:lnRef idx="1">
+                <a:schemeClr val="accent1"/>
+              </a:lnRef>
+              <a:fillRef idx="0">
+                <a:schemeClr val="accent1"/>
+              </a:fillRef>
+              <a:effectRef idx="0">
+                <a:schemeClr val="accent1"/>
+              </a:effectRef>
+              <a:fontRef idx="minor">
+                <a:schemeClr val="tx1"/>
+              </a:fontRef>
+            </p:style>
+          </p:cxnSp>
+          <mc:AlternateContent xmlns:mc="http://schemas.openxmlformats.org/markup-compatibility/2006" xmlns:a14="http://schemas.microsoft.com/office/drawing/2010/main">
+            <mc:Choice Requires="a14">
+              <p:sp>
+                <p:nvSpPr>
+                  <p:cNvPr id="126" name="TextBox 125"/>
+                  <p:cNvSpPr txBox="1"/>
+                  <p:nvPr/>
+                </p:nvSpPr>
+                <p:spPr>
+                  <a:xfrm>
+                    <a:off x="4573607" y="4782888"/>
+                    <a:ext cx="387798" cy="344005"/>
+                  </a:xfrm>
+                  <a:prstGeom prst="rect">
+                    <a:avLst/>
+                  </a:prstGeom>
+                  <a:noFill/>
+                </p:spPr>
+                <p:txBody>
+                  <a:bodyPr wrap="none" lIns="0" tIns="0" rIns="0" bIns="0" rtlCol="0">
+                    <a:spAutoFit/>
+                  </a:bodyPr>
+                  <a:lstStyle/>
+                  <a:p>
+                    <a:pPr/>
+                    <a14:m>
+                      <m:oMathPara xmlns:m="http://schemas.openxmlformats.org/officeDocument/2006/math">
+                        <m:oMathParaPr>
+                          <m:jc m:val="centerGroup"/>
+                        </m:oMathParaPr>
+                        <m:oMath xmlns:m="http://schemas.openxmlformats.org/officeDocument/2006/math">
+                          <m:sSub>
+                            <m:sSubPr>
+                              <m:ctrlPr>
+                                <a:rPr lang="en-CA" b="0" i="1" smtClean="0">
+                                  <a:latin typeface="Cambria Math" charset="0"/>
+                                </a:rPr>
+                              </m:ctrlPr>
+                            </m:sSubPr>
+                            <m:e>
+                              <m:sSub>
+                                <m:sSubPr>
+                                  <m:ctrlPr>
+                                    <a:rPr lang="en-CA" b="0" i="1" smtClean="0">
+                                      <a:latin typeface="Cambria Math" charset="0"/>
+                                    </a:rPr>
+                                  </m:ctrlPr>
+                                </m:sSubPr>
+                                <m:e>
+                                  <m:acc>
+                                    <m:accPr>
+                                      <m:chr m:val="⃗"/>
+                                      <m:ctrlPr>
+                                        <a:rPr lang="en-US" i="1" smtClean="0">
+                                          <a:latin typeface="Cambria Math" charset="0"/>
+                                        </a:rPr>
+                                      </m:ctrlPr>
+                                    </m:accPr>
+                                    <m:e>
+                                      <m:r>
+                                        <a:rPr lang="en-CA" b="0" i="1" smtClean="0">
+                                          <a:latin typeface="Cambria Math" charset="0"/>
+                                        </a:rPr>
+                                        <m:t>𝐹</m:t>
+                                      </m:r>
+                                    </m:e>
+                                  </m:acc>
+                                </m:e>
+                                <m:sub>
+                                  <m:r>
+                                    <a:rPr lang="en-CA" b="0" i="1" smtClean="0">
+                                      <a:latin typeface="Cambria Math" charset="0"/>
+                                    </a:rPr>
+                                    <m:t>𝑘</m:t>
+                                  </m:r>
+                                </m:sub>
+                              </m:sSub>
+                            </m:e>
+                            <m:sub>
+                              <m:r>
+                                <a:rPr lang="en-CA" b="0" i="1" smtClean="0">
+                                  <a:latin typeface="Cambria Math" charset="0"/>
+                                </a:rPr>
+                                <m:t>1</m:t>
+                              </m:r>
+                            </m:sub>
+                          </m:sSub>
+                        </m:oMath>
+                      </m:oMathPara>
+                    </a14:m>
+                    <a:endParaRPr lang="en-US" dirty="0"/>
+                  </a:p>
+                </p:txBody>
+              </p:sp>
+            </mc:Choice>
+            <mc:Fallback xmlns="">
+              <p:sp>
+                <p:nvSpPr>
+                  <p:cNvPr id="126" name="TextBox 125"/>
+                  <p:cNvSpPr txBox="1">
+                    <a:spLocks noRot="1" noChangeAspect="1" noMove="1" noResize="1" noEditPoints="1" noAdjustHandles="1" noChangeArrowheads="1" noChangeShapeType="1" noTextEdit="1"/>
+                  </p:cNvSpPr>
+                  <p:nvPr/>
+                </p:nvSpPr>
+                <p:spPr>
+                  <a:xfrm>
+                    <a:off x="4573607" y="4782888"/>
+                    <a:ext cx="387798" cy="344005"/>
+                  </a:xfrm>
+                  <a:prstGeom prst="rect">
+                    <a:avLst/>
+                  </a:prstGeom>
+                  <a:blipFill rotWithShape="0">
+                    <a:blip r:embed="rId14"/>
+                    <a:stretch>
+                      <a:fillRect l="-12500" t="-32143" r="-39063" b="-16071"/>
+                    </a:stretch>
+                  </a:blipFill>
+                </p:spPr>
+                <p:txBody>
+                  <a:bodyPr/>
+                  <a:lstStyle/>
+                  <a:p>
+                    <a:r>
+                      <a:rPr lang="en-US">
+                        <a:noFill/>
+                      </a:rPr>
+                      <a:t> </a:t>
+                    </a:r>
+                  </a:p>
+                </p:txBody>
+              </p:sp>
+            </mc:Fallback>
+          </mc:AlternateContent>
+          <mc:AlternateContent xmlns:mc="http://schemas.openxmlformats.org/markup-compatibility/2006" xmlns:a14="http://schemas.microsoft.com/office/drawing/2010/main">
+            <mc:Choice Requires="a14">
+              <p:sp>
+                <p:nvSpPr>
+                  <p:cNvPr id="127" name="TextBox 126"/>
+                  <p:cNvSpPr txBox="1"/>
+                  <p:nvPr/>
+                </p:nvSpPr>
+                <p:spPr>
+                  <a:xfrm>
+                    <a:off x="5161144" y="4782888"/>
+                    <a:ext cx="393121" cy="344005"/>
+                  </a:xfrm>
+                  <a:prstGeom prst="rect">
+                    <a:avLst/>
+                  </a:prstGeom>
+                  <a:noFill/>
+                </p:spPr>
+                <p:txBody>
+                  <a:bodyPr wrap="none" lIns="0" tIns="0" rIns="0" bIns="0" rtlCol="0">
+                    <a:spAutoFit/>
+                  </a:bodyPr>
+                  <a:lstStyle/>
+                  <a:p>
+                    <a:pPr/>
+                    <a14:m>
+                      <m:oMathPara xmlns:m="http://schemas.openxmlformats.org/officeDocument/2006/math">
+                        <m:oMathParaPr>
+                          <m:jc m:val="centerGroup"/>
+                        </m:oMathParaPr>
+                        <m:oMath xmlns:m="http://schemas.openxmlformats.org/officeDocument/2006/math">
+                          <m:sSub>
+                            <m:sSubPr>
+                              <m:ctrlPr>
+                                <a:rPr lang="en-CA" b="0" i="1" smtClean="0">
+                                  <a:latin typeface="Cambria Math" charset="0"/>
+                                </a:rPr>
+                              </m:ctrlPr>
+                            </m:sSubPr>
+                            <m:e>
+                              <m:sSub>
+                                <m:sSubPr>
+                                  <m:ctrlPr>
+                                    <a:rPr lang="en-CA" b="0" i="1" smtClean="0">
+                                      <a:latin typeface="Cambria Math" charset="0"/>
+                                    </a:rPr>
+                                  </m:ctrlPr>
+                                </m:sSubPr>
+                                <m:e>
+                                  <m:acc>
+                                    <m:accPr>
+                                      <m:chr m:val="⃗"/>
+                                      <m:ctrlPr>
+                                        <a:rPr lang="en-US" i="1" smtClean="0">
+                                          <a:latin typeface="Cambria Math" charset="0"/>
+                                        </a:rPr>
+                                      </m:ctrlPr>
+                                    </m:accPr>
+                                    <m:e>
+                                      <m:r>
+                                        <a:rPr lang="en-CA" b="0" i="1" smtClean="0">
+                                          <a:latin typeface="Cambria Math" charset="0"/>
+                                        </a:rPr>
+                                        <m:t>𝐹</m:t>
+                                      </m:r>
+                                    </m:e>
+                                  </m:acc>
+                                </m:e>
+                                <m:sub>
+                                  <m:r>
+                                    <a:rPr lang="en-CA" b="0" i="1" smtClean="0">
+                                      <a:latin typeface="Cambria Math" charset="0"/>
+                                    </a:rPr>
+                                    <m:t>𝑘</m:t>
+                                  </m:r>
+                                </m:sub>
+                              </m:sSub>
+                            </m:e>
+                            <m:sub>
+                              <m:r>
+                                <a:rPr lang="en-CA" b="0" i="1" smtClean="0">
+                                  <a:latin typeface="Cambria Math" charset="0"/>
+                                </a:rPr>
+                                <m:t>2</m:t>
+                              </m:r>
+                            </m:sub>
+                          </m:sSub>
+                        </m:oMath>
+                      </m:oMathPara>
+                    </a14:m>
+                    <a:endParaRPr lang="en-US" dirty="0"/>
+                  </a:p>
+                </p:txBody>
+              </p:sp>
+            </mc:Choice>
+            <mc:Fallback xmlns="">
+              <p:sp>
+                <p:nvSpPr>
+                  <p:cNvPr id="127" name="TextBox 126"/>
+                  <p:cNvSpPr txBox="1">
+                    <a:spLocks noRot="1" noChangeAspect="1" noMove="1" noResize="1" noEditPoints="1" noAdjustHandles="1" noChangeArrowheads="1" noChangeShapeType="1" noTextEdit="1"/>
+                  </p:cNvSpPr>
+                  <p:nvPr/>
+                </p:nvSpPr>
+                <p:spPr>
+                  <a:xfrm>
+                    <a:off x="5161144" y="4782888"/>
+                    <a:ext cx="393121" cy="344005"/>
+                  </a:xfrm>
+                  <a:prstGeom prst="rect">
+                    <a:avLst/>
+                  </a:prstGeom>
+                  <a:blipFill rotWithShape="0">
+                    <a:blip r:embed="rId15"/>
+                    <a:stretch>
+                      <a:fillRect l="-12500" t="-32143" r="-37500" b="-16071"/>
+                    </a:stretch>
+                  </a:blipFill>
+                </p:spPr>
+                <p:txBody>
+                  <a:bodyPr/>
+                  <a:lstStyle/>
+                  <a:p>
+                    <a:r>
+                      <a:rPr lang="en-US">
+                        <a:noFill/>
+                      </a:rPr>
+                      <a:t> </a:t>
+                    </a:r>
+                  </a:p>
+                </p:txBody>
+              </p:sp>
+            </mc:Fallback>
+          </mc:AlternateContent>
+          <mc:AlternateContent xmlns:mc="http://schemas.openxmlformats.org/markup-compatibility/2006" xmlns:a14="http://schemas.microsoft.com/office/drawing/2010/main">
+            <mc:Choice Requires="a14">
+              <p:sp>
+                <p:nvSpPr>
+                  <p:cNvPr id="129" name="TextBox 128"/>
+                  <p:cNvSpPr txBox="1"/>
+                  <p:nvPr/>
+                </p:nvSpPr>
+                <p:spPr>
+                  <a:xfrm>
+                    <a:off x="5112180" y="5660536"/>
+                    <a:ext cx="262058" cy="339517"/>
+                  </a:xfrm>
+                  <a:prstGeom prst="rect">
+                    <a:avLst/>
+                  </a:prstGeom>
+                  <a:noFill/>
+                </p:spPr>
+                <p:txBody>
+                  <a:bodyPr wrap="none" lIns="0" tIns="0" rIns="0" bIns="0" rtlCol="0">
+                    <a:spAutoFit/>
+                  </a:bodyPr>
+                  <a:lstStyle/>
+                  <a:p>
+                    <a:pPr/>
+                    <a14:m>
+                      <m:oMathPara xmlns:m="http://schemas.openxmlformats.org/officeDocument/2006/math">
+                        <m:oMathParaPr>
+                          <m:jc m:val="centerGroup"/>
+                        </m:oMathParaPr>
+                        <m:oMath xmlns:m="http://schemas.openxmlformats.org/officeDocument/2006/math">
+                          <m:sSub>
+                            <m:sSubPr>
+                              <m:ctrlPr>
+                                <a:rPr lang="en-CA" b="0" i="1" smtClean="0">
+                                  <a:latin typeface="Cambria Math" charset="0"/>
+                                </a:rPr>
+                              </m:ctrlPr>
+                            </m:sSubPr>
+                            <m:e>
+                              <m:acc>
+                                <m:accPr>
+                                  <m:chr m:val="⃗"/>
+                                  <m:ctrlPr>
+                                    <a:rPr lang="en-US" i="1" smtClean="0">
+                                      <a:latin typeface="Cambria Math" charset="0"/>
+                                    </a:rPr>
+                                  </m:ctrlPr>
+                                </m:accPr>
+                                <m:e>
+                                  <m:r>
+                                    <a:rPr lang="en-CA" b="0" i="1" smtClean="0">
+                                      <a:latin typeface="Cambria Math" charset="0"/>
+                                    </a:rPr>
+                                    <m:t>𝐹</m:t>
+                                  </m:r>
+                                </m:e>
+                              </m:acc>
+                            </m:e>
+                            <m:sub>
+                              <m:r>
+                                <a:rPr lang="en-CA" b="0" i="1" smtClean="0">
+                                  <a:latin typeface="Cambria Math" charset="0"/>
+                                </a:rPr>
+                                <m:t>𝑔</m:t>
+                              </m:r>
+                            </m:sub>
+                          </m:sSub>
+                        </m:oMath>
+                      </m:oMathPara>
+                    </a14:m>
+                    <a:endParaRPr lang="en-US" dirty="0"/>
+                  </a:p>
+                </p:txBody>
+              </p:sp>
+            </mc:Choice>
+            <mc:Fallback xmlns="">
+              <p:sp>
+                <p:nvSpPr>
+                  <p:cNvPr id="129" name="TextBox 128"/>
+                  <p:cNvSpPr txBox="1">
+                    <a:spLocks noRot="1" noChangeAspect="1" noMove="1" noResize="1" noEditPoints="1" noAdjustHandles="1" noChangeArrowheads="1" noChangeShapeType="1" noTextEdit="1"/>
+                  </p:cNvSpPr>
+                  <p:nvPr/>
+                </p:nvSpPr>
+                <p:spPr>
+                  <a:xfrm>
+                    <a:off x="5112180" y="5660536"/>
+                    <a:ext cx="262058" cy="339517"/>
+                  </a:xfrm>
+                  <a:prstGeom prst="rect">
+                    <a:avLst/>
+                  </a:prstGeom>
+                  <a:blipFill rotWithShape="0">
+                    <a:blip r:embed="rId16"/>
+                    <a:stretch>
+                      <a:fillRect l="-20930" t="-32727" r="-72093" b="-18182"/>
+                    </a:stretch>
+                  </a:blipFill>
+                </p:spPr>
+                <p:txBody>
+                  <a:bodyPr/>
+                  <a:lstStyle/>
+                  <a:p>
+                    <a:r>
+                      <a:rPr lang="en-US">
+                        <a:noFill/>
+                      </a:rPr>
+                      <a:t> </a:t>
+                    </a:r>
+                  </a:p>
+                </p:txBody>
+              </p:sp>
+            </mc:Fallback>
+          </mc:AlternateContent>
+        </p:grpSp>
+        <p:cxnSp>
+          <p:nvCxnSpPr>
+            <p:cNvPr id="71" name="Straight Arrow Connector 70"/>
+            <p:cNvCxnSpPr/>
+            <p:nvPr/>
+          </p:nvCxnSpPr>
+          <p:spPr>
+            <a:xfrm flipH="1">
+              <a:off x="3325509" y="5047230"/>
+              <a:ext cx="291" cy="268296"/>
+            </a:xfrm>
+            <a:prstGeom prst="straightConnector1">
+              <a:avLst/>
+            </a:prstGeom>
+            <a:ln w="28575">
+              <a:solidFill>
+                <a:schemeClr val="tx1"/>
+              </a:solidFill>
+              <a:headEnd type="triangle"/>
+              <a:tailEnd type="triangle"/>
+            </a:ln>
+          </p:spPr>
+          <p:style>
+            <a:lnRef idx="1">
+              <a:schemeClr val="accent1"/>
+            </a:lnRef>
+            <a:fillRef idx="0">
+              <a:schemeClr val="accent1"/>
+            </a:fillRef>
+            <a:effectRef idx="0">
+              <a:schemeClr val="accent1"/>
+            </a:effectRef>
+            <a:fontRef idx="minor">
+              <a:schemeClr val="tx1"/>
+            </a:fontRef>
+          </p:style>
+        </p:cxnSp>
+        <mc:AlternateContent xmlns:mc="http://schemas.openxmlformats.org/markup-compatibility/2006">
+          <mc:Choice xmlns:a14="http://schemas.microsoft.com/office/drawing/2010/main" Requires="a14">
+            <p:sp>
+              <p:nvSpPr>
+                <p:cNvPr id="73" name="TextBox 72"/>
+                <p:cNvSpPr txBox="1"/>
+                <p:nvPr/>
+              </p:nvSpPr>
+              <p:spPr>
+                <a:xfrm>
+                  <a:off x="3457678" y="5050085"/>
+                  <a:ext cx="429605" cy="246221"/>
+                </a:xfrm>
+                <a:prstGeom prst="rect">
+                  <a:avLst/>
+                </a:prstGeom>
+                <a:noFill/>
+              </p:spPr>
+              <p:txBody>
+                <a:bodyPr wrap="square" lIns="0" tIns="0" rIns="0" bIns="0" rtlCol="0">
+                  <a:spAutoFit/>
+                </a:bodyPr>
+                <a:lstStyle/>
+                <a:p>
+                  <a:pPr/>
+                  <a14:m>
+                    <m:oMathPara xmlns:m="http://schemas.openxmlformats.org/officeDocument/2006/math">
+                      <m:oMathParaPr>
+                        <m:jc m:val="centerGroup"/>
+                      </m:oMathParaPr>
+                      <m:oMath xmlns:m="http://schemas.openxmlformats.org/officeDocument/2006/math">
+                        <m:r>
+                          <a:rPr lang="en-CA" sz="1600" b="0" i="1" smtClean="0">
+                            <a:latin typeface="Cambria Math" charset="0"/>
+                          </a:rPr>
+                          <m:t>0.0</m:t>
+                        </m:r>
+                        <m:r>
+                          <a:rPr lang="en-CA" sz="1600" b="0" i="1" smtClean="0">
+                            <a:latin typeface="Cambria Math" charset="0"/>
+                          </a:rPr>
+                          <m:t>5 </m:t>
+                        </m:r>
+                        <m:r>
+                          <m:rPr>
+                            <m:nor/>
+                          </m:rPr>
+                          <a:rPr lang="en-CA" sz="1600" b="0" i="0" smtClean="0">
+                            <a:latin typeface="Cambria Math" charset="0"/>
+                          </a:rPr>
+                          <m:t>m</m:t>
+                        </m:r>
+                      </m:oMath>
+                    </m:oMathPara>
+                  </a14:m>
+                  <a:endParaRPr lang="en-US" sz="1600" dirty="0"/>
+                </a:p>
+              </p:txBody>
+            </p:sp>
+          </mc:Choice>
+          <mc:Fallback>
+            <p:sp>
+              <p:nvSpPr>
+                <p:cNvPr id="73" name="TextBox 72"/>
+                <p:cNvSpPr txBox="1">
+                  <a:spLocks noRot="1" noChangeAspect="1" noMove="1" noResize="1" noEditPoints="1" noAdjustHandles="1" noChangeArrowheads="1" noChangeShapeType="1" noTextEdit="1"/>
+                </p:cNvSpPr>
+                <p:nvPr/>
+              </p:nvSpPr>
+              <p:spPr>
+                <a:xfrm>
+                  <a:off x="3457678" y="5050085"/>
+                  <a:ext cx="429605" cy="246221"/>
+                </a:xfrm>
+                <a:prstGeom prst="rect">
+                  <a:avLst/>
+                </a:prstGeom>
+                <a:blipFill rotWithShape="0">
+                  <a:blip r:embed="rId22"/>
+                  <a:stretch>
+                    <a:fillRect l="-16901" t="-139024" r="-49296" b="-170732"/>
                   </a:stretch>
                 </a:blipFill>
               </p:spPr>
